--- a/python_ppt/Python 13장. 데이터 분석 및 시각화 .pptx
+++ b/python_ppt/Python 13장. 데이터 분석 및 시각화 .pptx
@@ -5,7 +5,7 @@
     <p:sldMasterId id="2147483648" r:id="rId1"/>
   </p:sldMasterIdLst>
   <p:notesMasterIdLst>
-    <p:notesMasterId r:id="rId53"/>
+    <p:notesMasterId r:id="rId54"/>
   </p:notesMasterIdLst>
   <p:sldIdLst>
     <p:sldId id="256" r:id="rId2"/>
@@ -26,39 +26,40 @@
     <p:sldId id="336" r:id="rId17"/>
     <p:sldId id="351" r:id="rId18"/>
     <p:sldId id="337" r:id="rId19"/>
-    <p:sldId id="352" r:id="rId20"/>
-    <p:sldId id="354" r:id="rId21"/>
-    <p:sldId id="370" r:id="rId22"/>
-    <p:sldId id="355" r:id="rId23"/>
-    <p:sldId id="376" r:id="rId24"/>
-    <p:sldId id="380" r:id="rId25"/>
-    <p:sldId id="381" r:id="rId26"/>
-    <p:sldId id="379" r:id="rId27"/>
-    <p:sldId id="382" r:id="rId28"/>
-    <p:sldId id="383" r:id="rId29"/>
-    <p:sldId id="377" r:id="rId30"/>
-    <p:sldId id="378" r:id="rId31"/>
-    <p:sldId id="384" r:id="rId32"/>
-    <p:sldId id="316" r:id="rId33"/>
-    <p:sldId id="325" r:id="rId34"/>
-    <p:sldId id="318" r:id="rId35"/>
-    <p:sldId id="317" r:id="rId36"/>
-    <p:sldId id="314" r:id="rId37"/>
-    <p:sldId id="319" r:id="rId38"/>
-    <p:sldId id="338" r:id="rId39"/>
-    <p:sldId id="309" r:id="rId40"/>
-    <p:sldId id="353" r:id="rId41"/>
-    <p:sldId id="310" r:id="rId42"/>
-    <p:sldId id="365" r:id="rId43"/>
-    <p:sldId id="366" r:id="rId44"/>
-    <p:sldId id="367" r:id="rId45"/>
-    <p:sldId id="375" r:id="rId46"/>
-    <p:sldId id="368" r:id="rId47"/>
-    <p:sldId id="369" r:id="rId48"/>
-    <p:sldId id="371" r:id="rId49"/>
-    <p:sldId id="372" r:id="rId50"/>
-    <p:sldId id="373" r:id="rId51"/>
-    <p:sldId id="374" r:id="rId52"/>
+    <p:sldId id="385" r:id="rId20"/>
+    <p:sldId id="352" r:id="rId21"/>
+    <p:sldId id="354" r:id="rId22"/>
+    <p:sldId id="370" r:id="rId23"/>
+    <p:sldId id="355" r:id="rId24"/>
+    <p:sldId id="376" r:id="rId25"/>
+    <p:sldId id="380" r:id="rId26"/>
+    <p:sldId id="381" r:id="rId27"/>
+    <p:sldId id="379" r:id="rId28"/>
+    <p:sldId id="382" r:id="rId29"/>
+    <p:sldId id="383" r:id="rId30"/>
+    <p:sldId id="377" r:id="rId31"/>
+    <p:sldId id="378" r:id="rId32"/>
+    <p:sldId id="384" r:id="rId33"/>
+    <p:sldId id="316" r:id="rId34"/>
+    <p:sldId id="325" r:id="rId35"/>
+    <p:sldId id="318" r:id="rId36"/>
+    <p:sldId id="317" r:id="rId37"/>
+    <p:sldId id="314" r:id="rId38"/>
+    <p:sldId id="319" r:id="rId39"/>
+    <p:sldId id="338" r:id="rId40"/>
+    <p:sldId id="309" r:id="rId41"/>
+    <p:sldId id="353" r:id="rId42"/>
+    <p:sldId id="310" r:id="rId43"/>
+    <p:sldId id="365" r:id="rId44"/>
+    <p:sldId id="366" r:id="rId45"/>
+    <p:sldId id="367" r:id="rId46"/>
+    <p:sldId id="375" r:id="rId47"/>
+    <p:sldId id="368" r:id="rId48"/>
+    <p:sldId id="369" r:id="rId49"/>
+    <p:sldId id="371" r:id="rId50"/>
+    <p:sldId id="372" r:id="rId51"/>
+    <p:sldId id="373" r:id="rId52"/>
+    <p:sldId id="374" r:id="rId53"/>
   </p:sldIdLst>
   <p:sldSz cx="9906000" cy="6858000" type="A4"/>
   <p:notesSz cx="6858000" cy="9144000"/>
@@ -258,7 +259,7 @@
           <a:p>
             <a:fld id="{7665CDAC-D627-4E87-877A-1B781DD4CADC}" type="datetimeFigureOut">
               <a:rPr lang="ko-KR" altLang="en-US" smtClean="0"/>
-              <a:t>2023-05-03</a:t>
+              <a:t>2023-05-05</a:t>
             </a:fld>
             <a:endParaRPr lang="ko-KR" altLang="en-US"/>
           </a:p>
@@ -670,7 +671,7 @@
           <a:p>
             <a:fld id="{C25BCFD5-C4DF-4EBC-B718-C69ED2FBDE6F}" type="datetime1">
               <a:rPr lang="ko-KR" altLang="en-US" smtClean="0"/>
-              <a:t>2023-05-03</a:t>
+              <a:t>2023-05-05</a:t>
             </a:fld>
             <a:endParaRPr lang="ko-KR" altLang="en-US"/>
           </a:p>
@@ -1114,7 +1115,7 @@
           <a:p>
             <a:fld id="{AB448CD7-D367-43D5-B461-ACE552E75063}" type="datetime1">
               <a:rPr lang="ko-KR" altLang="en-US" smtClean="0"/>
-              <a:t>2023-05-03</a:t>
+              <a:t>2023-05-05</a:t>
             </a:fld>
             <a:endParaRPr lang="ko-KR" altLang="en-US"/>
           </a:p>
@@ -1292,7 +1293,7 @@
           <a:p>
             <a:fld id="{B6E49E79-7361-4780-8BEF-7EDE3708298A}" type="datetime1">
               <a:rPr lang="ko-KR" altLang="en-US" smtClean="0"/>
-              <a:t>2023-05-03</a:t>
+              <a:t>2023-05-05</a:t>
             </a:fld>
             <a:endParaRPr lang="ko-KR" altLang="en-US"/>
           </a:p>
@@ -1464,7 +1465,7 @@
           <a:p>
             <a:fld id="{A4D42E3C-B70B-437C-85CF-1286301B9CBA}" type="datetime1">
               <a:rPr lang="ko-KR" altLang="en-US" smtClean="0"/>
-              <a:t>2023-05-03</a:t>
+              <a:t>2023-05-05</a:t>
             </a:fld>
             <a:endParaRPr lang="ko-KR" altLang="en-US"/>
           </a:p>
@@ -1709,7 +1710,7 @@
           <a:p>
             <a:fld id="{B3369A20-5B3D-4D98-A822-26B93D177A40}" type="datetime1">
               <a:rPr lang="ko-KR" altLang="en-US" smtClean="0"/>
-              <a:t>2023-05-03</a:t>
+              <a:t>2023-05-05</a:t>
             </a:fld>
             <a:endParaRPr lang="ko-KR" altLang="en-US"/>
           </a:p>
@@ -1994,7 +1995,7 @@
           <a:p>
             <a:fld id="{685CD4CE-9E43-4F70-A9D8-A2130CA7D92A}" type="datetime1">
               <a:rPr lang="ko-KR" altLang="en-US" smtClean="0"/>
-              <a:t>2023-05-03</a:t>
+              <a:t>2023-05-05</a:t>
             </a:fld>
             <a:endParaRPr lang="ko-KR" altLang="en-US"/>
           </a:p>
@@ -2413,7 +2414,7 @@
           <a:p>
             <a:fld id="{F752BD92-DA3E-4A0B-90C9-7DE5E15B6E96}" type="datetime1">
               <a:rPr lang="ko-KR" altLang="en-US" smtClean="0"/>
-              <a:t>2023-05-03</a:t>
+              <a:t>2023-05-05</a:t>
             </a:fld>
             <a:endParaRPr lang="ko-KR" altLang="en-US"/>
           </a:p>
@@ -2530,7 +2531,7 @@
           <a:p>
             <a:fld id="{8EA2B83A-F366-424E-B742-340ACF856BB5}" type="datetime1">
               <a:rPr lang="ko-KR" altLang="en-US" smtClean="0"/>
-              <a:t>2023-05-03</a:t>
+              <a:t>2023-05-05</a:t>
             </a:fld>
             <a:endParaRPr lang="ko-KR" altLang="en-US"/>
           </a:p>
@@ -2625,7 +2626,7 @@
           <a:p>
             <a:fld id="{9A49D68B-5DBD-48E9-A8D4-FCBC4B3DD9C6}" type="datetime1">
               <a:rPr lang="ko-KR" altLang="en-US" smtClean="0"/>
-              <a:t>2023-05-03</a:t>
+              <a:t>2023-05-05</a:t>
             </a:fld>
             <a:endParaRPr lang="ko-KR" altLang="en-US"/>
           </a:p>
@@ -2900,7 +2901,7 @@
           <a:p>
             <a:fld id="{4CAB534F-7D16-467B-9320-91F98915D181}" type="datetime1">
               <a:rPr lang="ko-KR" altLang="en-US" smtClean="0"/>
-              <a:t>2023-05-03</a:t>
+              <a:t>2023-05-05</a:t>
             </a:fld>
             <a:endParaRPr lang="ko-KR" altLang="en-US"/>
           </a:p>
@@ -3152,7 +3153,7 @@
           <a:p>
             <a:fld id="{A390A91F-2F8D-4486-A69D-D680F95444B0}" type="datetime1">
               <a:rPr lang="ko-KR" altLang="en-US" smtClean="0"/>
-              <a:t>2023-05-03</a:t>
+              <a:t>2023-05-05</a:t>
             </a:fld>
             <a:endParaRPr lang="ko-KR" altLang="en-US"/>
           </a:p>
@@ -3331,7 +3332,7 @@
           <a:p>
             <a:fld id="{2238BBEA-E8DD-414A-BF68-FC2AFA7CFF2D}" type="datetime1">
               <a:rPr lang="ko-KR" altLang="en-US" smtClean="0"/>
-              <a:t>2023-05-03</a:t>
+              <a:t>2023-05-05</a:t>
             </a:fld>
             <a:endParaRPr lang="ko-KR" altLang="en-US"/>
           </a:p>
@@ -5843,7 +5844,7 @@
         </p:blipFill>
         <p:spPr>
           <a:xfrm>
-            <a:off x="3512840" y="3396403"/>
+            <a:off x="1462341" y="2996952"/>
             <a:ext cx="2301439" cy="2438611"/>
           </a:xfrm>
           <a:prstGeom prst="rect">
@@ -5880,7 +5881,7 @@
         </p:blipFill>
         <p:spPr>
           <a:xfrm>
-            <a:off x="1424608" y="2060848"/>
+            <a:off x="1352600" y="1783914"/>
             <a:ext cx="4313294" cy="1036410"/>
           </a:xfrm>
           <a:prstGeom prst="rect">
@@ -5993,7 +5994,7 @@
         <p:spPr>
           <a:xfrm>
             <a:off x="1064569" y="1196752"/>
-            <a:ext cx="3024335" cy="482120"/>
+            <a:ext cx="6624735" cy="553998"/>
           </a:xfrm>
           <a:prstGeom prst="rect">
             <a:avLst/>
@@ -6042,7 +6043,49 @@
                 <a:latin typeface="돋움" panose="020B0600000101010101" pitchFamily="50" charset="-127"/>
                 <a:ea typeface="돋움" panose="020B0600000101010101" pitchFamily="50" charset="-127"/>
               </a:rPr>
-              <a:t>파일 읽기</a:t>
+              <a:t>파일로 </a:t>
+            </a:r>
+            <a:r>
+              <a:rPr lang="ko-KR" altLang="en-US" sz="2000" dirty="0" smtClean="0">
+                <a:latin typeface="돋움" panose="020B0600000101010101" pitchFamily="50" charset="-127"/>
+                <a:ea typeface="돋움" panose="020B0600000101010101" pitchFamily="50" charset="-127"/>
+              </a:rPr>
+              <a:t>내보내기 </a:t>
+            </a:r>
+            <a:r>
+              <a:rPr lang="en-US" altLang="ko-KR" sz="2000" dirty="0" smtClean="0">
+                <a:latin typeface="돋움" panose="020B0600000101010101" pitchFamily="50" charset="-127"/>
+                <a:ea typeface="돋움" panose="020B0600000101010101" pitchFamily="50" charset="-127"/>
+              </a:rPr>
+              <a:t>– ‘</a:t>
+            </a:r>
+            <a:r>
+              <a:rPr lang="ko-KR" altLang="en-US" sz="2000" dirty="0" smtClean="0">
+                <a:latin typeface="돋움" panose="020B0600000101010101" pitchFamily="50" charset="-127"/>
+                <a:ea typeface="돋움" panose="020B0600000101010101" pitchFamily="50" charset="-127"/>
+              </a:rPr>
+              <a:t>날짜</a:t>
+            </a:r>
+            <a:r>
+              <a:rPr lang="en-US" altLang="ko-KR" sz="2000" dirty="0" smtClean="0">
+                <a:latin typeface="돋움" panose="020B0600000101010101" pitchFamily="50" charset="-127"/>
+                <a:ea typeface="돋움" panose="020B0600000101010101" pitchFamily="50" charset="-127"/>
+              </a:rPr>
+              <a:t>’ : </a:t>
+            </a:r>
+            <a:r>
+              <a:rPr lang="ko-KR" altLang="en-US" sz="2000" dirty="0" smtClean="0">
+                <a:latin typeface="돋움" panose="020B0600000101010101" pitchFamily="50" charset="-127"/>
+                <a:ea typeface="돋움" panose="020B0600000101010101" pitchFamily="50" charset="-127"/>
+              </a:rPr>
+              <a:t>인덱스로 설정</a:t>
+            </a:r>
+            <a:r>
+              <a:rPr lang="en-US" altLang="ko-KR" sz="2000" dirty="0" smtClean="0">
+                <a:latin typeface="돋움" panose="020B0600000101010101" pitchFamily="50" charset="-127"/>
+                <a:ea typeface="돋움" panose="020B0600000101010101" pitchFamily="50" charset="-127"/>
+              </a:rPr>
+              <a:t> </a:t>
             </a:r>
             <a:endParaRPr lang="en-US" altLang="ko-KR" sz="2000" dirty="0" smtClean="0">
               <a:latin typeface="돋움" panose="020B0600000101010101" pitchFamily="50" charset="-127"/>
@@ -6073,8 +6116,8 @@
         </p:blipFill>
         <p:spPr>
           <a:xfrm>
-            <a:off x="1496616" y="1916832"/>
-            <a:ext cx="6233700" cy="4442845"/>
+            <a:off x="1424608" y="1894766"/>
+            <a:ext cx="3734124" cy="4282811"/>
           </a:xfrm>
           <a:prstGeom prst="rect">
             <a:avLst/>
@@ -6088,10 +6131,77 @@
           </a:ln>
         </p:spPr>
       </p:pic>
+      <p:pic>
+        <p:nvPicPr>
+          <p:cNvPr id="5" name="그림 4"/>
+          <p:cNvPicPr>
+            <a:picLocks noChangeAspect="1"/>
+          </p:cNvPicPr>
+          <p:nvPr/>
+        </p:nvPicPr>
+        <p:blipFill>
+          <a:blip r:embed="rId3">
+            <a:extLst>
+              <a:ext uri="{28A0092B-C50C-407E-A947-70E740481C1C}">
+                <a14:useLocalDpi xmlns:a14="http://schemas.microsoft.com/office/drawing/2010/main" val="0"/>
+              </a:ext>
+            </a:extLst>
+          </a:blip>
+          <a:stretch>
+            <a:fillRect/>
+          </a:stretch>
+        </p:blipFill>
+        <p:spPr>
+          <a:xfrm>
+            <a:off x="4088904" y="3140968"/>
+            <a:ext cx="4244708" cy="495343"/>
+          </a:xfrm>
+          <a:prstGeom prst="rect">
+            <a:avLst/>
+          </a:prstGeom>
+        </p:spPr>
+      </p:pic>
+      <p:pic>
+        <p:nvPicPr>
+          <p:cNvPr id="6" name="그림 5"/>
+          <p:cNvPicPr>
+            <a:picLocks noChangeAspect="1"/>
+          </p:cNvPicPr>
+          <p:nvPr/>
+        </p:nvPicPr>
+        <p:blipFill>
+          <a:blip r:embed="rId4">
+            <a:extLst>
+              <a:ext uri="{28A0092B-C50C-407E-A947-70E740481C1C}">
+                <a14:useLocalDpi xmlns:a14="http://schemas.microsoft.com/office/drawing/2010/main" val="0"/>
+              </a:ext>
+            </a:extLst>
+          </a:blip>
+          <a:stretch>
+            <a:fillRect/>
+          </a:stretch>
+        </p:blipFill>
+        <p:spPr>
+          <a:xfrm>
+            <a:off x="6225694" y="3774494"/>
+            <a:ext cx="2027096" cy="2331922"/>
+          </a:xfrm>
+          <a:prstGeom prst="rect">
+            <a:avLst/>
+          </a:prstGeom>
+          <a:ln>
+            <a:solidFill>
+              <a:schemeClr val="bg1">
+                <a:lumMod val="85000"/>
+              </a:schemeClr>
+            </a:solidFill>
+          </a:ln>
+        </p:spPr>
+      </p:pic>
     </p:spTree>
     <p:extLst>
       <p:ext uri="{BB962C8B-B14F-4D97-AF65-F5344CB8AC3E}">
-        <p14:creationId xmlns:p14="http://schemas.microsoft.com/office/powerpoint/2010/main" val="651237562"/>
+        <p14:creationId xmlns:p14="http://schemas.microsoft.com/office/powerpoint/2010/main" val="4177144074"/>
       </p:ext>
     </p:extLst>
   </p:cSld>
@@ -6483,6 +6593,73 @@
           </a:p>
         </p:txBody>
       </p:sp>
+      <p:sp>
+        <p:nvSpPr>
+          <p:cNvPr id="9" name="TextBox 8"/>
+          <p:cNvSpPr txBox="1"/>
+          <p:nvPr/>
+        </p:nvSpPr>
+        <p:spPr>
+          <a:xfrm>
+            <a:off x="1064569" y="1196752"/>
+            <a:ext cx="3024335" cy="482120"/>
+          </a:xfrm>
+          <a:prstGeom prst="rect">
+            <a:avLst/>
+          </a:prstGeom>
+          <a:noFill/>
+          <a:ln>
+            <a:noFill/>
+          </a:ln>
+        </p:spPr>
+        <p:style>
+          <a:lnRef idx="1">
+            <a:schemeClr val="accent3"/>
+          </a:lnRef>
+          <a:fillRef idx="2">
+            <a:schemeClr val="accent3"/>
+          </a:fillRef>
+          <a:effectRef idx="1">
+            <a:schemeClr val="accent3"/>
+          </a:effectRef>
+          <a:fontRef idx="minor">
+            <a:schemeClr val="dk1"/>
+          </a:fontRef>
+        </p:style>
+        <p:txBody>
+          <a:bodyPr wrap="square" rtlCol="0">
+            <a:spAutoFit/>
+          </a:bodyPr>
+          <a:lstStyle/>
+          <a:p>
+            <a:pPr marL="342900" indent="-342900">
+              <a:lnSpc>
+                <a:spcPct val="150000"/>
+              </a:lnSpc>
+              <a:buFont typeface="Wingdings" panose="05000000000000000000" pitchFamily="2" charset="2"/>
+              <a:buChar char="l"/>
+            </a:pPr>
+            <a:r>
+              <a:rPr lang="en-US" altLang="ko-KR" sz="2000" dirty="0" smtClean="0">
+                <a:latin typeface="돋움" panose="020B0600000101010101" pitchFamily="50" charset="-127"/>
+                <a:ea typeface="돋움" panose="020B0600000101010101" pitchFamily="50" charset="-127"/>
+              </a:rPr>
+              <a:t>csv</a:t>
+            </a:r>
+            <a:r>
+              <a:rPr lang="ko-KR" altLang="en-US" sz="2000" dirty="0" smtClean="0">
+                <a:latin typeface="돋움" panose="020B0600000101010101" pitchFamily="50" charset="-127"/>
+                <a:ea typeface="돋움" panose="020B0600000101010101" pitchFamily="50" charset="-127"/>
+              </a:rPr>
+              <a:t>파일 읽기</a:t>
+            </a:r>
+            <a:endParaRPr lang="en-US" altLang="ko-KR" sz="2000" dirty="0" smtClean="0">
+              <a:latin typeface="돋움" panose="020B0600000101010101" pitchFamily="50" charset="-127"/>
+              <a:ea typeface="돋움" panose="020B0600000101010101" pitchFamily="50" charset="-127"/>
+            </a:endParaRPr>
+          </a:p>
+        </p:txBody>
+      </p:sp>
       <p:pic>
         <p:nvPicPr>
           <p:cNvPr id="3" name="그림 2"/>
@@ -6505,8 +6682,8 @@
         </p:blipFill>
         <p:spPr>
           <a:xfrm>
-            <a:off x="2000672" y="1916832"/>
-            <a:ext cx="3960440" cy="2022503"/>
+            <a:off x="1496616" y="1916832"/>
+            <a:ext cx="6233700" cy="4442845"/>
           </a:xfrm>
           <a:prstGeom prst="rect">
             <a:avLst/>
@@ -6523,7 +6700,7 @@
     </p:spTree>
     <p:extLst>
       <p:ext uri="{BB962C8B-B14F-4D97-AF65-F5344CB8AC3E}">
-        <p14:creationId xmlns:p14="http://schemas.microsoft.com/office/powerpoint/2010/main" val="1201251673"/>
+        <p14:creationId xmlns:p14="http://schemas.microsoft.com/office/powerpoint/2010/main" val="651237562"/>
       </p:ext>
     </p:extLst>
   </p:cSld>
@@ -6579,18 +6756,17 @@
               <a:t> </a:t>
             </a:r>
             <a:r>
-              <a:rPr lang="en-US" altLang="ko-KR" sz="2800" dirty="0" err="1" smtClean="0"/>
-              <a:t>numpy</a:t>
-            </a:r>
-            <a:r>
-              <a:rPr lang="en-US" altLang="ko-KR" sz="2800" dirty="0" smtClean="0"/>
+              <a:rPr lang="en-US" altLang="ko-KR" sz="2800" dirty="0" err="1"/>
+              <a:t>DataFrame</a:t>
+            </a:r>
+            <a:r>
+              <a:rPr lang="en-US" altLang="ko-KR" sz="2800" dirty="0"/>
               <a:t> </a:t>
             </a:r>
             <a:r>
-              <a:rPr lang="ko-KR" altLang="en-US" sz="2800" dirty="0" smtClean="0"/>
-              <a:t>라이브러리</a:t>
-            </a:r>
-            <a:endParaRPr lang="ko-KR" altLang="en-US" sz="2800" dirty="0"/>
+              <a:rPr lang="ko-KR" altLang="en-US" sz="2800" dirty="0"/>
+              <a:t>만들기 예제</a:t>
+            </a:r>
           </a:p>
         </p:txBody>
       </p:sp>
@@ -6639,8 +6815,8 @@
         </p:blipFill>
         <p:spPr>
           <a:xfrm>
-            <a:off x="1640632" y="1700808"/>
-            <a:ext cx="4824536" cy="2819246"/>
+            <a:off x="1280592" y="1556792"/>
+            <a:ext cx="6873836" cy="4427604"/>
           </a:xfrm>
           <a:prstGeom prst="rect">
             <a:avLst/>
@@ -6657,7 +6833,7 @@
     </p:spTree>
     <p:extLst>
       <p:ext uri="{BB962C8B-B14F-4D97-AF65-F5344CB8AC3E}">
-        <p14:creationId xmlns:p14="http://schemas.microsoft.com/office/powerpoint/2010/main" val="976569802"/>
+        <p14:creationId xmlns:p14="http://schemas.microsoft.com/office/powerpoint/2010/main" val="1201251673"/>
       </p:ext>
     </p:extLst>
   </p:cSld>
@@ -6713,15 +6889,15 @@
               <a:t> </a:t>
             </a:r>
             <a:r>
-              <a:rPr lang="en-US" altLang="ko-KR" sz="2800" dirty="0" err="1"/>
+              <a:rPr lang="en-US" altLang="ko-KR" sz="2800" dirty="0" err="1" smtClean="0"/>
               <a:t>numpy</a:t>
             </a:r>
             <a:r>
-              <a:rPr lang="en-US" altLang="ko-KR" sz="2800" dirty="0"/>
+              <a:rPr lang="en-US" altLang="ko-KR" sz="2800" dirty="0" smtClean="0"/>
               <a:t> </a:t>
             </a:r>
             <a:r>
-              <a:rPr lang="ko-KR" altLang="en-US" sz="2800" dirty="0"/>
+              <a:rPr lang="ko-KR" altLang="en-US" sz="2800" dirty="0" smtClean="0"/>
               <a:t>라이브러리</a:t>
             </a:r>
             <a:endParaRPr lang="ko-KR" altLang="en-US" sz="2800" dirty="0"/>
@@ -6753,7 +6929,7 @@
       </p:sp>
       <p:pic>
         <p:nvPicPr>
-          <p:cNvPr id="3" name="그림 2"/>
+          <p:cNvPr id="5" name="그림 4"/>
           <p:cNvPicPr>
             <a:picLocks noChangeAspect="1"/>
           </p:cNvPicPr>
@@ -6773,8 +6949,8 @@
         </p:blipFill>
         <p:spPr>
           <a:xfrm>
-            <a:off x="1568624" y="1196752"/>
-            <a:ext cx="4392488" cy="5431494"/>
+            <a:off x="1640632" y="1700808"/>
+            <a:ext cx="4824536" cy="2819246"/>
           </a:xfrm>
           <a:prstGeom prst="rect">
             <a:avLst/>
@@ -6791,7 +6967,7 @@
     </p:spTree>
     <p:extLst>
       <p:ext uri="{BB962C8B-B14F-4D97-AF65-F5344CB8AC3E}">
-        <p14:creationId xmlns:p14="http://schemas.microsoft.com/office/powerpoint/2010/main" val="1195309695"/>
+        <p14:creationId xmlns:p14="http://schemas.microsoft.com/office/powerpoint/2010/main" val="976569802"/>
       </p:ext>
     </p:extLst>
   </p:cSld>
@@ -6847,18 +7023,17 @@
               <a:t> </a:t>
             </a:r>
             <a:r>
-              <a:rPr lang="en-US" altLang="ko-KR" sz="2800" dirty="0" err="1" smtClean="0"/>
-              <a:t>Matplotlib</a:t>
-            </a:r>
-            <a:r>
-              <a:rPr lang="en-US" altLang="ko-KR" sz="2800" dirty="0" smtClean="0"/>
+              <a:rPr lang="en-US" altLang="ko-KR" sz="2800" dirty="0" err="1"/>
+              <a:t>numpy</a:t>
+            </a:r>
+            <a:r>
+              <a:rPr lang="en-US" altLang="ko-KR" sz="2800" dirty="0"/>
               <a:t> </a:t>
             </a:r>
             <a:r>
-              <a:rPr lang="ko-KR" altLang="en-US" sz="2800" dirty="0" smtClean="0"/>
-              <a:t>모듈</a:t>
-            </a:r>
-            <a:endParaRPr lang="ko-KR" altLang="en-US" sz="2800" dirty="0"/>
+              <a:rPr lang="ko-KR" altLang="en-US" sz="2800" dirty="0"/>
+              <a:t>라이브러리</a:t>
+            </a:r>
           </a:p>
         </p:txBody>
       </p:sp>
@@ -6907,8 +7082,8 @@
         </p:blipFill>
         <p:spPr>
           <a:xfrm>
-            <a:off x="1329014" y="1340768"/>
-            <a:ext cx="5509737" cy="4823878"/>
+            <a:off x="1568624" y="1196752"/>
+            <a:ext cx="4392488" cy="5431494"/>
           </a:xfrm>
           <a:prstGeom prst="rect">
             <a:avLst/>
@@ -6925,7 +7100,7 @@
     </p:spTree>
     <p:extLst>
       <p:ext uri="{BB962C8B-B14F-4D97-AF65-F5344CB8AC3E}">
-        <p14:creationId xmlns:p14="http://schemas.microsoft.com/office/powerpoint/2010/main" val="1366461047"/>
+        <p14:creationId xmlns:p14="http://schemas.microsoft.com/office/powerpoint/2010/main" val="1195309695"/>
       </p:ext>
     </p:extLst>
   </p:cSld>
@@ -7021,7 +7196,7 @@
       </p:sp>
       <p:pic>
         <p:nvPicPr>
-          <p:cNvPr id="5" name="그림 4"/>
+          <p:cNvPr id="3" name="그림 2"/>
           <p:cNvPicPr>
             <a:picLocks noChangeAspect="1"/>
           </p:cNvPicPr>
@@ -7041,8 +7216,8 @@
         </p:blipFill>
         <p:spPr>
           <a:xfrm>
-            <a:off x="1424608" y="1484784"/>
-            <a:ext cx="4877223" cy="3863675"/>
+            <a:off x="1329014" y="1340768"/>
+            <a:ext cx="5509737" cy="4823878"/>
           </a:xfrm>
           <a:prstGeom prst="rect">
             <a:avLst/>
@@ -7059,7 +7234,7 @@
     </p:spTree>
     <p:extLst>
       <p:ext uri="{BB962C8B-B14F-4D97-AF65-F5344CB8AC3E}">
-        <p14:creationId xmlns:p14="http://schemas.microsoft.com/office/powerpoint/2010/main" val="2809026256"/>
+        <p14:creationId xmlns:p14="http://schemas.microsoft.com/office/powerpoint/2010/main" val="1366461047"/>
       </p:ext>
     </p:extLst>
   </p:cSld>
@@ -7155,7 +7330,7 @@
       </p:sp>
       <p:pic>
         <p:nvPicPr>
-          <p:cNvPr id="3" name="그림 2"/>
+          <p:cNvPr id="5" name="그림 4"/>
           <p:cNvPicPr>
             <a:picLocks noChangeAspect="1"/>
           </p:cNvPicPr>
@@ -7175,8 +7350,8 @@
         </p:blipFill>
         <p:spPr>
           <a:xfrm>
-            <a:off x="1424608" y="1628800"/>
-            <a:ext cx="4930567" cy="3627434"/>
+            <a:off x="1424608" y="1484784"/>
+            <a:ext cx="4877223" cy="3863675"/>
           </a:xfrm>
           <a:prstGeom prst="rect">
             <a:avLst/>
@@ -7193,7 +7368,7 @@
     </p:spTree>
     <p:extLst>
       <p:ext uri="{BB962C8B-B14F-4D97-AF65-F5344CB8AC3E}">
-        <p14:creationId xmlns:p14="http://schemas.microsoft.com/office/powerpoint/2010/main" val="245768645"/>
+        <p14:creationId xmlns:p14="http://schemas.microsoft.com/office/powerpoint/2010/main" val="2809026256"/>
       </p:ext>
     </p:extLst>
   </p:cSld>
@@ -7289,7 +7464,7 @@
       </p:sp>
       <p:pic>
         <p:nvPicPr>
-          <p:cNvPr id="6" name="그림 5"/>
+          <p:cNvPr id="3" name="그림 2"/>
           <p:cNvPicPr>
             <a:picLocks noChangeAspect="1"/>
           </p:cNvPicPr>
@@ -7309,8 +7484,8 @@
         </p:blipFill>
         <p:spPr>
           <a:xfrm>
-            <a:off x="1496616" y="1484784"/>
-            <a:ext cx="5590438" cy="4392488"/>
+            <a:off x="1424608" y="1628800"/>
+            <a:ext cx="4930567" cy="3627434"/>
           </a:xfrm>
           <a:prstGeom prst="rect">
             <a:avLst/>
@@ -7327,7 +7502,7 @@
     </p:spTree>
     <p:extLst>
       <p:ext uri="{BB962C8B-B14F-4D97-AF65-F5344CB8AC3E}">
-        <p14:creationId xmlns:p14="http://schemas.microsoft.com/office/powerpoint/2010/main" val="3336937701"/>
+        <p14:creationId xmlns:p14="http://schemas.microsoft.com/office/powerpoint/2010/main" val="245768645"/>
       </p:ext>
     </p:extLst>
   </p:cSld>
@@ -7423,7 +7598,7 @@
       </p:sp>
       <p:pic>
         <p:nvPicPr>
-          <p:cNvPr id="5" name="그림 4"/>
+          <p:cNvPr id="6" name="그림 5"/>
           <p:cNvPicPr>
             <a:picLocks noChangeAspect="1"/>
           </p:cNvPicPr>
@@ -7443,8 +7618,8 @@
         </p:blipFill>
         <p:spPr>
           <a:xfrm>
-            <a:off x="1424608" y="1556792"/>
-            <a:ext cx="4892464" cy="3932261"/>
+            <a:off x="1496616" y="1484784"/>
+            <a:ext cx="5590438" cy="4392488"/>
           </a:xfrm>
           <a:prstGeom prst="rect">
             <a:avLst/>
@@ -7461,7 +7636,7 @@
     </p:spTree>
     <p:extLst>
       <p:ext uri="{BB962C8B-B14F-4D97-AF65-F5344CB8AC3E}">
-        <p14:creationId xmlns:p14="http://schemas.microsoft.com/office/powerpoint/2010/main" val="1240046635"/>
+        <p14:creationId xmlns:p14="http://schemas.microsoft.com/office/powerpoint/2010/main" val="3336937701"/>
       </p:ext>
     </p:extLst>
   </p:cSld>
@@ -7557,7 +7732,7 @@
       </p:sp>
       <p:pic>
         <p:nvPicPr>
-          <p:cNvPr id="3" name="그림 2"/>
+          <p:cNvPr id="5" name="그림 4"/>
           <p:cNvPicPr>
             <a:picLocks noChangeAspect="1"/>
           </p:cNvPicPr>
@@ -7577,8 +7752,8 @@
         </p:blipFill>
         <p:spPr>
           <a:xfrm>
-            <a:off x="1640632" y="1628800"/>
-            <a:ext cx="4511431" cy="3604572"/>
+            <a:off x="1424608" y="1556792"/>
+            <a:ext cx="4892464" cy="3932261"/>
           </a:xfrm>
           <a:prstGeom prst="rect">
             <a:avLst/>
@@ -7595,7 +7770,7 @@
     </p:spTree>
     <p:extLst>
       <p:ext uri="{BB962C8B-B14F-4D97-AF65-F5344CB8AC3E}">
-        <p14:creationId xmlns:p14="http://schemas.microsoft.com/office/powerpoint/2010/main" val="936881347"/>
+        <p14:creationId xmlns:p14="http://schemas.microsoft.com/office/powerpoint/2010/main" val="1240046635"/>
       </p:ext>
     </p:extLst>
   </p:cSld>
@@ -7656,11 +7831,11 @@
             </a:r>
             <a:r>
               <a:rPr lang="en-US" altLang="ko-KR" sz="2800" dirty="0" smtClean="0"/>
-              <a:t> – </a:t>
+              <a:t> </a:t>
             </a:r>
             <a:r>
               <a:rPr lang="ko-KR" altLang="en-US" sz="2800" dirty="0" smtClean="0"/>
-              <a:t>이미지 표시</a:t>
+              <a:t>모듈</a:t>
             </a:r>
             <a:endParaRPr lang="ko-KR" altLang="en-US" sz="2800" dirty="0"/>
           </a:p>
@@ -7711,8 +7886,8 @@
         </p:blipFill>
         <p:spPr>
           <a:xfrm>
-            <a:off x="1784648" y="1412776"/>
-            <a:ext cx="4427185" cy="4248472"/>
+            <a:off x="1640632" y="1628800"/>
+            <a:ext cx="4511431" cy="3604572"/>
           </a:xfrm>
           <a:prstGeom prst="rect">
             <a:avLst/>
@@ -7729,7 +7904,7 @@
     </p:spTree>
     <p:extLst>
       <p:ext uri="{BB962C8B-B14F-4D97-AF65-F5344CB8AC3E}">
-        <p14:creationId xmlns:p14="http://schemas.microsoft.com/office/powerpoint/2010/main" val="2867727165"/>
+        <p14:creationId xmlns:p14="http://schemas.microsoft.com/office/powerpoint/2010/main" val="936881347"/>
       </p:ext>
     </p:extLst>
   </p:cSld>
@@ -8003,19 +8178,11 @@
             </a:r>
             <a:r>
               <a:rPr lang="en-US" altLang="ko-KR" sz="2800" dirty="0" smtClean="0"/>
-              <a:t> + </a:t>
-            </a:r>
-            <a:r>
-              <a:rPr lang="en-US" altLang="ko-KR" sz="2800" dirty="0" err="1" smtClean="0"/>
-              <a:t>Numpy</a:t>
-            </a:r>
-            <a:r>
-              <a:rPr lang="en-US" altLang="ko-KR" sz="2800" dirty="0" smtClean="0"/>
-              <a:t> </a:t>
+              <a:t> – </a:t>
             </a:r>
             <a:r>
               <a:rPr lang="ko-KR" altLang="en-US" sz="2800" dirty="0" smtClean="0"/>
-              <a:t>모듈</a:t>
+              <a:t>이미지 표시</a:t>
             </a:r>
             <a:endParaRPr lang="ko-KR" altLang="en-US" sz="2800" dirty="0"/>
           </a:p>
@@ -8039,6 +8206,148 @@
             <a:fld id="{1BDE3FE7-3AEA-4B05-AC5A-802D1816ACF0}" type="slidenum">
               <a:rPr lang="ko-KR" altLang="en-US" smtClean="0"/>
               <a:t>30</a:t>
+            </a:fld>
+            <a:endParaRPr lang="ko-KR" altLang="en-US"/>
+          </a:p>
+        </p:txBody>
+      </p:sp>
+      <p:pic>
+        <p:nvPicPr>
+          <p:cNvPr id="3" name="그림 2"/>
+          <p:cNvPicPr>
+            <a:picLocks noChangeAspect="1"/>
+          </p:cNvPicPr>
+          <p:nvPr/>
+        </p:nvPicPr>
+        <p:blipFill>
+          <a:blip r:embed="rId2">
+            <a:extLst>
+              <a:ext uri="{28A0092B-C50C-407E-A947-70E740481C1C}">
+                <a14:useLocalDpi xmlns:a14="http://schemas.microsoft.com/office/drawing/2010/main" val="0"/>
+              </a:ext>
+            </a:extLst>
+          </a:blip>
+          <a:stretch>
+            <a:fillRect/>
+          </a:stretch>
+        </p:blipFill>
+        <p:spPr>
+          <a:xfrm>
+            <a:off x="1784648" y="1412776"/>
+            <a:ext cx="4427185" cy="4248472"/>
+          </a:xfrm>
+          <a:prstGeom prst="rect">
+            <a:avLst/>
+          </a:prstGeom>
+          <a:ln>
+            <a:solidFill>
+              <a:schemeClr val="bg1">
+                <a:lumMod val="85000"/>
+              </a:schemeClr>
+            </a:solidFill>
+          </a:ln>
+        </p:spPr>
+      </p:pic>
+    </p:spTree>
+    <p:extLst>
+      <p:ext uri="{BB962C8B-B14F-4D97-AF65-F5344CB8AC3E}">
+        <p14:creationId xmlns:p14="http://schemas.microsoft.com/office/powerpoint/2010/main" val="2867727165"/>
+      </p:ext>
+    </p:extLst>
+  </p:cSld>
+  <p:clrMapOvr>
+    <a:masterClrMapping/>
+  </p:clrMapOvr>
+  <p:timing>
+    <p:tnLst>
+      <p:par>
+        <p:cTn id="1" dur="indefinite" restart="never" nodeType="tmRoot"/>
+      </p:par>
+    </p:tnLst>
+  </p:timing>
+</p:sld>
+</file>
+
+<file path=ppt/slides/slide31.xml><?xml version="1.0" encoding="utf-8"?>
+<p:sld xmlns:a="http://schemas.openxmlformats.org/drawingml/2006/main" xmlns:r="http://schemas.openxmlformats.org/officeDocument/2006/relationships" xmlns:p="http://schemas.openxmlformats.org/presentationml/2006/main">
+  <p:cSld>
+    <p:spTree>
+      <p:nvGrpSpPr>
+        <p:cNvPr id="1" name=""/>
+        <p:cNvGrpSpPr/>
+        <p:nvPr/>
+      </p:nvGrpSpPr>
+      <p:grpSpPr>
+        <a:xfrm>
+          <a:off x="0" y="0"/>
+          <a:ext cx="0" cy="0"/>
+          <a:chOff x="0" y="0"/>
+          <a:chExt cx="0" cy="0"/>
+        </a:xfrm>
+      </p:grpSpPr>
+      <p:sp>
+        <p:nvSpPr>
+          <p:cNvPr id="2" name="제목 1"/>
+          <p:cNvSpPr>
+            <a:spLocks noGrp="1"/>
+          </p:cNvSpPr>
+          <p:nvPr>
+            <p:ph type="title"/>
+          </p:nvPr>
+        </p:nvSpPr>
+        <p:spPr/>
+        <p:txBody>
+          <a:bodyPr>
+            <a:normAutofit/>
+          </a:bodyPr>
+          <a:lstStyle/>
+          <a:p>
+            <a:r>
+              <a:rPr lang="en-US" altLang="ko-KR" sz="2800" dirty="0"/>
+              <a:t> </a:t>
+            </a:r>
+            <a:r>
+              <a:rPr lang="en-US" altLang="ko-KR" sz="2800" dirty="0" err="1" smtClean="0"/>
+              <a:t>Matplotlib</a:t>
+            </a:r>
+            <a:r>
+              <a:rPr lang="en-US" altLang="ko-KR" sz="2800" dirty="0" smtClean="0"/>
+              <a:t> + </a:t>
+            </a:r>
+            <a:r>
+              <a:rPr lang="en-US" altLang="ko-KR" sz="2800" dirty="0" err="1" smtClean="0"/>
+              <a:t>Numpy</a:t>
+            </a:r>
+            <a:r>
+              <a:rPr lang="en-US" altLang="ko-KR" sz="2800" dirty="0" smtClean="0"/>
+              <a:t> </a:t>
+            </a:r>
+            <a:r>
+              <a:rPr lang="ko-KR" altLang="en-US" sz="2800" dirty="0" smtClean="0"/>
+              <a:t>모듈</a:t>
+            </a:r>
+            <a:endParaRPr lang="ko-KR" altLang="en-US" sz="2800" dirty="0"/>
+          </a:p>
+        </p:txBody>
+      </p:sp>
+      <p:sp>
+        <p:nvSpPr>
+          <p:cNvPr id="4" name="슬라이드 번호 개체 틀 3"/>
+          <p:cNvSpPr>
+            <a:spLocks noGrp="1"/>
+          </p:cNvSpPr>
+          <p:nvPr>
+            <p:ph type="sldNum" sz="quarter" idx="12"/>
+          </p:nvPr>
+        </p:nvSpPr>
+        <p:spPr/>
+        <p:txBody>
+          <a:bodyPr/>
+          <a:lstStyle/>
+          <a:p>
+            <a:fld id="{1BDE3FE7-3AEA-4B05-AC5A-802D1816ACF0}" type="slidenum">
+              <a:rPr lang="ko-KR" altLang="en-US" smtClean="0"/>
+              <a:t>31</a:t>
             </a:fld>
             <a:endParaRPr lang="ko-KR" altLang="en-US"/>
           </a:p>
@@ -8225,7 +8534,7 @@
 </p:sld>
 </file>
 
-<file path=ppt/slides/slide31.xml><?xml version="1.0" encoding="utf-8"?>
+<file path=ppt/slides/slide32.xml><?xml version="1.0" encoding="utf-8"?>
 <p:sld xmlns:a="http://schemas.openxmlformats.org/drawingml/2006/main" xmlns:r="http://schemas.openxmlformats.org/officeDocument/2006/relationships" xmlns:p="http://schemas.openxmlformats.org/presentationml/2006/main">
   <p:cSld>
     <p:spTree>
@@ -8304,7 +8613,7 @@
           <a:p>
             <a:fld id="{1BDE3FE7-3AEA-4B05-AC5A-802D1816ACF0}" type="slidenum">
               <a:rPr lang="ko-KR" altLang="en-US" smtClean="0"/>
-              <a:t>31</a:t>
+              <a:t>32</a:t>
             </a:fld>
             <a:endParaRPr lang="ko-KR" altLang="en-US"/>
           </a:p>
@@ -8367,7 +8676,7 @@
 </p:sld>
 </file>
 
-<file path=ppt/slides/slide32.xml><?xml version="1.0" encoding="utf-8"?>
+<file path=ppt/slides/slide33.xml><?xml version="1.0" encoding="utf-8"?>
 <p:sld xmlns:a="http://schemas.openxmlformats.org/drawingml/2006/main" xmlns:r="http://schemas.openxmlformats.org/officeDocument/2006/relationships" xmlns:p="http://schemas.openxmlformats.org/presentationml/2006/main">
   <p:cSld>
     <p:spTree>
@@ -8431,7 +8740,7 @@
           <a:p>
             <a:fld id="{1BDE3FE7-3AEA-4B05-AC5A-802D1816ACF0}" type="slidenum">
               <a:rPr lang="ko-KR" altLang="en-US" smtClean="0"/>
-              <a:t>32</a:t>
+              <a:t>33</a:t>
             </a:fld>
             <a:endParaRPr lang="ko-KR" altLang="en-US"/>
           </a:p>
@@ -9061,7 +9370,7 @@
 </p:sld>
 </file>
 
-<file path=ppt/slides/slide33.xml><?xml version="1.0" encoding="utf-8"?>
+<file path=ppt/slides/slide34.xml><?xml version="1.0" encoding="utf-8"?>
 <p:sld xmlns:a="http://schemas.openxmlformats.org/drawingml/2006/main" xmlns:r="http://schemas.openxmlformats.org/officeDocument/2006/relationships" xmlns:p="http://schemas.openxmlformats.org/presentationml/2006/main">
   <p:cSld>
     <p:spTree>
@@ -9137,7 +9446,7 @@
           <a:p>
             <a:fld id="{1BDE3FE7-3AEA-4B05-AC5A-802D1816ACF0}" type="slidenum">
               <a:rPr lang="ko-KR" altLang="en-US" smtClean="0"/>
-              <a:t>33</a:t>
+              <a:t>34</a:t>
             </a:fld>
             <a:endParaRPr lang="ko-KR" altLang="en-US"/>
           </a:p>
@@ -9562,7 +9871,7 @@
 </p:sld>
 </file>
 
-<file path=ppt/slides/slide34.xml><?xml version="1.0" encoding="utf-8"?>
+<file path=ppt/slides/slide35.xml><?xml version="1.0" encoding="utf-8"?>
 <p:sld xmlns:a="http://schemas.openxmlformats.org/drawingml/2006/main" xmlns:r="http://schemas.openxmlformats.org/officeDocument/2006/relationships" xmlns:p="http://schemas.openxmlformats.org/presentationml/2006/main">
   <p:cSld>
     <p:spTree>
@@ -9596,7 +9905,7 @@
           <a:p>
             <a:fld id="{1BDE3FE7-3AEA-4B05-AC5A-802D1816ACF0}" type="slidenum">
               <a:rPr lang="ko-KR" altLang="en-US" smtClean="0"/>
-              <a:t>34</a:t>
+              <a:t>35</a:t>
             </a:fld>
             <a:endParaRPr lang="ko-KR" altLang="en-US"/>
           </a:p>
@@ -10391,7 +10700,7 @@
 </p:sld>
 </file>
 
-<file path=ppt/slides/slide35.xml><?xml version="1.0" encoding="utf-8"?>
+<file path=ppt/slides/slide36.xml><?xml version="1.0" encoding="utf-8"?>
 <p:sld xmlns:a="http://schemas.openxmlformats.org/drawingml/2006/main" xmlns:r="http://schemas.openxmlformats.org/officeDocument/2006/relationships" xmlns:p="http://schemas.openxmlformats.org/presentationml/2006/main">
   <p:cSld>
     <p:spTree>
@@ -10462,7 +10771,7 @@
           <a:p>
             <a:fld id="{1BDE3FE7-3AEA-4B05-AC5A-802D1816ACF0}" type="slidenum">
               <a:rPr lang="ko-KR" altLang="en-US" smtClean="0"/>
-              <a:t>35</a:t>
+              <a:t>36</a:t>
             </a:fld>
             <a:endParaRPr lang="ko-KR" altLang="en-US"/>
           </a:p>
@@ -10613,529 +10922,6 @@
     <p:extLst>
       <p:ext uri="{BB962C8B-B14F-4D97-AF65-F5344CB8AC3E}">
         <p14:creationId xmlns:p14="http://schemas.microsoft.com/office/powerpoint/2010/main" val="785353192"/>
-      </p:ext>
-    </p:extLst>
-  </p:cSld>
-  <p:clrMapOvr>
-    <a:masterClrMapping/>
-  </p:clrMapOvr>
-  <p:timing>
-    <p:tnLst>
-      <p:par>
-        <p:cTn id="1" dur="indefinite" restart="never" nodeType="tmRoot"/>
-      </p:par>
-    </p:tnLst>
-  </p:timing>
-</p:sld>
-</file>
-
-<file path=ppt/slides/slide36.xml><?xml version="1.0" encoding="utf-8"?>
-<p:sld xmlns:a="http://schemas.openxmlformats.org/drawingml/2006/main" xmlns:r="http://schemas.openxmlformats.org/officeDocument/2006/relationships" xmlns:p="http://schemas.openxmlformats.org/presentationml/2006/main">
-  <p:cSld>
-    <p:spTree>
-      <p:nvGrpSpPr>
-        <p:cNvPr id="1" name=""/>
-        <p:cNvGrpSpPr/>
-        <p:nvPr/>
-      </p:nvGrpSpPr>
-      <p:grpSpPr>
-        <a:xfrm>
-          <a:off x="0" y="0"/>
-          <a:ext cx="0" cy="0"/>
-          <a:chOff x="0" y="0"/>
-          <a:chExt cx="0" cy="0"/>
-        </a:xfrm>
-      </p:grpSpPr>
-      <p:sp>
-        <p:nvSpPr>
-          <p:cNvPr id="4" name="슬라이드 번호 개체 틀 3"/>
-          <p:cNvSpPr>
-            <a:spLocks noGrp="1"/>
-          </p:cNvSpPr>
-          <p:nvPr>
-            <p:ph type="sldNum" sz="quarter" idx="12"/>
-          </p:nvPr>
-        </p:nvSpPr>
-        <p:spPr/>
-        <p:txBody>
-          <a:bodyPr/>
-          <a:lstStyle/>
-          <a:p>
-            <a:fld id="{1BDE3FE7-3AEA-4B05-AC5A-802D1816ACF0}" type="slidenum">
-              <a:rPr lang="ko-KR" altLang="en-US" smtClean="0"/>
-              <a:t>36</a:t>
-            </a:fld>
-            <a:endParaRPr lang="ko-KR" altLang="en-US"/>
-          </a:p>
-        </p:txBody>
-      </p:sp>
-      <p:sp>
-        <p:nvSpPr>
-          <p:cNvPr id="8" name="제목 1"/>
-          <p:cNvSpPr txBox="1">
-            <a:spLocks/>
-          </p:cNvSpPr>
-          <p:nvPr/>
-        </p:nvSpPr>
-        <p:spPr>
-          <a:xfrm>
-            <a:off x="696077" y="188640"/>
-            <a:ext cx="6201139" cy="854968"/>
-          </a:xfrm>
-          <a:prstGeom prst="rect">
-            <a:avLst/>
-          </a:prstGeom>
-        </p:spPr>
-        <p:txBody>
-          <a:bodyPr vert="horz" lIns="91440" tIns="45720" rIns="91440" bIns="45720" rtlCol="0" anchor="ctr">
-            <a:normAutofit/>
-          </a:bodyPr>
-          <a:lstStyle>
-            <a:lvl1pPr algn="l" defTabSz="914400" rtl="0" eaLnBrk="1" latinLnBrk="1" hangingPunct="1">
-              <a:spcBef>
-                <a:spcPct val="0"/>
-              </a:spcBef>
-              <a:buNone/>
-              <a:defRPr sz="3200" kern="1200">
-                <a:solidFill>
-                  <a:sysClr val="windowText" lastClr="000000"/>
-                </a:solidFill>
-                <a:latin typeface="휴먼엑스포" panose="02030504000101010101" pitchFamily="18" charset="-127"/>
-                <a:ea typeface="휴먼엑스포" panose="02030504000101010101" pitchFamily="18" charset="-127"/>
-                <a:cs typeface="+mj-cs"/>
-              </a:defRPr>
-            </a:lvl1pPr>
-          </a:lstStyle>
-          <a:p>
-            <a:r>
-              <a:rPr lang="en-US" altLang="ko-KR" dirty="0" smtClean="0"/>
-              <a:t> </a:t>
-            </a:r>
-            <a:r>
-              <a:rPr lang="en-US" altLang="ko-KR" dirty="0" err="1" smtClean="0"/>
-              <a:t>Numpy</a:t>
-            </a:r>
-            <a:r>
-              <a:rPr lang="ko-KR" altLang="en-US" dirty="0" smtClean="0"/>
-              <a:t>의 </a:t>
-            </a:r>
-            <a:r>
-              <a:rPr lang="en-US" altLang="ko-KR" dirty="0" smtClean="0"/>
-              <a:t>N</a:t>
-            </a:r>
-            <a:r>
-              <a:rPr lang="ko-KR" altLang="en-US" dirty="0" smtClean="0"/>
-              <a:t>차원 배열</a:t>
-            </a:r>
-            <a:r>
-              <a:rPr lang="en-US" altLang="ko-KR" dirty="0" smtClean="0"/>
-              <a:t> </a:t>
-            </a:r>
-            <a:r>
-              <a:rPr lang="ko-KR" altLang="en-US" dirty="0" smtClean="0"/>
-              <a:t> </a:t>
-            </a:r>
-            <a:endParaRPr lang="ko-KR" altLang="en-US" dirty="0"/>
-          </a:p>
-        </p:txBody>
-      </p:sp>
-      <p:sp>
-        <p:nvSpPr>
-          <p:cNvPr id="6" name="TextBox 5"/>
-          <p:cNvSpPr txBox="1"/>
-          <p:nvPr/>
-        </p:nvSpPr>
-        <p:spPr>
-          <a:xfrm>
-            <a:off x="938238" y="1344441"/>
-            <a:ext cx="8767290" cy="1200329"/>
-          </a:xfrm>
-          <a:prstGeom prst="rect">
-            <a:avLst/>
-          </a:prstGeom>
-          <a:noFill/>
-          <a:ln>
-            <a:noFill/>
-          </a:ln>
-        </p:spPr>
-        <p:style>
-          <a:lnRef idx="1">
-            <a:schemeClr val="accent3"/>
-          </a:lnRef>
-          <a:fillRef idx="2">
-            <a:schemeClr val="accent3"/>
-          </a:fillRef>
-          <a:effectRef idx="1">
-            <a:schemeClr val="accent3"/>
-          </a:effectRef>
-          <a:fontRef idx="minor">
-            <a:schemeClr val="dk1"/>
-          </a:fontRef>
-        </p:style>
-        <p:txBody>
-          <a:bodyPr wrap="square" rtlCol="0">
-            <a:spAutoFit/>
-          </a:bodyPr>
-          <a:lstStyle/>
-          <a:p>
-            <a:pPr marL="342900" indent="-342900">
-              <a:buFont typeface="Wingdings" panose="05000000000000000000" pitchFamily="2" charset="2"/>
-              <a:buChar char="v"/>
-            </a:pPr>
-            <a:r>
-              <a:rPr lang="ko-KR" altLang="en-US" dirty="0" err="1" smtClean="0">
-                <a:latin typeface="돋움" panose="020B0600000101010101" pitchFamily="50" charset="-127"/>
-                <a:ea typeface="돋움" panose="020B0600000101010101" pitchFamily="50" charset="-127"/>
-              </a:rPr>
-              <a:t>넘파이의</a:t>
-            </a:r>
-            <a:r>
-              <a:rPr lang="ko-KR" altLang="en-US" dirty="0" smtClean="0">
-                <a:latin typeface="돋움" panose="020B0600000101010101" pitchFamily="50" charset="-127"/>
-                <a:ea typeface="돋움" panose="020B0600000101010101" pitchFamily="50" charset="-127"/>
-              </a:rPr>
-              <a:t> </a:t>
-            </a:r>
-            <a:r>
-              <a:rPr lang="en-US" altLang="ko-KR" dirty="0" smtClean="0">
-                <a:latin typeface="돋움" panose="020B0600000101010101" pitchFamily="50" charset="-127"/>
-                <a:ea typeface="돋움" panose="020B0600000101010101" pitchFamily="50" charset="-127"/>
-              </a:rPr>
-              <a:t>N</a:t>
-            </a:r>
-            <a:r>
-              <a:rPr lang="ko-KR" altLang="en-US" dirty="0" smtClean="0">
-                <a:latin typeface="돋움" panose="020B0600000101010101" pitchFamily="50" charset="-127"/>
-                <a:ea typeface="돋움" panose="020B0600000101010101" pitchFamily="50" charset="-127"/>
-              </a:rPr>
-              <a:t>차원 배열</a:t>
-            </a:r>
-            <a:endParaRPr lang="en-US" altLang="ko-KR" dirty="0" smtClean="0">
-              <a:latin typeface="돋움" panose="020B0600000101010101" pitchFamily="50" charset="-127"/>
-              <a:ea typeface="돋움" panose="020B0600000101010101" pitchFamily="50" charset="-127"/>
-            </a:endParaRPr>
-          </a:p>
-          <a:p>
-            <a:pPr marL="800100" lvl="1" indent="-342900">
-              <a:buFont typeface="Wingdings" panose="05000000000000000000" pitchFamily="2" charset="2"/>
-              <a:buChar char="§"/>
-            </a:pPr>
-            <a:r>
-              <a:rPr lang="en-US" altLang="ko-KR" dirty="0" smtClean="0">
-                <a:solidFill>
-                  <a:schemeClr val="tx1"/>
-                </a:solidFill>
-                <a:latin typeface="돋움" panose="020B0600000101010101" pitchFamily="50" charset="-127"/>
-                <a:ea typeface="돋움" panose="020B0600000101010101" pitchFamily="50" charset="-127"/>
-              </a:rPr>
-              <a:t>1</a:t>
-            </a:r>
-            <a:r>
-              <a:rPr lang="ko-KR" altLang="en-US" dirty="0" smtClean="0">
-                <a:solidFill>
-                  <a:schemeClr val="tx1"/>
-                </a:solidFill>
-                <a:latin typeface="돋움" panose="020B0600000101010101" pitchFamily="50" charset="-127"/>
-                <a:ea typeface="돋움" panose="020B0600000101010101" pitchFamily="50" charset="-127"/>
-              </a:rPr>
-              <a:t>차원 배열은 벡터</a:t>
-            </a:r>
-            <a:r>
-              <a:rPr lang="en-US" altLang="ko-KR" dirty="0" smtClean="0">
-                <a:solidFill>
-                  <a:schemeClr val="tx1"/>
-                </a:solidFill>
-                <a:latin typeface="돋움" panose="020B0600000101010101" pitchFamily="50" charset="-127"/>
-                <a:ea typeface="돋움" panose="020B0600000101010101" pitchFamily="50" charset="-127"/>
-              </a:rPr>
-              <a:t>(vector)</a:t>
-            </a:r>
-            <a:r>
-              <a:rPr lang="ko-KR" altLang="en-US" dirty="0" smtClean="0">
-                <a:solidFill>
-                  <a:schemeClr val="tx1"/>
-                </a:solidFill>
-                <a:latin typeface="돋움" panose="020B0600000101010101" pitchFamily="50" charset="-127"/>
-                <a:ea typeface="돋움" panose="020B0600000101010101" pitchFamily="50" charset="-127"/>
-              </a:rPr>
-              <a:t>라 함</a:t>
-            </a:r>
-            <a:endParaRPr lang="en-US" altLang="ko-KR" dirty="0">
-              <a:solidFill>
-                <a:schemeClr val="tx1"/>
-              </a:solidFill>
-              <a:latin typeface="돋움" panose="020B0600000101010101" pitchFamily="50" charset="-127"/>
-              <a:ea typeface="돋움" panose="020B0600000101010101" pitchFamily="50" charset="-127"/>
-            </a:endParaRPr>
-          </a:p>
-          <a:p>
-            <a:pPr marL="800100" lvl="1" indent="-342900">
-              <a:buFont typeface="Wingdings" panose="05000000000000000000" pitchFamily="2" charset="2"/>
-              <a:buChar char="§"/>
-            </a:pPr>
-            <a:r>
-              <a:rPr lang="en-US" altLang="ko-KR" b="1" dirty="0" smtClean="0">
-                <a:latin typeface="돋움" panose="020B0600000101010101" pitchFamily="50" charset="-127"/>
-                <a:ea typeface="돋움" panose="020B0600000101010101" pitchFamily="50" charset="-127"/>
-              </a:rPr>
-              <a:t>2</a:t>
-            </a:r>
-            <a:r>
-              <a:rPr lang="ko-KR" altLang="en-US" b="1" dirty="0" smtClean="0">
-                <a:latin typeface="돋움" panose="020B0600000101010101" pitchFamily="50" charset="-127"/>
-                <a:ea typeface="돋움" panose="020B0600000101010101" pitchFamily="50" charset="-127"/>
-              </a:rPr>
-              <a:t>차원 배열은 행렬</a:t>
-            </a:r>
-            <a:r>
-              <a:rPr lang="en-US" altLang="ko-KR" b="1" dirty="0" smtClean="0">
-                <a:latin typeface="돋움" panose="020B0600000101010101" pitchFamily="50" charset="-127"/>
-                <a:ea typeface="돋움" panose="020B0600000101010101" pitchFamily="50" charset="-127"/>
-              </a:rPr>
-              <a:t>(matrix)</a:t>
-            </a:r>
-            <a:r>
-              <a:rPr lang="ko-KR" altLang="en-US" b="1" dirty="0" smtClean="0">
-                <a:latin typeface="돋움" panose="020B0600000101010101" pitchFamily="50" charset="-127"/>
-                <a:ea typeface="돋움" panose="020B0600000101010101" pitchFamily="50" charset="-127"/>
-              </a:rPr>
-              <a:t> </a:t>
-            </a:r>
-            <a:r>
-              <a:rPr lang="en-US" altLang="ko-KR" b="1" dirty="0" smtClean="0">
-                <a:latin typeface="돋움" panose="020B0600000101010101" pitchFamily="50" charset="-127"/>
-                <a:ea typeface="돋움" panose="020B0600000101010101" pitchFamily="50" charset="-127"/>
-              </a:rPr>
-              <a:t>– </a:t>
-            </a:r>
-            <a:r>
-              <a:rPr lang="ko-KR" altLang="en-US" b="1" dirty="0" smtClean="0">
-                <a:latin typeface="돋움" panose="020B0600000101010101" pitchFamily="50" charset="-127"/>
-                <a:ea typeface="돋움" panose="020B0600000101010101" pitchFamily="50" charset="-127"/>
-              </a:rPr>
-              <a:t>수</a:t>
-            </a:r>
-            <a:r>
-              <a:rPr lang="en-US" altLang="ko-KR" b="1" dirty="0" smtClean="0">
-                <a:latin typeface="돋움" panose="020B0600000101010101" pitchFamily="50" charset="-127"/>
-                <a:ea typeface="돋움" panose="020B0600000101010101" pitchFamily="50" charset="-127"/>
-              </a:rPr>
-              <a:t>, </a:t>
-            </a:r>
-            <a:r>
-              <a:rPr lang="ko-KR" altLang="en-US" b="1" dirty="0" smtClean="0">
-                <a:latin typeface="돋움" panose="020B0600000101010101" pitchFamily="50" charset="-127"/>
-                <a:ea typeface="돋움" panose="020B0600000101010101" pitchFamily="50" charset="-127"/>
-              </a:rPr>
-              <a:t>또는 문자를 </a:t>
-            </a:r>
-            <a:r>
-              <a:rPr lang="ko-KR" altLang="en-US" b="1" dirty="0" err="1" smtClean="0">
-                <a:latin typeface="돋움" panose="020B0600000101010101" pitchFamily="50" charset="-127"/>
-                <a:ea typeface="돋움" panose="020B0600000101010101" pitchFamily="50" charset="-127"/>
-              </a:rPr>
-              <a:t>괄호안에</a:t>
-            </a:r>
-            <a:r>
-              <a:rPr lang="ko-KR" altLang="en-US" b="1" dirty="0" smtClean="0">
-                <a:latin typeface="돋움" panose="020B0600000101010101" pitchFamily="50" charset="-127"/>
-                <a:ea typeface="돋움" panose="020B0600000101010101" pitchFamily="50" charset="-127"/>
-              </a:rPr>
-              <a:t> 직사각형 형태로 배열 </a:t>
-            </a:r>
-            <a:endParaRPr lang="en-US" altLang="ko-KR" b="1" dirty="0" smtClean="0">
-              <a:latin typeface="돋움" panose="020B0600000101010101" pitchFamily="50" charset="-127"/>
-              <a:ea typeface="돋움" panose="020B0600000101010101" pitchFamily="50" charset="-127"/>
-            </a:endParaRPr>
-          </a:p>
-          <a:p>
-            <a:pPr marL="800100" lvl="1" indent="-342900">
-              <a:buFont typeface="Wingdings" panose="05000000000000000000" pitchFamily="2" charset="2"/>
-              <a:buChar char="§"/>
-            </a:pPr>
-            <a:r>
-              <a:rPr lang="en-US" altLang="ko-KR" dirty="0" smtClean="0">
-                <a:latin typeface="돋움" panose="020B0600000101010101" pitchFamily="50" charset="-127"/>
-                <a:ea typeface="돋움" panose="020B0600000101010101" pitchFamily="50" charset="-127"/>
-              </a:rPr>
-              <a:t>3</a:t>
-            </a:r>
-            <a:r>
-              <a:rPr lang="ko-KR" altLang="en-US" dirty="0" smtClean="0">
-                <a:latin typeface="돋움" panose="020B0600000101010101" pitchFamily="50" charset="-127"/>
-                <a:ea typeface="돋움" panose="020B0600000101010101" pitchFamily="50" charset="-127"/>
-              </a:rPr>
-              <a:t>차원 배열은 </a:t>
-            </a:r>
-            <a:r>
-              <a:rPr lang="ko-KR" altLang="en-US" dirty="0" err="1" smtClean="0">
-                <a:latin typeface="돋움" panose="020B0600000101010101" pitchFamily="50" charset="-127"/>
-                <a:ea typeface="돋움" panose="020B0600000101010101" pitchFamily="50" charset="-127"/>
-              </a:rPr>
-              <a:t>텐서</a:t>
-            </a:r>
-            <a:r>
-              <a:rPr lang="en-US" altLang="ko-KR" dirty="0" smtClean="0">
-                <a:latin typeface="돋움" panose="020B0600000101010101" pitchFamily="50" charset="-127"/>
-                <a:ea typeface="돋움" panose="020B0600000101010101" pitchFamily="50" charset="-127"/>
-              </a:rPr>
-              <a:t>(tensor)</a:t>
-            </a:r>
-            <a:r>
-              <a:rPr lang="ko-KR" altLang="en-US" dirty="0" smtClean="0">
-                <a:latin typeface="돋움" panose="020B0600000101010101" pitchFamily="50" charset="-127"/>
-                <a:ea typeface="돋움" panose="020B0600000101010101" pitchFamily="50" charset="-127"/>
-              </a:rPr>
-              <a:t>라고 함</a:t>
-            </a:r>
-            <a:endParaRPr lang="en-US" altLang="ko-KR" dirty="0" smtClean="0">
-              <a:latin typeface="돋움" panose="020B0600000101010101" pitchFamily="50" charset="-127"/>
-              <a:ea typeface="돋움" panose="020B0600000101010101" pitchFamily="50" charset="-127"/>
-            </a:endParaRPr>
-          </a:p>
-        </p:txBody>
-      </p:sp>
-      <p:pic>
-        <p:nvPicPr>
-          <p:cNvPr id="2" name="그림 1"/>
-          <p:cNvPicPr>
-            <a:picLocks noChangeAspect="1"/>
-          </p:cNvPicPr>
-          <p:nvPr/>
-        </p:nvPicPr>
-        <p:blipFill rotWithShape="1">
-          <a:blip r:embed="rId2">
-            <a:extLst>
-              <a:ext uri="{28A0092B-C50C-407E-A947-70E740481C1C}">
-                <a14:useLocalDpi xmlns:a14="http://schemas.microsoft.com/office/drawing/2010/main" val="0"/>
-              </a:ext>
-            </a:extLst>
-          </a:blip>
-          <a:srcRect b="41347"/>
-          <a:stretch/>
-        </p:blipFill>
-        <p:spPr>
-          <a:xfrm>
-            <a:off x="1496616" y="2708920"/>
-            <a:ext cx="3179920" cy="2088232"/>
-          </a:xfrm>
-          <a:prstGeom prst="rect">
-            <a:avLst/>
-          </a:prstGeom>
-          <a:ln>
-            <a:solidFill>
-              <a:schemeClr val="bg1">
-                <a:lumMod val="85000"/>
-              </a:schemeClr>
-            </a:solidFill>
-          </a:ln>
-        </p:spPr>
-      </p:pic>
-      <p:pic>
-        <p:nvPicPr>
-          <p:cNvPr id="10" name="그림 9"/>
-          <p:cNvPicPr>
-            <a:picLocks noChangeAspect="1"/>
-          </p:cNvPicPr>
-          <p:nvPr/>
-        </p:nvPicPr>
-        <p:blipFill rotWithShape="1">
-          <a:blip r:embed="rId2">
-            <a:extLst>
-              <a:ext uri="{28A0092B-C50C-407E-A947-70E740481C1C}">
-                <a14:useLocalDpi xmlns:a14="http://schemas.microsoft.com/office/drawing/2010/main" val="0"/>
-              </a:ext>
-            </a:extLst>
-          </a:blip>
-          <a:srcRect l="-1" t="64160" r="70454" b="17920"/>
-          <a:stretch/>
-        </p:blipFill>
-        <p:spPr>
-          <a:xfrm>
-            <a:off x="3554734" y="2972430"/>
-            <a:ext cx="1099005" cy="780606"/>
-          </a:xfrm>
-          <a:prstGeom prst="rect">
-            <a:avLst/>
-          </a:prstGeom>
-          <a:ln>
-            <a:noFill/>
-          </a:ln>
-        </p:spPr>
-      </p:pic>
-      <p:pic>
-        <p:nvPicPr>
-          <p:cNvPr id="11" name="그림 10"/>
-          <p:cNvPicPr>
-            <a:picLocks noChangeAspect="1"/>
-          </p:cNvPicPr>
-          <p:nvPr/>
-        </p:nvPicPr>
-        <p:blipFill rotWithShape="1">
-          <a:blip r:embed="rId2">
-            <a:extLst>
-              <a:ext uri="{28A0092B-C50C-407E-A947-70E740481C1C}">
-                <a14:useLocalDpi xmlns:a14="http://schemas.microsoft.com/office/drawing/2010/main" val="0"/>
-              </a:ext>
-            </a:extLst>
-          </a:blip>
-          <a:srcRect t="82080" r="73018"/>
-          <a:stretch/>
-        </p:blipFill>
-        <p:spPr>
-          <a:xfrm>
-            <a:off x="3554733" y="4365104"/>
-            <a:ext cx="1048315" cy="864095"/>
-          </a:xfrm>
-          <a:prstGeom prst="rect">
-            <a:avLst/>
-          </a:prstGeom>
-          <a:ln>
-            <a:noFill/>
-          </a:ln>
-        </p:spPr>
-      </p:pic>
-      <p:pic>
-        <p:nvPicPr>
-          <p:cNvPr id="3" name="그림 2"/>
-          <p:cNvPicPr>
-            <a:picLocks noChangeAspect="1"/>
-          </p:cNvPicPr>
-          <p:nvPr/>
-        </p:nvPicPr>
-        <p:blipFill>
-          <a:blip r:embed="rId3">
-            <a:extLst>
-              <a:ext uri="{28A0092B-C50C-407E-A947-70E740481C1C}">
-                <a14:useLocalDpi xmlns:a14="http://schemas.microsoft.com/office/drawing/2010/main" val="0"/>
-              </a:ext>
-            </a:extLst>
-          </a:blip>
-          <a:stretch>
-            <a:fillRect/>
-          </a:stretch>
-        </p:blipFill>
-        <p:spPr>
-          <a:xfrm>
-            <a:off x="5169024" y="2708920"/>
-            <a:ext cx="3663998" cy="3312368"/>
-          </a:xfrm>
-          <a:prstGeom prst="rect">
-            <a:avLst/>
-          </a:prstGeom>
-          <a:ln>
-            <a:solidFill>
-              <a:schemeClr val="bg1">
-                <a:lumMod val="85000"/>
-              </a:schemeClr>
-            </a:solidFill>
-          </a:ln>
-        </p:spPr>
-      </p:pic>
-    </p:spTree>
-    <p:extLst>
-      <p:ext uri="{BB962C8B-B14F-4D97-AF65-F5344CB8AC3E}">
-        <p14:creationId xmlns:p14="http://schemas.microsoft.com/office/powerpoint/2010/main" val="1638938885"/>
       </p:ext>
     </p:extLst>
   </p:cSld>
@@ -11187,6 +10973,529 @@
             <a:fld id="{1BDE3FE7-3AEA-4B05-AC5A-802D1816ACF0}" type="slidenum">
               <a:rPr lang="ko-KR" altLang="en-US" smtClean="0"/>
               <a:t>37</a:t>
+            </a:fld>
+            <a:endParaRPr lang="ko-KR" altLang="en-US"/>
+          </a:p>
+        </p:txBody>
+      </p:sp>
+      <p:sp>
+        <p:nvSpPr>
+          <p:cNvPr id="8" name="제목 1"/>
+          <p:cNvSpPr txBox="1">
+            <a:spLocks/>
+          </p:cNvSpPr>
+          <p:nvPr/>
+        </p:nvSpPr>
+        <p:spPr>
+          <a:xfrm>
+            <a:off x="696077" y="188640"/>
+            <a:ext cx="6201139" cy="854968"/>
+          </a:xfrm>
+          <a:prstGeom prst="rect">
+            <a:avLst/>
+          </a:prstGeom>
+        </p:spPr>
+        <p:txBody>
+          <a:bodyPr vert="horz" lIns="91440" tIns="45720" rIns="91440" bIns="45720" rtlCol="0" anchor="ctr">
+            <a:normAutofit/>
+          </a:bodyPr>
+          <a:lstStyle>
+            <a:lvl1pPr algn="l" defTabSz="914400" rtl="0" eaLnBrk="1" latinLnBrk="1" hangingPunct="1">
+              <a:spcBef>
+                <a:spcPct val="0"/>
+              </a:spcBef>
+              <a:buNone/>
+              <a:defRPr sz="3200" kern="1200">
+                <a:solidFill>
+                  <a:sysClr val="windowText" lastClr="000000"/>
+                </a:solidFill>
+                <a:latin typeface="휴먼엑스포" panose="02030504000101010101" pitchFamily="18" charset="-127"/>
+                <a:ea typeface="휴먼엑스포" panose="02030504000101010101" pitchFamily="18" charset="-127"/>
+                <a:cs typeface="+mj-cs"/>
+              </a:defRPr>
+            </a:lvl1pPr>
+          </a:lstStyle>
+          <a:p>
+            <a:r>
+              <a:rPr lang="en-US" altLang="ko-KR" dirty="0" smtClean="0"/>
+              <a:t> </a:t>
+            </a:r>
+            <a:r>
+              <a:rPr lang="en-US" altLang="ko-KR" dirty="0" err="1" smtClean="0"/>
+              <a:t>Numpy</a:t>
+            </a:r>
+            <a:r>
+              <a:rPr lang="ko-KR" altLang="en-US" dirty="0" smtClean="0"/>
+              <a:t>의 </a:t>
+            </a:r>
+            <a:r>
+              <a:rPr lang="en-US" altLang="ko-KR" dirty="0" smtClean="0"/>
+              <a:t>N</a:t>
+            </a:r>
+            <a:r>
+              <a:rPr lang="ko-KR" altLang="en-US" dirty="0" smtClean="0"/>
+              <a:t>차원 배열</a:t>
+            </a:r>
+            <a:r>
+              <a:rPr lang="en-US" altLang="ko-KR" dirty="0" smtClean="0"/>
+              <a:t> </a:t>
+            </a:r>
+            <a:r>
+              <a:rPr lang="ko-KR" altLang="en-US" dirty="0" smtClean="0"/>
+              <a:t> </a:t>
+            </a:r>
+            <a:endParaRPr lang="ko-KR" altLang="en-US" dirty="0"/>
+          </a:p>
+        </p:txBody>
+      </p:sp>
+      <p:sp>
+        <p:nvSpPr>
+          <p:cNvPr id="6" name="TextBox 5"/>
+          <p:cNvSpPr txBox="1"/>
+          <p:nvPr/>
+        </p:nvSpPr>
+        <p:spPr>
+          <a:xfrm>
+            <a:off x="938238" y="1344441"/>
+            <a:ext cx="8767290" cy="1200329"/>
+          </a:xfrm>
+          <a:prstGeom prst="rect">
+            <a:avLst/>
+          </a:prstGeom>
+          <a:noFill/>
+          <a:ln>
+            <a:noFill/>
+          </a:ln>
+        </p:spPr>
+        <p:style>
+          <a:lnRef idx="1">
+            <a:schemeClr val="accent3"/>
+          </a:lnRef>
+          <a:fillRef idx="2">
+            <a:schemeClr val="accent3"/>
+          </a:fillRef>
+          <a:effectRef idx="1">
+            <a:schemeClr val="accent3"/>
+          </a:effectRef>
+          <a:fontRef idx="minor">
+            <a:schemeClr val="dk1"/>
+          </a:fontRef>
+        </p:style>
+        <p:txBody>
+          <a:bodyPr wrap="square" rtlCol="0">
+            <a:spAutoFit/>
+          </a:bodyPr>
+          <a:lstStyle/>
+          <a:p>
+            <a:pPr marL="342900" indent="-342900">
+              <a:buFont typeface="Wingdings" panose="05000000000000000000" pitchFamily="2" charset="2"/>
+              <a:buChar char="v"/>
+            </a:pPr>
+            <a:r>
+              <a:rPr lang="ko-KR" altLang="en-US" dirty="0" err="1" smtClean="0">
+                <a:latin typeface="돋움" panose="020B0600000101010101" pitchFamily="50" charset="-127"/>
+                <a:ea typeface="돋움" panose="020B0600000101010101" pitchFamily="50" charset="-127"/>
+              </a:rPr>
+              <a:t>넘파이의</a:t>
+            </a:r>
+            <a:r>
+              <a:rPr lang="ko-KR" altLang="en-US" dirty="0" smtClean="0">
+                <a:latin typeface="돋움" panose="020B0600000101010101" pitchFamily="50" charset="-127"/>
+                <a:ea typeface="돋움" panose="020B0600000101010101" pitchFamily="50" charset="-127"/>
+              </a:rPr>
+              <a:t> </a:t>
+            </a:r>
+            <a:r>
+              <a:rPr lang="en-US" altLang="ko-KR" dirty="0" smtClean="0">
+                <a:latin typeface="돋움" panose="020B0600000101010101" pitchFamily="50" charset="-127"/>
+                <a:ea typeface="돋움" panose="020B0600000101010101" pitchFamily="50" charset="-127"/>
+              </a:rPr>
+              <a:t>N</a:t>
+            </a:r>
+            <a:r>
+              <a:rPr lang="ko-KR" altLang="en-US" dirty="0" smtClean="0">
+                <a:latin typeface="돋움" panose="020B0600000101010101" pitchFamily="50" charset="-127"/>
+                <a:ea typeface="돋움" panose="020B0600000101010101" pitchFamily="50" charset="-127"/>
+              </a:rPr>
+              <a:t>차원 배열</a:t>
+            </a:r>
+            <a:endParaRPr lang="en-US" altLang="ko-KR" dirty="0" smtClean="0">
+              <a:latin typeface="돋움" panose="020B0600000101010101" pitchFamily="50" charset="-127"/>
+              <a:ea typeface="돋움" panose="020B0600000101010101" pitchFamily="50" charset="-127"/>
+            </a:endParaRPr>
+          </a:p>
+          <a:p>
+            <a:pPr marL="800100" lvl="1" indent="-342900">
+              <a:buFont typeface="Wingdings" panose="05000000000000000000" pitchFamily="2" charset="2"/>
+              <a:buChar char="§"/>
+            </a:pPr>
+            <a:r>
+              <a:rPr lang="en-US" altLang="ko-KR" dirty="0" smtClean="0">
+                <a:solidFill>
+                  <a:schemeClr val="tx1"/>
+                </a:solidFill>
+                <a:latin typeface="돋움" panose="020B0600000101010101" pitchFamily="50" charset="-127"/>
+                <a:ea typeface="돋움" panose="020B0600000101010101" pitchFamily="50" charset="-127"/>
+              </a:rPr>
+              <a:t>1</a:t>
+            </a:r>
+            <a:r>
+              <a:rPr lang="ko-KR" altLang="en-US" dirty="0" smtClean="0">
+                <a:solidFill>
+                  <a:schemeClr val="tx1"/>
+                </a:solidFill>
+                <a:latin typeface="돋움" panose="020B0600000101010101" pitchFamily="50" charset="-127"/>
+                <a:ea typeface="돋움" panose="020B0600000101010101" pitchFamily="50" charset="-127"/>
+              </a:rPr>
+              <a:t>차원 배열은 벡터</a:t>
+            </a:r>
+            <a:r>
+              <a:rPr lang="en-US" altLang="ko-KR" dirty="0" smtClean="0">
+                <a:solidFill>
+                  <a:schemeClr val="tx1"/>
+                </a:solidFill>
+                <a:latin typeface="돋움" panose="020B0600000101010101" pitchFamily="50" charset="-127"/>
+                <a:ea typeface="돋움" panose="020B0600000101010101" pitchFamily="50" charset="-127"/>
+              </a:rPr>
+              <a:t>(vector)</a:t>
+            </a:r>
+            <a:r>
+              <a:rPr lang="ko-KR" altLang="en-US" dirty="0" smtClean="0">
+                <a:solidFill>
+                  <a:schemeClr val="tx1"/>
+                </a:solidFill>
+                <a:latin typeface="돋움" panose="020B0600000101010101" pitchFamily="50" charset="-127"/>
+                <a:ea typeface="돋움" panose="020B0600000101010101" pitchFamily="50" charset="-127"/>
+              </a:rPr>
+              <a:t>라 함</a:t>
+            </a:r>
+            <a:endParaRPr lang="en-US" altLang="ko-KR" dirty="0">
+              <a:solidFill>
+                <a:schemeClr val="tx1"/>
+              </a:solidFill>
+              <a:latin typeface="돋움" panose="020B0600000101010101" pitchFamily="50" charset="-127"/>
+              <a:ea typeface="돋움" panose="020B0600000101010101" pitchFamily="50" charset="-127"/>
+            </a:endParaRPr>
+          </a:p>
+          <a:p>
+            <a:pPr marL="800100" lvl="1" indent="-342900">
+              <a:buFont typeface="Wingdings" panose="05000000000000000000" pitchFamily="2" charset="2"/>
+              <a:buChar char="§"/>
+            </a:pPr>
+            <a:r>
+              <a:rPr lang="en-US" altLang="ko-KR" b="1" dirty="0" smtClean="0">
+                <a:latin typeface="돋움" panose="020B0600000101010101" pitchFamily="50" charset="-127"/>
+                <a:ea typeface="돋움" panose="020B0600000101010101" pitchFamily="50" charset="-127"/>
+              </a:rPr>
+              <a:t>2</a:t>
+            </a:r>
+            <a:r>
+              <a:rPr lang="ko-KR" altLang="en-US" b="1" dirty="0" smtClean="0">
+                <a:latin typeface="돋움" panose="020B0600000101010101" pitchFamily="50" charset="-127"/>
+                <a:ea typeface="돋움" panose="020B0600000101010101" pitchFamily="50" charset="-127"/>
+              </a:rPr>
+              <a:t>차원 배열은 행렬</a:t>
+            </a:r>
+            <a:r>
+              <a:rPr lang="en-US" altLang="ko-KR" b="1" dirty="0" smtClean="0">
+                <a:latin typeface="돋움" panose="020B0600000101010101" pitchFamily="50" charset="-127"/>
+                <a:ea typeface="돋움" panose="020B0600000101010101" pitchFamily="50" charset="-127"/>
+              </a:rPr>
+              <a:t>(matrix)</a:t>
+            </a:r>
+            <a:r>
+              <a:rPr lang="ko-KR" altLang="en-US" b="1" dirty="0" smtClean="0">
+                <a:latin typeface="돋움" panose="020B0600000101010101" pitchFamily="50" charset="-127"/>
+                <a:ea typeface="돋움" panose="020B0600000101010101" pitchFamily="50" charset="-127"/>
+              </a:rPr>
+              <a:t> </a:t>
+            </a:r>
+            <a:r>
+              <a:rPr lang="en-US" altLang="ko-KR" b="1" dirty="0" smtClean="0">
+                <a:latin typeface="돋움" panose="020B0600000101010101" pitchFamily="50" charset="-127"/>
+                <a:ea typeface="돋움" panose="020B0600000101010101" pitchFamily="50" charset="-127"/>
+              </a:rPr>
+              <a:t>– </a:t>
+            </a:r>
+            <a:r>
+              <a:rPr lang="ko-KR" altLang="en-US" b="1" dirty="0" smtClean="0">
+                <a:latin typeface="돋움" panose="020B0600000101010101" pitchFamily="50" charset="-127"/>
+                <a:ea typeface="돋움" panose="020B0600000101010101" pitchFamily="50" charset="-127"/>
+              </a:rPr>
+              <a:t>수</a:t>
+            </a:r>
+            <a:r>
+              <a:rPr lang="en-US" altLang="ko-KR" b="1" dirty="0" smtClean="0">
+                <a:latin typeface="돋움" panose="020B0600000101010101" pitchFamily="50" charset="-127"/>
+                <a:ea typeface="돋움" panose="020B0600000101010101" pitchFamily="50" charset="-127"/>
+              </a:rPr>
+              <a:t>, </a:t>
+            </a:r>
+            <a:r>
+              <a:rPr lang="ko-KR" altLang="en-US" b="1" dirty="0" smtClean="0">
+                <a:latin typeface="돋움" panose="020B0600000101010101" pitchFamily="50" charset="-127"/>
+                <a:ea typeface="돋움" panose="020B0600000101010101" pitchFamily="50" charset="-127"/>
+              </a:rPr>
+              <a:t>또는 문자를 </a:t>
+            </a:r>
+            <a:r>
+              <a:rPr lang="ko-KR" altLang="en-US" b="1" dirty="0" err="1" smtClean="0">
+                <a:latin typeface="돋움" panose="020B0600000101010101" pitchFamily="50" charset="-127"/>
+                <a:ea typeface="돋움" panose="020B0600000101010101" pitchFamily="50" charset="-127"/>
+              </a:rPr>
+              <a:t>괄호안에</a:t>
+            </a:r>
+            <a:r>
+              <a:rPr lang="ko-KR" altLang="en-US" b="1" dirty="0" smtClean="0">
+                <a:latin typeface="돋움" panose="020B0600000101010101" pitchFamily="50" charset="-127"/>
+                <a:ea typeface="돋움" panose="020B0600000101010101" pitchFamily="50" charset="-127"/>
+              </a:rPr>
+              <a:t> 직사각형 형태로 배열 </a:t>
+            </a:r>
+            <a:endParaRPr lang="en-US" altLang="ko-KR" b="1" dirty="0" smtClean="0">
+              <a:latin typeface="돋움" panose="020B0600000101010101" pitchFamily="50" charset="-127"/>
+              <a:ea typeface="돋움" panose="020B0600000101010101" pitchFamily="50" charset="-127"/>
+            </a:endParaRPr>
+          </a:p>
+          <a:p>
+            <a:pPr marL="800100" lvl="1" indent="-342900">
+              <a:buFont typeface="Wingdings" panose="05000000000000000000" pitchFamily="2" charset="2"/>
+              <a:buChar char="§"/>
+            </a:pPr>
+            <a:r>
+              <a:rPr lang="en-US" altLang="ko-KR" dirty="0" smtClean="0">
+                <a:latin typeface="돋움" panose="020B0600000101010101" pitchFamily="50" charset="-127"/>
+                <a:ea typeface="돋움" panose="020B0600000101010101" pitchFamily="50" charset="-127"/>
+              </a:rPr>
+              <a:t>3</a:t>
+            </a:r>
+            <a:r>
+              <a:rPr lang="ko-KR" altLang="en-US" dirty="0" smtClean="0">
+                <a:latin typeface="돋움" panose="020B0600000101010101" pitchFamily="50" charset="-127"/>
+                <a:ea typeface="돋움" panose="020B0600000101010101" pitchFamily="50" charset="-127"/>
+              </a:rPr>
+              <a:t>차원 배열은 </a:t>
+            </a:r>
+            <a:r>
+              <a:rPr lang="ko-KR" altLang="en-US" dirty="0" err="1" smtClean="0">
+                <a:latin typeface="돋움" panose="020B0600000101010101" pitchFamily="50" charset="-127"/>
+                <a:ea typeface="돋움" panose="020B0600000101010101" pitchFamily="50" charset="-127"/>
+              </a:rPr>
+              <a:t>텐서</a:t>
+            </a:r>
+            <a:r>
+              <a:rPr lang="en-US" altLang="ko-KR" dirty="0" smtClean="0">
+                <a:latin typeface="돋움" panose="020B0600000101010101" pitchFamily="50" charset="-127"/>
+                <a:ea typeface="돋움" panose="020B0600000101010101" pitchFamily="50" charset="-127"/>
+              </a:rPr>
+              <a:t>(tensor)</a:t>
+            </a:r>
+            <a:r>
+              <a:rPr lang="ko-KR" altLang="en-US" dirty="0" smtClean="0">
+                <a:latin typeface="돋움" panose="020B0600000101010101" pitchFamily="50" charset="-127"/>
+                <a:ea typeface="돋움" panose="020B0600000101010101" pitchFamily="50" charset="-127"/>
+              </a:rPr>
+              <a:t>라고 함</a:t>
+            </a:r>
+            <a:endParaRPr lang="en-US" altLang="ko-KR" dirty="0" smtClean="0">
+              <a:latin typeface="돋움" panose="020B0600000101010101" pitchFamily="50" charset="-127"/>
+              <a:ea typeface="돋움" panose="020B0600000101010101" pitchFamily="50" charset="-127"/>
+            </a:endParaRPr>
+          </a:p>
+        </p:txBody>
+      </p:sp>
+      <p:pic>
+        <p:nvPicPr>
+          <p:cNvPr id="2" name="그림 1"/>
+          <p:cNvPicPr>
+            <a:picLocks noChangeAspect="1"/>
+          </p:cNvPicPr>
+          <p:nvPr/>
+        </p:nvPicPr>
+        <p:blipFill rotWithShape="1">
+          <a:blip r:embed="rId2">
+            <a:extLst>
+              <a:ext uri="{28A0092B-C50C-407E-A947-70E740481C1C}">
+                <a14:useLocalDpi xmlns:a14="http://schemas.microsoft.com/office/drawing/2010/main" val="0"/>
+              </a:ext>
+            </a:extLst>
+          </a:blip>
+          <a:srcRect b="41347"/>
+          <a:stretch/>
+        </p:blipFill>
+        <p:spPr>
+          <a:xfrm>
+            <a:off x="1496616" y="2708920"/>
+            <a:ext cx="3179920" cy="2088232"/>
+          </a:xfrm>
+          <a:prstGeom prst="rect">
+            <a:avLst/>
+          </a:prstGeom>
+          <a:ln>
+            <a:solidFill>
+              <a:schemeClr val="bg1">
+                <a:lumMod val="85000"/>
+              </a:schemeClr>
+            </a:solidFill>
+          </a:ln>
+        </p:spPr>
+      </p:pic>
+      <p:pic>
+        <p:nvPicPr>
+          <p:cNvPr id="10" name="그림 9"/>
+          <p:cNvPicPr>
+            <a:picLocks noChangeAspect="1"/>
+          </p:cNvPicPr>
+          <p:nvPr/>
+        </p:nvPicPr>
+        <p:blipFill rotWithShape="1">
+          <a:blip r:embed="rId2">
+            <a:extLst>
+              <a:ext uri="{28A0092B-C50C-407E-A947-70E740481C1C}">
+                <a14:useLocalDpi xmlns:a14="http://schemas.microsoft.com/office/drawing/2010/main" val="0"/>
+              </a:ext>
+            </a:extLst>
+          </a:blip>
+          <a:srcRect l="-1" t="64160" r="70454" b="17920"/>
+          <a:stretch/>
+        </p:blipFill>
+        <p:spPr>
+          <a:xfrm>
+            <a:off x="3554734" y="2972430"/>
+            <a:ext cx="1099005" cy="780606"/>
+          </a:xfrm>
+          <a:prstGeom prst="rect">
+            <a:avLst/>
+          </a:prstGeom>
+          <a:ln>
+            <a:noFill/>
+          </a:ln>
+        </p:spPr>
+      </p:pic>
+      <p:pic>
+        <p:nvPicPr>
+          <p:cNvPr id="11" name="그림 10"/>
+          <p:cNvPicPr>
+            <a:picLocks noChangeAspect="1"/>
+          </p:cNvPicPr>
+          <p:nvPr/>
+        </p:nvPicPr>
+        <p:blipFill rotWithShape="1">
+          <a:blip r:embed="rId2">
+            <a:extLst>
+              <a:ext uri="{28A0092B-C50C-407E-A947-70E740481C1C}">
+                <a14:useLocalDpi xmlns:a14="http://schemas.microsoft.com/office/drawing/2010/main" val="0"/>
+              </a:ext>
+            </a:extLst>
+          </a:blip>
+          <a:srcRect t="82080" r="73018"/>
+          <a:stretch/>
+        </p:blipFill>
+        <p:spPr>
+          <a:xfrm>
+            <a:off x="3554733" y="4365104"/>
+            <a:ext cx="1048315" cy="864095"/>
+          </a:xfrm>
+          <a:prstGeom prst="rect">
+            <a:avLst/>
+          </a:prstGeom>
+          <a:ln>
+            <a:noFill/>
+          </a:ln>
+        </p:spPr>
+      </p:pic>
+      <p:pic>
+        <p:nvPicPr>
+          <p:cNvPr id="3" name="그림 2"/>
+          <p:cNvPicPr>
+            <a:picLocks noChangeAspect="1"/>
+          </p:cNvPicPr>
+          <p:nvPr/>
+        </p:nvPicPr>
+        <p:blipFill>
+          <a:blip r:embed="rId3">
+            <a:extLst>
+              <a:ext uri="{28A0092B-C50C-407E-A947-70E740481C1C}">
+                <a14:useLocalDpi xmlns:a14="http://schemas.microsoft.com/office/drawing/2010/main" val="0"/>
+              </a:ext>
+            </a:extLst>
+          </a:blip>
+          <a:stretch>
+            <a:fillRect/>
+          </a:stretch>
+        </p:blipFill>
+        <p:spPr>
+          <a:xfrm>
+            <a:off x="5169024" y="2708920"/>
+            <a:ext cx="3663998" cy="3312368"/>
+          </a:xfrm>
+          <a:prstGeom prst="rect">
+            <a:avLst/>
+          </a:prstGeom>
+          <a:ln>
+            <a:solidFill>
+              <a:schemeClr val="bg1">
+                <a:lumMod val="85000"/>
+              </a:schemeClr>
+            </a:solidFill>
+          </a:ln>
+        </p:spPr>
+      </p:pic>
+    </p:spTree>
+    <p:extLst>
+      <p:ext uri="{BB962C8B-B14F-4D97-AF65-F5344CB8AC3E}">
+        <p14:creationId xmlns:p14="http://schemas.microsoft.com/office/powerpoint/2010/main" val="1638938885"/>
+      </p:ext>
+    </p:extLst>
+  </p:cSld>
+  <p:clrMapOvr>
+    <a:masterClrMapping/>
+  </p:clrMapOvr>
+  <p:timing>
+    <p:tnLst>
+      <p:par>
+        <p:cTn id="1" dur="indefinite" restart="never" nodeType="tmRoot"/>
+      </p:par>
+    </p:tnLst>
+  </p:timing>
+</p:sld>
+</file>
+
+<file path=ppt/slides/slide38.xml><?xml version="1.0" encoding="utf-8"?>
+<p:sld xmlns:a="http://schemas.openxmlformats.org/drawingml/2006/main" xmlns:r="http://schemas.openxmlformats.org/officeDocument/2006/relationships" xmlns:p="http://schemas.openxmlformats.org/presentationml/2006/main">
+  <p:cSld>
+    <p:spTree>
+      <p:nvGrpSpPr>
+        <p:cNvPr id="1" name=""/>
+        <p:cNvGrpSpPr/>
+        <p:nvPr/>
+      </p:nvGrpSpPr>
+      <p:grpSpPr>
+        <a:xfrm>
+          <a:off x="0" y="0"/>
+          <a:ext cx="0" cy="0"/>
+          <a:chOff x="0" y="0"/>
+          <a:chExt cx="0" cy="0"/>
+        </a:xfrm>
+      </p:grpSpPr>
+      <p:sp>
+        <p:nvSpPr>
+          <p:cNvPr id="4" name="슬라이드 번호 개체 틀 3"/>
+          <p:cNvSpPr>
+            <a:spLocks noGrp="1"/>
+          </p:cNvSpPr>
+          <p:nvPr>
+            <p:ph type="sldNum" sz="quarter" idx="12"/>
+          </p:nvPr>
+        </p:nvSpPr>
+        <p:spPr/>
+        <p:txBody>
+          <a:bodyPr/>
+          <a:lstStyle/>
+          <a:p>
+            <a:fld id="{1BDE3FE7-3AEA-4B05-AC5A-802D1816ACF0}" type="slidenum">
+              <a:rPr lang="ko-KR" altLang="en-US" smtClean="0"/>
+              <a:t>38</a:t>
             </a:fld>
             <a:endParaRPr lang="ko-KR" altLang="en-US"/>
           </a:p>
@@ -12799,7 +13108,7 @@
 </p:sld>
 </file>
 
-<file path=ppt/slides/slide38.xml><?xml version="1.0" encoding="utf-8"?>
+<file path=ppt/slides/slide39.xml><?xml version="1.0" encoding="utf-8"?>
 <p:sld xmlns:a="http://schemas.openxmlformats.org/drawingml/2006/main" xmlns:r="http://schemas.openxmlformats.org/officeDocument/2006/relationships" xmlns:p="http://schemas.openxmlformats.org/presentationml/2006/main">
   <p:cSld>
     <p:spTree>
@@ -12870,7 +13179,7 @@
           <a:p>
             <a:fld id="{1BDE3FE7-3AEA-4B05-AC5A-802D1816ACF0}" type="slidenum">
               <a:rPr lang="ko-KR" altLang="en-US" smtClean="0"/>
-              <a:t>38</a:t>
+              <a:t>39</a:t>
             </a:fld>
             <a:endParaRPr lang="ko-KR" altLang="en-US"/>
           </a:p>
@@ -13177,136 +13486,6 @@
 </p:sld>
 </file>
 
-<file path=ppt/slides/slide39.xml><?xml version="1.0" encoding="utf-8"?>
-<p:sld xmlns:a="http://schemas.openxmlformats.org/drawingml/2006/main" xmlns:r="http://schemas.openxmlformats.org/officeDocument/2006/relationships" xmlns:p="http://schemas.openxmlformats.org/presentationml/2006/main">
-  <p:cSld>
-    <p:spTree>
-      <p:nvGrpSpPr>
-        <p:cNvPr id="1" name=""/>
-        <p:cNvGrpSpPr/>
-        <p:nvPr/>
-      </p:nvGrpSpPr>
-      <p:grpSpPr>
-        <a:xfrm>
-          <a:off x="0" y="0"/>
-          <a:ext cx="0" cy="0"/>
-          <a:chOff x="0" y="0"/>
-          <a:chExt cx="0" cy="0"/>
-        </a:xfrm>
-      </p:grpSpPr>
-      <p:sp>
-        <p:nvSpPr>
-          <p:cNvPr id="2" name="제목 1"/>
-          <p:cNvSpPr>
-            <a:spLocks noGrp="1"/>
-          </p:cNvSpPr>
-          <p:nvPr>
-            <p:ph type="title"/>
-          </p:nvPr>
-        </p:nvSpPr>
-        <p:spPr/>
-        <p:txBody>
-          <a:bodyPr>
-            <a:normAutofit/>
-          </a:bodyPr>
-          <a:lstStyle/>
-          <a:p>
-            <a:r>
-              <a:rPr lang="en-US" altLang="ko-KR" sz="2800" dirty="0"/>
-              <a:t> </a:t>
-            </a:r>
-            <a:r>
-              <a:rPr lang="ko-KR" altLang="en-US" sz="2800" dirty="0"/>
-              <a:t>서울시 </a:t>
-            </a:r>
-            <a:r>
-              <a:rPr lang="ko-KR" altLang="en-US" sz="2800" dirty="0" smtClean="0"/>
-              <a:t>운동을 하지 않는 이유 통계</a:t>
-            </a:r>
-            <a:endParaRPr lang="ko-KR" altLang="en-US" sz="2800" dirty="0"/>
-          </a:p>
-        </p:txBody>
-      </p:sp>
-      <p:sp>
-        <p:nvSpPr>
-          <p:cNvPr id="4" name="슬라이드 번호 개체 틀 3"/>
-          <p:cNvSpPr>
-            <a:spLocks noGrp="1"/>
-          </p:cNvSpPr>
-          <p:nvPr>
-            <p:ph type="sldNum" sz="quarter" idx="12"/>
-          </p:nvPr>
-        </p:nvSpPr>
-        <p:spPr/>
-        <p:txBody>
-          <a:bodyPr/>
-          <a:lstStyle/>
-          <a:p>
-            <a:fld id="{1BDE3FE7-3AEA-4B05-AC5A-802D1816ACF0}" type="slidenum">
-              <a:rPr lang="ko-KR" altLang="en-US" smtClean="0"/>
-              <a:t>39</a:t>
-            </a:fld>
-            <a:endParaRPr lang="ko-KR" altLang="en-US"/>
-          </a:p>
-        </p:txBody>
-      </p:sp>
-      <p:pic>
-        <p:nvPicPr>
-          <p:cNvPr id="6" name="그림 5"/>
-          <p:cNvPicPr>
-            <a:picLocks noChangeAspect="1"/>
-          </p:cNvPicPr>
-          <p:nvPr/>
-        </p:nvPicPr>
-        <p:blipFill>
-          <a:blip r:embed="rId2">
-            <a:extLst>
-              <a:ext uri="{28A0092B-C50C-407E-A947-70E740481C1C}">
-                <a14:useLocalDpi xmlns:a14="http://schemas.microsoft.com/office/drawing/2010/main" val="0"/>
-              </a:ext>
-            </a:extLst>
-          </a:blip>
-          <a:stretch>
-            <a:fillRect/>
-          </a:stretch>
-        </p:blipFill>
-        <p:spPr>
-          <a:xfrm>
-            <a:off x="1208584" y="1484784"/>
-            <a:ext cx="7493881" cy="4536504"/>
-          </a:xfrm>
-          <a:prstGeom prst="rect">
-            <a:avLst/>
-          </a:prstGeom>
-          <a:ln>
-            <a:solidFill>
-              <a:schemeClr val="bg1">
-                <a:lumMod val="85000"/>
-              </a:schemeClr>
-            </a:solidFill>
-          </a:ln>
-        </p:spPr>
-      </p:pic>
-    </p:spTree>
-    <p:extLst>
-      <p:ext uri="{BB962C8B-B14F-4D97-AF65-F5344CB8AC3E}">
-        <p14:creationId xmlns:p14="http://schemas.microsoft.com/office/powerpoint/2010/main" val="2864161784"/>
-      </p:ext>
-    </p:extLst>
-  </p:cSld>
-  <p:clrMapOvr>
-    <a:masterClrMapping/>
-  </p:clrMapOvr>
-  <p:timing>
-    <p:tnLst>
-      <p:par>
-        <p:cTn id="1" dur="indefinite" restart="never" nodeType="tmRoot"/>
-      </p:par>
-    </p:tnLst>
-  </p:timing>
-</p:sld>
-</file>
-
 <file path=ppt/slides/slide4.xml><?xml version="1.0" encoding="utf-8"?>
 <p:sld xmlns:a="http://schemas.openxmlformats.org/drawingml/2006/main" xmlns:r="http://schemas.openxmlformats.org/officeDocument/2006/relationships" xmlns:p="http://schemas.openxmlformats.org/presentationml/2006/main">
   <p:cSld>
@@ -13710,7 +13889,7 @@
       </p:sp>
       <p:pic>
         <p:nvPicPr>
-          <p:cNvPr id="3" name="그림 2"/>
+          <p:cNvPr id="6" name="그림 5"/>
           <p:cNvPicPr>
             <a:picLocks noChangeAspect="1"/>
           </p:cNvPicPr>
@@ -13730,18 +13909,25 @@
         </p:blipFill>
         <p:spPr>
           <a:xfrm>
-            <a:off x="1424608" y="1484784"/>
-            <a:ext cx="6394594" cy="4680520"/>
+            <a:off x="1208584" y="1484784"/>
+            <a:ext cx="7493881" cy="4536504"/>
           </a:xfrm>
           <a:prstGeom prst="rect">
             <a:avLst/>
           </a:prstGeom>
+          <a:ln>
+            <a:solidFill>
+              <a:schemeClr val="bg1">
+                <a:lumMod val="85000"/>
+              </a:schemeClr>
+            </a:solidFill>
+          </a:ln>
         </p:spPr>
       </p:pic>
     </p:spTree>
     <p:extLst>
       <p:ext uri="{BB962C8B-B14F-4D97-AF65-F5344CB8AC3E}">
-        <p14:creationId xmlns:p14="http://schemas.microsoft.com/office/powerpoint/2010/main" val="3031770994"/>
+        <p14:creationId xmlns:p14="http://schemas.microsoft.com/office/powerpoint/2010/main" val="2864161784"/>
       </p:ext>
     </p:extLst>
   </p:cSld>
@@ -13853,25 +14039,18 @@
         </p:blipFill>
         <p:spPr>
           <a:xfrm>
-            <a:off x="344488" y="1268760"/>
-            <a:ext cx="9410700" cy="4172669"/>
+            <a:off x="1424608" y="1484784"/>
+            <a:ext cx="6394594" cy="4680520"/>
           </a:xfrm>
           <a:prstGeom prst="rect">
             <a:avLst/>
           </a:prstGeom>
-          <a:ln>
-            <a:solidFill>
-              <a:schemeClr val="bg1">
-                <a:lumMod val="85000"/>
-              </a:schemeClr>
-            </a:solidFill>
-          </a:ln>
         </p:spPr>
       </p:pic>
     </p:spTree>
     <p:extLst>
       <p:ext uri="{BB962C8B-B14F-4D97-AF65-F5344CB8AC3E}">
-        <p14:creationId xmlns:p14="http://schemas.microsoft.com/office/powerpoint/2010/main" val="1963798108"/>
+        <p14:creationId xmlns:p14="http://schemas.microsoft.com/office/powerpoint/2010/main" val="3031770994"/>
       </p:ext>
     </p:extLst>
   </p:cSld>
@@ -13983,8 +14162,8 @@
         </p:blipFill>
         <p:spPr>
           <a:xfrm>
-            <a:off x="425252" y="1412776"/>
-            <a:ext cx="8985448" cy="3899100"/>
+            <a:off x="344488" y="1268760"/>
+            <a:ext cx="9410700" cy="4172669"/>
           </a:xfrm>
           <a:prstGeom prst="rect">
             <a:avLst/>
@@ -14001,7 +14180,7 @@
     </p:spTree>
     <p:extLst>
       <p:ext uri="{BB962C8B-B14F-4D97-AF65-F5344CB8AC3E}">
-        <p14:creationId xmlns:p14="http://schemas.microsoft.com/office/powerpoint/2010/main" val="1952600418"/>
+        <p14:creationId xmlns:p14="http://schemas.microsoft.com/office/powerpoint/2010/main" val="1963798108"/>
       </p:ext>
     </p:extLst>
   </p:cSld>
@@ -14093,7 +14272,7 @@
       </p:sp>
       <p:pic>
         <p:nvPicPr>
-          <p:cNvPr id="5" name="그림 4"/>
+          <p:cNvPr id="3" name="그림 2"/>
           <p:cNvPicPr>
             <a:picLocks noChangeAspect="1"/>
           </p:cNvPicPr>
@@ -14113,8 +14292,8 @@
         </p:blipFill>
         <p:spPr>
           <a:xfrm>
-            <a:off x="641276" y="1484784"/>
-            <a:ext cx="8769424" cy="3133302"/>
+            <a:off x="425252" y="1412776"/>
+            <a:ext cx="8985448" cy="3899100"/>
           </a:xfrm>
           <a:prstGeom prst="rect">
             <a:avLst/>
@@ -14131,7 +14310,7 @@
     </p:spTree>
     <p:extLst>
       <p:ext uri="{BB962C8B-B14F-4D97-AF65-F5344CB8AC3E}">
-        <p14:creationId xmlns:p14="http://schemas.microsoft.com/office/powerpoint/2010/main" val="3440157505"/>
+        <p14:creationId xmlns:p14="http://schemas.microsoft.com/office/powerpoint/2010/main" val="1952600418"/>
       </p:ext>
     </p:extLst>
   </p:cSld>
@@ -14223,7 +14402,7 @@
       </p:sp>
       <p:pic>
         <p:nvPicPr>
-          <p:cNvPr id="3" name="그림 2"/>
+          <p:cNvPr id="5" name="그림 4"/>
           <p:cNvPicPr>
             <a:picLocks noChangeAspect="1"/>
           </p:cNvPicPr>
@@ -14243,8 +14422,8 @@
         </p:blipFill>
         <p:spPr>
           <a:xfrm>
-            <a:off x="344488" y="1255470"/>
-            <a:ext cx="9289032" cy="1981660"/>
+            <a:off x="641276" y="1484784"/>
+            <a:ext cx="8769424" cy="3133302"/>
           </a:xfrm>
           <a:prstGeom prst="rect">
             <a:avLst/>
@@ -14258,84 +14437,10 @@
           </a:ln>
         </p:spPr>
       </p:pic>
-      <p:pic>
-        <p:nvPicPr>
-          <p:cNvPr id="5" name="그림 4"/>
-          <p:cNvPicPr>
-            <a:picLocks noChangeAspect="1"/>
-          </p:cNvPicPr>
-          <p:nvPr/>
-        </p:nvPicPr>
-        <p:blipFill>
-          <a:blip r:embed="rId3">
-            <a:extLst>
-              <a:ext uri="{28A0092B-C50C-407E-A947-70E740481C1C}">
-                <a14:useLocalDpi xmlns:a14="http://schemas.microsoft.com/office/drawing/2010/main" val="0"/>
-              </a:ext>
-            </a:extLst>
-          </a:blip>
-          <a:stretch>
-            <a:fillRect/>
-          </a:stretch>
-        </p:blipFill>
-        <p:spPr>
-          <a:xfrm>
-            <a:off x="1352600" y="3446615"/>
-            <a:ext cx="3358020" cy="3155982"/>
-          </a:xfrm>
-          <a:prstGeom prst="rect">
-            <a:avLst/>
-          </a:prstGeom>
-          <a:ln>
-            <a:solidFill>
-              <a:schemeClr val="bg1">
-                <a:lumMod val="85000"/>
-              </a:schemeClr>
-            </a:solidFill>
-          </a:ln>
-        </p:spPr>
-      </p:pic>
-      <p:pic>
-        <p:nvPicPr>
-          <p:cNvPr id="7" name="그림 6"/>
-          <p:cNvPicPr>
-            <a:picLocks noChangeAspect="1"/>
-          </p:cNvPicPr>
-          <p:nvPr/>
-        </p:nvPicPr>
-        <p:blipFill>
-          <a:blip r:embed="rId4">
-            <a:extLst>
-              <a:ext uri="{28A0092B-C50C-407E-A947-70E740481C1C}">
-                <a14:useLocalDpi xmlns:a14="http://schemas.microsoft.com/office/drawing/2010/main" val="0"/>
-              </a:ext>
-            </a:extLst>
-          </a:blip>
-          <a:stretch>
-            <a:fillRect/>
-          </a:stretch>
-        </p:blipFill>
-        <p:spPr>
-          <a:xfrm>
-            <a:off x="5103267" y="3438977"/>
-            <a:ext cx="3378125" cy="3145151"/>
-          </a:xfrm>
-          <a:prstGeom prst="rect">
-            <a:avLst/>
-          </a:prstGeom>
-          <a:ln>
-            <a:solidFill>
-              <a:schemeClr val="bg1">
-                <a:lumMod val="85000"/>
-              </a:schemeClr>
-            </a:solidFill>
-          </a:ln>
-        </p:spPr>
-      </p:pic>
     </p:spTree>
     <p:extLst>
       <p:ext uri="{BB962C8B-B14F-4D97-AF65-F5344CB8AC3E}">
-        <p14:creationId xmlns:p14="http://schemas.microsoft.com/office/powerpoint/2010/main" val="3972902245"/>
+        <p14:creationId xmlns:p14="http://schemas.microsoft.com/office/powerpoint/2010/main" val="3440157505"/>
       </p:ext>
     </p:extLst>
   </p:cSld>
@@ -14427,7 +14532,7 @@
       </p:sp>
       <p:pic>
         <p:nvPicPr>
-          <p:cNvPr id="6" name="그림 5"/>
+          <p:cNvPr id="3" name="그림 2"/>
           <p:cNvPicPr>
             <a:picLocks noChangeAspect="1"/>
           </p:cNvPicPr>
@@ -14447,18 +14552,99 @@
         </p:blipFill>
         <p:spPr>
           <a:xfrm>
-            <a:off x="686686" y="1484784"/>
-            <a:ext cx="8712968" cy="3127566"/>
+            <a:off x="344488" y="1255470"/>
+            <a:ext cx="9289032" cy="1981660"/>
           </a:xfrm>
           <a:prstGeom prst="rect">
             <a:avLst/>
           </a:prstGeom>
+          <a:ln>
+            <a:solidFill>
+              <a:schemeClr val="bg1">
+                <a:lumMod val="85000"/>
+              </a:schemeClr>
+            </a:solidFill>
+          </a:ln>
+        </p:spPr>
+      </p:pic>
+      <p:pic>
+        <p:nvPicPr>
+          <p:cNvPr id="5" name="그림 4"/>
+          <p:cNvPicPr>
+            <a:picLocks noChangeAspect="1"/>
+          </p:cNvPicPr>
+          <p:nvPr/>
+        </p:nvPicPr>
+        <p:blipFill>
+          <a:blip r:embed="rId3">
+            <a:extLst>
+              <a:ext uri="{28A0092B-C50C-407E-A947-70E740481C1C}">
+                <a14:useLocalDpi xmlns:a14="http://schemas.microsoft.com/office/drawing/2010/main" val="0"/>
+              </a:ext>
+            </a:extLst>
+          </a:blip>
+          <a:stretch>
+            <a:fillRect/>
+          </a:stretch>
+        </p:blipFill>
+        <p:spPr>
+          <a:xfrm>
+            <a:off x="1352600" y="3446615"/>
+            <a:ext cx="3358020" cy="3155982"/>
+          </a:xfrm>
+          <a:prstGeom prst="rect">
+            <a:avLst/>
+          </a:prstGeom>
+          <a:ln>
+            <a:solidFill>
+              <a:schemeClr val="bg1">
+                <a:lumMod val="85000"/>
+              </a:schemeClr>
+            </a:solidFill>
+          </a:ln>
+        </p:spPr>
+      </p:pic>
+      <p:pic>
+        <p:nvPicPr>
+          <p:cNvPr id="7" name="그림 6"/>
+          <p:cNvPicPr>
+            <a:picLocks noChangeAspect="1"/>
+          </p:cNvPicPr>
+          <p:nvPr/>
+        </p:nvPicPr>
+        <p:blipFill>
+          <a:blip r:embed="rId4">
+            <a:extLst>
+              <a:ext uri="{28A0092B-C50C-407E-A947-70E740481C1C}">
+                <a14:useLocalDpi xmlns:a14="http://schemas.microsoft.com/office/drawing/2010/main" val="0"/>
+              </a:ext>
+            </a:extLst>
+          </a:blip>
+          <a:stretch>
+            <a:fillRect/>
+          </a:stretch>
+        </p:blipFill>
+        <p:spPr>
+          <a:xfrm>
+            <a:off x="5103267" y="3438977"/>
+            <a:ext cx="3378125" cy="3145151"/>
+          </a:xfrm>
+          <a:prstGeom prst="rect">
+            <a:avLst/>
+          </a:prstGeom>
+          <a:ln>
+            <a:solidFill>
+              <a:schemeClr val="bg1">
+                <a:lumMod val="85000"/>
+              </a:schemeClr>
+            </a:solidFill>
+          </a:ln>
         </p:spPr>
       </p:pic>
     </p:spTree>
     <p:extLst>
       <p:ext uri="{BB962C8B-B14F-4D97-AF65-F5344CB8AC3E}">
-        <p14:creationId xmlns:p14="http://schemas.microsoft.com/office/powerpoint/2010/main" val="3325191986"/>
+        <p14:creationId xmlns:p14="http://schemas.microsoft.com/office/powerpoint/2010/main" val="3972902245"/>
       </p:ext>
     </p:extLst>
   </p:cSld>
@@ -14550,7 +14736,7 @@
       </p:sp>
       <p:pic>
         <p:nvPicPr>
-          <p:cNvPr id="5" name="그림 4"/>
+          <p:cNvPr id="6" name="그림 5"/>
           <p:cNvPicPr>
             <a:picLocks noChangeAspect="1"/>
           </p:cNvPicPr>
@@ -14570,25 +14756,18 @@
         </p:blipFill>
         <p:spPr>
           <a:xfrm>
-            <a:off x="628137" y="1268760"/>
-            <a:ext cx="8702794" cy="4724809"/>
+            <a:off x="686686" y="1484784"/>
+            <a:ext cx="8712968" cy="3127566"/>
           </a:xfrm>
           <a:prstGeom prst="rect">
             <a:avLst/>
           </a:prstGeom>
-          <a:ln>
-            <a:solidFill>
-              <a:schemeClr val="bg1">
-                <a:lumMod val="85000"/>
-              </a:schemeClr>
-            </a:solidFill>
-          </a:ln>
         </p:spPr>
       </p:pic>
     </p:spTree>
     <p:extLst>
       <p:ext uri="{BB962C8B-B14F-4D97-AF65-F5344CB8AC3E}">
-        <p14:creationId xmlns:p14="http://schemas.microsoft.com/office/powerpoint/2010/main" val="1343701330"/>
+        <p14:creationId xmlns:p14="http://schemas.microsoft.com/office/powerpoint/2010/main" val="3325191986"/>
       </p:ext>
     </p:extLst>
   </p:cSld>
@@ -14680,7 +14859,7 @@
       </p:sp>
       <p:pic>
         <p:nvPicPr>
-          <p:cNvPr id="3" name="그림 2"/>
+          <p:cNvPr id="5" name="그림 4"/>
           <p:cNvPicPr>
             <a:picLocks noChangeAspect="1"/>
           </p:cNvPicPr>
@@ -14700,8 +14879,8 @@
         </p:blipFill>
         <p:spPr>
           <a:xfrm>
-            <a:off x="1280592" y="1844824"/>
-            <a:ext cx="7100478" cy="3217404"/>
+            <a:off x="628137" y="1268760"/>
+            <a:ext cx="8702794" cy="4724809"/>
           </a:xfrm>
           <a:prstGeom prst="rect">
             <a:avLst/>
@@ -14718,7 +14897,7 @@
     </p:spTree>
     <p:extLst>
       <p:ext uri="{BB962C8B-B14F-4D97-AF65-F5344CB8AC3E}">
-        <p14:creationId xmlns:p14="http://schemas.microsoft.com/office/powerpoint/2010/main" val="1453338271"/>
+        <p14:creationId xmlns:p14="http://schemas.microsoft.com/office/powerpoint/2010/main" val="1343701330"/>
       </p:ext>
     </p:extLst>
   </p:cSld>
@@ -14810,13 +14989,13 @@
       </p:sp>
       <p:pic>
         <p:nvPicPr>
-          <p:cNvPr id="5" name="그림 4"/>
+          <p:cNvPr id="3" name="그림 2"/>
           <p:cNvPicPr>
             <a:picLocks noChangeAspect="1"/>
           </p:cNvPicPr>
           <p:nvPr/>
         </p:nvPicPr>
-        <p:blipFill rotWithShape="1">
+        <p:blipFill>
           <a:blip r:embed="rId2">
             <a:extLst>
               <a:ext uri="{28A0092B-C50C-407E-A947-70E740481C1C}">
@@ -14824,13 +15003,14 @@
               </a:ext>
             </a:extLst>
           </a:blip>
-          <a:srcRect b="18233"/>
-          <a:stretch/>
+          <a:stretch>
+            <a:fillRect/>
+          </a:stretch>
         </p:blipFill>
         <p:spPr>
           <a:xfrm>
-            <a:off x="628137" y="1412776"/>
-            <a:ext cx="8788128" cy="4032448"/>
+            <a:off x="1280592" y="1844824"/>
+            <a:ext cx="7100478" cy="3217404"/>
           </a:xfrm>
           <a:prstGeom prst="rect">
             <a:avLst/>
@@ -14847,7 +15027,7 @@
     </p:spTree>
     <p:extLst>
       <p:ext uri="{BB962C8B-B14F-4D97-AF65-F5344CB8AC3E}">
-        <p14:creationId xmlns:p14="http://schemas.microsoft.com/office/powerpoint/2010/main" val="1685391774"/>
+        <p14:creationId xmlns:p14="http://schemas.microsoft.com/office/powerpoint/2010/main" val="1453338271"/>
       </p:ext>
     </p:extLst>
   </p:cSld>
@@ -14939,13 +15119,13 @@
       </p:sp>
       <p:pic>
         <p:nvPicPr>
-          <p:cNvPr id="3" name="그림 2"/>
+          <p:cNvPr id="5" name="그림 4"/>
           <p:cNvPicPr>
             <a:picLocks noChangeAspect="1"/>
           </p:cNvPicPr>
           <p:nvPr/>
         </p:nvPicPr>
-        <p:blipFill>
+        <p:blipFill rotWithShape="1">
           <a:blip r:embed="rId2">
             <a:extLst>
               <a:ext uri="{28A0092B-C50C-407E-A947-70E740481C1C}">
@@ -14953,14 +15133,13 @@
               </a:ext>
             </a:extLst>
           </a:blip>
-          <a:stretch>
-            <a:fillRect/>
-          </a:stretch>
+          <a:srcRect b="18233"/>
+          <a:stretch/>
         </p:blipFill>
         <p:spPr>
           <a:xfrm>
-            <a:off x="315828" y="1645765"/>
-            <a:ext cx="9274344" cy="3566469"/>
+            <a:off x="628137" y="1412776"/>
+            <a:ext cx="8788128" cy="4032448"/>
           </a:xfrm>
           <a:prstGeom prst="rect">
             <a:avLst/>
@@ -14977,7 +15156,7 @@
     </p:spTree>
     <p:extLst>
       <p:ext uri="{BB962C8B-B14F-4D97-AF65-F5344CB8AC3E}">
-        <p14:creationId xmlns:p14="http://schemas.microsoft.com/office/powerpoint/2010/main" val="3775029898"/>
+        <p14:creationId xmlns:p14="http://schemas.microsoft.com/office/powerpoint/2010/main" val="1685391774"/>
       </p:ext>
     </p:extLst>
   </p:cSld>
@@ -15525,13 +15704,13 @@
       </p:sp>
       <p:pic>
         <p:nvPicPr>
-          <p:cNvPr id="5" name="그림 4"/>
+          <p:cNvPr id="3" name="그림 2"/>
           <p:cNvPicPr>
             <a:picLocks noChangeAspect="1"/>
           </p:cNvPicPr>
           <p:nvPr/>
         </p:nvPicPr>
-        <p:blipFill rotWithShape="1">
+        <p:blipFill>
           <a:blip r:embed="rId2">
             <a:extLst>
               <a:ext uri="{28A0092B-C50C-407E-A947-70E740481C1C}">
@@ -15539,13 +15718,14 @@
               </a:ext>
             </a:extLst>
           </a:blip>
-          <a:srcRect r="15021" b="50000"/>
-          <a:stretch/>
+          <a:stretch>
+            <a:fillRect/>
+          </a:stretch>
         </p:blipFill>
         <p:spPr>
           <a:xfrm>
-            <a:off x="776536" y="1628800"/>
-            <a:ext cx="8410395" cy="3168352"/>
+            <a:off x="315828" y="1645765"/>
+            <a:ext cx="9274344" cy="3566469"/>
           </a:xfrm>
           <a:prstGeom prst="rect">
             <a:avLst/>
@@ -15562,7 +15742,7 @@
     </p:spTree>
     <p:extLst>
       <p:ext uri="{BB962C8B-B14F-4D97-AF65-F5344CB8AC3E}">
-        <p14:creationId xmlns:p14="http://schemas.microsoft.com/office/powerpoint/2010/main" val="1003299309"/>
+        <p14:creationId xmlns:p14="http://schemas.microsoft.com/office/powerpoint/2010/main" val="3775029898"/>
       </p:ext>
     </p:extLst>
   </p:cSld>
@@ -15647,6 +15827,135 @@
             <a:fld id="{1BDE3FE7-3AEA-4B05-AC5A-802D1816ACF0}" type="slidenum">
               <a:rPr lang="ko-KR" altLang="en-US" smtClean="0"/>
               <a:t>51</a:t>
+            </a:fld>
+            <a:endParaRPr lang="ko-KR" altLang="en-US"/>
+          </a:p>
+        </p:txBody>
+      </p:sp>
+      <p:pic>
+        <p:nvPicPr>
+          <p:cNvPr id="5" name="그림 4"/>
+          <p:cNvPicPr>
+            <a:picLocks noChangeAspect="1"/>
+          </p:cNvPicPr>
+          <p:nvPr/>
+        </p:nvPicPr>
+        <p:blipFill rotWithShape="1">
+          <a:blip r:embed="rId2">
+            <a:extLst>
+              <a:ext uri="{28A0092B-C50C-407E-A947-70E740481C1C}">
+                <a14:useLocalDpi xmlns:a14="http://schemas.microsoft.com/office/drawing/2010/main" val="0"/>
+              </a:ext>
+            </a:extLst>
+          </a:blip>
+          <a:srcRect r="15021" b="50000"/>
+          <a:stretch/>
+        </p:blipFill>
+        <p:spPr>
+          <a:xfrm>
+            <a:off x="776536" y="1628800"/>
+            <a:ext cx="8410395" cy="3168352"/>
+          </a:xfrm>
+          <a:prstGeom prst="rect">
+            <a:avLst/>
+          </a:prstGeom>
+          <a:ln>
+            <a:solidFill>
+              <a:schemeClr val="bg1">
+                <a:lumMod val="85000"/>
+              </a:schemeClr>
+            </a:solidFill>
+          </a:ln>
+        </p:spPr>
+      </p:pic>
+    </p:spTree>
+    <p:extLst>
+      <p:ext uri="{BB962C8B-B14F-4D97-AF65-F5344CB8AC3E}">
+        <p14:creationId xmlns:p14="http://schemas.microsoft.com/office/powerpoint/2010/main" val="1003299309"/>
+      </p:ext>
+    </p:extLst>
+  </p:cSld>
+  <p:clrMapOvr>
+    <a:masterClrMapping/>
+  </p:clrMapOvr>
+  <p:timing>
+    <p:tnLst>
+      <p:par>
+        <p:cTn id="1" dur="indefinite" restart="never" nodeType="tmRoot"/>
+      </p:par>
+    </p:tnLst>
+  </p:timing>
+</p:sld>
+</file>
+
+<file path=ppt/slides/slide52.xml><?xml version="1.0" encoding="utf-8"?>
+<p:sld xmlns:a="http://schemas.openxmlformats.org/drawingml/2006/main" xmlns:r="http://schemas.openxmlformats.org/officeDocument/2006/relationships" xmlns:p="http://schemas.openxmlformats.org/presentationml/2006/main">
+  <p:cSld>
+    <p:spTree>
+      <p:nvGrpSpPr>
+        <p:cNvPr id="1" name=""/>
+        <p:cNvGrpSpPr/>
+        <p:nvPr/>
+      </p:nvGrpSpPr>
+      <p:grpSpPr>
+        <a:xfrm>
+          <a:off x="0" y="0"/>
+          <a:ext cx="0" cy="0"/>
+          <a:chOff x="0" y="0"/>
+          <a:chExt cx="0" cy="0"/>
+        </a:xfrm>
+      </p:grpSpPr>
+      <p:sp>
+        <p:nvSpPr>
+          <p:cNvPr id="2" name="제목 1"/>
+          <p:cNvSpPr>
+            <a:spLocks noGrp="1"/>
+          </p:cNvSpPr>
+          <p:nvPr>
+            <p:ph type="title"/>
+          </p:nvPr>
+        </p:nvSpPr>
+        <p:spPr/>
+        <p:txBody>
+          <a:bodyPr>
+            <a:normAutofit/>
+          </a:bodyPr>
+          <a:lstStyle/>
+          <a:p>
+            <a:r>
+              <a:rPr lang="en-US" altLang="ko-KR" sz="2800" dirty="0"/>
+              <a:t> </a:t>
+            </a:r>
+            <a:r>
+              <a:rPr lang="ko-KR" altLang="en-US" sz="2800" dirty="0"/>
+              <a:t>서울시 </a:t>
+            </a:r>
+            <a:r>
+              <a:rPr lang="ko-KR" altLang="en-US" sz="2800" dirty="0" smtClean="0"/>
+              <a:t>운동을 하지 않는 이유 통계</a:t>
+            </a:r>
+            <a:endParaRPr lang="ko-KR" altLang="en-US" sz="2800" dirty="0"/>
+          </a:p>
+        </p:txBody>
+      </p:sp>
+      <p:sp>
+        <p:nvSpPr>
+          <p:cNvPr id="4" name="슬라이드 번호 개체 틀 3"/>
+          <p:cNvSpPr>
+            <a:spLocks noGrp="1"/>
+          </p:cNvSpPr>
+          <p:nvPr>
+            <p:ph type="sldNum" sz="quarter" idx="12"/>
+          </p:nvPr>
+        </p:nvSpPr>
+        <p:spPr/>
+        <p:txBody>
+          <a:bodyPr/>
+          <a:lstStyle/>
+          <a:p>
+            <a:fld id="{1BDE3FE7-3AEA-4B05-AC5A-802D1816ACF0}" type="slidenum">
+              <a:rPr lang="ko-KR" altLang="en-US" smtClean="0"/>
+              <a:t>52</a:t>
             </a:fld>
             <a:endParaRPr lang="ko-KR" altLang="en-US"/>
           </a:p>

--- a/python_ppt/Python 13장. 데이터 분석 및 시각화 .pptx
+++ b/python_ppt/Python 13장. 데이터 분석 및 시각화 .pptx
@@ -5,7 +5,7 @@
     <p:sldMasterId id="2147483648" r:id="rId1"/>
   </p:sldMasterIdLst>
   <p:notesMasterIdLst>
-    <p:notesMasterId r:id="rId54"/>
+    <p:notesMasterId r:id="rId60"/>
   </p:notesMasterIdLst>
   <p:sldIdLst>
     <p:sldId id="256" r:id="rId2"/>
@@ -31,35 +31,41 @@
     <p:sldId id="354" r:id="rId22"/>
     <p:sldId id="370" r:id="rId23"/>
     <p:sldId id="355" r:id="rId24"/>
-    <p:sldId id="376" r:id="rId25"/>
-    <p:sldId id="380" r:id="rId26"/>
-    <p:sldId id="381" r:id="rId27"/>
-    <p:sldId id="379" r:id="rId28"/>
-    <p:sldId id="382" r:id="rId29"/>
-    <p:sldId id="383" r:id="rId30"/>
-    <p:sldId id="377" r:id="rId31"/>
-    <p:sldId id="378" r:id="rId32"/>
-    <p:sldId id="384" r:id="rId33"/>
-    <p:sldId id="316" r:id="rId34"/>
-    <p:sldId id="325" r:id="rId35"/>
-    <p:sldId id="318" r:id="rId36"/>
-    <p:sldId id="317" r:id="rId37"/>
-    <p:sldId id="314" r:id="rId38"/>
-    <p:sldId id="319" r:id="rId39"/>
-    <p:sldId id="338" r:id="rId40"/>
-    <p:sldId id="309" r:id="rId41"/>
-    <p:sldId id="353" r:id="rId42"/>
-    <p:sldId id="310" r:id="rId43"/>
-    <p:sldId id="365" r:id="rId44"/>
-    <p:sldId id="366" r:id="rId45"/>
-    <p:sldId id="367" r:id="rId46"/>
-    <p:sldId id="375" r:id="rId47"/>
-    <p:sldId id="368" r:id="rId48"/>
-    <p:sldId id="369" r:id="rId49"/>
-    <p:sldId id="371" r:id="rId50"/>
-    <p:sldId id="372" r:id="rId51"/>
-    <p:sldId id="373" r:id="rId52"/>
-    <p:sldId id="374" r:id="rId53"/>
+    <p:sldId id="386" r:id="rId25"/>
+    <p:sldId id="387" r:id="rId26"/>
+    <p:sldId id="388" r:id="rId27"/>
+    <p:sldId id="389" r:id="rId28"/>
+    <p:sldId id="376" r:id="rId29"/>
+    <p:sldId id="380" r:id="rId30"/>
+    <p:sldId id="381" r:id="rId31"/>
+    <p:sldId id="379" r:id="rId32"/>
+    <p:sldId id="382" r:id="rId33"/>
+    <p:sldId id="383" r:id="rId34"/>
+    <p:sldId id="377" r:id="rId35"/>
+    <p:sldId id="378" r:id="rId36"/>
+    <p:sldId id="384" r:id="rId37"/>
+    <p:sldId id="316" r:id="rId38"/>
+    <p:sldId id="325" r:id="rId39"/>
+    <p:sldId id="318" r:id="rId40"/>
+    <p:sldId id="317" r:id="rId41"/>
+    <p:sldId id="390" r:id="rId42"/>
+    <p:sldId id="392" r:id="rId43"/>
+    <p:sldId id="314" r:id="rId44"/>
+    <p:sldId id="391" r:id="rId45"/>
+    <p:sldId id="319" r:id="rId46"/>
+    <p:sldId id="309" r:id="rId47"/>
+    <p:sldId id="353" r:id="rId48"/>
+    <p:sldId id="310" r:id="rId49"/>
+    <p:sldId id="365" r:id="rId50"/>
+    <p:sldId id="366" r:id="rId51"/>
+    <p:sldId id="367" r:id="rId52"/>
+    <p:sldId id="375" r:id="rId53"/>
+    <p:sldId id="368" r:id="rId54"/>
+    <p:sldId id="369" r:id="rId55"/>
+    <p:sldId id="371" r:id="rId56"/>
+    <p:sldId id="372" r:id="rId57"/>
+    <p:sldId id="373" r:id="rId58"/>
+    <p:sldId id="374" r:id="rId59"/>
   </p:sldIdLst>
   <p:sldSz cx="9906000" cy="6858000" type="A4"/>
   <p:notesSz cx="6858000" cy="9144000"/>
@@ -259,7 +265,7 @@
           <a:p>
             <a:fld id="{7665CDAC-D627-4E87-877A-1B781DD4CADC}" type="datetimeFigureOut">
               <a:rPr lang="ko-KR" altLang="en-US" smtClean="0"/>
-              <a:t>2023-05-05</a:t>
+              <a:t>2023-05-11</a:t>
             </a:fld>
             <a:endParaRPr lang="ko-KR" altLang="en-US"/>
           </a:p>
@@ -671,7 +677,7 @@
           <a:p>
             <a:fld id="{C25BCFD5-C4DF-4EBC-B718-C69ED2FBDE6F}" type="datetime1">
               <a:rPr lang="ko-KR" altLang="en-US" smtClean="0"/>
-              <a:t>2023-05-05</a:t>
+              <a:t>2023-05-11</a:t>
             </a:fld>
             <a:endParaRPr lang="ko-KR" altLang="en-US"/>
           </a:p>
@@ -1115,7 +1121,7 @@
           <a:p>
             <a:fld id="{AB448CD7-D367-43D5-B461-ACE552E75063}" type="datetime1">
               <a:rPr lang="ko-KR" altLang="en-US" smtClean="0"/>
-              <a:t>2023-05-05</a:t>
+              <a:t>2023-05-11</a:t>
             </a:fld>
             <a:endParaRPr lang="ko-KR" altLang="en-US"/>
           </a:p>
@@ -1293,7 +1299,7 @@
           <a:p>
             <a:fld id="{B6E49E79-7361-4780-8BEF-7EDE3708298A}" type="datetime1">
               <a:rPr lang="ko-KR" altLang="en-US" smtClean="0"/>
-              <a:t>2023-05-05</a:t>
+              <a:t>2023-05-11</a:t>
             </a:fld>
             <a:endParaRPr lang="ko-KR" altLang="en-US"/>
           </a:p>
@@ -1465,7 +1471,7 @@
           <a:p>
             <a:fld id="{A4D42E3C-B70B-437C-85CF-1286301B9CBA}" type="datetime1">
               <a:rPr lang="ko-KR" altLang="en-US" smtClean="0"/>
-              <a:t>2023-05-05</a:t>
+              <a:t>2023-05-11</a:t>
             </a:fld>
             <a:endParaRPr lang="ko-KR" altLang="en-US"/>
           </a:p>
@@ -1710,7 +1716,7 @@
           <a:p>
             <a:fld id="{B3369A20-5B3D-4D98-A822-26B93D177A40}" type="datetime1">
               <a:rPr lang="ko-KR" altLang="en-US" smtClean="0"/>
-              <a:t>2023-05-05</a:t>
+              <a:t>2023-05-11</a:t>
             </a:fld>
             <a:endParaRPr lang="ko-KR" altLang="en-US"/>
           </a:p>
@@ -1995,7 +2001,7 @@
           <a:p>
             <a:fld id="{685CD4CE-9E43-4F70-A9D8-A2130CA7D92A}" type="datetime1">
               <a:rPr lang="ko-KR" altLang="en-US" smtClean="0"/>
-              <a:t>2023-05-05</a:t>
+              <a:t>2023-05-11</a:t>
             </a:fld>
             <a:endParaRPr lang="ko-KR" altLang="en-US"/>
           </a:p>
@@ -2414,7 +2420,7 @@
           <a:p>
             <a:fld id="{F752BD92-DA3E-4A0B-90C9-7DE5E15B6E96}" type="datetime1">
               <a:rPr lang="ko-KR" altLang="en-US" smtClean="0"/>
-              <a:t>2023-05-05</a:t>
+              <a:t>2023-05-11</a:t>
             </a:fld>
             <a:endParaRPr lang="ko-KR" altLang="en-US"/>
           </a:p>
@@ -2531,7 +2537,7 @@
           <a:p>
             <a:fld id="{8EA2B83A-F366-424E-B742-340ACF856BB5}" type="datetime1">
               <a:rPr lang="ko-KR" altLang="en-US" smtClean="0"/>
-              <a:t>2023-05-05</a:t>
+              <a:t>2023-05-11</a:t>
             </a:fld>
             <a:endParaRPr lang="ko-KR" altLang="en-US"/>
           </a:p>
@@ -2626,7 +2632,7 @@
           <a:p>
             <a:fld id="{9A49D68B-5DBD-48E9-A8D4-FCBC4B3DD9C6}" type="datetime1">
               <a:rPr lang="ko-KR" altLang="en-US" smtClean="0"/>
-              <a:t>2023-05-05</a:t>
+              <a:t>2023-05-11</a:t>
             </a:fld>
             <a:endParaRPr lang="ko-KR" altLang="en-US"/>
           </a:p>
@@ -2901,7 +2907,7 @@
           <a:p>
             <a:fld id="{4CAB534F-7D16-467B-9320-91F98915D181}" type="datetime1">
               <a:rPr lang="ko-KR" altLang="en-US" smtClean="0"/>
-              <a:t>2023-05-05</a:t>
+              <a:t>2023-05-11</a:t>
             </a:fld>
             <a:endParaRPr lang="ko-KR" altLang="en-US"/>
           </a:p>
@@ -3153,7 +3159,7 @@
           <a:p>
             <a:fld id="{A390A91F-2F8D-4486-A69D-D680F95444B0}" type="datetime1">
               <a:rPr lang="ko-KR" altLang="en-US" smtClean="0"/>
-              <a:t>2023-05-05</a:t>
+              <a:t>2023-05-11</a:t>
             </a:fld>
             <a:endParaRPr lang="ko-KR" altLang="en-US"/>
           </a:p>
@@ -3332,7 +3338,7 @@
           <a:p>
             <a:fld id="{2238BBEA-E8DD-414A-BF68-FC2AFA7CFF2D}" type="datetime1">
               <a:rPr lang="ko-KR" altLang="en-US" smtClean="0"/>
-              <a:t>2023-05-05</a:t>
+              <a:t>2023-05-11</a:t>
             </a:fld>
             <a:endParaRPr lang="ko-KR" altLang="en-US"/>
           </a:p>
@@ -6043,14 +6049,7 @@
                 <a:latin typeface="돋움" panose="020B0600000101010101" pitchFamily="50" charset="-127"/>
                 <a:ea typeface="돋움" panose="020B0600000101010101" pitchFamily="50" charset="-127"/>
               </a:rPr>
-              <a:t>파일로 </a:t>
-            </a:r>
-            <a:r>
-              <a:rPr lang="ko-KR" altLang="en-US" sz="2000" dirty="0" smtClean="0">
-                <a:latin typeface="돋움" panose="020B0600000101010101" pitchFamily="50" charset="-127"/>
-                <a:ea typeface="돋움" panose="020B0600000101010101" pitchFamily="50" charset="-127"/>
-              </a:rPr>
-              <a:t>내보내기 </a:t>
+              <a:t>파일로 내보내기 </a:t>
             </a:r>
             <a:r>
               <a:rPr lang="en-US" altLang="ko-KR" sz="2000" dirty="0" smtClean="0">
@@ -6087,10 +6086,6 @@
               </a:rPr>
               <a:t> </a:t>
             </a:r>
-            <a:endParaRPr lang="en-US" altLang="ko-KR" sz="2000" dirty="0" smtClean="0">
-              <a:latin typeface="돋움" panose="020B0600000101010101" pitchFamily="50" charset="-127"/>
-              <a:ea typeface="돋움" panose="020B0600000101010101" pitchFamily="50" charset="-127"/>
-            </a:endParaRPr>
           </a:p>
         </p:txBody>
       </p:sp>
@@ -7156,16 +7151,12 @@
               <a:t> </a:t>
             </a:r>
             <a:r>
-              <a:rPr lang="en-US" altLang="ko-KR" sz="2800" dirty="0" err="1" smtClean="0"/>
-              <a:t>Matplotlib</a:t>
-            </a:r>
-            <a:r>
-              <a:rPr lang="en-US" altLang="ko-KR" sz="2800" dirty="0" smtClean="0"/>
-              <a:t> </a:t>
+              <a:rPr lang="ko-KR" altLang="en-US" sz="2800" dirty="0" err="1" smtClean="0"/>
+              <a:t>판다스로</a:t>
             </a:r>
             <a:r>
               <a:rPr lang="ko-KR" altLang="en-US" sz="2800" dirty="0" smtClean="0"/>
-              <a:t>모듈</a:t>
+              <a:t> 시간표 만들기</a:t>
             </a:r>
             <a:endParaRPr lang="ko-KR" altLang="en-US" sz="2800" dirty="0"/>
           </a:p>
@@ -7194,47 +7185,479 @@
           </a:p>
         </p:txBody>
       </p:sp>
-      <p:pic>
-        <p:nvPicPr>
-          <p:cNvPr id="3" name="그림 2"/>
-          <p:cNvPicPr>
-            <a:picLocks noChangeAspect="1"/>
-          </p:cNvPicPr>
+      <p:sp>
+        <p:nvSpPr>
+          <p:cNvPr id="5" name="TextBox 4"/>
+          <p:cNvSpPr txBox="1"/>
           <p:nvPr/>
-        </p:nvPicPr>
-        <p:blipFill>
-          <a:blip r:embed="rId2">
-            <a:extLst>
-              <a:ext uri="{28A0092B-C50C-407E-A947-70E740481C1C}">
-                <a14:useLocalDpi xmlns:a14="http://schemas.microsoft.com/office/drawing/2010/main" val="0"/>
-              </a:ext>
-            </a:extLst>
-          </a:blip>
-          <a:stretch>
-            <a:fillRect/>
-          </a:stretch>
-        </p:blipFill>
-        <p:spPr>
-          <a:xfrm>
-            <a:off x="1329014" y="1340768"/>
-            <a:ext cx="5509737" cy="4823878"/>
+        </p:nvSpPr>
+        <p:spPr>
+          <a:xfrm>
+            <a:off x="920552" y="1412776"/>
+            <a:ext cx="8136904" cy="923330"/>
           </a:xfrm>
           <a:prstGeom prst="rect">
             <a:avLst/>
           </a:prstGeom>
-          <a:ln>
-            <a:solidFill>
-              <a:schemeClr val="bg1">
-                <a:lumMod val="85000"/>
-              </a:schemeClr>
-            </a:solidFill>
-          </a:ln>
-        </p:spPr>
-      </p:pic>
+          <a:noFill/>
+        </p:spPr>
+        <p:txBody>
+          <a:bodyPr wrap="square" rtlCol="0">
+            <a:spAutoFit/>
+          </a:bodyPr>
+          <a:lstStyle/>
+          <a:p>
+            <a:pPr marL="285750" indent="-285750">
+              <a:lnSpc>
+                <a:spcPct val="150000"/>
+              </a:lnSpc>
+              <a:buFont typeface="Wingdings" panose="05000000000000000000" pitchFamily="2" charset="2"/>
+              <a:buChar char="§"/>
+            </a:pPr>
+            <a:r>
+              <a:rPr lang="ko-KR" altLang="en-US" dirty="0" smtClean="0"/>
+              <a:t>아래 학원 시간표를 </a:t>
+            </a:r>
+            <a:r>
+              <a:rPr lang="ko-KR" altLang="en-US" dirty="0" err="1" smtClean="0"/>
+              <a:t>판다스</a:t>
+            </a:r>
+            <a:r>
+              <a:rPr lang="ko-KR" altLang="en-US" dirty="0" smtClean="0"/>
+              <a:t> </a:t>
+            </a:r>
+            <a:r>
+              <a:rPr lang="en-US" altLang="ko-KR" dirty="0" err="1" smtClean="0"/>
+              <a:t>DataFrame</a:t>
+            </a:r>
+            <a:r>
+              <a:rPr lang="ko-KR" altLang="en-US" dirty="0" smtClean="0"/>
+              <a:t>으로 저장하고</a:t>
+            </a:r>
+            <a:r>
+              <a:rPr lang="en-US" altLang="ko-KR" dirty="0" smtClean="0"/>
+              <a:t>, </a:t>
+            </a:r>
+            <a:r>
+              <a:rPr lang="ko-KR" altLang="en-US" dirty="0" smtClean="0"/>
+              <a:t>빈 칸을 </a:t>
+            </a:r>
+            <a:r>
+              <a:rPr lang="en-US" altLang="ko-KR" dirty="0" smtClean="0"/>
+              <a:t>‘X’</a:t>
+            </a:r>
+            <a:r>
+              <a:rPr lang="ko-KR" altLang="en-US" dirty="0" smtClean="0"/>
+              <a:t>로 변경한 다음</a:t>
+            </a:r>
+            <a:r>
+              <a:rPr lang="en-US" altLang="ko-KR" dirty="0" smtClean="0"/>
+              <a:t>, csv </a:t>
+            </a:r>
+            <a:r>
+              <a:rPr lang="ko-KR" altLang="en-US" dirty="0" smtClean="0"/>
+              <a:t>파일로 저장하세요</a:t>
+            </a:r>
+            <a:r>
+              <a:rPr lang="en-US" altLang="ko-KR" dirty="0" smtClean="0"/>
+              <a:t>.(csv</a:t>
+            </a:r>
+            <a:r>
+              <a:rPr lang="ko-KR" altLang="en-US" dirty="0" smtClean="0"/>
+              <a:t>는 상위 폴더인 </a:t>
+            </a:r>
+            <a:r>
+              <a:rPr lang="en-US" altLang="ko-KR" dirty="0" smtClean="0"/>
+              <a:t>data</a:t>
+            </a:r>
+            <a:r>
+              <a:rPr lang="ko-KR" altLang="en-US" dirty="0" smtClean="0"/>
+              <a:t>에 저장됩니다</a:t>
+            </a:r>
+            <a:r>
+              <a:rPr lang="en-US" altLang="ko-KR" dirty="0" smtClean="0"/>
+              <a:t>.)</a:t>
+            </a:r>
+            <a:endParaRPr lang="ko-KR" altLang="en-US" dirty="0"/>
+          </a:p>
+        </p:txBody>
+      </p:sp>
+      <p:graphicFrame>
+        <p:nvGraphicFramePr>
+          <p:cNvPr id="6" name="표 5"/>
+          <p:cNvGraphicFramePr>
+            <a:graphicFrameLocks noGrp="1"/>
+          </p:cNvGraphicFramePr>
+          <p:nvPr>
+            <p:extLst>
+              <p:ext uri="{D42A27DB-BD31-4B8C-83A1-F6EECF244321}">
+                <p14:modId xmlns:p14="http://schemas.microsoft.com/office/powerpoint/2010/main" val="2306438449"/>
+              </p:ext>
+            </p:extLst>
+          </p:nvPr>
+        </p:nvGraphicFramePr>
+        <p:xfrm>
+          <a:off x="1496616" y="2564904"/>
+          <a:ext cx="6604000" cy="2029000"/>
+        </p:xfrm>
+        <a:graphic>
+          <a:graphicData uri="http://schemas.openxmlformats.org/drawingml/2006/table">
+            <a:tbl>
+              <a:tblPr firstRow="1" bandRow="1">
+                <a:tableStyleId>{5940675A-B579-460E-94D1-54222C63F5DA}</a:tableStyleId>
+              </a:tblPr>
+              <a:tblGrid>
+                <a:gridCol w="1651000">
+                  <a:extLst>
+                    <a:ext uri="{9D8B030D-6E8A-4147-A177-3AD203B41FA5}">
+                      <a16:colId xmlns:a16="http://schemas.microsoft.com/office/drawing/2014/main" val="626277436"/>
+                    </a:ext>
+                  </a:extLst>
+                </a:gridCol>
+                <a:gridCol w="1651000">
+                  <a:extLst>
+                    <a:ext uri="{9D8B030D-6E8A-4147-A177-3AD203B41FA5}">
+                      <a16:colId xmlns:a16="http://schemas.microsoft.com/office/drawing/2014/main" val="4019539371"/>
+                    </a:ext>
+                  </a:extLst>
+                </a:gridCol>
+                <a:gridCol w="1651000">
+                  <a:extLst>
+                    <a:ext uri="{9D8B030D-6E8A-4147-A177-3AD203B41FA5}">
+                      <a16:colId xmlns:a16="http://schemas.microsoft.com/office/drawing/2014/main" val="1326406047"/>
+                    </a:ext>
+                  </a:extLst>
+                </a:gridCol>
+                <a:gridCol w="1651000">
+                  <a:extLst>
+                    <a:ext uri="{9D8B030D-6E8A-4147-A177-3AD203B41FA5}">
+                      <a16:colId xmlns:a16="http://schemas.microsoft.com/office/drawing/2014/main" val="3018914307"/>
+                    </a:ext>
+                  </a:extLst>
+                </a:gridCol>
+              </a:tblGrid>
+              <a:tr h="507250">
+                <a:tc>
+                  <a:txBody>
+                    <a:bodyPr/>
+                    <a:lstStyle/>
+                    <a:p>
+                      <a:pPr algn="ctr" latinLnBrk="1"/>
+                      <a:endParaRPr lang="ko-KR" altLang="en-US" dirty="0"/>
+                    </a:p>
+                  </a:txBody>
+                  <a:tcPr anchor="ctr">
+                    <a:lnL w="12700" cmpd="sng">
+                      <a:noFill/>
+                    </a:lnL>
+                    <a:solidFill>
+                      <a:srgbClr val="FFC000"/>
+                    </a:solidFill>
+                  </a:tcPr>
+                </a:tc>
+                <a:tc>
+                  <a:txBody>
+                    <a:bodyPr/>
+                    <a:lstStyle/>
+                    <a:p>
+                      <a:pPr algn="ctr" latinLnBrk="1"/>
+                      <a:r>
+                        <a:rPr lang="ko-KR" altLang="en-US" dirty="0" smtClean="0"/>
+                        <a:t>월요일</a:t>
+                      </a:r>
+                      <a:endParaRPr lang="ko-KR" altLang="en-US" dirty="0"/>
+                    </a:p>
+                  </a:txBody>
+                  <a:tcPr anchor="ctr">
+                    <a:solidFill>
+                      <a:srgbClr val="FFC000"/>
+                    </a:solidFill>
+                  </a:tcPr>
+                </a:tc>
+                <a:tc>
+                  <a:txBody>
+                    <a:bodyPr/>
+                    <a:lstStyle/>
+                    <a:p>
+                      <a:pPr algn="ctr" latinLnBrk="1"/>
+                      <a:r>
+                        <a:rPr lang="ko-KR" altLang="en-US" dirty="0" smtClean="0"/>
+                        <a:t>수요일</a:t>
+                      </a:r>
+                      <a:endParaRPr lang="ko-KR" altLang="en-US" dirty="0"/>
+                    </a:p>
+                  </a:txBody>
+                  <a:tcPr anchor="ctr">
+                    <a:solidFill>
+                      <a:srgbClr val="FFC000"/>
+                    </a:solidFill>
+                  </a:tcPr>
+                </a:tc>
+                <a:tc>
+                  <a:txBody>
+                    <a:bodyPr/>
+                    <a:lstStyle/>
+                    <a:p>
+                      <a:pPr algn="ctr" latinLnBrk="1"/>
+                      <a:r>
+                        <a:rPr lang="ko-KR" altLang="en-US" dirty="0" smtClean="0"/>
+                        <a:t>금요일</a:t>
+                      </a:r>
+                      <a:endParaRPr lang="ko-KR" altLang="en-US" dirty="0"/>
+                    </a:p>
+                  </a:txBody>
+                  <a:tcPr anchor="ctr">
+                    <a:lnR w="12700" cmpd="sng">
+                      <a:noFill/>
+                    </a:lnR>
+                    <a:solidFill>
+                      <a:srgbClr val="FFC000"/>
+                    </a:solidFill>
+                  </a:tcPr>
+                </a:tc>
+                <a:extLst>
+                  <a:ext uri="{0D108BD9-81ED-4DB2-BD59-A6C34878D82A}">
+                    <a16:rowId xmlns:a16="http://schemas.microsoft.com/office/drawing/2014/main" val="1752376451"/>
+                  </a:ext>
+                </a:extLst>
+              </a:tr>
+              <a:tr h="507250">
+                <a:tc>
+                  <a:txBody>
+                    <a:bodyPr/>
+                    <a:lstStyle/>
+                    <a:p>
+                      <a:pPr algn="ctr" latinLnBrk="1"/>
+                      <a:r>
+                        <a:rPr lang="en-US" altLang="ko-KR" dirty="0" smtClean="0"/>
+                        <a:t>1</a:t>
+                      </a:r>
+                      <a:r>
+                        <a:rPr lang="ko-KR" altLang="en-US" dirty="0" smtClean="0"/>
+                        <a:t>교시</a:t>
+                      </a:r>
+                      <a:endParaRPr lang="ko-KR" altLang="en-US" dirty="0"/>
+                    </a:p>
+                  </a:txBody>
+                  <a:tcPr anchor="ctr">
+                    <a:lnL w="12700" cmpd="sng">
+                      <a:noFill/>
+                    </a:lnL>
+                  </a:tcPr>
+                </a:tc>
+                <a:tc>
+                  <a:txBody>
+                    <a:bodyPr/>
+                    <a:lstStyle/>
+                    <a:p>
+                      <a:pPr algn="ctr" latinLnBrk="1"/>
+                      <a:r>
+                        <a:rPr lang="ko-KR" altLang="en-US" dirty="0" smtClean="0"/>
+                        <a:t>국어</a:t>
+                      </a:r>
+                      <a:endParaRPr lang="ko-KR" altLang="en-US" dirty="0"/>
+                    </a:p>
+                  </a:txBody>
+                  <a:tcPr anchor="ctr"/>
+                </a:tc>
+                <a:tc>
+                  <a:txBody>
+                    <a:bodyPr/>
+                    <a:lstStyle/>
+                    <a:p>
+                      <a:pPr algn="ctr" latinLnBrk="1"/>
+                      <a:r>
+                        <a:rPr lang="ko-KR" altLang="en-US" dirty="0" smtClean="0"/>
+                        <a:t>영어</a:t>
+                      </a:r>
+                      <a:endParaRPr lang="ko-KR" altLang="en-US" dirty="0"/>
+                    </a:p>
+                  </a:txBody>
+                  <a:tcPr anchor="ctr"/>
+                </a:tc>
+                <a:tc>
+                  <a:txBody>
+                    <a:bodyPr/>
+                    <a:lstStyle/>
+                    <a:p>
+                      <a:pPr algn="ctr" latinLnBrk="1"/>
+                      <a:endParaRPr lang="ko-KR" altLang="en-US" dirty="0"/>
+                    </a:p>
+                  </a:txBody>
+                  <a:tcPr anchor="ctr">
+                    <a:lnR w="12700" cmpd="sng">
+                      <a:noFill/>
+                    </a:lnR>
+                  </a:tcPr>
+                </a:tc>
+                <a:extLst>
+                  <a:ext uri="{0D108BD9-81ED-4DB2-BD59-A6C34878D82A}">
+                    <a16:rowId xmlns:a16="http://schemas.microsoft.com/office/drawing/2014/main" val="724157677"/>
+                  </a:ext>
+                </a:extLst>
+              </a:tr>
+              <a:tr h="507250">
+                <a:tc>
+                  <a:txBody>
+                    <a:bodyPr/>
+                    <a:lstStyle/>
+                    <a:p>
+                      <a:pPr algn="ctr" latinLnBrk="1"/>
+                      <a:r>
+                        <a:rPr lang="en-US" altLang="ko-KR" dirty="0" smtClean="0"/>
+                        <a:t>2</a:t>
+                      </a:r>
+                      <a:r>
+                        <a:rPr lang="ko-KR" altLang="en-US" dirty="0" smtClean="0"/>
+                        <a:t>교시</a:t>
+                      </a:r>
+                      <a:endParaRPr lang="ko-KR" altLang="en-US" dirty="0"/>
+                    </a:p>
+                  </a:txBody>
+                  <a:tcPr anchor="ctr">
+                    <a:lnL w="12700" cmpd="sng">
+                      <a:noFill/>
+                    </a:lnL>
+                  </a:tcPr>
+                </a:tc>
+                <a:tc>
+                  <a:txBody>
+                    <a:bodyPr/>
+                    <a:lstStyle/>
+                    <a:p>
+                      <a:pPr algn="ctr" latinLnBrk="1"/>
+                      <a:r>
+                        <a:rPr lang="ko-KR" altLang="en-US" dirty="0" smtClean="0"/>
+                        <a:t>수학</a:t>
+                      </a:r>
+                      <a:endParaRPr lang="ko-KR" altLang="en-US" dirty="0"/>
+                    </a:p>
+                  </a:txBody>
+                  <a:tcPr anchor="ctr"/>
+                </a:tc>
+                <a:tc>
+                  <a:txBody>
+                    <a:bodyPr/>
+                    <a:lstStyle/>
+                    <a:p>
+                      <a:pPr algn="ctr" latinLnBrk="1"/>
+                      <a:r>
+                        <a:rPr lang="ko-KR" altLang="en-US" dirty="0" smtClean="0"/>
+                        <a:t>영어</a:t>
+                      </a:r>
+                      <a:endParaRPr lang="ko-KR" altLang="en-US" dirty="0"/>
+                    </a:p>
+                  </a:txBody>
+                  <a:tcPr anchor="ctr"/>
+                </a:tc>
+                <a:tc>
+                  <a:txBody>
+                    <a:bodyPr/>
+                    <a:lstStyle/>
+                    <a:p>
+                      <a:pPr algn="ctr" latinLnBrk="1"/>
+                      <a:r>
+                        <a:rPr lang="ko-KR" altLang="en-US" dirty="0" smtClean="0"/>
+                        <a:t>수학</a:t>
+                      </a:r>
+                      <a:endParaRPr lang="ko-KR" altLang="en-US" dirty="0"/>
+                    </a:p>
+                  </a:txBody>
+                  <a:tcPr anchor="ctr">
+                    <a:lnR w="12700" cmpd="sng">
+                      <a:noFill/>
+                    </a:lnR>
+                  </a:tcPr>
+                </a:tc>
+                <a:extLst>
+                  <a:ext uri="{0D108BD9-81ED-4DB2-BD59-A6C34878D82A}">
+                    <a16:rowId xmlns:a16="http://schemas.microsoft.com/office/drawing/2014/main" val="2613496616"/>
+                  </a:ext>
+                </a:extLst>
+              </a:tr>
+              <a:tr h="507250">
+                <a:tc>
+                  <a:txBody>
+                    <a:bodyPr/>
+                    <a:lstStyle/>
+                    <a:p>
+                      <a:pPr algn="ctr" latinLnBrk="1"/>
+                      <a:r>
+                        <a:rPr lang="en-US" altLang="ko-KR" dirty="0" smtClean="0"/>
+                        <a:t>3</a:t>
+                      </a:r>
+                      <a:r>
+                        <a:rPr lang="ko-KR" altLang="en-US" dirty="0" smtClean="0"/>
+                        <a:t>교시</a:t>
+                      </a:r>
+                      <a:endParaRPr lang="ko-KR" altLang="en-US" dirty="0"/>
+                    </a:p>
+                  </a:txBody>
+                  <a:tcPr anchor="ctr">
+                    <a:lnL w="12700" cmpd="sng">
+                      <a:noFill/>
+                    </a:lnL>
+                  </a:tcPr>
+                </a:tc>
+                <a:tc>
+                  <a:txBody>
+                    <a:bodyPr/>
+                    <a:lstStyle/>
+                    <a:p>
+                      <a:pPr algn="ctr" latinLnBrk="1"/>
+                      <a:endParaRPr lang="ko-KR" altLang="en-US"/>
+                    </a:p>
+                  </a:txBody>
+                  <a:tcPr anchor="ctr"/>
+                </a:tc>
+                <a:tc>
+                  <a:txBody>
+                    <a:bodyPr/>
+                    <a:lstStyle/>
+                    <a:p>
+                      <a:pPr algn="ctr" latinLnBrk="1"/>
+                      <a:r>
+                        <a:rPr lang="ko-KR" altLang="en-US" dirty="0" smtClean="0"/>
+                        <a:t>수학</a:t>
+                      </a:r>
+                      <a:endParaRPr lang="ko-KR" altLang="en-US" dirty="0"/>
+                    </a:p>
+                  </a:txBody>
+                  <a:tcPr anchor="ctr"/>
+                </a:tc>
+                <a:tc>
+                  <a:txBody>
+                    <a:bodyPr/>
+                    <a:lstStyle/>
+                    <a:p>
+                      <a:pPr algn="ctr" latinLnBrk="1"/>
+                      <a:r>
+                        <a:rPr lang="ko-KR" altLang="en-US" dirty="0" smtClean="0"/>
+                        <a:t>국어</a:t>
+                      </a:r>
+                      <a:endParaRPr lang="ko-KR" altLang="en-US" dirty="0"/>
+                    </a:p>
+                  </a:txBody>
+                  <a:tcPr anchor="ctr">
+                    <a:lnR w="12700" cmpd="sng">
+                      <a:noFill/>
+                    </a:lnR>
+                  </a:tcPr>
+                </a:tc>
+                <a:extLst>
+                  <a:ext uri="{0D108BD9-81ED-4DB2-BD59-A6C34878D82A}">
+                    <a16:rowId xmlns:a16="http://schemas.microsoft.com/office/drawing/2014/main" val="1498916039"/>
+                  </a:ext>
+                </a:extLst>
+              </a:tr>
+            </a:tbl>
+          </a:graphicData>
+        </a:graphic>
+      </p:graphicFrame>
     </p:spTree>
     <p:extLst>
       <p:ext uri="{BB962C8B-B14F-4D97-AF65-F5344CB8AC3E}">
-        <p14:creationId xmlns:p14="http://schemas.microsoft.com/office/powerpoint/2010/main" val="1366461047"/>
+        <p14:creationId xmlns:p14="http://schemas.microsoft.com/office/powerpoint/2010/main" val="2123845004"/>
       </p:ext>
     </p:extLst>
   </p:cSld>
@@ -7290,16 +7713,12 @@
               <a:t> </a:t>
             </a:r>
             <a:r>
-              <a:rPr lang="en-US" altLang="ko-KR" sz="2800" dirty="0" err="1" smtClean="0"/>
-              <a:t>Matplotlib</a:t>
-            </a:r>
-            <a:r>
-              <a:rPr lang="en-US" altLang="ko-KR" sz="2800" dirty="0" smtClean="0"/>
-              <a:t> </a:t>
+              <a:rPr lang="ko-KR" altLang="en-US" sz="2800" dirty="0" err="1" smtClean="0"/>
+              <a:t>판다스로</a:t>
             </a:r>
             <a:r>
               <a:rPr lang="ko-KR" altLang="en-US" sz="2800" dirty="0" smtClean="0"/>
-              <a:t>모듈</a:t>
+              <a:t> 시간표 만들기</a:t>
             </a:r>
             <a:endParaRPr lang="ko-KR" altLang="en-US" sz="2800" dirty="0"/>
           </a:p>
@@ -7330,7 +7749,7 @@
       </p:sp>
       <p:pic>
         <p:nvPicPr>
-          <p:cNvPr id="5" name="그림 4"/>
+          <p:cNvPr id="3" name="그림 2"/>
           <p:cNvPicPr>
             <a:picLocks noChangeAspect="1"/>
           </p:cNvPicPr>
@@ -7350,8 +7769,8 @@
         </p:blipFill>
         <p:spPr>
           <a:xfrm>
-            <a:off x="1424608" y="1484784"/>
-            <a:ext cx="4877223" cy="3863675"/>
+            <a:off x="1640632" y="1412776"/>
+            <a:ext cx="5616427" cy="4503810"/>
           </a:xfrm>
           <a:prstGeom prst="rect">
             <a:avLst/>
@@ -7368,7 +7787,7 @@
     </p:spTree>
     <p:extLst>
       <p:ext uri="{BB962C8B-B14F-4D97-AF65-F5344CB8AC3E}">
-        <p14:creationId xmlns:p14="http://schemas.microsoft.com/office/powerpoint/2010/main" val="2809026256"/>
+        <p14:creationId xmlns:p14="http://schemas.microsoft.com/office/powerpoint/2010/main" val="1722055253"/>
       </p:ext>
     </p:extLst>
   </p:cSld>
@@ -7424,16 +7843,12 @@
               <a:t> </a:t>
             </a:r>
             <a:r>
-              <a:rPr lang="en-US" altLang="ko-KR" sz="2800" dirty="0" err="1" smtClean="0"/>
-              <a:t>Matplotlib</a:t>
-            </a:r>
-            <a:r>
-              <a:rPr lang="en-US" altLang="ko-KR" sz="2800" dirty="0" smtClean="0"/>
-              <a:t> </a:t>
+              <a:rPr lang="ko-KR" altLang="en-US" sz="2800" dirty="0" err="1" smtClean="0"/>
+              <a:t>판다스로</a:t>
             </a:r>
             <a:r>
               <a:rPr lang="ko-KR" altLang="en-US" sz="2800" dirty="0" smtClean="0"/>
-              <a:t>모듈</a:t>
+              <a:t> 시간표 만들기</a:t>
             </a:r>
             <a:endParaRPr lang="ko-KR" altLang="en-US" sz="2800" dirty="0"/>
           </a:p>
@@ -7464,7 +7879,7 @@
       </p:sp>
       <p:pic>
         <p:nvPicPr>
-          <p:cNvPr id="3" name="그림 2"/>
+          <p:cNvPr id="5" name="그림 4"/>
           <p:cNvPicPr>
             <a:picLocks noChangeAspect="1"/>
           </p:cNvPicPr>
@@ -7484,8 +7899,8 @@
         </p:blipFill>
         <p:spPr>
           <a:xfrm>
-            <a:off x="1424608" y="1628800"/>
-            <a:ext cx="4930567" cy="3627434"/>
+            <a:off x="1568624" y="1412776"/>
+            <a:ext cx="5883150" cy="3909399"/>
           </a:xfrm>
           <a:prstGeom prst="rect">
             <a:avLst/>
@@ -7502,7 +7917,7 @@
     </p:spTree>
     <p:extLst>
       <p:ext uri="{BB962C8B-B14F-4D97-AF65-F5344CB8AC3E}">
-        <p14:creationId xmlns:p14="http://schemas.microsoft.com/office/powerpoint/2010/main" val="245768645"/>
+        <p14:creationId xmlns:p14="http://schemas.microsoft.com/office/powerpoint/2010/main" val="1143172857"/>
       </p:ext>
     </p:extLst>
   </p:cSld>
@@ -7558,16 +7973,12 @@
               <a:t> </a:t>
             </a:r>
             <a:r>
-              <a:rPr lang="en-US" altLang="ko-KR" sz="2800" dirty="0" err="1" smtClean="0"/>
-              <a:t>Matplotlib</a:t>
-            </a:r>
-            <a:r>
-              <a:rPr lang="en-US" altLang="ko-KR" sz="2800" dirty="0" smtClean="0"/>
-              <a:t> </a:t>
+              <a:rPr lang="ko-KR" altLang="en-US" sz="2800" dirty="0" err="1" smtClean="0"/>
+              <a:t>판다스로</a:t>
             </a:r>
             <a:r>
               <a:rPr lang="ko-KR" altLang="en-US" sz="2800" dirty="0" smtClean="0"/>
-              <a:t>모듈</a:t>
+              <a:t> 시간표 만들기</a:t>
             </a:r>
             <a:endParaRPr lang="ko-KR" altLang="en-US" sz="2800" dirty="0"/>
           </a:p>
@@ -7598,7 +8009,7 @@
       </p:sp>
       <p:pic>
         <p:nvPicPr>
-          <p:cNvPr id="6" name="그림 5"/>
+          <p:cNvPr id="3" name="그림 2"/>
           <p:cNvPicPr>
             <a:picLocks noChangeAspect="1"/>
           </p:cNvPicPr>
@@ -7618,8 +8029,8 @@
         </p:blipFill>
         <p:spPr>
           <a:xfrm>
-            <a:off x="1496616" y="1484784"/>
-            <a:ext cx="5590438" cy="4392488"/>
+            <a:off x="1496616" y="1556792"/>
+            <a:ext cx="5220152" cy="3314987"/>
           </a:xfrm>
           <a:prstGeom prst="rect">
             <a:avLst/>
@@ -7636,7 +8047,7 @@
     </p:spTree>
     <p:extLst>
       <p:ext uri="{BB962C8B-B14F-4D97-AF65-F5344CB8AC3E}">
-        <p14:creationId xmlns:p14="http://schemas.microsoft.com/office/powerpoint/2010/main" val="3336937701"/>
+        <p14:creationId xmlns:p14="http://schemas.microsoft.com/office/powerpoint/2010/main" val="1924728067"/>
       </p:ext>
     </p:extLst>
   </p:cSld>
@@ -7732,7 +8143,7 @@
       </p:sp>
       <p:pic>
         <p:nvPicPr>
-          <p:cNvPr id="5" name="그림 4"/>
+          <p:cNvPr id="3" name="그림 2"/>
           <p:cNvPicPr>
             <a:picLocks noChangeAspect="1"/>
           </p:cNvPicPr>
@@ -7752,8 +8163,8 @@
         </p:blipFill>
         <p:spPr>
           <a:xfrm>
-            <a:off x="1424608" y="1556792"/>
-            <a:ext cx="4892464" cy="3932261"/>
+            <a:off x="1329014" y="1340768"/>
+            <a:ext cx="5509737" cy="4823878"/>
           </a:xfrm>
           <a:prstGeom prst="rect">
             <a:avLst/>
@@ -7770,7 +8181,7 @@
     </p:spTree>
     <p:extLst>
       <p:ext uri="{BB962C8B-B14F-4D97-AF65-F5344CB8AC3E}">
-        <p14:creationId xmlns:p14="http://schemas.microsoft.com/office/powerpoint/2010/main" val="1240046635"/>
+        <p14:creationId xmlns:p14="http://schemas.microsoft.com/office/powerpoint/2010/main" val="1366461047"/>
       </p:ext>
     </p:extLst>
   </p:cSld>
@@ -7866,7 +8277,7 @@
       </p:sp>
       <p:pic>
         <p:nvPicPr>
-          <p:cNvPr id="3" name="그림 2"/>
+          <p:cNvPr id="5" name="그림 4"/>
           <p:cNvPicPr>
             <a:picLocks noChangeAspect="1"/>
           </p:cNvPicPr>
@@ -7886,8 +8297,8 @@
         </p:blipFill>
         <p:spPr>
           <a:xfrm>
-            <a:off x="1640632" y="1628800"/>
-            <a:ext cx="4511431" cy="3604572"/>
+            <a:off x="1424608" y="1484784"/>
+            <a:ext cx="4877223" cy="3863675"/>
           </a:xfrm>
           <a:prstGeom prst="rect">
             <a:avLst/>
@@ -7904,7 +8315,7 @@
     </p:spTree>
     <p:extLst>
       <p:ext uri="{BB962C8B-B14F-4D97-AF65-F5344CB8AC3E}">
-        <p14:creationId xmlns:p14="http://schemas.microsoft.com/office/powerpoint/2010/main" val="936881347"/>
+        <p14:creationId xmlns:p14="http://schemas.microsoft.com/office/powerpoint/2010/main" val="2809026256"/>
       </p:ext>
     </p:extLst>
   </p:cSld>
@@ -8178,11 +8589,11 @@
             </a:r>
             <a:r>
               <a:rPr lang="en-US" altLang="ko-KR" sz="2800" dirty="0" smtClean="0"/>
-              <a:t> – </a:t>
+              <a:t> </a:t>
             </a:r>
             <a:r>
               <a:rPr lang="ko-KR" altLang="en-US" sz="2800" dirty="0" smtClean="0"/>
-              <a:t>이미지 표시</a:t>
+              <a:t>모듈</a:t>
             </a:r>
             <a:endParaRPr lang="ko-KR" altLang="en-US" sz="2800" dirty="0"/>
           </a:p>
@@ -8233,8 +8644,8 @@
         </p:blipFill>
         <p:spPr>
           <a:xfrm>
-            <a:off x="1784648" y="1412776"/>
-            <a:ext cx="4427185" cy="4248472"/>
+            <a:off x="1424608" y="1628800"/>
+            <a:ext cx="4930567" cy="3627434"/>
           </a:xfrm>
           <a:prstGeom prst="rect">
             <a:avLst/>
@@ -8251,7 +8662,7 @@
     </p:spTree>
     <p:extLst>
       <p:ext uri="{BB962C8B-B14F-4D97-AF65-F5344CB8AC3E}">
-        <p14:creationId xmlns:p14="http://schemas.microsoft.com/office/powerpoint/2010/main" val="2867727165"/>
+        <p14:creationId xmlns:p14="http://schemas.microsoft.com/office/powerpoint/2010/main" val="245768645"/>
       </p:ext>
     </p:extLst>
   </p:cSld>
@@ -8312,14 +8723,6 @@
             </a:r>
             <a:r>
               <a:rPr lang="en-US" altLang="ko-KR" sz="2800" dirty="0" smtClean="0"/>
-              <a:t> + </a:t>
-            </a:r>
-            <a:r>
-              <a:rPr lang="en-US" altLang="ko-KR" sz="2800" dirty="0" err="1" smtClean="0"/>
-              <a:t>Numpy</a:t>
-            </a:r>
-            <a:r>
-              <a:rPr lang="en-US" altLang="ko-KR" sz="2800" dirty="0" smtClean="0"/>
               <a:t> </a:t>
             </a:r>
             <a:r>
@@ -8348,6 +8751,550 @@
             <a:fld id="{1BDE3FE7-3AEA-4B05-AC5A-802D1816ACF0}" type="slidenum">
               <a:rPr lang="ko-KR" altLang="en-US" smtClean="0"/>
               <a:t>31</a:t>
+            </a:fld>
+            <a:endParaRPr lang="ko-KR" altLang="en-US"/>
+          </a:p>
+        </p:txBody>
+      </p:sp>
+      <p:pic>
+        <p:nvPicPr>
+          <p:cNvPr id="6" name="그림 5"/>
+          <p:cNvPicPr>
+            <a:picLocks noChangeAspect="1"/>
+          </p:cNvPicPr>
+          <p:nvPr/>
+        </p:nvPicPr>
+        <p:blipFill>
+          <a:blip r:embed="rId2">
+            <a:extLst>
+              <a:ext uri="{28A0092B-C50C-407E-A947-70E740481C1C}">
+                <a14:useLocalDpi xmlns:a14="http://schemas.microsoft.com/office/drawing/2010/main" val="0"/>
+              </a:ext>
+            </a:extLst>
+          </a:blip>
+          <a:stretch>
+            <a:fillRect/>
+          </a:stretch>
+        </p:blipFill>
+        <p:spPr>
+          <a:xfrm>
+            <a:off x="1496616" y="1484784"/>
+            <a:ext cx="5590438" cy="4392488"/>
+          </a:xfrm>
+          <a:prstGeom prst="rect">
+            <a:avLst/>
+          </a:prstGeom>
+          <a:ln>
+            <a:solidFill>
+              <a:schemeClr val="bg1">
+                <a:lumMod val="85000"/>
+              </a:schemeClr>
+            </a:solidFill>
+          </a:ln>
+        </p:spPr>
+      </p:pic>
+    </p:spTree>
+    <p:extLst>
+      <p:ext uri="{BB962C8B-B14F-4D97-AF65-F5344CB8AC3E}">
+        <p14:creationId xmlns:p14="http://schemas.microsoft.com/office/powerpoint/2010/main" val="3336937701"/>
+      </p:ext>
+    </p:extLst>
+  </p:cSld>
+  <p:clrMapOvr>
+    <a:masterClrMapping/>
+  </p:clrMapOvr>
+  <p:timing>
+    <p:tnLst>
+      <p:par>
+        <p:cTn id="1" dur="indefinite" restart="never" nodeType="tmRoot"/>
+      </p:par>
+    </p:tnLst>
+  </p:timing>
+</p:sld>
+</file>
+
+<file path=ppt/slides/slide32.xml><?xml version="1.0" encoding="utf-8"?>
+<p:sld xmlns:a="http://schemas.openxmlformats.org/drawingml/2006/main" xmlns:r="http://schemas.openxmlformats.org/officeDocument/2006/relationships" xmlns:p="http://schemas.openxmlformats.org/presentationml/2006/main">
+  <p:cSld>
+    <p:spTree>
+      <p:nvGrpSpPr>
+        <p:cNvPr id="1" name=""/>
+        <p:cNvGrpSpPr/>
+        <p:nvPr/>
+      </p:nvGrpSpPr>
+      <p:grpSpPr>
+        <a:xfrm>
+          <a:off x="0" y="0"/>
+          <a:ext cx="0" cy="0"/>
+          <a:chOff x="0" y="0"/>
+          <a:chExt cx="0" cy="0"/>
+        </a:xfrm>
+      </p:grpSpPr>
+      <p:sp>
+        <p:nvSpPr>
+          <p:cNvPr id="2" name="제목 1"/>
+          <p:cNvSpPr>
+            <a:spLocks noGrp="1"/>
+          </p:cNvSpPr>
+          <p:nvPr>
+            <p:ph type="title"/>
+          </p:nvPr>
+        </p:nvSpPr>
+        <p:spPr/>
+        <p:txBody>
+          <a:bodyPr>
+            <a:normAutofit/>
+          </a:bodyPr>
+          <a:lstStyle/>
+          <a:p>
+            <a:r>
+              <a:rPr lang="en-US" altLang="ko-KR" sz="2800" dirty="0"/>
+              <a:t> </a:t>
+            </a:r>
+            <a:r>
+              <a:rPr lang="en-US" altLang="ko-KR" sz="2800" dirty="0" err="1" smtClean="0"/>
+              <a:t>Matplotlib</a:t>
+            </a:r>
+            <a:r>
+              <a:rPr lang="en-US" altLang="ko-KR" sz="2800" dirty="0" smtClean="0"/>
+              <a:t> </a:t>
+            </a:r>
+            <a:r>
+              <a:rPr lang="ko-KR" altLang="en-US" sz="2800" dirty="0" smtClean="0"/>
+              <a:t>모듈</a:t>
+            </a:r>
+            <a:endParaRPr lang="ko-KR" altLang="en-US" sz="2800" dirty="0"/>
+          </a:p>
+        </p:txBody>
+      </p:sp>
+      <p:sp>
+        <p:nvSpPr>
+          <p:cNvPr id="4" name="슬라이드 번호 개체 틀 3"/>
+          <p:cNvSpPr>
+            <a:spLocks noGrp="1"/>
+          </p:cNvSpPr>
+          <p:nvPr>
+            <p:ph type="sldNum" sz="quarter" idx="12"/>
+          </p:nvPr>
+        </p:nvSpPr>
+        <p:spPr/>
+        <p:txBody>
+          <a:bodyPr/>
+          <a:lstStyle/>
+          <a:p>
+            <a:fld id="{1BDE3FE7-3AEA-4B05-AC5A-802D1816ACF0}" type="slidenum">
+              <a:rPr lang="ko-KR" altLang="en-US" smtClean="0"/>
+              <a:t>32</a:t>
+            </a:fld>
+            <a:endParaRPr lang="ko-KR" altLang="en-US"/>
+          </a:p>
+        </p:txBody>
+      </p:sp>
+      <p:pic>
+        <p:nvPicPr>
+          <p:cNvPr id="5" name="그림 4"/>
+          <p:cNvPicPr>
+            <a:picLocks noChangeAspect="1"/>
+          </p:cNvPicPr>
+          <p:nvPr/>
+        </p:nvPicPr>
+        <p:blipFill>
+          <a:blip r:embed="rId2">
+            <a:extLst>
+              <a:ext uri="{28A0092B-C50C-407E-A947-70E740481C1C}">
+                <a14:useLocalDpi xmlns:a14="http://schemas.microsoft.com/office/drawing/2010/main" val="0"/>
+              </a:ext>
+            </a:extLst>
+          </a:blip>
+          <a:stretch>
+            <a:fillRect/>
+          </a:stretch>
+        </p:blipFill>
+        <p:spPr>
+          <a:xfrm>
+            <a:off x="1424608" y="1556792"/>
+            <a:ext cx="4892464" cy="3932261"/>
+          </a:xfrm>
+          <a:prstGeom prst="rect">
+            <a:avLst/>
+          </a:prstGeom>
+          <a:ln>
+            <a:solidFill>
+              <a:schemeClr val="bg1">
+                <a:lumMod val="85000"/>
+              </a:schemeClr>
+            </a:solidFill>
+          </a:ln>
+        </p:spPr>
+      </p:pic>
+    </p:spTree>
+    <p:extLst>
+      <p:ext uri="{BB962C8B-B14F-4D97-AF65-F5344CB8AC3E}">
+        <p14:creationId xmlns:p14="http://schemas.microsoft.com/office/powerpoint/2010/main" val="1240046635"/>
+      </p:ext>
+    </p:extLst>
+  </p:cSld>
+  <p:clrMapOvr>
+    <a:masterClrMapping/>
+  </p:clrMapOvr>
+  <p:timing>
+    <p:tnLst>
+      <p:par>
+        <p:cTn id="1" dur="indefinite" restart="never" nodeType="tmRoot"/>
+      </p:par>
+    </p:tnLst>
+  </p:timing>
+</p:sld>
+</file>
+
+<file path=ppt/slides/slide33.xml><?xml version="1.0" encoding="utf-8"?>
+<p:sld xmlns:a="http://schemas.openxmlformats.org/drawingml/2006/main" xmlns:r="http://schemas.openxmlformats.org/officeDocument/2006/relationships" xmlns:p="http://schemas.openxmlformats.org/presentationml/2006/main">
+  <p:cSld>
+    <p:spTree>
+      <p:nvGrpSpPr>
+        <p:cNvPr id="1" name=""/>
+        <p:cNvGrpSpPr/>
+        <p:nvPr/>
+      </p:nvGrpSpPr>
+      <p:grpSpPr>
+        <a:xfrm>
+          <a:off x="0" y="0"/>
+          <a:ext cx="0" cy="0"/>
+          <a:chOff x="0" y="0"/>
+          <a:chExt cx="0" cy="0"/>
+        </a:xfrm>
+      </p:grpSpPr>
+      <p:sp>
+        <p:nvSpPr>
+          <p:cNvPr id="2" name="제목 1"/>
+          <p:cNvSpPr>
+            <a:spLocks noGrp="1"/>
+          </p:cNvSpPr>
+          <p:nvPr>
+            <p:ph type="title"/>
+          </p:nvPr>
+        </p:nvSpPr>
+        <p:spPr/>
+        <p:txBody>
+          <a:bodyPr>
+            <a:normAutofit/>
+          </a:bodyPr>
+          <a:lstStyle/>
+          <a:p>
+            <a:r>
+              <a:rPr lang="en-US" altLang="ko-KR" sz="2800" dirty="0"/>
+              <a:t> </a:t>
+            </a:r>
+            <a:r>
+              <a:rPr lang="en-US" altLang="ko-KR" sz="2800" dirty="0" err="1" smtClean="0"/>
+              <a:t>Matplotlib</a:t>
+            </a:r>
+            <a:r>
+              <a:rPr lang="en-US" altLang="ko-KR" sz="2800" dirty="0" smtClean="0"/>
+              <a:t> </a:t>
+            </a:r>
+            <a:r>
+              <a:rPr lang="ko-KR" altLang="en-US" sz="2800" dirty="0" smtClean="0"/>
+              <a:t>모듈</a:t>
+            </a:r>
+            <a:endParaRPr lang="ko-KR" altLang="en-US" sz="2800" dirty="0"/>
+          </a:p>
+        </p:txBody>
+      </p:sp>
+      <p:sp>
+        <p:nvSpPr>
+          <p:cNvPr id="4" name="슬라이드 번호 개체 틀 3"/>
+          <p:cNvSpPr>
+            <a:spLocks noGrp="1"/>
+          </p:cNvSpPr>
+          <p:nvPr>
+            <p:ph type="sldNum" sz="quarter" idx="12"/>
+          </p:nvPr>
+        </p:nvSpPr>
+        <p:spPr/>
+        <p:txBody>
+          <a:bodyPr/>
+          <a:lstStyle/>
+          <a:p>
+            <a:fld id="{1BDE3FE7-3AEA-4B05-AC5A-802D1816ACF0}" type="slidenum">
+              <a:rPr lang="ko-KR" altLang="en-US" smtClean="0"/>
+              <a:t>33</a:t>
+            </a:fld>
+            <a:endParaRPr lang="ko-KR" altLang="en-US"/>
+          </a:p>
+        </p:txBody>
+      </p:sp>
+      <p:pic>
+        <p:nvPicPr>
+          <p:cNvPr id="3" name="그림 2"/>
+          <p:cNvPicPr>
+            <a:picLocks noChangeAspect="1"/>
+          </p:cNvPicPr>
+          <p:nvPr/>
+        </p:nvPicPr>
+        <p:blipFill>
+          <a:blip r:embed="rId2">
+            <a:extLst>
+              <a:ext uri="{28A0092B-C50C-407E-A947-70E740481C1C}">
+                <a14:useLocalDpi xmlns:a14="http://schemas.microsoft.com/office/drawing/2010/main" val="0"/>
+              </a:ext>
+            </a:extLst>
+          </a:blip>
+          <a:stretch>
+            <a:fillRect/>
+          </a:stretch>
+        </p:blipFill>
+        <p:spPr>
+          <a:xfrm>
+            <a:off x="1640632" y="1628800"/>
+            <a:ext cx="4511431" cy="3604572"/>
+          </a:xfrm>
+          <a:prstGeom prst="rect">
+            <a:avLst/>
+          </a:prstGeom>
+          <a:ln>
+            <a:solidFill>
+              <a:schemeClr val="bg1">
+                <a:lumMod val="85000"/>
+              </a:schemeClr>
+            </a:solidFill>
+          </a:ln>
+        </p:spPr>
+      </p:pic>
+    </p:spTree>
+    <p:extLst>
+      <p:ext uri="{BB962C8B-B14F-4D97-AF65-F5344CB8AC3E}">
+        <p14:creationId xmlns:p14="http://schemas.microsoft.com/office/powerpoint/2010/main" val="936881347"/>
+      </p:ext>
+    </p:extLst>
+  </p:cSld>
+  <p:clrMapOvr>
+    <a:masterClrMapping/>
+  </p:clrMapOvr>
+  <p:timing>
+    <p:tnLst>
+      <p:par>
+        <p:cTn id="1" dur="indefinite" restart="never" nodeType="tmRoot"/>
+      </p:par>
+    </p:tnLst>
+  </p:timing>
+</p:sld>
+</file>
+
+<file path=ppt/slides/slide34.xml><?xml version="1.0" encoding="utf-8"?>
+<p:sld xmlns:a="http://schemas.openxmlformats.org/drawingml/2006/main" xmlns:r="http://schemas.openxmlformats.org/officeDocument/2006/relationships" xmlns:p="http://schemas.openxmlformats.org/presentationml/2006/main">
+  <p:cSld>
+    <p:spTree>
+      <p:nvGrpSpPr>
+        <p:cNvPr id="1" name=""/>
+        <p:cNvGrpSpPr/>
+        <p:nvPr/>
+      </p:nvGrpSpPr>
+      <p:grpSpPr>
+        <a:xfrm>
+          <a:off x="0" y="0"/>
+          <a:ext cx="0" cy="0"/>
+          <a:chOff x="0" y="0"/>
+          <a:chExt cx="0" cy="0"/>
+        </a:xfrm>
+      </p:grpSpPr>
+      <p:sp>
+        <p:nvSpPr>
+          <p:cNvPr id="2" name="제목 1"/>
+          <p:cNvSpPr>
+            <a:spLocks noGrp="1"/>
+          </p:cNvSpPr>
+          <p:nvPr>
+            <p:ph type="title"/>
+          </p:nvPr>
+        </p:nvSpPr>
+        <p:spPr/>
+        <p:txBody>
+          <a:bodyPr>
+            <a:normAutofit/>
+          </a:bodyPr>
+          <a:lstStyle/>
+          <a:p>
+            <a:r>
+              <a:rPr lang="en-US" altLang="ko-KR" sz="2800" dirty="0"/>
+              <a:t> </a:t>
+            </a:r>
+            <a:r>
+              <a:rPr lang="en-US" altLang="ko-KR" sz="2800" dirty="0" err="1" smtClean="0"/>
+              <a:t>Matplotlib</a:t>
+            </a:r>
+            <a:r>
+              <a:rPr lang="en-US" altLang="ko-KR" sz="2800" dirty="0" smtClean="0"/>
+              <a:t> – </a:t>
+            </a:r>
+            <a:r>
+              <a:rPr lang="ko-KR" altLang="en-US" sz="2800" dirty="0" smtClean="0"/>
+              <a:t>이미지 표시</a:t>
+            </a:r>
+            <a:endParaRPr lang="ko-KR" altLang="en-US" sz="2800" dirty="0"/>
+          </a:p>
+        </p:txBody>
+      </p:sp>
+      <p:sp>
+        <p:nvSpPr>
+          <p:cNvPr id="4" name="슬라이드 번호 개체 틀 3"/>
+          <p:cNvSpPr>
+            <a:spLocks noGrp="1"/>
+          </p:cNvSpPr>
+          <p:nvPr>
+            <p:ph type="sldNum" sz="quarter" idx="12"/>
+          </p:nvPr>
+        </p:nvSpPr>
+        <p:spPr/>
+        <p:txBody>
+          <a:bodyPr/>
+          <a:lstStyle/>
+          <a:p>
+            <a:fld id="{1BDE3FE7-3AEA-4B05-AC5A-802D1816ACF0}" type="slidenum">
+              <a:rPr lang="ko-KR" altLang="en-US" smtClean="0"/>
+              <a:t>34</a:t>
+            </a:fld>
+            <a:endParaRPr lang="ko-KR" altLang="en-US"/>
+          </a:p>
+        </p:txBody>
+      </p:sp>
+      <p:pic>
+        <p:nvPicPr>
+          <p:cNvPr id="3" name="그림 2"/>
+          <p:cNvPicPr>
+            <a:picLocks noChangeAspect="1"/>
+          </p:cNvPicPr>
+          <p:nvPr/>
+        </p:nvPicPr>
+        <p:blipFill>
+          <a:blip r:embed="rId2">
+            <a:extLst>
+              <a:ext uri="{28A0092B-C50C-407E-A947-70E740481C1C}">
+                <a14:useLocalDpi xmlns:a14="http://schemas.microsoft.com/office/drawing/2010/main" val="0"/>
+              </a:ext>
+            </a:extLst>
+          </a:blip>
+          <a:stretch>
+            <a:fillRect/>
+          </a:stretch>
+        </p:blipFill>
+        <p:spPr>
+          <a:xfrm>
+            <a:off x="1784648" y="1412776"/>
+            <a:ext cx="4427185" cy="4248472"/>
+          </a:xfrm>
+          <a:prstGeom prst="rect">
+            <a:avLst/>
+          </a:prstGeom>
+          <a:ln>
+            <a:solidFill>
+              <a:schemeClr val="bg1">
+                <a:lumMod val="85000"/>
+              </a:schemeClr>
+            </a:solidFill>
+          </a:ln>
+        </p:spPr>
+      </p:pic>
+    </p:spTree>
+    <p:extLst>
+      <p:ext uri="{BB962C8B-B14F-4D97-AF65-F5344CB8AC3E}">
+        <p14:creationId xmlns:p14="http://schemas.microsoft.com/office/powerpoint/2010/main" val="2867727165"/>
+      </p:ext>
+    </p:extLst>
+  </p:cSld>
+  <p:clrMapOvr>
+    <a:masterClrMapping/>
+  </p:clrMapOvr>
+  <p:timing>
+    <p:tnLst>
+      <p:par>
+        <p:cTn id="1" dur="indefinite" restart="never" nodeType="tmRoot"/>
+      </p:par>
+    </p:tnLst>
+  </p:timing>
+</p:sld>
+</file>
+
+<file path=ppt/slides/slide35.xml><?xml version="1.0" encoding="utf-8"?>
+<p:sld xmlns:a="http://schemas.openxmlformats.org/drawingml/2006/main" xmlns:r="http://schemas.openxmlformats.org/officeDocument/2006/relationships" xmlns:p="http://schemas.openxmlformats.org/presentationml/2006/main">
+  <p:cSld>
+    <p:spTree>
+      <p:nvGrpSpPr>
+        <p:cNvPr id="1" name=""/>
+        <p:cNvGrpSpPr/>
+        <p:nvPr/>
+      </p:nvGrpSpPr>
+      <p:grpSpPr>
+        <a:xfrm>
+          <a:off x="0" y="0"/>
+          <a:ext cx="0" cy="0"/>
+          <a:chOff x="0" y="0"/>
+          <a:chExt cx="0" cy="0"/>
+        </a:xfrm>
+      </p:grpSpPr>
+      <p:sp>
+        <p:nvSpPr>
+          <p:cNvPr id="2" name="제목 1"/>
+          <p:cNvSpPr>
+            <a:spLocks noGrp="1"/>
+          </p:cNvSpPr>
+          <p:nvPr>
+            <p:ph type="title"/>
+          </p:nvPr>
+        </p:nvSpPr>
+        <p:spPr/>
+        <p:txBody>
+          <a:bodyPr>
+            <a:normAutofit/>
+          </a:bodyPr>
+          <a:lstStyle/>
+          <a:p>
+            <a:r>
+              <a:rPr lang="en-US" altLang="ko-KR" sz="2800" dirty="0"/>
+              <a:t> </a:t>
+            </a:r>
+            <a:r>
+              <a:rPr lang="en-US" altLang="ko-KR" sz="2800" dirty="0" err="1" smtClean="0"/>
+              <a:t>Matplotlib</a:t>
+            </a:r>
+            <a:r>
+              <a:rPr lang="en-US" altLang="ko-KR" sz="2800" dirty="0" smtClean="0"/>
+              <a:t> + </a:t>
+            </a:r>
+            <a:r>
+              <a:rPr lang="en-US" altLang="ko-KR" sz="2800" dirty="0" err="1" smtClean="0"/>
+              <a:t>Numpy</a:t>
+            </a:r>
+            <a:r>
+              <a:rPr lang="en-US" altLang="ko-KR" sz="2800" dirty="0" smtClean="0"/>
+              <a:t> </a:t>
+            </a:r>
+            <a:r>
+              <a:rPr lang="ko-KR" altLang="en-US" sz="2800" dirty="0" smtClean="0"/>
+              <a:t>모듈</a:t>
+            </a:r>
+            <a:endParaRPr lang="ko-KR" altLang="en-US" sz="2800" dirty="0"/>
+          </a:p>
+        </p:txBody>
+      </p:sp>
+      <p:sp>
+        <p:nvSpPr>
+          <p:cNvPr id="4" name="슬라이드 번호 개체 틀 3"/>
+          <p:cNvSpPr>
+            <a:spLocks noGrp="1"/>
+          </p:cNvSpPr>
+          <p:nvPr>
+            <p:ph type="sldNum" sz="quarter" idx="12"/>
+          </p:nvPr>
+        </p:nvSpPr>
+        <p:spPr/>
+        <p:txBody>
+          <a:bodyPr/>
+          <a:lstStyle/>
+          <a:p>
+            <a:fld id="{1BDE3FE7-3AEA-4B05-AC5A-802D1816ACF0}" type="slidenum">
+              <a:rPr lang="ko-KR" altLang="en-US" smtClean="0"/>
+              <a:t>35</a:t>
             </a:fld>
             <a:endParaRPr lang="ko-KR" altLang="en-US"/>
           </a:p>
@@ -8534,7 +9481,7 @@
 </p:sld>
 </file>
 
-<file path=ppt/slides/slide32.xml><?xml version="1.0" encoding="utf-8"?>
+<file path=ppt/slides/slide36.xml><?xml version="1.0" encoding="utf-8"?>
 <p:sld xmlns:a="http://schemas.openxmlformats.org/drawingml/2006/main" xmlns:r="http://schemas.openxmlformats.org/officeDocument/2006/relationships" xmlns:p="http://schemas.openxmlformats.org/presentationml/2006/main">
   <p:cSld>
     <p:spTree>
@@ -8613,7 +9560,7 @@
           <a:p>
             <a:fld id="{1BDE3FE7-3AEA-4B05-AC5A-802D1816ACF0}" type="slidenum">
               <a:rPr lang="ko-KR" altLang="en-US" smtClean="0"/>
-              <a:t>32</a:t>
+              <a:t>36</a:t>
             </a:fld>
             <a:endParaRPr lang="ko-KR" altLang="en-US"/>
           </a:p>
@@ -8676,7 +9623,7 @@
 </p:sld>
 </file>
 
-<file path=ppt/slides/slide33.xml><?xml version="1.0" encoding="utf-8"?>
+<file path=ppt/slides/slide37.xml><?xml version="1.0" encoding="utf-8"?>
 <p:sld xmlns:a="http://schemas.openxmlformats.org/drawingml/2006/main" xmlns:r="http://schemas.openxmlformats.org/officeDocument/2006/relationships" xmlns:p="http://schemas.openxmlformats.org/presentationml/2006/main">
   <p:cSld>
     <p:spTree>
@@ -8740,7 +9687,7 @@
           <a:p>
             <a:fld id="{1BDE3FE7-3AEA-4B05-AC5A-802D1816ACF0}" type="slidenum">
               <a:rPr lang="ko-KR" altLang="en-US" smtClean="0"/>
-              <a:t>33</a:t>
+              <a:t>37</a:t>
             </a:fld>
             <a:endParaRPr lang="ko-KR" altLang="en-US"/>
           </a:p>
@@ -9370,7 +10317,7 @@
 </p:sld>
 </file>
 
-<file path=ppt/slides/slide34.xml><?xml version="1.0" encoding="utf-8"?>
+<file path=ppt/slides/slide38.xml><?xml version="1.0" encoding="utf-8"?>
 <p:sld xmlns:a="http://schemas.openxmlformats.org/drawingml/2006/main" xmlns:r="http://schemas.openxmlformats.org/officeDocument/2006/relationships" xmlns:p="http://schemas.openxmlformats.org/presentationml/2006/main">
   <p:cSld>
     <p:spTree>
@@ -9446,7 +10393,7 @@
           <a:p>
             <a:fld id="{1BDE3FE7-3AEA-4B05-AC5A-802D1816ACF0}" type="slidenum">
               <a:rPr lang="ko-KR" altLang="en-US" smtClean="0"/>
-              <a:t>34</a:t>
+              <a:t>38</a:t>
             </a:fld>
             <a:endParaRPr lang="ko-KR" altLang="en-US"/>
           </a:p>
@@ -9855,3243 +10802,6 @@
     <p:extLst>
       <p:ext uri="{BB962C8B-B14F-4D97-AF65-F5344CB8AC3E}">
         <p14:creationId xmlns:p14="http://schemas.microsoft.com/office/powerpoint/2010/main" val="1002960025"/>
-      </p:ext>
-    </p:extLst>
-  </p:cSld>
-  <p:clrMapOvr>
-    <a:masterClrMapping/>
-  </p:clrMapOvr>
-  <p:timing>
-    <p:tnLst>
-      <p:par>
-        <p:cTn id="1" dur="indefinite" restart="never" nodeType="tmRoot"/>
-      </p:par>
-    </p:tnLst>
-  </p:timing>
-</p:sld>
-</file>
-
-<file path=ppt/slides/slide35.xml><?xml version="1.0" encoding="utf-8"?>
-<p:sld xmlns:a="http://schemas.openxmlformats.org/drawingml/2006/main" xmlns:r="http://schemas.openxmlformats.org/officeDocument/2006/relationships" xmlns:p="http://schemas.openxmlformats.org/presentationml/2006/main">
-  <p:cSld>
-    <p:spTree>
-      <p:nvGrpSpPr>
-        <p:cNvPr id="1" name=""/>
-        <p:cNvGrpSpPr/>
-        <p:nvPr/>
-      </p:nvGrpSpPr>
-      <p:grpSpPr>
-        <a:xfrm>
-          <a:off x="0" y="0"/>
-          <a:ext cx="0" cy="0"/>
-          <a:chOff x="0" y="0"/>
-          <a:chExt cx="0" cy="0"/>
-        </a:xfrm>
-      </p:grpSpPr>
-      <p:sp>
-        <p:nvSpPr>
-          <p:cNvPr id="4" name="슬라이드 번호 개체 틀 3"/>
-          <p:cNvSpPr>
-            <a:spLocks noGrp="1"/>
-          </p:cNvSpPr>
-          <p:nvPr>
-            <p:ph type="sldNum" sz="quarter" idx="12"/>
-          </p:nvPr>
-        </p:nvSpPr>
-        <p:spPr/>
-        <p:txBody>
-          <a:bodyPr/>
-          <a:lstStyle/>
-          <a:p>
-            <a:fld id="{1BDE3FE7-3AEA-4B05-AC5A-802D1816ACF0}" type="slidenum">
-              <a:rPr lang="ko-KR" altLang="en-US" smtClean="0"/>
-              <a:t>35</a:t>
-            </a:fld>
-            <a:endParaRPr lang="ko-KR" altLang="en-US"/>
-          </a:p>
-        </p:txBody>
-      </p:sp>
-      <p:sp>
-        <p:nvSpPr>
-          <p:cNvPr id="8" name="제목 1"/>
-          <p:cNvSpPr txBox="1">
-            <a:spLocks/>
-          </p:cNvSpPr>
-          <p:nvPr/>
-        </p:nvSpPr>
-        <p:spPr>
-          <a:xfrm>
-            <a:off x="696077" y="188640"/>
-            <a:ext cx="6201139" cy="854968"/>
-          </a:xfrm>
-          <a:prstGeom prst="rect">
-            <a:avLst/>
-          </a:prstGeom>
-        </p:spPr>
-        <p:txBody>
-          <a:bodyPr vert="horz" lIns="91440" tIns="45720" rIns="91440" bIns="45720" rtlCol="0" anchor="ctr">
-            <a:normAutofit/>
-          </a:bodyPr>
-          <a:lstStyle>
-            <a:lvl1pPr algn="l" defTabSz="914400" rtl="0" eaLnBrk="1" latinLnBrk="1" hangingPunct="1">
-              <a:spcBef>
-                <a:spcPct val="0"/>
-              </a:spcBef>
-              <a:buNone/>
-              <a:defRPr sz="3200" kern="1200">
-                <a:solidFill>
-                  <a:sysClr val="windowText" lastClr="000000"/>
-                </a:solidFill>
-                <a:latin typeface="휴먼엑스포" panose="02030504000101010101" pitchFamily="18" charset="-127"/>
-                <a:ea typeface="휴먼엑스포" panose="02030504000101010101" pitchFamily="18" charset="-127"/>
-                <a:cs typeface="+mj-cs"/>
-              </a:defRPr>
-            </a:lvl1pPr>
-          </a:lstStyle>
-          <a:p>
-            <a:r>
-              <a:rPr lang="en-US" altLang="ko-KR" dirty="0" smtClean="0"/>
-              <a:t> </a:t>
-            </a:r>
-            <a:r>
-              <a:rPr lang="en-US" altLang="ko-KR" dirty="0" err="1" smtClean="0"/>
-              <a:t>Numpy</a:t>
-            </a:r>
-            <a:r>
-              <a:rPr lang="en-US" altLang="ko-KR" dirty="0" smtClean="0"/>
-              <a:t> </a:t>
-            </a:r>
-            <a:r>
-              <a:rPr lang="ko-KR" altLang="en-US" dirty="0" smtClean="0"/>
-              <a:t>모듈</a:t>
-            </a:r>
-            <a:r>
-              <a:rPr lang="en-US" altLang="ko-KR" dirty="0" smtClean="0"/>
-              <a:t> </a:t>
-            </a:r>
-            <a:r>
-              <a:rPr lang="ko-KR" altLang="en-US" dirty="0" smtClean="0"/>
-              <a:t> </a:t>
-            </a:r>
-            <a:endParaRPr lang="ko-KR" altLang="en-US" dirty="0"/>
-          </a:p>
-        </p:txBody>
-      </p:sp>
-      <p:sp>
-        <p:nvSpPr>
-          <p:cNvPr id="9" name="TextBox 8"/>
-          <p:cNvSpPr txBox="1"/>
-          <p:nvPr/>
-        </p:nvSpPr>
-        <p:spPr>
-          <a:xfrm>
-            <a:off x="986559" y="1196752"/>
-            <a:ext cx="3534393" cy="443198"/>
-          </a:xfrm>
-          <a:prstGeom prst="rect">
-            <a:avLst/>
-          </a:prstGeom>
-          <a:noFill/>
-          <a:ln>
-            <a:noFill/>
-          </a:ln>
-        </p:spPr>
-        <p:style>
-          <a:lnRef idx="1">
-            <a:schemeClr val="accent3"/>
-          </a:lnRef>
-          <a:fillRef idx="2">
-            <a:schemeClr val="accent3"/>
-          </a:fillRef>
-          <a:effectRef idx="1">
-            <a:schemeClr val="accent3"/>
-          </a:effectRef>
-          <a:fontRef idx="minor">
-            <a:schemeClr val="dk1"/>
-          </a:fontRef>
-        </p:style>
-        <p:txBody>
-          <a:bodyPr wrap="square" rtlCol="0">
-            <a:spAutoFit/>
-          </a:bodyPr>
-          <a:lstStyle/>
-          <a:p>
-            <a:pPr marL="342900" indent="-342900">
-              <a:lnSpc>
-                <a:spcPct val="150000"/>
-              </a:lnSpc>
-              <a:buFont typeface="Wingdings" panose="05000000000000000000" pitchFamily="2" charset="2"/>
-              <a:buChar char="l"/>
-            </a:pPr>
-            <a:r>
-              <a:rPr lang="ko-KR" altLang="en-US" dirty="0" err="1" smtClean="0">
-                <a:latin typeface="돋움" panose="020B0600000101010101" pitchFamily="50" charset="-127"/>
-                <a:ea typeface="돋움" panose="020B0600000101010101" pitchFamily="50" charset="-127"/>
-              </a:rPr>
-              <a:t>넘파이의</a:t>
-            </a:r>
-            <a:r>
-              <a:rPr lang="ko-KR" altLang="en-US" dirty="0" smtClean="0">
-                <a:latin typeface="돋움" panose="020B0600000101010101" pitchFamily="50" charset="-127"/>
-                <a:ea typeface="돋움" panose="020B0600000101010101" pitchFamily="50" charset="-127"/>
-              </a:rPr>
-              <a:t> 산술연산</a:t>
-            </a:r>
-            <a:endParaRPr lang="en-US" altLang="ko-KR" dirty="0" smtClean="0">
-              <a:latin typeface="돋움" panose="020B0600000101010101" pitchFamily="50" charset="-127"/>
-              <a:ea typeface="돋움" panose="020B0600000101010101" pitchFamily="50" charset="-127"/>
-            </a:endParaRPr>
-          </a:p>
-        </p:txBody>
-      </p:sp>
-      <p:pic>
-        <p:nvPicPr>
-          <p:cNvPr id="5" name="그림 4"/>
-          <p:cNvPicPr>
-            <a:picLocks noChangeAspect="1"/>
-          </p:cNvPicPr>
-          <p:nvPr/>
-        </p:nvPicPr>
-        <p:blipFill rotWithShape="1">
-          <a:blip r:embed="rId2">
-            <a:extLst>
-              <a:ext uri="{28A0092B-C50C-407E-A947-70E740481C1C}">
-                <a14:useLocalDpi xmlns:a14="http://schemas.microsoft.com/office/drawing/2010/main" val="0"/>
-              </a:ext>
-            </a:extLst>
-          </a:blip>
-          <a:srcRect b="31278"/>
-          <a:stretch/>
-        </p:blipFill>
-        <p:spPr>
-          <a:xfrm>
-            <a:off x="1757363" y="1772816"/>
-            <a:ext cx="3695467" cy="2226844"/>
-          </a:xfrm>
-          <a:prstGeom prst="rect">
-            <a:avLst/>
-          </a:prstGeom>
-          <a:ln>
-            <a:solidFill>
-              <a:schemeClr val="bg1">
-                <a:lumMod val="85000"/>
-              </a:schemeClr>
-            </a:solidFill>
-          </a:ln>
-        </p:spPr>
-      </p:pic>
-      <p:pic>
-        <p:nvPicPr>
-          <p:cNvPr id="16" name="그림 15"/>
-          <p:cNvPicPr>
-            <a:picLocks noChangeAspect="1"/>
-          </p:cNvPicPr>
-          <p:nvPr/>
-        </p:nvPicPr>
-        <p:blipFill rotWithShape="1">
-          <a:blip r:embed="rId2">
-            <a:extLst>
-              <a:ext uri="{28A0092B-C50C-407E-A947-70E740481C1C}">
-                <a14:useLocalDpi xmlns:a14="http://schemas.microsoft.com/office/drawing/2010/main" val="0"/>
-              </a:ext>
-            </a:extLst>
-          </a:blip>
-          <a:srcRect t="76027" r="55615"/>
-          <a:stretch/>
-        </p:blipFill>
-        <p:spPr>
-          <a:xfrm>
-            <a:off x="3814664" y="2924944"/>
-            <a:ext cx="1640246" cy="936104"/>
-          </a:xfrm>
-          <a:prstGeom prst="rect">
-            <a:avLst/>
-          </a:prstGeom>
-          <a:ln>
-            <a:solidFill>
-              <a:schemeClr val="bg1">
-                <a:lumMod val="85000"/>
-              </a:schemeClr>
-            </a:solidFill>
-          </a:ln>
-        </p:spPr>
-      </p:pic>
-      <p:cxnSp>
-        <p:nvCxnSpPr>
-          <p:cNvPr id="10" name="직선 화살표 연결선 9"/>
-          <p:cNvCxnSpPr/>
-          <p:nvPr/>
-        </p:nvCxnSpPr>
-        <p:spPr>
-          <a:xfrm flipV="1">
-            <a:off x="5032363" y="3014750"/>
-            <a:ext cx="792089" cy="18206"/>
-          </a:xfrm>
-          <a:prstGeom prst="straightConnector1">
-            <a:avLst/>
-          </a:prstGeom>
-          <a:ln w="12700">
-            <a:solidFill>
-              <a:srgbClr val="C00000"/>
-            </a:solidFill>
-            <a:prstDash val="sysDash"/>
-            <a:tailEnd type="triangle"/>
-          </a:ln>
-        </p:spPr>
-        <p:style>
-          <a:lnRef idx="1">
-            <a:schemeClr val="accent1"/>
-          </a:lnRef>
-          <a:fillRef idx="0">
-            <a:schemeClr val="accent1"/>
-          </a:fillRef>
-          <a:effectRef idx="0">
-            <a:schemeClr val="accent1"/>
-          </a:effectRef>
-          <a:fontRef idx="minor">
-            <a:schemeClr val="tx1"/>
-          </a:fontRef>
-        </p:style>
-      </p:cxnSp>
-      <p:sp>
-        <p:nvSpPr>
-          <p:cNvPr id="11" name="모서리가 둥근 직사각형 10"/>
-          <p:cNvSpPr/>
-          <p:nvPr/>
-        </p:nvSpPr>
-        <p:spPr>
-          <a:xfrm>
-            <a:off x="5892113" y="2852936"/>
-            <a:ext cx="1409867" cy="360040"/>
-          </a:xfrm>
-          <a:prstGeom prst="roundRect">
-            <a:avLst/>
-          </a:prstGeom>
-          <a:ln/>
-        </p:spPr>
-        <p:style>
-          <a:lnRef idx="2">
-            <a:schemeClr val="accent3"/>
-          </a:lnRef>
-          <a:fillRef idx="1">
-            <a:schemeClr val="lt1"/>
-          </a:fillRef>
-          <a:effectRef idx="0">
-            <a:schemeClr val="accent3"/>
-          </a:effectRef>
-          <a:fontRef idx="minor">
-            <a:schemeClr val="dk1"/>
-          </a:fontRef>
-        </p:style>
-        <p:txBody>
-          <a:bodyPr rtlCol="0" anchor="ctr"/>
-          <a:lstStyle/>
-          <a:p>
-            <a:r>
-              <a:rPr lang="ko-KR" altLang="en-US" sz="1600" err="1" smtClean="0">
-                <a:solidFill>
-                  <a:sysClr val="windowText" lastClr="000000"/>
-                </a:solidFill>
-              </a:rPr>
-              <a:t>원소별</a:t>
-            </a:r>
-            <a:r>
-              <a:rPr lang="ko-KR" altLang="en-US" sz="1600" dirty="0" smtClean="0">
-                <a:solidFill>
-                  <a:sysClr val="windowText" lastClr="000000"/>
-                </a:solidFill>
-              </a:rPr>
-              <a:t> 덧셈</a:t>
-            </a:r>
-            <a:endParaRPr lang="ko-KR" altLang="en-US" sz="1600" dirty="0">
-              <a:solidFill>
-                <a:sysClr val="windowText" lastClr="000000"/>
-              </a:solidFill>
-            </a:endParaRPr>
-          </a:p>
-        </p:txBody>
-      </p:sp>
-      <p:cxnSp>
-        <p:nvCxnSpPr>
-          <p:cNvPr id="13" name="직선 화살표 연결선 12"/>
-          <p:cNvCxnSpPr/>
-          <p:nvPr/>
-        </p:nvCxnSpPr>
-        <p:spPr>
-          <a:xfrm flipV="1">
-            <a:off x="5058865" y="3492632"/>
-            <a:ext cx="792089" cy="18206"/>
-          </a:xfrm>
-          <a:prstGeom prst="straightConnector1">
-            <a:avLst/>
-          </a:prstGeom>
-          <a:ln w="12700">
-            <a:solidFill>
-              <a:srgbClr val="C00000"/>
-            </a:solidFill>
-            <a:prstDash val="sysDash"/>
-            <a:tailEnd type="triangle"/>
-          </a:ln>
-        </p:spPr>
-        <p:style>
-          <a:lnRef idx="1">
-            <a:schemeClr val="accent1"/>
-          </a:lnRef>
-          <a:fillRef idx="0">
-            <a:schemeClr val="accent1"/>
-          </a:fillRef>
-          <a:effectRef idx="0">
-            <a:schemeClr val="accent1"/>
-          </a:effectRef>
-          <a:fontRef idx="minor">
-            <a:schemeClr val="tx1"/>
-          </a:fontRef>
-        </p:style>
-      </p:cxnSp>
-      <p:sp>
-        <p:nvSpPr>
-          <p:cNvPr id="15" name="모서리가 둥근 직사각형 14"/>
-          <p:cNvSpPr/>
-          <p:nvPr/>
-        </p:nvSpPr>
-        <p:spPr>
-          <a:xfrm>
-            <a:off x="5918615" y="3330818"/>
-            <a:ext cx="1383365" cy="360040"/>
-          </a:xfrm>
-          <a:prstGeom prst="roundRect">
-            <a:avLst/>
-          </a:prstGeom>
-          <a:ln/>
-        </p:spPr>
-        <p:style>
-          <a:lnRef idx="2">
-            <a:schemeClr val="accent3"/>
-          </a:lnRef>
-          <a:fillRef idx="1">
-            <a:schemeClr val="lt1"/>
-          </a:fillRef>
-          <a:effectRef idx="0">
-            <a:schemeClr val="accent3"/>
-          </a:effectRef>
-          <a:fontRef idx="minor">
-            <a:schemeClr val="dk1"/>
-          </a:fontRef>
-        </p:style>
-        <p:txBody>
-          <a:bodyPr rtlCol="0" anchor="ctr"/>
-          <a:lstStyle/>
-          <a:p>
-            <a:r>
-              <a:rPr lang="ko-KR" altLang="en-US" sz="1600" dirty="0" err="1" smtClean="0">
-                <a:solidFill>
-                  <a:sysClr val="windowText" lastClr="000000"/>
-                </a:solidFill>
-              </a:rPr>
-              <a:t>원소별</a:t>
-            </a:r>
-            <a:r>
-              <a:rPr lang="ko-KR" altLang="en-US" sz="1600" dirty="0" smtClean="0">
-                <a:solidFill>
-                  <a:sysClr val="windowText" lastClr="000000"/>
-                </a:solidFill>
-              </a:rPr>
-              <a:t> 곱셈</a:t>
-            </a:r>
-            <a:endParaRPr lang="ko-KR" altLang="en-US" sz="1600" dirty="0">
-              <a:solidFill>
-                <a:sysClr val="windowText" lastClr="000000"/>
-              </a:solidFill>
-            </a:endParaRPr>
-          </a:p>
-        </p:txBody>
-      </p:sp>
-      <p:pic>
-        <p:nvPicPr>
-          <p:cNvPr id="7" name="그림 6"/>
-          <p:cNvPicPr>
-            <a:picLocks noChangeAspect="1"/>
-          </p:cNvPicPr>
-          <p:nvPr/>
-        </p:nvPicPr>
-        <p:blipFill rotWithShape="1">
-          <a:blip r:embed="rId3">
-            <a:extLst>
-              <a:ext uri="{28A0092B-C50C-407E-A947-70E740481C1C}">
-                <a14:useLocalDpi xmlns:a14="http://schemas.microsoft.com/office/drawing/2010/main" val="0"/>
-              </a:ext>
-            </a:extLst>
-          </a:blip>
-          <a:srcRect b="43074"/>
-          <a:stretch/>
-        </p:blipFill>
-        <p:spPr>
-          <a:xfrm>
-            <a:off x="1757363" y="4254390"/>
-            <a:ext cx="3697547" cy="1100043"/>
-          </a:xfrm>
-          <a:prstGeom prst="rect">
-            <a:avLst/>
-          </a:prstGeom>
-          <a:ln>
-            <a:solidFill>
-              <a:schemeClr val="bg1">
-                <a:lumMod val="85000"/>
-              </a:schemeClr>
-            </a:solidFill>
-          </a:ln>
-        </p:spPr>
-      </p:pic>
-      <p:pic>
-        <p:nvPicPr>
-          <p:cNvPr id="23" name="그림 22"/>
-          <p:cNvPicPr>
-            <a:picLocks noChangeAspect="1"/>
-          </p:cNvPicPr>
-          <p:nvPr/>
-        </p:nvPicPr>
-        <p:blipFill rotWithShape="1">
-          <a:blip r:embed="rId3">
-            <a:extLst>
-              <a:ext uri="{28A0092B-C50C-407E-A947-70E740481C1C}">
-                <a14:useLocalDpi xmlns:a14="http://schemas.microsoft.com/office/drawing/2010/main" val="0"/>
-              </a:ext>
-            </a:extLst>
-          </a:blip>
-          <a:srcRect t="72459" r="60513"/>
-          <a:stretch/>
-        </p:blipFill>
-        <p:spPr>
-          <a:xfrm>
-            <a:off x="3840412" y="4570369"/>
-            <a:ext cx="1889552" cy="711924"/>
-          </a:xfrm>
-          <a:prstGeom prst="rect">
-            <a:avLst/>
-          </a:prstGeom>
-        </p:spPr>
-      </p:pic>
-      <p:cxnSp>
-        <p:nvCxnSpPr>
-          <p:cNvPr id="19" name="직선 화살표 연결선 18"/>
-          <p:cNvCxnSpPr/>
-          <p:nvPr/>
-        </p:nvCxnSpPr>
-        <p:spPr>
-          <a:xfrm>
-            <a:off x="4881623" y="4645904"/>
-            <a:ext cx="1036992" cy="0"/>
-          </a:xfrm>
-          <a:prstGeom prst="straightConnector1">
-            <a:avLst/>
-          </a:prstGeom>
-          <a:ln>
-            <a:tailEnd type="triangle"/>
-          </a:ln>
-        </p:spPr>
-        <p:style>
-          <a:lnRef idx="2">
-            <a:schemeClr val="accent4"/>
-          </a:lnRef>
-          <a:fillRef idx="1">
-            <a:schemeClr val="lt1"/>
-          </a:fillRef>
-          <a:effectRef idx="0">
-            <a:schemeClr val="accent4"/>
-          </a:effectRef>
-          <a:fontRef idx="minor">
-            <a:schemeClr val="dk1"/>
-          </a:fontRef>
-        </p:style>
-      </p:cxnSp>
-      <p:sp>
-        <p:nvSpPr>
-          <p:cNvPr id="20" name="모서리가 둥근 직사각형 19"/>
-          <p:cNvSpPr/>
-          <p:nvPr/>
-        </p:nvSpPr>
-        <p:spPr>
-          <a:xfrm>
-            <a:off x="6103763" y="4444371"/>
-            <a:ext cx="2089597" cy="360040"/>
-          </a:xfrm>
-          <a:prstGeom prst="roundRect">
-            <a:avLst/>
-          </a:prstGeom>
-          <a:ln/>
-        </p:spPr>
-        <p:style>
-          <a:lnRef idx="2">
-            <a:schemeClr val="accent4"/>
-          </a:lnRef>
-          <a:fillRef idx="1">
-            <a:schemeClr val="lt1"/>
-          </a:fillRef>
-          <a:effectRef idx="0">
-            <a:schemeClr val="accent4"/>
-          </a:effectRef>
-          <a:fontRef idx="minor">
-            <a:schemeClr val="dk1"/>
-          </a:fontRef>
-        </p:style>
-        <p:txBody>
-          <a:bodyPr rtlCol="0" anchor="ctr"/>
-          <a:lstStyle/>
-          <a:p>
-            <a:r>
-              <a:rPr lang="en-US" altLang="ko-KR" sz="1600" dirty="0" smtClean="0">
-                <a:solidFill>
-                  <a:sysClr val="windowText" lastClr="000000"/>
-                </a:solidFill>
-              </a:rPr>
-              <a:t>1</a:t>
-            </a:r>
-            <a:r>
-              <a:rPr lang="ko-KR" altLang="en-US" sz="1600" dirty="0" smtClean="0">
-                <a:solidFill>
-                  <a:sysClr val="windowText" lastClr="000000"/>
-                </a:solidFill>
-              </a:rPr>
-              <a:t>차원 배열의 형상</a:t>
-            </a:r>
-            <a:endParaRPr lang="ko-KR" altLang="en-US" sz="1600" dirty="0">
-              <a:solidFill>
-                <a:sysClr val="windowText" lastClr="000000"/>
-              </a:solidFill>
-            </a:endParaRPr>
-          </a:p>
-        </p:txBody>
-      </p:sp>
-      <p:cxnSp>
-        <p:nvCxnSpPr>
-          <p:cNvPr id="21" name="직선 화살표 연결선 20"/>
-          <p:cNvCxnSpPr/>
-          <p:nvPr/>
-        </p:nvCxnSpPr>
-        <p:spPr>
-          <a:xfrm>
-            <a:off x="4954893" y="4959453"/>
-            <a:ext cx="937220" cy="87025"/>
-          </a:xfrm>
-          <a:prstGeom prst="straightConnector1">
-            <a:avLst/>
-          </a:prstGeom>
-          <a:ln>
-            <a:tailEnd type="triangle"/>
-          </a:ln>
-        </p:spPr>
-        <p:style>
-          <a:lnRef idx="2">
-            <a:schemeClr val="accent4"/>
-          </a:lnRef>
-          <a:fillRef idx="1">
-            <a:schemeClr val="lt1"/>
-          </a:fillRef>
-          <a:effectRef idx="0">
-            <a:schemeClr val="accent4"/>
-          </a:effectRef>
-          <a:fontRef idx="minor">
-            <a:schemeClr val="dk1"/>
-          </a:fontRef>
-        </p:style>
-      </p:cxnSp>
-      <p:sp>
-        <p:nvSpPr>
-          <p:cNvPr id="22" name="모서리가 둥근 직사각형 21"/>
-          <p:cNvSpPr/>
-          <p:nvPr/>
-        </p:nvSpPr>
-        <p:spPr>
-          <a:xfrm>
-            <a:off x="6103763" y="4922253"/>
-            <a:ext cx="2953693" cy="360040"/>
-          </a:xfrm>
-          <a:prstGeom prst="roundRect">
-            <a:avLst/>
-          </a:prstGeom>
-          <a:ln/>
-        </p:spPr>
-        <p:style>
-          <a:lnRef idx="2">
-            <a:schemeClr val="accent4"/>
-          </a:lnRef>
-          <a:fillRef idx="1">
-            <a:schemeClr val="lt1"/>
-          </a:fillRef>
-          <a:effectRef idx="0">
-            <a:schemeClr val="accent4"/>
-          </a:effectRef>
-          <a:fontRef idx="minor">
-            <a:schemeClr val="dk1"/>
-          </a:fontRef>
-        </p:style>
-        <p:txBody>
-          <a:bodyPr rtlCol="0" anchor="ctr"/>
-          <a:lstStyle/>
-          <a:p>
-            <a:r>
-              <a:rPr lang="ko-KR" altLang="en-US" sz="1600" dirty="0" smtClean="0">
-                <a:solidFill>
-                  <a:sysClr val="windowText" lastClr="000000"/>
-                </a:solidFill>
-              </a:rPr>
-              <a:t>배열에 담긴 자료의 타입</a:t>
-            </a:r>
-            <a:r>
-              <a:rPr lang="en-US" altLang="ko-KR" sz="1600" dirty="0" smtClean="0">
-                <a:solidFill>
-                  <a:sysClr val="windowText" lastClr="000000"/>
-                </a:solidFill>
-              </a:rPr>
-              <a:t>(type)</a:t>
-            </a:r>
-            <a:endParaRPr lang="ko-KR" altLang="en-US" sz="1600" dirty="0">
-              <a:solidFill>
-                <a:sysClr val="windowText" lastClr="000000"/>
-              </a:solidFill>
-            </a:endParaRPr>
-          </a:p>
-        </p:txBody>
-      </p:sp>
-      <p:sp>
-        <p:nvSpPr>
-          <p:cNvPr id="26" name="모서리가 둥근 직사각형 25"/>
-          <p:cNvSpPr/>
-          <p:nvPr/>
-        </p:nvSpPr>
-        <p:spPr>
-          <a:xfrm>
-            <a:off x="2077041" y="5661248"/>
-            <a:ext cx="5963648" cy="504056"/>
-          </a:xfrm>
-          <a:prstGeom prst="roundRect">
-            <a:avLst/>
-          </a:prstGeom>
-          <a:ln/>
-        </p:spPr>
-        <p:style>
-          <a:lnRef idx="2">
-            <a:schemeClr val="accent4"/>
-          </a:lnRef>
-          <a:fillRef idx="1">
-            <a:schemeClr val="lt1"/>
-          </a:fillRef>
-          <a:effectRef idx="0">
-            <a:schemeClr val="accent4"/>
-          </a:effectRef>
-          <a:fontRef idx="minor">
-            <a:schemeClr val="dk1"/>
-          </a:fontRef>
-        </p:style>
-        <p:txBody>
-          <a:bodyPr rtlCol="0" anchor="ctr"/>
-          <a:lstStyle/>
-          <a:p>
-            <a:r>
-              <a:rPr lang="en-US" altLang="ko-KR" sz="1600" dirty="0" smtClean="0">
-                <a:solidFill>
-                  <a:sysClr val="windowText" lastClr="000000"/>
-                </a:solidFill>
-              </a:rPr>
-              <a:t>1</a:t>
-            </a:r>
-            <a:r>
-              <a:rPr lang="ko-KR" altLang="en-US" sz="1600" dirty="0" smtClean="0">
-                <a:solidFill>
-                  <a:sysClr val="windowText" lastClr="000000"/>
-                </a:solidFill>
-              </a:rPr>
-              <a:t>차원 배열과 수치 하나</a:t>
-            </a:r>
-            <a:r>
-              <a:rPr lang="en-US" altLang="ko-KR" sz="1600" dirty="0" smtClean="0">
-                <a:solidFill>
-                  <a:sysClr val="windowText" lastClr="000000"/>
-                </a:solidFill>
-              </a:rPr>
-              <a:t>(</a:t>
-            </a:r>
-            <a:r>
-              <a:rPr lang="ko-KR" altLang="en-US" sz="1600" dirty="0" err="1" smtClean="0">
-                <a:solidFill>
-                  <a:sysClr val="windowText" lastClr="000000"/>
-                </a:solidFill>
-              </a:rPr>
-              <a:t>스칼라값</a:t>
-            </a:r>
-            <a:r>
-              <a:rPr lang="en-US" altLang="ko-KR" sz="1600" dirty="0" smtClean="0">
-                <a:solidFill>
-                  <a:sysClr val="windowText" lastClr="000000"/>
-                </a:solidFill>
-              </a:rPr>
-              <a:t>)</a:t>
-            </a:r>
-            <a:r>
-              <a:rPr lang="ko-KR" altLang="en-US" sz="1600" dirty="0" smtClean="0">
-                <a:solidFill>
-                  <a:sysClr val="windowText" lastClr="000000"/>
-                </a:solidFill>
-              </a:rPr>
-              <a:t>의 조합으로 산술연산 수행</a:t>
-            </a:r>
-            <a:endParaRPr lang="ko-KR" altLang="en-US" sz="1600" dirty="0">
-              <a:solidFill>
-                <a:sysClr val="windowText" lastClr="000000"/>
-              </a:solidFill>
-            </a:endParaRPr>
-          </a:p>
-        </p:txBody>
-      </p:sp>
-      <p:cxnSp>
-        <p:nvCxnSpPr>
-          <p:cNvPr id="27" name="직선 화살표 연결선 26"/>
-          <p:cNvCxnSpPr/>
-          <p:nvPr/>
-        </p:nvCxnSpPr>
-        <p:spPr>
-          <a:xfrm>
-            <a:off x="3248209" y="5360702"/>
-            <a:ext cx="357927" cy="300546"/>
-          </a:xfrm>
-          <a:prstGeom prst="straightConnector1">
-            <a:avLst/>
-          </a:prstGeom>
-          <a:ln w="12700">
-            <a:solidFill>
-              <a:srgbClr val="C00000"/>
-            </a:solidFill>
-            <a:prstDash val="sysDash"/>
-            <a:tailEnd type="triangle"/>
-          </a:ln>
-        </p:spPr>
-        <p:style>
-          <a:lnRef idx="1">
-            <a:schemeClr val="accent1"/>
-          </a:lnRef>
-          <a:fillRef idx="0">
-            <a:schemeClr val="accent1"/>
-          </a:fillRef>
-          <a:effectRef idx="0">
-            <a:schemeClr val="accent1"/>
-          </a:effectRef>
-          <a:fontRef idx="minor">
-            <a:schemeClr val="tx1"/>
-          </a:fontRef>
-        </p:style>
-      </p:cxnSp>
-    </p:spTree>
-    <p:extLst>
-      <p:ext uri="{BB962C8B-B14F-4D97-AF65-F5344CB8AC3E}">
-        <p14:creationId xmlns:p14="http://schemas.microsoft.com/office/powerpoint/2010/main" val="17325962"/>
-      </p:ext>
-    </p:extLst>
-  </p:cSld>
-  <p:clrMapOvr>
-    <a:masterClrMapping/>
-  </p:clrMapOvr>
-  <p:timing>
-    <p:tnLst>
-      <p:par>
-        <p:cTn id="1" dur="indefinite" restart="never" nodeType="tmRoot"/>
-      </p:par>
-    </p:tnLst>
-  </p:timing>
-</p:sld>
-</file>
-
-<file path=ppt/slides/slide36.xml><?xml version="1.0" encoding="utf-8"?>
-<p:sld xmlns:a="http://schemas.openxmlformats.org/drawingml/2006/main" xmlns:r="http://schemas.openxmlformats.org/officeDocument/2006/relationships" xmlns:p="http://schemas.openxmlformats.org/presentationml/2006/main">
-  <p:cSld>
-    <p:spTree>
-      <p:nvGrpSpPr>
-        <p:cNvPr id="1" name=""/>
-        <p:cNvGrpSpPr/>
-        <p:nvPr/>
-      </p:nvGrpSpPr>
-      <p:grpSpPr>
-        <a:xfrm>
-          <a:off x="0" y="0"/>
-          <a:ext cx="0" cy="0"/>
-          <a:chOff x="0" y="0"/>
-          <a:chExt cx="0" cy="0"/>
-        </a:xfrm>
-      </p:grpSpPr>
-      <p:sp>
-        <p:nvSpPr>
-          <p:cNvPr id="2" name="제목 1"/>
-          <p:cNvSpPr>
-            <a:spLocks noGrp="1"/>
-          </p:cNvSpPr>
-          <p:nvPr>
-            <p:ph type="title"/>
-          </p:nvPr>
-        </p:nvSpPr>
-        <p:spPr/>
-        <p:txBody>
-          <a:bodyPr>
-            <a:normAutofit/>
-          </a:bodyPr>
-          <a:lstStyle/>
-          <a:p>
-            <a:r>
-              <a:rPr lang="en-US" altLang="ko-KR" sz="2800" dirty="0"/>
-              <a:t> </a:t>
-            </a:r>
-            <a:r>
-              <a:rPr lang="en-US" altLang="ko-KR" sz="2800" dirty="0" err="1" smtClean="0"/>
-              <a:t>numpy</a:t>
-            </a:r>
-            <a:r>
-              <a:rPr lang="en-US" altLang="ko-KR" sz="2800" dirty="0" smtClean="0"/>
-              <a:t> </a:t>
-            </a:r>
-            <a:r>
-              <a:rPr lang="ko-KR" altLang="en-US" sz="2800" dirty="0" smtClean="0"/>
-              <a:t>모듈 응용 예제</a:t>
-            </a:r>
-            <a:endParaRPr lang="ko-KR" altLang="en-US" sz="2800" dirty="0"/>
-          </a:p>
-        </p:txBody>
-      </p:sp>
-      <p:sp>
-        <p:nvSpPr>
-          <p:cNvPr id="4" name="슬라이드 번호 개체 틀 3"/>
-          <p:cNvSpPr>
-            <a:spLocks noGrp="1"/>
-          </p:cNvSpPr>
-          <p:nvPr>
-            <p:ph type="sldNum" sz="quarter" idx="12"/>
-          </p:nvPr>
-        </p:nvSpPr>
-        <p:spPr/>
-        <p:txBody>
-          <a:bodyPr/>
-          <a:lstStyle/>
-          <a:p>
-            <a:fld id="{1BDE3FE7-3AEA-4B05-AC5A-802D1816ACF0}" type="slidenum">
-              <a:rPr lang="ko-KR" altLang="en-US" smtClean="0"/>
-              <a:t>36</a:t>
-            </a:fld>
-            <a:endParaRPr lang="ko-KR" altLang="en-US"/>
-          </a:p>
-        </p:txBody>
-      </p:sp>
-      <p:pic>
-        <p:nvPicPr>
-          <p:cNvPr id="5" name="그림 4"/>
-          <p:cNvPicPr>
-            <a:picLocks noChangeAspect="1"/>
-          </p:cNvPicPr>
-          <p:nvPr/>
-        </p:nvPicPr>
-        <p:blipFill>
-          <a:blip r:embed="rId2">
-            <a:extLst>
-              <a:ext uri="{28A0092B-C50C-407E-A947-70E740481C1C}">
-                <a14:useLocalDpi xmlns:a14="http://schemas.microsoft.com/office/drawing/2010/main" val="0"/>
-              </a:ext>
-            </a:extLst>
-          </a:blip>
-          <a:stretch>
-            <a:fillRect/>
-          </a:stretch>
-        </p:blipFill>
-        <p:spPr>
-          <a:xfrm>
-            <a:off x="1496616" y="2924944"/>
-            <a:ext cx="7353488" cy="3384376"/>
-          </a:xfrm>
-          <a:prstGeom prst="rect">
-            <a:avLst/>
-          </a:prstGeom>
-          <a:ln>
-            <a:solidFill>
-              <a:schemeClr val="bg1">
-                <a:lumMod val="75000"/>
-              </a:schemeClr>
-            </a:solidFill>
-          </a:ln>
-        </p:spPr>
-      </p:pic>
-      <p:pic>
-        <p:nvPicPr>
-          <p:cNvPr id="6" name="그림 5"/>
-          <p:cNvPicPr>
-            <a:picLocks noChangeAspect="1"/>
-          </p:cNvPicPr>
-          <p:nvPr/>
-        </p:nvPicPr>
-        <p:blipFill>
-          <a:blip r:embed="rId3">
-            <a:extLst>
-              <a:ext uri="{28A0092B-C50C-407E-A947-70E740481C1C}">
-                <a14:useLocalDpi xmlns:a14="http://schemas.microsoft.com/office/drawing/2010/main" val="0"/>
-              </a:ext>
-            </a:extLst>
-          </a:blip>
-          <a:stretch>
-            <a:fillRect/>
-          </a:stretch>
-        </p:blipFill>
-        <p:spPr>
-          <a:xfrm>
-            <a:off x="5241032" y="1484784"/>
-            <a:ext cx="3240361" cy="2053750"/>
-          </a:xfrm>
-          <a:prstGeom prst="rect">
-            <a:avLst/>
-          </a:prstGeom>
-          <a:ln>
-            <a:solidFill>
-              <a:schemeClr val="bg1">
-                <a:lumMod val="85000"/>
-              </a:schemeClr>
-            </a:solidFill>
-          </a:ln>
-        </p:spPr>
-      </p:pic>
-      <p:sp>
-        <p:nvSpPr>
-          <p:cNvPr id="7" name="TextBox 6"/>
-          <p:cNvSpPr txBox="1"/>
-          <p:nvPr/>
-        </p:nvSpPr>
-        <p:spPr>
-          <a:xfrm>
-            <a:off x="986559" y="1196752"/>
-            <a:ext cx="3534393" cy="443198"/>
-          </a:xfrm>
-          <a:prstGeom prst="rect">
-            <a:avLst/>
-          </a:prstGeom>
-          <a:noFill/>
-          <a:ln>
-            <a:noFill/>
-          </a:ln>
-        </p:spPr>
-        <p:style>
-          <a:lnRef idx="1">
-            <a:schemeClr val="accent3"/>
-          </a:lnRef>
-          <a:fillRef idx="2">
-            <a:schemeClr val="accent3"/>
-          </a:fillRef>
-          <a:effectRef idx="1">
-            <a:schemeClr val="accent3"/>
-          </a:effectRef>
-          <a:fontRef idx="minor">
-            <a:schemeClr val="dk1"/>
-          </a:fontRef>
-        </p:style>
-        <p:txBody>
-          <a:bodyPr wrap="square" rtlCol="0">
-            <a:spAutoFit/>
-          </a:bodyPr>
-          <a:lstStyle/>
-          <a:p>
-            <a:pPr marL="342900" indent="-342900">
-              <a:lnSpc>
-                <a:spcPct val="150000"/>
-              </a:lnSpc>
-              <a:buFont typeface="Wingdings" panose="05000000000000000000" pitchFamily="2" charset="2"/>
-              <a:buChar char="l"/>
-            </a:pPr>
-            <a:r>
-              <a:rPr lang="en-US" altLang="ko-KR" dirty="0" smtClean="0">
-                <a:latin typeface="돋움" panose="020B0600000101010101" pitchFamily="50" charset="-127"/>
-                <a:ea typeface="돋움" panose="020B0600000101010101" pitchFamily="50" charset="-127"/>
-              </a:rPr>
-              <a:t>2019</a:t>
-            </a:r>
-            <a:r>
-              <a:rPr lang="ko-KR" altLang="en-US" dirty="0" smtClean="0">
-                <a:latin typeface="돋움" panose="020B0600000101010101" pitchFamily="50" charset="-127"/>
-                <a:ea typeface="돋움" panose="020B0600000101010101" pitchFamily="50" charset="-127"/>
-              </a:rPr>
-              <a:t>년 프로야구 성적표</a:t>
-            </a:r>
-            <a:endParaRPr lang="en-US" altLang="ko-KR" dirty="0" smtClean="0">
-              <a:latin typeface="돋움" panose="020B0600000101010101" pitchFamily="50" charset="-127"/>
-              <a:ea typeface="돋움" panose="020B0600000101010101" pitchFamily="50" charset="-127"/>
-            </a:endParaRPr>
-          </a:p>
-        </p:txBody>
-      </p:sp>
-    </p:spTree>
-    <p:extLst>
-      <p:ext uri="{BB962C8B-B14F-4D97-AF65-F5344CB8AC3E}">
-        <p14:creationId xmlns:p14="http://schemas.microsoft.com/office/powerpoint/2010/main" val="785353192"/>
-      </p:ext>
-    </p:extLst>
-  </p:cSld>
-  <p:clrMapOvr>
-    <a:masterClrMapping/>
-  </p:clrMapOvr>
-  <p:timing>
-    <p:tnLst>
-      <p:par>
-        <p:cTn id="1" dur="indefinite" restart="never" nodeType="tmRoot"/>
-      </p:par>
-    </p:tnLst>
-  </p:timing>
-</p:sld>
-</file>
-
-<file path=ppt/slides/slide37.xml><?xml version="1.0" encoding="utf-8"?>
-<p:sld xmlns:a="http://schemas.openxmlformats.org/drawingml/2006/main" xmlns:r="http://schemas.openxmlformats.org/officeDocument/2006/relationships" xmlns:p="http://schemas.openxmlformats.org/presentationml/2006/main">
-  <p:cSld>
-    <p:spTree>
-      <p:nvGrpSpPr>
-        <p:cNvPr id="1" name=""/>
-        <p:cNvGrpSpPr/>
-        <p:nvPr/>
-      </p:nvGrpSpPr>
-      <p:grpSpPr>
-        <a:xfrm>
-          <a:off x="0" y="0"/>
-          <a:ext cx="0" cy="0"/>
-          <a:chOff x="0" y="0"/>
-          <a:chExt cx="0" cy="0"/>
-        </a:xfrm>
-      </p:grpSpPr>
-      <p:sp>
-        <p:nvSpPr>
-          <p:cNvPr id="4" name="슬라이드 번호 개체 틀 3"/>
-          <p:cNvSpPr>
-            <a:spLocks noGrp="1"/>
-          </p:cNvSpPr>
-          <p:nvPr>
-            <p:ph type="sldNum" sz="quarter" idx="12"/>
-          </p:nvPr>
-        </p:nvSpPr>
-        <p:spPr/>
-        <p:txBody>
-          <a:bodyPr/>
-          <a:lstStyle/>
-          <a:p>
-            <a:fld id="{1BDE3FE7-3AEA-4B05-AC5A-802D1816ACF0}" type="slidenum">
-              <a:rPr lang="ko-KR" altLang="en-US" smtClean="0"/>
-              <a:t>37</a:t>
-            </a:fld>
-            <a:endParaRPr lang="ko-KR" altLang="en-US"/>
-          </a:p>
-        </p:txBody>
-      </p:sp>
-      <p:sp>
-        <p:nvSpPr>
-          <p:cNvPr id="8" name="제목 1"/>
-          <p:cNvSpPr txBox="1">
-            <a:spLocks/>
-          </p:cNvSpPr>
-          <p:nvPr/>
-        </p:nvSpPr>
-        <p:spPr>
-          <a:xfrm>
-            <a:off x="696077" y="188640"/>
-            <a:ext cx="6201139" cy="854968"/>
-          </a:xfrm>
-          <a:prstGeom prst="rect">
-            <a:avLst/>
-          </a:prstGeom>
-        </p:spPr>
-        <p:txBody>
-          <a:bodyPr vert="horz" lIns="91440" tIns="45720" rIns="91440" bIns="45720" rtlCol="0" anchor="ctr">
-            <a:normAutofit/>
-          </a:bodyPr>
-          <a:lstStyle>
-            <a:lvl1pPr algn="l" defTabSz="914400" rtl="0" eaLnBrk="1" latinLnBrk="1" hangingPunct="1">
-              <a:spcBef>
-                <a:spcPct val="0"/>
-              </a:spcBef>
-              <a:buNone/>
-              <a:defRPr sz="3200" kern="1200">
-                <a:solidFill>
-                  <a:sysClr val="windowText" lastClr="000000"/>
-                </a:solidFill>
-                <a:latin typeface="휴먼엑스포" panose="02030504000101010101" pitchFamily="18" charset="-127"/>
-                <a:ea typeface="휴먼엑스포" panose="02030504000101010101" pitchFamily="18" charset="-127"/>
-                <a:cs typeface="+mj-cs"/>
-              </a:defRPr>
-            </a:lvl1pPr>
-          </a:lstStyle>
-          <a:p>
-            <a:r>
-              <a:rPr lang="en-US" altLang="ko-KR" dirty="0" smtClean="0"/>
-              <a:t> </a:t>
-            </a:r>
-            <a:r>
-              <a:rPr lang="en-US" altLang="ko-KR" dirty="0" err="1" smtClean="0"/>
-              <a:t>Numpy</a:t>
-            </a:r>
-            <a:r>
-              <a:rPr lang="ko-KR" altLang="en-US" dirty="0" smtClean="0"/>
-              <a:t>의 </a:t>
-            </a:r>
-            <a:r>
-              <a:rPr lang="en-US" altLang="ko-KR" dirty="0" smtClean="0"/>
-              <a:t>N</a:t>
-            </a:r>
-            <a:r>
-              <a:rPr lang="ko-KR" altLang="en-US" dirty="0" smtClean="0"/>
-              <a:t>차원 배열</a:t>
-            </a:r>
-            <a:r>
-              <a:rPr lang="en-US" altLang="ko-KR" dirty="0" smtClean="0"/>
-              <a:t> </a:t>
-            </a:r>
-            <a:r>
-              <a:rPr lang="ko-KR" altLang="en-US" dirty="0" smtClean="0"/>
-              <a:t> </a:t>
-            </a:r>
-            <a:endParaRPr lang="ko-KR" altLang="en-US" dirty="0"/>
-          </a:p>
-        </p:txBody>
-      </p:sp>
-      <p:sp>
-        <p:nvSpPr>
-          <p:cNvPr id="6" name="TextBox 5"/>
-          <p:cNvSpPr txBox="1"/>
-          <p:nvPr/>
-        </p:nvSpPr>
-        <p:spPr>
-          <a:xfrm>
-            <a:off x="938238" y="1344441"/>
-            <a:ext cx="8767290" cy="1200329"/>
-          </a:xfrm>
-          <a:prstGeom prst="rect">
-            <a:avLst/>
-          </a:prstGeom>
-          <a:noFill/>
-          <a:ln>
-            <a:noFill/>
-          </a:ln>
-        </p:spPr>
-        <p:style>
-          <a:lnRef idx="1">
-            <a:schemeClr val="accent3"/>
-          </a:lnRef>
-          <a:fillRef idx="2">
-            <a:schemeClr val="accent3"/>
-          </a:fillRef>
-          <a:effectRef idx="1">
-            <a:schemeClr val="accent3"/>
-          </a:effectRef>
-          <a:fontRef idx="minor">
-            <a:schemeClr val="dk1"/>
-          </a:fontRef>
-        </p:style>
-        <p:txBody>
-          <a:bodyPr wrap="square" rtlCol="0">
-            <a:spAutoFit/>
-          </a:bodyPr>
-          <a:lstStyle/>
-          <a:p>
-            <a:pPr marL="342900" indent="-342900">
-              <a:buFont typeface="Wingdings" panose="05000000000000000000" pitchFamily="2" charset="2"/>
-              <a:buChar char="v"/>
-            </a:pPr>
-            <a:r>
-              <a:rPr lang="ko-KR" altLang="en-US" dirty="0" err="1" smtClean="0">
-                <a:latin typeface="돋움" panose="020B0600000101010101" pitchFamily="50" charset="-127"/>
-                <a:ea typeface="돋움" panose="020B0600000101010101" pitchFamily="50" charset="-127"/>
-              </a:rPr>
-              <a:t>넘파이의</a:t>
-            </a:r>
-            <a:r>
-              <a:rPr lang="ko-KR" altLang="en-US" dirty="0" smtClean="0">
-                <a:latin typeface="돋움" panose="020B0600000101010101" pitchFamily="50" charset="-127"/>
-                <a:ea typeface="돋움" panose="020B0600000101010101" pitchFamily="50" charset="-127"/>
-              </a:rPr>
-              <a:t> </a:t>
-            </a:r>
-            <a:r>
-              <a:rPr lang="en-US" altLang="ko-KR" dirty="0" smtClean="0">
-                <a:latin typeface="돋움" panose="020B0600000101010101" pitchFamily="50" charset="-127"/>
-                <a:ea typeface="돋움" panose="020B0600000101010101" pitchFamily="50" charset="-127"/>
-              </a:rPr>
-              <a:t>N</a:t>
-            </a:r>
-            <a:r>
-              <a:rPr lang="ko-KR" altLang="en-US" dirty="0" smtClean="0">
-                <a:latin typeface="돋움" panose="020B0600000101010101" pitchFamily="50" charset="-127"/>
-                <a:ea typeface="돋움" panose="020B0600000101010101" pitchFamily="50" charset="-127"/>
-              </a:rPr>
-              <a:t>차원 배열</a:t>
-            </a:r>
-            <a:endParaRPr lang="en-US" altLang="ko-KR" dirty="0" smtClean="0">
-              <a:latin typeface="돋움" panose="020B0600000101010101" pitchFamily="50" charset="-127"/>
-              <a:ea typeface="돋움" panose="020B0600000101010101" pitchFamily="50" charset="-127"/>
-            </a:endParaRPr>
-          </a:p>
-          <a:p>
-            <a:pPr marL="800100" lvl="1" indent="-342900">
-              <a:buFont typeface="Wingdings" panose="05000000000000000000" pitchFamily="2" charset="2"/>
-              <a:buChar char="§"/>
-            </a:pPr>
-            <a:r>
-              <a:rPr lang="en-US" altLang="ko-KR" dirty="0" smtClean="0">
-                <a:solidFill>
-                  <a:schemeClr val="tx1"/>
-                </a:solidFill>
-                <a:latin typeface="돋움" panose="020B0600000101010101" pitchFamily="50" charset="-127"/>
-                <a:ea typeface="돋움" panose="020B0600000101010101" pitchFamily="50" charset="-127"/>
-              </a:rPr>
-              <a:t>1</a:t>
-            </a:r>
-            <a:r>
-              <a:rPr lang="ko-KR" altLang="en-US" dirty="0" smtClean="0">
-                <a:solidFill>
-                  <a:schemeClr val="tx1"/>
-                </a:solidFill>
-                <a:latin typeface="돋움" panose="020B0600000101010101" pitchFamily="50" charset="-127"/>
-                <a:ea typeface="돋움" panose="020B0600000101010101" pitchFamily="50" charset="-127"/>
-              </a:rPr>
-              <a:t>차원 배열은 벡터</a:t>
-            </a:r>
-            <a:r>
-              <a:rPr lang="en-US" altLang="ko-KR" dirty="0" smtClean="0">
-                <a:solidFill>
-                  <a:schemeClr val="tx1"/>
-                </a:solidFill>
-                <a:latin typeface="돋움" panose="020B0600000101010101" pitchFamily="50" charset="-127"/>
-                <a:ea typeface="돋움" panose="020B0600000101010101" pitchFamily="50" charset="-127"/>
-              </a:rPr>
-              <a:t>(vector)</a:t>
-            </a:r>
-            <a:r>
-              <a:rPr lang="ko-KR" altLang="en-US" dirty="0" smtClean="0">
-                <a:solidFill>
-                  <a:schemeClr val="tx1"/>
-                </a:solidFill>
-                <a:latin typeface="돋움" panose="020B0600000101010101" pitchFamily="50" charset="-127"/>
-                <a:ea typeface="돋움" panose="020B0600000101010101" pitchFamily="50" charset="-127"/>
-              </a:rPr>
-              <a:t>라 함</a:t>
-            </a:r>
-            <a:endParaRPr lang="en-US" altLang="ko-KR" dirty="0">
-              <a:solidFill>
-                <a:schemeClr val="tx1"/>
-              </a:solidFill>
-              <a:latin typeface="돋움" panose="020B0600000101010101" pitchFamily="50" charset="-127"/>
-              <a:ea typeface="돋움" panose="020B0600000101010101" pitchFamily="50" charset="-127"/>
-            </a:endParaRPr>
-          </a:p>
-          <a:p>
-            <a:pPr marL="800100" lvl="1" indent="-342900">
-              <a:buFont typeface="Wingdings" panose="05000000000000000000" pitchFamily="2" charset="2"/>
-              <a:buChar char="§"/>
-            </a:pPr>
-            <a:r>
-              <a:rPr lang="en-US" altLang="ko-KR" b="1" dirty="0" smtClean="0">
-                <a:latin typeface="돋움" panose="020B0600000101010101" pitchFamily="50" charset="-127"/>
-                <a:ea typeface="돋움" panose="020B0600000101010101" pitchFamily="50" charset="-127"/>
-              </a:rPr>
-              <a:t>2</a:t>
-            </a:r>
-            <a:r>
-              <a:rPr lang="ko-KR" altLang="en-US" b="1" dirty="0" smtClean="0">
-                <a:latin typeface="돋움" panose="020B0600000101010101" pitchFamily="50" charset="-127"/>
-                <a:ea typeface="돋움" panose="020B0600000101010101" pitchFamily="50" charset="-127"/>
-              </a:rPr>
-              <a:t>차원 배열은 행렬</a:t>
-            </a:r>
-            <a:r>
-              <a:rPr lang="en-US" altLang="ko-KR" b="1" dirty="0" smtClean="0">
-                <a:latin typeface="돋움" panose="020B0600000101010101" pitchFamily="50" charset="-127"/>
-                <a:ea typeface="돋움" panose="020B0600000101010101" pitchFamily="50" charset="-127"/>
-              </a:rPr>
-              <a:t>(matrix)</a:t>
-            </a:r>
-            <a:r>
-              <a:rPr lang="ko-KR" altLang="en-US" b="1" dirty="0" smtClean="0">
-                <a:latin typeface="돋움" panose="020B0600000101010101" pitchFamily="50" charset="-127"/>
-                <a:ea typeface="돋움" panose="020B0600000101010101" pitchFamily="50" charset="-127"/>
-              </a:rPr>
-              <a:t> </a:t>
-            </a:r>
-            <a:r>
-              <a:rPr lang="en-US" altLang="ko-KR" b="1" dirty="0" smtClean="0">
-                <a:latin typeface="돋움" panose="020B0600000101010101" pitchFamily="50" charset="-127"/>
-                <a:ea typeface="돋움" panose="020B0600000101010101" pitchFamily="50" charset="-127"/>
-              </a:rPr>
-              <a:t>– </a:t>
-            </a:r>
-            <a:r>
-              <a:rPr lang="ko-KR" altLang="en-US" b="1" dirty="0" smtClean="0">
-                <a:latin typeface="돋움" panose="020B0600000101010101" pitchFamily="50" charset="-127"/>
-                <a:ea typeface="돋움" panose="020B0600000101010101" pitchFamily="50" charset="-127"/>
-              </a:rPr>
-              <a:t>수</a:t>
-            </a:r>
-            <a:r>
-              <a:rPr lang="en-US" altLang="ko-KR" b="1" dirty="0" smtClean="0">
-                <a:latin typeface="돋움" panose="020B0600000101010101" pitchFamily="50" charset="-127"/>
-                <a:ea typeface="돋움" panose="020B0600000101010101" pitchFamily="50" charset="-127"/>
-              </a:rPr>
-              <a:t>, </a:t>
-            </a:r>
-            <a:r>
-              <a:rPr lang="ko-KR" altLang="en-US" b="1" dirty="0" smtClean="0">
-                <a:latin typeface="돋움" panose="020B0600000101010101" pitchFamily="50" charset="-127"/>
-                <a:ea typeface="돋움" panose="020B0600000101010101" pitchFamily="50" charset="-127"/>
-              </a:rPr>
-              <a:t>또는 문자를 </a:t>
-            </a:r>
-            <a:r>
-              <a:rPr lang="ko-KR" altLang="en-US" b="1" dirty="0" err="1" smtClean="0">
-                <a:latin typeface="돋움" panose="020B0600000101010101" pitchFamily="50" charset="-127"/>
-                <a:ea typeface="돋움" panose="020B0600000101010101" pitchFamily="50" charset="-127"/>
-              </a:rPr>
-              <a:t>괄호안에</a:t>
-            </a:r>
-            <a:r>
-              <a:rPr lang="ko-KR" altLang="en-US" b="1" dirty="0" smtClean="0">
-                <a:latin typeface="돋움" panose="020B0600000101010101" pitchFamily="50" charset="-127"/>
-                <a:ea typeface="돋움" panose="020B0600000101010101" pitchFamily="50" charset="-127"/>
-              </a:rPr>
-              <a:t> 직사각형 형태로 배열 </a:t>
-            </a:r>
-            <a:endParaRPr lang="en-US" altLang="ko-KR" b="1" dirty="0" smtClean="0">
-              <a:latin typeface="돋움" panose="020B0600000101010101" pitchFamily="50" charset="-127"/>
-              <a:ea typeface="돋움" panose="020B0600000101010101" pitchFamily="50" charset="-127"/>
-            </a:endParaRPr>
-          </a:p>
-          <a:p>
-            <a:pPr marL="800100" lvl="1" indent="-342900">
-              <a:buFont typeface="Wingdings" panose="05000000000000000000" pitchFamily="2" charset="2"/>
-              <a:buChar char="§"/>
-            </a:pPr>
-            <a:r>
-              <a:rPr lang="en-US" altLang="ko-KR" dirty="0" smtClean="0">
-                <a:latin typeface="돋움" panose="020B0600000101010101" pitchFamily="50" charset="-127"/>
-                <a:ea typeface="돋움" panose="020B0600000101010101" pitchFamily="50" charset="-127"/>
-              </a:rPr>
-              <a:t>3</a:t>
-            </a:r>
-            <a:r>
-              <a:rPr lang="ko-KR" altLang="en-US" dirty="0" smtClean="0">
-                <a:latin typeface="돋움" panose="020B0600000101010101" pitchFamily="50" charset="-127"/>
-                <a:ea typeface="돋움" panose="020B0600000101010101" pitchFamily="50" charset="-127"/>
-              </a:rPr>
-              <a:t>차원 배열은 </a:t>
-            </a:r>
-            <a:r>
-              <a:rPr lang="ko-KR" altLang="en-US" dirty="0" err="1" smtClean="0">
-                <a:latin typeface="돋움" panose="020B0600000101010101" pitchFamily="50" charset="-127"/>
-                <a:ea typeface="돋움" panose="020B0600000101010101" pitchFamily="50" charset="-127"/>
-              </a:rPr>
-              <a:t>텐서</a:t>
-            </a:r>
-            <a:r>
-              <a:rPr lang="en-US" altLang="ko-KR" dirty="0" smtClean="0">
-                <a:latin typeface="돋움" panose="020B0600000101010101" pitchFamily="50" charset="-127"/>
-                <a:ea typeface="돋움" panose="020B0600000101010101" pitchFamily="50" charset="-127"/>
-              </a:rPr>
-              <a:t>(tensor)</a:t>
-            </a:r>
-            <a:r>
-              <a:rPr lang="ko-KR" altLang="en-US" dirty="0" smtClean="0">
-                <a:latin typeface="돋움" panose="020B0600000101010101" pitchFamily="50" charset="-127"/>
-                <a:ea typeface="돋움" panose="020B0600000101010101" pitchFamily="50" charset="-127"/>
-              </a:rPr>
-              <a:t>라고 함</a:t>
-            </a:r>
-            <a:endParaRPr lang="en-US" altLang="ko-KR" dirty="0" smtClean="0">
-              <a:latin typeface="돋움" panose="020B0600000101010101" pitchFamily="50" charset="-127"/>
-              <a:ea typeface="돋움" panose="020B0600000101010101" pitchFamily="50" charset="-127"/>
-            </a:endParaRPr>
-          </a:p>
-        </p:txBody>
-      </p:sp>
-      <p:pic>
-        <p:nvPicPr>
-          <p:cNvPr id="2" name="그림 1"/>
-          <p:cNvPicPr>
-            <a:picLocks noChangeAspect="1"/>
-          </p:cNvPicPr>
-          <p:nvPr/>
-        </p:nvPicPr>
-        <p:blipFill rotWithShape="1">
-          <a:blip r:embed="rId2">
-            <a:extLst>
-              <a:ext uri="{28A0092B-C50C-407E-A947-70E740481C1C}">
-                <a14:useLocalDpi xmlns:a14="http://schemas.microsoft.com/office/drawing/2010/main" val="0"/>
-              </a:ext>
-            </a:extLst>
-          </a:blip>
-          <a:srcRect b="41347"/>
-          <a:stretch/>
-        </p:blipFill>
-        <p:spPr>
-          <a:xfrm>
-            <a:off x="1496616" y="2708920"/>
-            <a:ext cx="3179920" cy="2088232"/>
-          </a:xfrm>
-          <a:prstGeom prst="rect">
-            <a:avLst/>
-          </a:prstGeom>
-          <a:ln>
-            <a:solidFill>
-              <a:schemeClr val="bg1">
-                <a:lumMod val="85000"/>
-              </a:schemeClr>
-            </a:solidFill>
-          </a:ln>
-        </p:spPr>
-      </p:pic>
-      <p:pic>
-        <p:nvPicPr>
-          <p:cNvPr id="10" name="그림 9"/>
-          <p:cNvPicPr>
-            <a:picLocks noChangeAspect="1"/>
-          </p:cNvPicPr>
-          <p:nvPr/>
-        </p:nvPicPr>
-        <p:blipFill rotWithShape="1">
-          <a:blip r:embed="rId2">
-            <a:extLst>
-              <a:ext uri="{28A0092B-C50C-407E-A947-70E740481C1C}">
-                <a14:useLocalDpi xmlns:a14="http://schemas.microsoft.com/office/drawing/2010/main" val="0"/>
-              </a:ext>
-            </a:extLst>
-          </a:blip>
-          <a:srcRect l="-1" t="64160" r="70454" b="17920"/>
-          <a:stretch/>
-        </p:blipFill>
-        <p:spPr>
-          <a:xfrm>
-            <a:off x="3554734" y="2972430"/>
-            <a:ext cx="1099005" cy="780606"/>
-          </a:xfrm>
-          <a:prstGeom prst="rect">
-            <a:avLst/>
-          </a:prstGeom>
-          <a:ln>
-            <a:noFill/>
-          </a:ln>
-        </p:spPr>
-      </p:pic>
-      <p:pic>
-        <p:nvPicPr>
-          <p:cNvPr id="11" name="그림 10"/>
-          <p:cNvPicPr>
-            <a:picLocks noChangeAspect="1"/>
-          </p:cNvPicPr>
-          <p:nvPr/>
-        </p:nvPicPr>
-        <p:blipFill rotWithShape="1">
-          <a:blip r:embed="rId2">
-            <a:extLst>
-              <a:ext uri="{28A0092B-C50C-407E-A947-70E740481C1C}">
-                <a14:useLocalDpi xmlns:a14="http://schemas.microsoft.com/office/drawing/2010/main" val="0"/>
-              </a:ext>
-            </a:extLst>
-          </a:blip>
-          <a:srcRect t="82080" r="73018"/>
-          <a:stretch/>
-        </p:blipFill>
-        <p:spPr>
-          <a:xfrm>
-            <a:off x="3554733" y="4365104"/>
-            <a:ext cx="1048315" cy="864095"/>
-          </a:xfrm>
-          <a:prstGeom prst="rect">
-            <a:avLst/>
-          </a:prstGeom>
-          <a:ln>
-            <a:noFill/>
-          </a:ln>
-        </p:spPr>
-      </p:pic>
-      <p:pic>
-        <p:nvPicPr>
-          <p:cNvPr id="3" name="그림 2"/>
-          <p:cNvPicPr>
-            <a:picLocks noChangeAspect="1"/>
-          </p:cNvPicPr>
-          <p:nvPr/>
-        </p:nvPicPr>
-        <p:blipFill>
-          <a:blip r:embed="rId3">
-            <a:extLst>
-              <a:ext uri="{28A0092B-C50C-407E-A947-70E740481C1C}">
-                <a14:useLocalDpi xmlns:a14="http://schemas.microsoft.com/office/drawing/2010/main" val="0"/>
-              </a:ext>
-            </a:extLst>
-          </a:blip>
-          <a:stretch>
-            <a:fillRect/>
-          </a:stretch>
-        </p:blipFill>
-        <p:spPr>
-          <a:xfrm>
-            <a:off x="5169024" y="2708920"/>
-            <a:ext cx="3663998" cy="3312368"/>
-          </a:xfrm>
-          <a:prstGeom prst="rect">
-            <a:avLst/>
-          </a:prstGeom>
-          <a:ln>
-            <a:solidFill>
-              <a:schemeClr val="bg1">
-                <a:lumMod val="85000"/>
-              </a:schemeClr>
-            </a:solidFill>
-          </a:ln>
-        </p:spPr>
-      </p:pic>
-    </p:spTree>
-    <p:extLst>
-      <p:ext uri="{BB962C8B-B14F-4D97-AF65-F5344CB8AC3E}">
-        <p14:creationId xmlns:p14="http://schemas.microsoft.com/office/powerpoint/2010/main" val="1638938885"/>
-      </p:ext>
-    </p:extLst>
-  </p:cSld>
-  <p:clrMapOvr>
-    <a:masterClrMapping/>
-  </p:clrMapOvr>
-  <p:timing>
-    <p:tnLst>
-      <p:par>
-        <p:cTn id="1" dur="indefinite" restart="never" nodeType="tmRoot"/>
-      </p:par>
-    </p:tnLst>
-  </p:timing>
-</p:sld>
-</file>
-
-<file path=ppt/slides/slide38.xml><?xml version="1.0" encoding="utf-8"?>
-<p:sld xmlns:a="http://schemas.openxmlformats.org/drawingml/2006/main" xmlns:r="http://schemas.openxmlformats.org/officeDocument/2006/relationships" xmlns:p="http://schemas.openxmlformats.org/presentationml/2006/main">
-  <p:cSld>
-    <p:spTree>
-      <p:nvGrpSpPr>
-        <p:cNvPr id="1" name=""/>
-        <p:cNvGrpSpPr/>
-        <p:nvPr/>
-      </p:nvGrpSpPr>
-      <p:grpSpPr>
-        <a:xfrm>
-          <a:off x="0" y="0"/>
-          <a:ext cx="0" cy="0"/>
-          <a:chOff x="0" y="0"/>
-          <a:chExt cx="0" cy="0"/>
-        </a:xfrm>
-      </p:grpSpPr>
-      <p:sp>
-        <p:nvSpPr>
-          <p:cNvPr id="4" name="슬라이드 번호 개체 틀 3"/>
-          <p:cNvSpPr>
-            <a:spLocks noGrp="1"/>
-          </p:cNvSpPr>
-          <p:nvPr>
-            <p:ph type="sldNum" sz="quarter" idx="12"/>
-          </p:nvPr>
-        </p:nvSpPr>
-        <p:spPr/>
-        <p:txBody>
-          <a:bodyPr/>
-          <a:lstStyle/>
-          <a:p>
-            <a:fld id="{1BDE3FE7-3AEA-4B05-AC5A-802D1816ACF0}" type="slidenum">
-              <a:rPr lang="ko-KR" altLang="en-US" smtClean="0"/>
-              <a:t>38</a:t>
-            </a:fld>
-            <a:endParaRPr lang="ko-KR" altLang="en-US"/>
-          </a:p>
-        </p:txBody>
-      </p:sp>
-      <p:sp>
-        <p:nvSpPr>
-          <p:cNvPr id="8" name="제목 1"/>
-          <p:cNvSpPr txBox="1">
-            <a:spLocks/>
-          </p:cNvSpPr>
-          <p:nvPr/>
-        </p:nvSpPr>
-        <p:spPr>
-          <a:xfrm>
-            <a:off x="696077" y="188640"/>
-            <a:ext cx="6201139" cy="854968"/>
-          </a:xfrm>
-          <a:prstGeom prst="rect">
-            <a:avLst/>
-          </a:prstGeom>
-        </p:spPr>
-        <p:txBody>
-          <a:bodyPr vert="horz" lIns="91440" tIns="45720" rIns="91440" bIns="45720" rtlCol="0" anchor="ctr">
-            <a:normAutofit/>
-          </a:bodyPr>
-          <a:lstStyle>
-            <a:lvl1pPr algn="l" defTabSz="914400" rtl="0" eaLnBrk="1" latinLnBrk="1" hangingPunct="1">
-              <a:spcBef>
-                <a:spcPct val="0"/>
-              </a:spcBef>
-              <a:buNone/>
-              <a:defRPr sz="3200" kern="1200">
-                <a:solidFill>
-                  <a:sysClr val="windowText" lastClr="000000"/>
-                </a:solidFill>
-                <a:latin typeface="휴먼엑스포" panose="02030504000101010101" pitchFamily="18" charset="-127"/>
-                <a:ea typeface="휴먼엑스포" panose="02030504000101010101" pitchFamily="18" charset="-127"/>
-                <a:cs typeface="+mj-cs"/>
-              </a:defRPr>
-            </a:lvl1pPr>
-          </a:lstStyle>
-          <a:p>
-            <a:r>
-              <a:rPr lang="en-US" altLang="ko-KR" dirty="0" smtClean="0"/>
-              <a:t> </a:t>
-            </a:r>
-            <a:r>
-              <a:rPr lang="en-US" altLang="ko-KR" dirty="0" err="1" smtClean="0"/>
-              <a:t>Numpy</a:t>
-            </a:r>
-            <a:r>
-              <a:rPr lang="ko-KR" altLang="en-US" dirty="0" smtClean="0"/>
-              <a:t>의 </a:t>
-            </a:r>
-            <a:r>
-              <a:rPr lang="en-US" altLang="ko-KR" dirty="0" smtClean="0"/>
-              <a:t>N</a:t>
-            </a:r>
-            <a:r>
-              <a:rPr lang="ko-KR" altLang="en-US" dirty="0" smtClean="0"/>
-              <a:t>차원 배열</a:t>
-            </a:r>
-            <a:r>
-              <a:rPr lang="en-US" altLang="ko-KR" dirty="0" smtClean="0"/>
-              <a:t> </a:t>
-            </a:r>
-            <a:r>
-              <a:rPr lang="ko-KR" altLang="en-US" dirty="0" smtClean="0"/>
-              <a:t> </a:t>
-            </a:r>
-            <a:endParaRPr lang="ko-KR" altLang="en-US" dirty="0"/>
-          </a:p>
-        </p:txBody>
-      </p:sp>
-      <p:sp>
-        <p:nvSpPr>
-          <p:cNvPr id="6" name="TextBox 5"/>
-          <p:cNvSpPr txBox="1"/>
-          <p:nvPr/>
-        </p:nvSpPr>
-        <p:spPr>
-          <a:xfrm>
-            <a:off x="938238" y="1344441"/>
-            <a:ext cx="2142554" cy="507831"/>
-          </a:xfrm>
-          <a:prstGeom prst="rect">
-            <a:avLst/>
-          </a:prstGeom>
-          <a:noFill/>
-          <a:ln>
-            <a:noFill/>
-          </a:ln>
-        </p:spPr>
-        <p:style>
-          <a:lnRef idx="1">
-            <a:schemeClr val="accent3"/>
-          </a:lnRef>
-          <a:fillRef idx="2">
-            <a:schemeClr val="accent3"/>
-          </a:fillRef>
-          <a:effectRef idx="1">
-            <a:schemeClr val="accent3"/>
-          </a:effectRef>
-          <a:fontRef idx="minor">
-            <a:schemeClr val="dk1"/>
-          </a:fontRef>
-        </p:style>
-        <p:txBody>
-          <a:bodyPr wrap="square" rtlCol="0">
-            <a:spAutoFit/>
-          </a:bodyPr>
-          <a:lstStyle/>
-          <a:p>
-            <a:pPr marL="342900" indent="-342900">
-              <a:lnSpc>
-                <a:spcPct val="150000"/>
-              </a:lnSpc>
-              <a:buFont typeface="Wingdings" panose="05000000000000000000" pitchFamily="2" charset="2"/>
-              <a:buChar char="v"/>
-            </a:pPr>
-            <a:r>
-              <a:rPr lang="ko-KR" altLang="en-US" dirty="0" smtClean="0">
-                <a:latin typeface="돋움" panose="020B0600000101010101" pitchFamily="50" charset="-127"/>
-                <a:ea typeface="돋움" panose="020B0600000101010101" pitchFamily="50" charset="-127"/>
-              </a:rPr>
-              <a:t>원소 접근</a:t>
-            </a:r>
-            <a:endParaRPr lang="en-US" altLang="ko-KR" dirty="0" smtClean="0">
-              <a:latin typeface="돋움" panose="020B0600000101010101" pitchFamily="50" charset="-127"/>
-              <a:ea typeface="돋움" panose="020B0600000101010101" pitchFamily="50" charset="-127"/>
-            </a:endParaRPr>
-          </a:p>
-        </p:txBody>
-      </p:sp>
-      <p:pic>
-        <p:nvPicPr>
-          <p:cNvPr id="5" name="그림 4"/>
-          <p:cNvPicPr>
-            <a:picLocks noChangeAspect="1"/>
-          </p:cNvPicPr>
-          <p:nvPr/>
-        </p:nvPicPr>
-        <p:blipFill rotWithShape="1">
-          <a:blip r:embed="rId2">
-            <a:extLst>
-              <a:ext uri="{28A0092B-C50C-407E-A947-70E740481C1C}">
-                <a14:useLocalDpi xmlns:a14="http://schemas.microsoft.com/office/drawing/2010/main" val="0"/>
-              </a:ext>
-            </a:extLst>
-          </a:blip>
-          <a:srcRect b="37035"/>
-          <a:stretch/>
-        </p:blipFill>
-        <p:spPr>
-          <a:xfrm>
-            <a:off x="1424608" y="1852272"/>
-            <a:ext cx="3014671" cy="2926379"/>
-          </a:xfrm>
-          <a:prstGeom prst="rect">
-            <a:avLst/>
-          </a:prstGeom>
-          <a:ln>
-            <a:solidFill>
-              <a:schemeClr val="bg1">
-                <a:lumMod val="85000"/>
-              </a:schemeClr>
-            </a:solidFill>
-          </a:ln>
-        </p:spPr>
-      </p:pic>
-      <p:pic>
-        <p:nvPicPr>
-          <p:cNvPr id="12" name="그림 11"/>
-          <p:cNvPicPr>
-            <a:picLocks noChangeAspect="1"/>
-          </p:cNvPicPr>
-          <p:nvPr/>
-        </p:nvPicPr>
-        <p:blipFill rotWithShape="1">
-          <a:blip r:embed="rId2">
-            <a:extLst>
-              <a:ext uri="{28A0092B-C50C-407E-A947-70E740481C1C}">
-                <a14:useLocalDpi xmlns:a14="http://schemas.microsoft.com/office/drawing/2010/main" val="0"/>
-              </a:ext>
-            </a:extLst>
-          </a:blip>
-          <a:srcRect t="68864" r="52453" b="13853"/>
-          <a:stretch/>
-        </p:blipFill>
-        <p:spPr>
-          <a:xfrm>
-            <a:off x="3512840" y="2204862"/>
-            <a:ext cx="2016224" cy="1129855"/>
-          </a:xfrm>
-          <a:prstGeom prst="rect">
-            <a:avLst/>
-          </a:prstGeom>
-        </p:spPr>
-      </p:pic>
-      <p:pic>
-        <p:nvPicPr>
-          <p:cNvPr id="13" name="그림 12"/>
-          <p:cNvPicPr>
-            <a:picLocks noChangeAspect="1"/>
-          </p:cNvPicPr>
-          <p:nvPr/>
-        </p:nvPicPr>
-        <p:blipFill rotWithShape="1">
-          <a:blip r:embed="rId2">
-            <a:extLst>
-              <a:ext uri="{28A0092B-C50C-407E-A947-70E740481C1C}">
-                <a14:useLocalDpi xmlns:a14="http://schemas.microsoft.com/office/drawing/2010/main" val="0"/>
-              </a:ext>
-            </a:extLst>
-          </a:blip>
-          <a:srcRect t="92731" r="82146"/>
-          <a:stretch/>
-        </p:blipFill>
-        <p:spPr>
-          <a:xfrm>
-            <a:off x="3682172" y="4286440"/>
-            <a:ext cx="694763" cy="436070"/>
-          </a:xfrm>
-          <a:prstGeom prst="rect">
-            <a:avLst/>
-          </a:prstGeom>
-        </p:spPr>
-      </p:pic>
-      <p:cxnSp>
-        <p:nvCxnSpPr>
-          <p:cNvPr id="14" name="직선 화살표 연결선 13"/>
-          <p:cNvCxnSpPr/>
-          <p:nvPr/>
-        </p:nvCxnSpPr>
-        <p:spPr>
-          <a:xfrm>
-            <a:off x="2931943" y="3042059"/>
-            <a:ext cx="580897" cy="216820"/>
-          </a:xfrm>
-          <a:prstGeom prst="straightConnector1">
-            <a:avLst/>
-          </a:prstGeom>
-          <a:ln w="12700">
-            <a:solidFill>
-              <a:srgbClr val="C00000"/>
-            </a:solidFill>
-            <a:prstDash val="sysDash"/>
-            <a:tailEnd type="triangle"/>
-          </a:ln>
-        </p:spPr>
-        <p:style>
-          <a:lnRef idx="1">
-            <a:schemeClr val="accent1"/>
-          </a:lnRef>
-          <a:fillRef idx="0">
-            <a:schemeClr val="accent1"/>
-          </a:fillRef>
-          <a:effectRef idx="0">
-            <a:schemeClr val="accent1"/>
-          </a:effectRef>
-          <a:fontRef idx="minor">
-            <a:schemeClr val="tx1"/>
-          </a:fontRef>
-        </p:style>
-      </p:cxnSp>
-      <p:cxnSp>
-        <p:nvCxnSpPr>
-          <p:cNvPr id="15" name="직선 화살표 연결선 14"/>
-          <p:cNvCxnSpPr/>
-          <p:nvPr/>
-        </p:nvCxnSpPr>
-        <p:spPr>
-          <a:xfrm>
-            <a:off x="2720752" y="2552969"/>
-            <a:ext cx="699520" cy="216820"/>
-          </a:xfrm>
-          <a:prstGeom prst="straightConnector1">
-            <a:avLst/>
-          </a:prstGeom>
-          <a:ln w="12700">
-            <a:solidFill>
-              <a:srgbClr val="C00000"/>
-            </a:solidFill>
-            <a:prstDash val="sysDash"/>
-            <a:tailEnd type="triangle"/>
-          </a:ln>
-        </p:spPr>
-        <p:style>
-          <a:lnRef idx="1">
-            <a:schemeClr val="accent1"/>
-          </a:lnRef>
-          <a:fillRef idx="0">
-            <a:schemeClr val="accent1"/>
-          </a:fillRef>
-          <a:effectRef idx="0">
-            <a:schemeClr val="accent1"/>
-          </a:effectRef>
-          <a:fontRef idx="minor">
-            <a:schemeClr val="tx1"/>
-          </a:fontRef>
-        </p:style>
-      </p:cxnSp>
-      <p:cxnSp>
-        <p:nvCxnSpPr>
-          <p:cNvPr id="16" name="직선 화살표 연결선 15"/>
-          <p:cNvCxnSpPr/>
-          <p:nvPr/>
-        </p:nvCxnSpPr>
-        <p:spPr>
-          <a:xfrm>
-            <a:off x="2839375" y="4396065"/>
-            <a:ext cx="580897" cy="0"/>
-          </a:xfrm>
-          <a:prstGeom prst="straightConnector1">
-            <a:avLst/>
-          </a:prstGeom>
-          <a:ln w="12700">
-            <a:solidFill>
-              <a:srgbClr val="C00000"/>
-            </a:solidFill>
-            <a:prstDash val="sysDash"/>
-            <a:tailEnd type="triangle"/>
-          </a:ln>
-        </p:spPr>
-        <p:style>
-          <a:lnRef idx="1">
-            <a:schemeClr val="accent1"/>
-          </a:lnRef>
-          <a:fillRef idx="0">
-            <a:schemeClr val="accent1"/>
-          </a:fillRef>
-          <a:effectRef idx="0">
-            <a:schemeClr val="accent1"/>
-          </a:effectRef>
-          <a:fontRef idx="minor">
-            <a:schemeClr val="tx1"/>
-          </a:fontRef>
-        </p:style>
-      </p:cxnSp>
-      <p:pic>
-        <p:nvPicPr>
-          <p:cNvPr id="18" name="그림 17"/>
-          <p:cNvPicPr>
-            <a:picLocks noChangeAspect="1"/>
-          </p:cNvPicPr>
-          <p:nvPr/>
-        </p:nvPicPr>
-        <p:blipFill>
-          <a:blip r:embed="rId3">
-            <a:extLst>
-              <a:ext uri="{28A0092B-C50C-407E-A947-70E740481C1C}">
-                <a14:useLocalDpi xmlns:a14="http://schemas.microsoft.com/office/drawing/2010/main" val="0"/>
-              </a:ext>
-            </a:extLst>
-          </a:blip>
-          <a:stretch>
-            <a:fillRect/>
-          </a:stretch>
-        </p:blipFill>
-        <p:spPr>
-          <a:xfrm>
-            <a:off x="5529064" y="4000722"/>
-            <a:ext cx="3067478" cy="790685"/>
-          </a:xfrm>
-          <a:prstGeom prst="rect">
-            <a:avLst/>
-          </a:prstGeom>
-        </p:spPr>
-      </p:pic>
-      <p:sp>
-        <p:nvSpPr>
-          <p:cNvPr id="19" name="TextBox 18"/>
-          <p:cNvSpPr txBox="1"/>
-          <p:nvPr/>
-        </p:nvSpPr>
-        <p:spPr>
-          <a:xfrm>
-            <a:off x="5392524" y="2826886"/>
-            <a:ext cx="3456384" cy="923330"/>
-          </a:xfrm>
-          <a:prstGeom prst="rect">
-            <a:avLst/>
-          </a:prstGeom>
-          <a:noFill/>
-          <a:ln>
-            <a:noFill/>
-          </a:ln>
-        </p:spPr>
-        <p:style>
-          <a:lnRef idx="1">
-            <a:schemeClr val="accent3"/>
-          </a:lnRef>
-          <a:fillRef idx="2">
-            <a:schemeClr val="accent3"/>
-          </a:fillRef>
-          <a:effectRef idx="1">
-            <a:schemeClr val="accent3"/>
-          </a:effectRef>
-          <a:fontRef idx="minor">
-            <a:schemeClr val="dk1"/>
-          </a:fontRef>
-        </p:style>
-        <p:txBody>
-          <a:bodyPr wrap="square" rtlCol="0">
-            <a:spAutoFit/>
-          </a:bodyPr>
-          <a:lstStyle/>
-          <a:p>
-            <a:pPr marL="342900" indent="-342900">
-              <a:buFont typeface="Wingdings" panose="05000000000000000000" pitchFamily="2" charset="2"/>
-              <a:buChar char="v"/>
-            </a:pPr>
-            <a:r>
-              <a:rPr lang="ko-KR" altLang="en-US" dirty="0" err="1" smtClean="0">
-                <a:latin typeface="돋움" panose="020B0600000101010101" pitchFamily="50" charset="-127"/>
-                <a:ea typeface="돋움" panose="020B0600000101010101" pitchFamily="50" charset="-127"/>
-              </a:rPr>
-              <a:t>브로드캐스트</a:t>
-            </a:r>
-            <a:endParaRPr lang="en-US" altLang="ko-KR" dirty="0" smtClean="0">
-              <a:latin typeface="돋움" panose="020B0600000101010101" pitchFamily="50" charset="-127"/>
-              <a:ea typeface="돋움" panose="020B0600000101010101" pitchFamily="50" charset="-127"/>
-            </a:endParaRPr>
-          </a:p>
-          <a:p>
-            <a:pPr marL="800100" lvl="1" indent="-342900">
-              <a:buFont typeface="Wingdings" panose="05000000000000000000" pitchFamily="2" charset="2"/>
-              <a:buChar char="§"/>
-            </a:pPr>
-            <a:r>
-              <a:rPr lang="ko-KR" altLang="en-US" dirty="0" smtClean="0">
-                <a:latin typeface="돋움" panose="020B0600000101010101" pitchFamily="50" charset="-127"/>
-                <a:ea typeface="돋움" panose="020B0600000101010101" pitchFamily="50" charset="-127"/>
-              </a:rPr>
-              <a:t>형상이 다른 배열끼리 연산 수행</a:t>
-            </a:r>
-            <a:endParaRPr lang="en-US" altLang="ko-KR" dirty="0" smtClean="0">
-              <a:latin typeface="돋움" panose="020B0600000101010101" pitchFamily="50" charset="-127"/>
-              <a:ea typeface="돋움" panose="020B0600000101010101" pitchFamily="50" charset="-127"/>
-            </a:endParaRPr>
-          </a:p>
-        </p:txBody>
-      </p:sp>
-      <p:sp>
-        <p:nvSpPr>
-          <p:cNvPr id="23" name="정육면체 22"/>
-          <p:cNvSpPr/>
-          <p:nvPr/>
-        </p:nvSpPr>
-        <p:spPr>
-          <a:xfrm>
-            <a:off x="3157143" y="5484131"/>
-            <a:ext cx="504056" cy="432048"/>
-          </a:xfrm>
-          <a:prstGeom prst="cube">
-            <a:avLst/>
-          </a:prstGeom>
-          <a:solidFill>
-            <a:schemeClr val="bg1"/>
-          </a:solidFill>
-          <a:ln w="12700"/>
-        </p:spPr>
-        <p:style>
-          <a:lnRef idx="2">
-            <a:schemeClr val="accent1">
-              <a:shade val="50000"/>
-            </a:schemeClr>
-          </a:lnRef>
-          <a:fillRef idx="1">
-            <a:schemeClr val="accent1"/>
-          </a:fillRef>
-          <a:effectRef idx="0">
-            <a:schemeClr val="accent1"/>
-          </a:effectRef>
-          <a:fontRef idx="minor">
-            <a:schemeClr val="lt1"/>
-          </a:fontRef>
-        </p:style>
-        <p:txBody>
-          <a:bodyPr rtlCol="0" anchor="ctr"/>
-          <a:lstStyle/>
-          <a:p>
-            <a:pPr algn="ctr"/>
-            <a:r>
-              <a:rPr lang="en-US" altLang="ko-KR" sz="1400" dirty="0" smtClean="0">
-                <a:solidFill>
-                  <a:sysClr val="windowText" lastClr="000000"/>
-                </a:solidFill>
-              </a:rPr>
-              <a:t>3</a:t>
-            </a:r>
-            <a:endParaRPr lang="ko-KR" altLang="en-US" sz="1400" dirty="0">
-              <a:solidFill>
-                <a:sysClr val="windowText" lastClr="000000"/>
-              </a:solidFill>
-            </a:endParaRPr>
-          </a:p>
-        </p:txBody>
-      </p:sp>
-      <p:sp>
-        <p:nvSpPr>
-          <p:cNvPr id="20" name="정육면체 19"/>
-          <p:cNvSpPr/>
-          <p:nvPr/>
-        </p:nvSpPr>
-        <p:spPr>
-          <a:xfrm>
-            <a:off x="3158159" y="5157192"/>
-            <a:ext cx="504056" cy="432048"/>
-          </a:xfrm>
-          <a:prstGeom prst="cube">
-            <a:avLst/>
-          </a:prstGeom>
-          <a:solidFill>
-            <a:schemeClr val="bg1"/>
-          </a:solidFill>
-          <a:ln w="12700"/>
-        </p:spPr>
-        <p:style>
-          <a:lnRef idx="2">
-            <a:schemeClr val="accent1">
-              <a:shade val="50000"/>
-            </a:schemeClr>
-          </a:lnRef>
-          <a:fillRef idx="1">
-            <a:schemeClr val="accent1"/>
-          </a:fillRef>
-          <a:effectRef idx="0">
-            <a:schemeClr val="accent1"/>
-          </a:effectRef>
-          <a:fontRef idx="minor">
-            <a:schemeClr val="lt1"/>
-          </a:fontRef>
-        </p:style>
-        <p:txBody>
-          <a:bodyPr rtlCol="0" anchor="ctr"/>
-          <a:lstStyle/>
-          <a:p>
-            <a:pPr algn="ctr"/>
-            <a:r>
-              <a:rPr lang="en-US" altLang="ko-KR" sz="1400" dirty="0" smtClean="0">
-                <a:solidFill>
-                  <a:sysClr val="windowText" lastClr="000000"/>
-                </a:solidFill>
-              </a:rPr>
-              <a:t>1</a:t>
-            </a:r>
-            <a:endParaRPr lang="ko-KR" altLang="en-US" sz="1400" dirty="0">
-              <a:solidFill>
-                <a:sysClr val="windowText" lastClr="000000"/>
-              </a:solidFill>
-            </a:endParaRPr>
-          </a:p>
-        </p:txBody>
-      </p:sp>
-      <p:sp>
-        <p:nvSpPr>
-          <p:cNvPr id="24" name="정육면체 23"/>
-          <p:cNvSpPr/>
-          <p:nvPr/>
-        </p:nvSpPr>
-        <p:spPr>
-          <a:xfrm>
-            <a:off x="3558950" y="5480821"/>
-            <a:ext cx="504056" cy="432048"/>
-          </a:xfrm>
-          <a:prstGeom prst="cube">
-            <a:avLst/>
-          </a:prstGeom>
-          <a:solidFill>
-            <a:schemeClr val="bg1"/>
-          </a:solidFill>
-          <a:ln w="12700"/>
-        </p:spPr>
-        <p:style>
-          <a:lnRef idx="2">
-            <a:schemeClr val="accent1">
-              <a:shade val="50000"/>
-            </a:schemeClr>
-          </a:lnRef>
-          <a:fillRef idx="1">
-            <a:schemeClr val="accent1"/>
-          </a:fillRef>
-          <a:effectRef idx="0">
-            <a:schemeClr val="accent1"/>
-          </a:effectRef>
-          <a:fontRef idx="minor">
-            <a:schemeClr val="lt1"/>
-          </a:fontRef>
-        </p:style>
-        <p:txBody>
-          <a:bodyPr rtlCol="0" anchor="ctr"/>
-          <a:lstStyle/>
-          <a:p>
-            <a:pPr algn="ctr"/>
-            <a:r>
-              <a:rPr lang="en-US" altLang="ko-KR" sz="1400" dirty="0" smtClean="0">
-                <a:solidFill>
-                  <a:sysClr val="windowText" lastClr="000000"/>
-                </a:solidFill>
-              </a:rPr>
-              <a:t>4</a:t>
-            </a:r>
-            <a:endParaRPr lang="ko-KR" altLang="en-US" sz="1400" dirty="0">
-              <a:solidFill>
-                <a:sysClr val="windowText" lastClr="000000"/>
-              </a:solidFill>
-            </a:endParaRPr>
-          </a:p>
-        </p:txBody>
-      </p:sp>
-      <p:sp>
-        <p:nvSpPr>
-          <p:cNvPr id="21" name="정육면체 20"/>
-          <p:cNvSpPr/>
-          <p:nvPr/>
-        </p:nvSpPr>
-        <p:spPr>
-          <a:xfrm>
-            <a:off x="3558950" y="5157192"/>
-            <a:ext cx="504056" cy="432048"/>
-          </a:xfrm>
-          <a:prstGeom prst="cube">
-            <a:avLst/>
-          </a:prstGeom>
-          <a:solidFill>
-            <a:schemeClr val="bg1"/>
-          </a:solidFill>
-          <a:ln w="12700"/>
-        </p:spPr>
-        <p:style>
-          <a:lnRef idx="2">
-            <a:schemeClr val="accent1">
-              <a:shade val="50000"/>
-            </a:schemeClr>
-          </a:lnRef>
-          <a:fillRef idx="1">
-            <a:schemeClr val="accent1"/>
-          </a:fillRef>
-          <a:effectRef idx="0">
-            <a:schemeClr val="accent1"/>
-          </a:effectRef>
-          <a:fontRef idx="minor">
-            <a:schemeClr val="lt1"/>
-          </a:fontRef>
-        </p:style>
-        <p:txBody>
-          <a:bodyPr rtlCol="0" anchor="ctr"/>
-          <a:lstStyle/>
-          <a:p>
-            <a:pPr algn="ctr"/>
-            <a:r>
-              <a:rPr lang="en-US" altLang="ko-KR" sz="1400" dirty="0" smtClean="0">
-                <a:solidFill>
-                  <a:sysClr val="windowText" lastClr="000000"/>
-                </a:solidFill>
-              </a:rPr>
-              <a:t>2</a:t>
-            </a:r>
-            <a:endParaRPr lang="ko-KR" altLang="en-US" sz="1400" dirty="0">
-              <a:solidFill>
-                <a:sysClr val="windowText" lastClr="000000"/>
-              </a:solidFill>
-            </a:endParaRPr>
-          </a:p>
-        </p:txBody>
-      </p:sp>
-      <p:sp>
-        <p:nvSpPr>
-          <p:cNvPr id="26" name="정육면체 25"/>
-          <p:cNvSpPr/>
-          <p:nvPr/>
-        </p:nvSpPr>
-        <p:spPr>
-          <a:xfrm>
-            <a:off x="4520952" y="5157192"/>
-            <a:ext cx="504056" cy="432048"/>
-          </a:xfrm>
-          <a:prstGeom prst="cube">
-            <a:avLst/>
-          </a:prstGeom>
-          <a:solidFill>
-            <a:schemeClr val="bg1"/>
-          </a:solidFill>
-          <a:ln w="12700"/>
-        </p:spPr>
-        <p:style>
-          <a:lnRef idx="2">
-            <a:schemeClr val="accent1">
-              <a:shade val="50000"/>
-            </a:schemeClr>
-          </a:lnRef>
-          <a:fillRef idx="1">
-            <a:schemeClr val="accent1"/>
-          </a:fillRef>
-          <a:effectRef idx="0">
-            <a:schemeClr val="accent1"/>
-          </a:effectRef>
-          <a:fontRef idx="minor">
-            <a:schemeClr val="lt1"/>
-          </a:fontRef>
-        </p:style>
-        <p:txBody>
-          <a:bodyPr rtlCol="0" anchor="ctr"/>
-          <a:lstStyle/>
-          <a:p>
-            <a:pPr algn="ctr"/>
-            <a:r>
-              <a:rPr lang="en-US" altLang="ko-KR" sz="1400" dirty="0" smtClean="0">
-                <a:solidFill>
-                  <a:sysClr val="windowText" lastClr="000000"/>
-                </a:solidFill>
-              </a:rPr>
-              <a:t>10</a:t>
-            </a:r>
-            <a:endParaRPr lang="ko-KR" altLang="en-US" sz="1400" dirty="0">
-              <a:solidFill>
-                <a:sysClr val="windowText" lastClr="000000"/>
-              </a:solidFill>
-            </a:endParaRPr>
-          </a:p>
-        </p:txBody>
-      </p:sp>
-      <p:sp>
-        <p:nvSpPr>
-          <p:cNvPr id="28" name="정육면체 27"/>
-          <p:cNvSpPr/>
-          <p:nvPr/>
-        </p:nvSpPr>
-        <p:spPr>
-          <a:xfrm>
-            <a:off x="4921743" y="5157192"/>
-            <a:ext cx="504056" cy="432048"/>
-          </a:xfrm>
-          <a:prstGeom prst="cube">
-            <a:avLst/>
-          </a:prstGeom>
-          <a:solidFill>
-            <a:schemeClr val="bg1"/>
-          </a:solidFill>
-          <a:ln w="12700"/>
-        </p:spPr>
-        <p:style>
-          <a:lnRef idx="2">
-            <a:schemeClr val="accent1">
-              <a:shade val="50000"/>
-            </a:schemeClr>
-          </a:lnRef>
-          <a:fillRef idx="1">
-            <a:schemeClr val="accent1"/>
-          </a:fillRef>
-          <a:effectRef idx="0">
-            <a:schemeClr val="accent1"/>
-          </a:effectRef>
-          <a:fontRef idx="minor">
-            <a:schemeClr val="lt1"/>
-          </a:fontRef>
-        </p:style>
-        <p:txBody>
-          <a:bodyPr rtlCol="0" anchor="ctr"/>
-          <a:lstStyle/>
-          <a:p>
-            <a:pPr algn="ctr"/>
-            <a:r>
-              <a:rPr lang="en-US" altLang="ko-KR" sz="1400" dirty="0" smtClean="0">
-                <a:solidFill>
-                  <a:sysClr val="windowText" lastClr="000000"/>
-                </a:solidFill>
-              </a:rPr>
-              <a:t>20</a:t>
-            </a:r>
-            <a:endParaRPr lang="ko-KR" altLang="en-US" sz="1400" dirty="0">
-              <a:solidFill>
-                <a:sysClr val="windowText" lastClr="000000"/>
-              </a:solidFill>
-            </a:endParaRPr>
-          </a:p>
-        </p:txBody>
-      </p:sp>
-      <p:sp>
-        <p:nvSpPr>
-          <p:cNvPr id="29" name="정육면체 28"/>
-          <p:cNvSpPr/>
-          <p:nvPr/>
-        </p:nvSpPr>
-        <p:spPr>
-          <a:xfrm>
-            <a:off x="5888088" y="5484131"/>
-            <a:ext cx="504056" cy="432048"/>
-          </a:xfrm>
-          <a:prstGeom prst="cube">
-            <a:avLst/>
-          </a:prstGeom>
-          <a:solidFill>
-            <a:schemeClr val="bg1"/>
-          </a:solidFill>
-          <a:ln w="12700"/>
-        </p:spPr>
-        <p:style>
-          <a:lnRef idx="2">
-            <a:schemeClr val="accent1">
-              <a:shade val="50000"/>
-            </a:schemeClr>
-          </a:lnRef>
-          <a:fillRef idx="1">
-            <a:schemeClr val="accent1"/>
-          </a:fillRef>
-          <a:effectRef idx="0">
-            <a:schemeClr val="accent1"/>
-          </a:effectRef>
-          <a:fontRef idx="minor">
-            <a:schemeClr val="lt1"/>
-          </a:fontRef>
-        </p:style>
-        <p:txBody>
-          <a:bodyPr rtlCol="0" anchor="ctr"/>
-          <a:lstStyle/>
-          <a:p>
-            <a:pPr algn="ctr"/>
-            <a:r>
-              <a:rPr lang="en-US" altLang="ko-KR" sz="1400" dirty="0" smtClean="0">
-                <a:solidFill>
-                  <a:sysClr val="windowText" lastClr="000000"/>
-                </a:solidFill>
-              </a:rPr>
-              <a:t>3</a:t>
-            </a:r>
-            <a:endParaRPr lang="ko-KR" altLang="en-US" sz="1400" dirty="0">
-              <a:solidFill>
-                <a:sysClr val="windowText" lastClr="000000"/>
-              </a:solidFill>
-            </a:endParaRPr>
-          </a:p>
-        </p:txBody>
-      </p:sp>
-      <p:sp>
-        <p:nvSpPr>
-          <p:cNvPr id="30" name="정육면체 29"/>
-          <p:cNvSpPr/>
-          <p:nvPr/>
-        </p:nvSpPr>
-        <p:spPr>
-          <a:xfrm>
-            <a:off x="5889104" y="5157192"/>
-            <a:ext cx="504056" cy="432048"/>
-          </a:xfrm>
-          <a:prstGeom prst="cube">
-            <a:avLst/>
-          </a:prstGeom>
-          <a:solidFill>
-            <a:schemeClr val="bg1"/>
-          </a:solidFill>
-          <a:ln w="12700"/>
-        </p:spPr>
-        <p:style>
-          <a:lnRef idx="2">
-            <a:schemeClr val="accent1">
-              <a:shade val="50000"/>
-            </a:schemeClr>
-          </a:lnRef>
-          <a:fillRef idx="1">
-            <a:schemeClr val="accent1"/>
-          </a:fillRef>
-          <a:effectRef idx="0">
-            <a:schemeClr val="accent1"/>
-          </a:effectRef>
-          <a:fontRef idx="minor">
-            <a:schemeClr val="lt1"/>
-          </a:fontRef>
-        </p:style>
-        <p:txBody>
-          <a:bodyPr rtlCol="0" anchor="ctr"/>
-          <a:lstStyle/>
-          <a:p>
-            <a:pPr algn="ctr"/>
-            <a:r>
-              <a:rPr lang="en-US" altLang="ko-KR" sz="1400" dirty="0" smtClean="0">
-                <a:solidFill>
-                  <a:sysClr val="windowText" lastClr="000000"/>
-                </a:solidFill>
-              </a:rPr>
-              <a:t>1</a:t>
-            </a:r>
-            <a:endParaRPr lang="ko-KR" altLang="en-US" sz="1400" dirty="0">
-              <a:solidFill>
-                <a:sysClr val="windowText" lastClr="000000"/>
-              </a:solidFill>
-            </a:endParaRPr>
-          </a:p>
-        </p:txBody>
-      </p:sp>
-      <p:sp>
-        <p:nvSpPr>
-          <p:cNvPr id="31" name="정육면체 30"/>
-          <p:cNvSpPr/>
-          <p:nvPr/>
-        </p:nvSpPr>
-        <p:spPr>
-          <a:xfrm>
-            <a:off x="6289895" y="5480821"/>
-            <a:ext cx="504056" cy="432048"/>
-          </a:xfrm>
-          <a:prstGeom prst="cube">
-            <a:avLst/>
-          </a:prstGeom>
-          <a:solidFill>
-            <a:schemeClr val="bg1"/>
-          </a:solidFill>
-          <a:ln w="12700"/>
-        </p:spPr>
-        <p:style>
-          <a:lnRef idx="2">
-            <a:schemeClr val="accent1">
-              <a:shade val="50000"/>
-            </a:schemeClr>
-          </a:lnRef>
-          <a:fillRef idx="1">
-            <a:schemeClr val="accent1"/>
-          </a:fillRef>
-          <a:effectRef idx="0">
-            <a:schemeClr val="accent1"/>
-          </a:effectRef>
-          <a:fontRef idx="minor">
-            <a:schemeClr val="lt1"/>
-          </a:fontRef>
-        </p:style>
-        <p:txBody>
-          <a:bodyPr rtlCol="0" anchor="ctr"/>
-          <a:lstStyle/>
-          <a:p>
-            <a:pPr algn="ctr"/>
-            <a:r>
-              <a:rPr lang="en-US" altLang="ko-KR" sz="1400" dirty="0" smtClean="0">
-                <a:solidFill>
-                  <a:sysClr val="windowText" lastClr="000000"/>
-                </a:solidFill>
-              </a:rPr>
-              <a:t>4</a:t>
-            </a:r>
-            <a:endParaRPr lang="ko-KR" altLang="en-US" sz="1400" dirty="0">
-              <a:solidFill>
-                <a:sysClr val="windowText" lastClr="000000"/>
-              </a:solidFill>
-            </a:endParaRPr>
-          </a:p>
-        </p:txBody>
-      </p:sp>
-      <p:sp>
-        <p:nvSpPr>
-          <p:cNvPr id="32" name="정육면체 31"/>
-          <p:cNvSpPr/>
-          <p:nvPr/>
-        </p:nvSpPr>
-        <p:spPr>
-          <a:xfrm>
-            <a:off x="6289895" y="5157192"/>
-            <a:ext cx="504056" cy="432048"/>
-          </a:xfrm>
-          <a:prstGeom prst="cube">
-            <a:avLst/>
-          </a:prstGeom>
-          <a:solidFill>
-            <a:schemeClr val="bg1"/>
-          </a:solidFill>
-          <a:ln w="12700"/>
-        </p:spPr>
-        <p:style>
-          <a:lnRef idx="2">
-            <a:schemeClr val="accent1">
-              <a:shade val="50000"/>
-            </a:schemeClr>
-          </a:lnRef>
-          <a:fillRef idx="1">
-            <a:schemeClr val="accent1"/>
-          </a:fillRef>
-          <a:effectRef idx="0">
-            <a:schemeClr val="accent1"/>
-          </a:effectRef>
-          <a:fontRef idx="minor">
-            <a:schemeClr val="lt1"/>
-          </a:fontRef>
-        </p:style>
-        <p:txBody>
-          <a:bodyPr rtlCol="0" anchor="ctr"/>
-          <a:lstStyle/>
-          <a:p>
-            <a:pPr algn="ctr"/>
-            <a:r>
-              <a:rPr lang="en-US" altLang="ko-KR" sz="1400" dirty="0" smtClean="0">
-                <a:solidFill>
-                  <a:sysClr val="windowText" lastClr="000000"/>
-                </a:solidFill>
-              </a:rPr>
-              <a:t>2</a:t>
-            </a:r>
-            <a:endParaRPr lang="ko-KR" altLang="en-US" sz="1400" dirty="0">
-              <a:solidFill>
-                <a:sysClr val="windowText" lastClr="000000"/>
-              </a:solidFill>
-            </a:endParaRPr>
-          </a:p>
-        </p:txBody>
-      </p:sp>
-      <p:sp>
-        <p:nvSpPr>
-          <p:cNvPr id="33" name="정육면체 32"/>
-          <p:cNvSpPr/>
-          <p:nvPr/>
-        </p:nvSpPr>
-        <p:spPr>
-          <a:xfrm>
-            <a:off x="7184232" y="5484131"/>
-            <a:ext cx="504056" cy="432048"/>
-          </a:xfrm>
-          <a:prstGeom prst="cube">
-            <a:avLst/>
-          </a:prstGeom>
-          <a:solidFill>
-            <a:schemeClr val="bg1"/>
-          </a:solidFill>
-          <a:ln w="12700">
-            <a:solidFill>
-              <a:schemeClr val="bg1">
-                <a:lumMod val="65000"/>
-              </a:schemeClr>
-            </a:solidFill>
-          </a:ln>
-        </p:spPr>
-        <p:style>
-          <a:lnRef idx="2">
-            <a:schemeClr val="accent1">
-              <a:shade val="50000"/>
-            </a:schemeClr>
-          </a:lnRef>
-          <a:fillRef idx="1">
-            <a:schemeClr val="accent1"/>
-          </a:fillRef>
-          <a:effectRef idx="0">
-            <a:schemeClr val="accent1"/>
-          </a:effectRef>
-          <a:fontRef idx="minor">
-            <a:schemeClr val="lt1"/>
-          </a:fontRef>
-        </p:style>
-        <p:txBody>
-          <a:bodyPr rtlCol="0" anchor="ctr"/>
-          <a:lstStyle/>
-          <a:p>
-            <a:pPr algn="ctr"/>
-            <a:r>
-              <a:rPr lang="en-US" altLang="ko-KR" sz="1400" dirty="0" smtClean="0">
-                <a:solidFill>
-                  <a:schemeClr val="bg1">
-                    <a:lumMod val="65000"/>
-                  </a:schemeClr>
-                </a:solidFill>
-              </a:rPr>
-              <a:t>10</a:t>
-            </a:r>
-            <a:endParaRPr lang="ko-KR" altLang="en-US" sz="1400" dirty="0">
-              <a:solidFill>
-                <a:schemeClr val="bg1">
-                  <a:lumMod val="65000"/>
-                </a:schemeClr>
-              </a:solidFill>
-            </a:endParaRPr>
-          </a:p>
-        </p:txBody>
-      </p:sp>
-      <p:sp>
-        <p:nvSpPr>
-          <p:cNvPr id="34" name="정육면체 33"/>
-          <p:cNvSpPr/>
-          <p:nvPr/>
-        </p:nvSpPr>
-        <p:spPr>
-          <a:xfrm>
-            <a:off x="7185248" y="5157192"/>
-            <a:ext cx="504056" cy="432048"/>
-          </a:xfrm>
-          <a:prstGeom prst="cube">
-            <a:avLst/>
-          </a:prstGeom>
-          <a:solidFill>
-            <a:schemeClr val="bg1"/>
-          </a:solidFill>
-          <a:ln w="12700"/>
-        </p:spPr>
-        <p:style>
-          <a:lnRef idx="2">
-            <a:schemeClr val="accent1">
-              <a:shade val="50000"/>
-            </a:schemeClr>
-          </a:lnRef>
-          <a:fillRef idx="1">
-            <a:schemeClr val="accent1"/>
-          </a:fillRef>
-          <a:effectRef idx="0">
-            <a:schemeClr val="accent1"/>
-          </a:effectRef>
-          <a:fontRef idx="minor">
-            <a:schemeClr val="lt1"/>
-          </a:fontRef>
-        </p:style>
-        <p:txBody>
-          <a:bodyPr rtlCol="0" anchor="ctr"/>
-          <a:lstStyle/>
-          <a:p>
-            <a:pPr algn="ctr"/>
-            <a:r>
-              <a:rPr lang="en-US" altLang="ko-KR" sz="1400" dirty="0" smtClean="0">
-                <a:solidFill>
-                  <a:sysClr val="windowText" lastClr="000000"/>
-                </a:solidFill>
-              </a:rPr>
-              <a:t>10</a:t>
-            </a:r>
-            <a:endParaRPr lang="ko-KR" altLang="en-US" sz="1400" dirty="0">
-              <a:solidFill>
-                <a:sysClr val="windowText" lastClr="000000"/>
-              </a:solidFill>
-            </a:endParaRPr>
-          </a:p>
-        </p:txBody>
-      </p:sp>
-      <p:sp>
-        <p:nvSpPr>
-          <p:cNvPr id="35" name="정육면체 34"/>
-          <p:cNvSpPr/>
-          <p:nvPr/>
-        </p:nvSpPr>
-        <p:spPr>
-          <a:xfrm>
-            <a:off x="7586039" y="5480821"/>
-            <a:ext cx="504056" cy="432048"/>
-          </a:xfrm>
-          <a:prstGeom prst="cube">
-            <a:avLst/>
-          </a:prstGeom>
-          <a:solidFill>
-            <a:schemeClr val="bg1"/>
-          </a:solidFill>
-          <a:ln w="12700">
-            <a:solidFill>
-              <a:schemeClr val="bg1">
-                <a:lumMod val="65000"/>
-              </a:schemeClr>
-            </a:solidFill>
-          </a:ln>
-        </p:spPr>
-        <p:style>
-          <a:lnRef idx="2">
-            <a:schemeClr val="accent1">
-              <a:shade val="50000"/>
-            </a:schemeClr>
-          </a:lnRef>
-          <a:fillRef idx="1">
-            <a:schemeClr val="accent1"/>
-          </a:fillRef>
-          <a:effectRef idx="0">
-            <a:schemeClr val="accent1"/>
-          </a:effectRef>
-          <a:fontRef idx="minor">
-            <a:schemeClr val="lt1"/>
-          </a:fontRef>
-        </p:style>
-        <p:txBody>
-          <a:bodyPr rtlCol="0" anchor="ctr"/>
-          <a:lstStyle/>
-          <a:p>
-            <a:pPr algn="ctr"/>
-            <a:r>
-              <a:rPr lang="en-US" altLang="ko-KR" sz="1400" dirty="0" smtClean="0">
-                <a:solidFill>
-                  <a:schemeClr val="bg1">
-                    <a:lumMod val="65000"/>
-                  </a:schemeClr>
-                </a:solidFill>
-              </a:rPr>
-              <a:t>20</a:t>
-            </a:r>
-            <a:endParaRPr lang="ko-KR" altLang="en-US" sz="1400" dirty="0">
-              <a:solidFill>
-                <a:schemeClr val="bg1">
-                  <a:lumMod val="65000"/>
-                </a:schemeClr>
-              </a:solidFill>
-            </a:endParaRPr>
-          </a:p>
-        </p:txBody>
-      </p:sp>
-      <p:sp>
-        <p:nvSpPr>
-          <p:cNvPr id="36" name="정육면체 35"/>
-          <p:cNvSpPr/>
-          <p:nvPr/>
-        </p:nvSpPr>
-        <p:spPr>
-          <a:xfrm>
-            <a:off x="7586039" y="5157192"/>
-            <a:ext cx="504056" cy="432048"/>
-          </a:xfrm>
-          <a:prstGeom prst="cube">
-            <a:avLst/>
-          </a:prstGeom>
-          <a:solidFill>
-            <a:schemeClr val="bg1"/>
-          </a:solidFill>
-          <a:ln w="12700"/>
-        </p:spPr>
-        <p:style>
-          <a:lnRef idx="2">
-            <a:schemeClr val="accent1">
-              <a:shade val="50000"/>
-            </a:schemeClr>
-          </a:lnRef>
-          <a:fillRef idx="1">
-            <a:schemeClr val="accent1"/>
-          </a:fillRef>
-          <a:effectRef idx="0">
-            <a:schemeClr val="accent1"/>
-          </a:effectRef>
-          <a:fontRef idx="minor">
-            <a:schemeClr val="lt1"/>
-          </a:fontRef>
-        </p:style>
-        <p:txBody>
-          <a:bodyPr rtlCol="0" anchor="ctr"/>
-          <a:lstStyle/>
-          <a:p>
-            <a:pPr algn="ctr"/>
-            <a:r>
-              <a:rPr lang="en-US" altLang="ko-KR" sz="1400" dirty="0" smtClean="0">
-                <a:solidFill>
-                  <a:sysClr val="windowText" lastClr="000000"/>
-                </a:solidFill>
-              </a:rPr>
-              <a:t>20</a:t>
-            </a:r>
-            <a:endParaRPr lang="ko-KR" altLang="en-US" sz="1400" dirty="0">
-              <a:solidFill>
-                <a:sysClr val="windowText" lastClr="000000"/>
-              </a:solidFill>
-            </a:endParaRPr>
-          </a:p>
-        </p:txBody>
-      </p:sp>
-      <p:sp>
-        <p:nvSpPr>
-          <p:cNvPr id="37" name="정육면체 36"/>
-          <p:cNvSpPr/>
-          <p:nvPr/>
-        </p:nvSpPr>
-        <p:spPr>
-          <a:xfrm>
-            <a:off x="8480376" y="5484131"/>
-            <a:ext cx="504056" cy="432048"/>
-          </a:xfrm>
-          <a:prstGeom prst="cube">
-            <a:avLst/>
-          </a:prstGeom>
-          <a:solidFill>
-            <a:schemeClr val="bg1"/>
-          </a:solidFill>
-          <a:ln w="12700"/>
-        </p:spPr>
-        <p:style>
-          <a:lnRef idx="2">
-            <a:schemeClr val="accent1">
-              <a:shade val="50000"/>
-            </a:schemeClr>
-          </a:lnRef>
-          <a:fillRef idx="1">
-            <a:schemeClr val="accent1"/>
-          </a:fillRef>
-          <a:effectRef idx="0">
-            <a:schemeClr val="accent1"/>
-          </a:effectRef>
-          <a:fontRef idx="minor">
-            <a:schemeClr val="lt1"/>
-          </a:fontRef>
-        </p:style>
-        <p:txBody>
-          <a:bodyPr rtlCol="0" anchor="ctr"/>
-          <a:lstStyle/>
-          <a:p>
-            <a:pPr algn="ctr"/>
-            <a:r>
-              <a:rPr lang="en-US" altLang="ko-KR" sz="1400" dirty="0" smtClean="0">
-                <a:solidFill>
-                  <a:sysClr val="windowText" lastClr="000000"/>
-                </a:solidFill>
-              </a:rPr>
-              <a:t>30</a:t>
-            </a:r>
-            <a:endParaRPr lang="ko-KR" altLang="en-US" sz="1400" dirty="0">
-              <a:solidFill>
-                <a:sysClr val="windowText" lastClr="000000"/>
-              </a:solidFill>
-            </a:endParaRPr>
-          </a:p>
-        </p:txBody>
-      </p:sp>
-      <p:sp>
-        <p:nvSpPr>
-          <p:cNvPr id="38" name="정육면체 37"/>
-          <p:cNvSpPr/>
-          <p:nvPr/>
-        </p:nvSpPr>
-        <p:spPr>
-          <a:xfrm>
-            <a:off x="8481392" y="5157192"/>
-            <a:ext cx="504056" cy="432048"/>
-          </a:xfrm>
-          <a:prstGeom prst="cube">
-            <a:avLst/>
-          </a:prstGeom>
-          <a:solidFill>
-            <a:schemeClr val="bg1"/>
-          </a:solidFill>
-          <a:ln w="12700"/>
-        </p:spPr>
-        <p:style>
-          <a:lnRef idx="2">
-            <a:schemeClr val="accent1">
-              <a:shade val="50000"/>
-            </a:schemeClr>
-          </a:lnRef>
-          <a:fillRef idx="1">
-            <a:schemeClr val="accent1"/>
-          </a:fillRef>
-          <a:effectRef idx="0">
-            <a:schemeClr val="accent1"/>
-          </a:effectRef>
-          <a:fontRef idx="minor">
-            <a:schemeClr val="lt1"/>
-          </a:fontRef>
-        </p:style>
-        <p:txBody>
-          <a:bodyPr rtlCol="0" anchor="ctr"/>
-          <a:lstStyle/>
-          <a:p>
-            <a:pPr algn="ctr"/>
-            <a:r>
-              <a:rPr lang="en-US" altLang="ko-KR" sz="1400" dirty="0" smtClean="0">
-                <a:solidFill>
-                  <a:sysClr val="windowText" lastClr="000000"/>
-                </a:solidFill>
-              </a:rPr>
-              <a:t>10</a:t>
-            </a:r>
-            <a:endParaRPr lang="ko-KR" altLang="en-US" sz="1400" dirty="0">
-              <a:solidFill>
-                <a:sysClr val="windowText" lastClr="000000"/>
-              </a:solidFill>
-            </a:endParaRPr>
-          </a:p>
-        </p:txBody>
-      </p:sp>
-      <p:sp>
-        <p:nvSpPr>
-          <p:cNvPr id="39" name="정육면체 38"/>
-          <p:cNvSpPr/>
-          <p:nvPr/>
-        </p:nvSpPr>
-        <p:spPr>
-          <a:xfrm>
-            <a:off x="8882183" y="5480821"/>
-            <a:ext cx="504056" cy="432048"/>
-          </a:xfrm>
-          <a:prstGeom prst="cube">
-            <a:avLst/>
-          </a:prstGeom>
-          <a:solidFill>
-            <a:schemeClr val="bg1"/>
-          </a:solidFill>
-          <a:ln w="12700"/>
-        </p:spPr>
-        <p:style>
-          <a:lnRef idx="2">
-            <a:schemeClr val="accent1">
-              <a:shade val="50000"/>
-            </a:schemeClr>
-          </a:lnRef>
-          <a:fillRef idx="1">
-            <a:schemeClr val="accent1"/>
-          </a:fillRef>
-          <a:effectRef idx="0">
-            <a:schemeClr val="accent1"/>
-          </a:effectRef>
-          <a:fontRef idx="minor">
-            <a:schemeClr val="lt1"/>
-          </a:fontRef>
-        </p:style>
-        <p:txBody>
-          <a:bodyPr rtlCol="0" anchor="ctr"/>
-          <a:lstStyle/>
-          <a:p>
-            <a:pPr algn="ctr"/>
-            <a:r>
-              <a:rPr lang="en-US" altLang="ko-KR" sz="1400" dirty="0" smtClean="0">
-                <a:solidFill>
-                  <a:sysClr val="windowText" lastClr="000000"/>
-                </a:solidFill>
-              </a:rPr>
-              <a:t>80</a:t>
-            </a:r>
-            <a:endParaRPr lang="ko-KR" altLang="en-US" sz="1400" dirty="0">
-              <a:solidFill>
-                <a:sysClr val="windowText" lastClr="000000"/>
-              </a:solidFill>
-            </a:endParaRPr>
-          </a:p>
-        </p:txBody>
-      </p:sp>
-      <p:sp>
-        <p:nvSpPr>
-          <p:cNvPr id="40" name="정육면체 39"/>
-          <p:cNvSpPr/>
-          <p:nvPr/>
-        </p:nvSpPr>
-        <p:spPr>
-          <a:xfrm>
-            <a:off x="8882183" y="5157192"/>
-            <a:ext cx="504056" cy="432048"/>
-          </a:xfrm>
-          <a:prstGeom prst="cube">
-            <a:avLst/>
-          </a:prstGeom>
-          <a:solidFill>
-            <a:schemeClr val="bg1"/>
-          </a:solidFill>
-          <a:ln w="12700"/>
-        </p:spPr>
-        <p:style>
-          <a:lnRef idx="2">
-            <a:schemeClr val="accent1">
-              <a:shade val="50000"/>
-            </a:schemeClr>
-          </a:lnRef>
-          <a:fillRef idx="1">
-            <a:schemeClr val="accent1"/>
-          </a:fillRef>
-          <a:effectRef idx="0">
-            <a:schemeClr val="accent1"/>
-          </a:effectRef>
-          <a:fontRef idx="minor">
-            <a:schemeClr val="lt1"/>
-          </a:fontRef>
-        </p:style>
-        <p:txBody>
-          <a:bodyPr rtlCol="0" anchor="ctr"/>
-          <a:lstStyle/>
-          <a:p>
-            <a:pPr algn="ctr"/>
-            <a:r>
-              <a:rPr lang="en-US" altLang="ko-KR" sz="1400" dirty="0" smtClean="0">
-                <a:solidFill>
-                  <a:sysClr val="windowText" lastClr="000000"/>
-                </a:solidFill>
-              </a:rPr>
-              <a:t>40</a:t>
-            </a:r>
-            <a:endParaRPr lang="ko-KR" altLang="en-US" sz="1400" dirty="0">
-              <a:solidFill>
-                <a:sysClr val="windowText" lastClr="000000"/>
-              </a:solidFill>
-            </a:endParaRPr>
-          </a:p>
-        </p:txBody>
-      </p:sp>
-      <p:sp>
-        <p:nvSpPr>
-          <p:cNvPr id="41" name="TextBox 40"/>
-          <p:cNvSpPr txBox="1"/>
-          <p:nvPr/>
-        </p:nvSpPr>
-        <p:spPr>
-          <a:xfrm>
-            <a:off x="4172881" y="5333870"/>
-            <a:ext cx="278367" cy="369332"/>
-          </a:xfrm>
-          <a:prstGeom prst="rect">
-            <a:avLst/>
-          </a:prstGeom>
-          <a:noFill/>
-        </p:spPr>
-        <p:txBody>
-          <a:bodyPr wrap="square" rtlCol="0">
-            <a:spAutoFit/>
-          </a:bodyPr>
-          <a:lstStyle/>
-          <a:p>
-            <a:r>
-              <a:rPr lang="en-US" altLang="ko-KR" dirty="0" smtClean="0"/>
-              <a:t>*</a:t>
-            </a:r>
-            <a:endParaRPr lang="ko-KR" altLang="en-US" dirty="0"/>
-          </a:p>
-        </p:txBody>
-      </p:sp>
-      <p:sp>
-        <p:nvSpPr>
-          <p:cNvPr id="42" name="TextBox 41"/>
-          <p:cNvSpPr txBox="1"/>
-          <p:nvPr/>
-        </p:nvSpPr>
-        <p:spPr>
-          <a:xfrm>
-            <a:off x="5512755" y="5407955"/>
-            <a:ext cx="278367" cy="369332"/>
-          </a:xfrm>
-          <a:prstGeom prst="rect">
-            <a:avLst/>
-          </a:prstGeom>
-          <a:noFill/>
-        </p:spPr>
-        <p:txBody>
-          <a:bodyPr wrap="square" rtlCol="0">
-            <a:spAutoFit/>
-          </a:bodyPr>
-          <a:lstStyle/>
-          <a:p>
-            <a:r>
-              <a:rPr lang="en-US" altLang="ko-KR" dirty="0" smtClean="0"/>
-              <a:t>=</a:t>
-            </a:r>
-            <a:endParaRPr lang="ko-KR" altLang="en-US" dirty="0"/>
-          </a:p>
-        </p:txBody>
-      </p:sp>
-      <p:sp>
-        <p:nvSpPr>
-          <p:cNvPr id="43" name="TextBox 42"/>
-          <p:cNvSpPr txBox="1"/>
-          <p:nvPr/>
-        </p:nvSpPr>
-        <p:spPr>
-          <a:xfrm>
-            <a:off x="8131017" y="5373216"/>
-            <a:ext cx="278367" cy="369332"/>
-          </a:xfrm>
-          <a:prstGeom prst="rect">
-            <a:avLst/>
-          </a:prstGeom>
-          <a:noFill/>
-        </p:spPr>
-        <p:txBody>
-          <a:bodyPr wrap="square" rtlCol="0">
-            <a:spAutoFit/>
-          </a:bodyPr>
-          <a:lstStyle/>
-          <a:p>
-            <a:r>
-              <a:rPr lang="en-US" altLang="ko-KR" dirty="0" smtClean="0"/>
-              <a:t>=</a:t>
-            </a:r>
-            <a:endParaRPr lang="ko-KR" altLang="en-US" dirty="0"/>
-          </a:p>
-        </p:txBody>
-      </p:sp>
-      <p:sp>
-        <p:nvSpPr>
-          <p:cNvPr id="44" name="TextBox 43"/>
-          <p:cNvSpPr txBox="1"/>
-          <p:nvPr/>
-        </p:nvSpPr>
-        <p:spPr>
-          <a:xfrm>
-            <a:off x="6869414" y="5404574"/>
-            <a:ext cx="278367" cy="369332"/>
-          </a:xfrm>
-          <a:prstGeom prst="rect">
-            <a:avLst/>
-          </a:prstGeom>
-          <a:noFill/>
-        </p:spPr>
-        <p:txBody>
-          <a:bodyPr wrap="square" rtlCol="0">
-            <a:spAutoFit/>
-          </a:bodyPr>
-          <a:lstStyle/>
-          <a:p>
-            <a:r>
-              <a:rPr lang="en-US" altLang="ko-KR" dirty="0" smtClean="0"/>
-              <a:t>*</a:t>
-            </a:r>
-            <a:endParaRPr lang="ko-KR" altLang="en-US" dirty="0"/>
-          </a:p>
-        </p:txBody>
-      </p:sp>
-    </p:spTree>
-    <p:extLst>
-      <p:ext uri="{BB962C8B-B14F-4D97-AF65-F5344CB8AC3E}">
-        <p14:creationId xmlns:p14="http://schemas.microsoft.com/office/powerpoint/2010/main" val="1410278228"/>
       </p:ext>
     </p:extLst>
   </p:cSld>
@@ -13127,43 +10837,6 @@
       </p:grpSpPr>
       <p:sp>
         <p:nvSpPr>
-          <p:cNvPr id="2" name="제목 1"/>
-          <p:cNvSpPr>
-            <a:spLocks noGrp="1"/>
-          </p:cNvSpPr>
-          <p:nvPr>
-            <p:ph type="title"/>
-          </p:nvPr>
-        </p:nvSpPr>
-        <p:spPr/>
-        <p:txBody>
-          <a:bodyPr>
-            <a:normAutofit/>
-          </a:bodyPr>
-          <a:lstStyle/>
-          <a:p>
-            <a:r>
-              <a:rPr lang="en-US" altLang="ko-KR" sz="2800" dirty="0"/>
-              <a:t> </a:t>
-            </a:r>
-            <a:r>
-              <a:rPr lang="en-US" altLang="ko-KR" sz="2800" dirty="0" err="1" smtClean="0"/>
-              <a:t>numpy</a:t>
-            </a:r>
-            <a:r>
-              <a:rPr lang="en-US" altLang="ko-KR" sz="2800" dirty="0" smtClean="0"/>
-              <a:t> </a:t>
-            </a:r>
-            <a:r>
-              <a:rPr lang="ko-KR" altLang="en-US" sz="2800" dirty="0" smtClean="0"/>
-              <a:t>모듈</a:t>
-            </a:r>
-            <a:endParaRPr lang="ko-KR" altLang="en-US" sz="2800" dirty="0"/>
-          </a:p>
-        </p:txBody>
-      </p:sp>
-      <p:sp>
-        <p:nvSpPr>
           <p:cNvPr id="4" name="슬라이드 번호 개체 틀 3"/>
           <p:cNvSpPr>
             <a:spLocks noGrp="1"/>
@@ -13185,9 +10858,142 @@
           </a:p>
         </p:txBody>
       </p:sp>
+      <p:sp>
+        <p:nvSpPr>
+          <p:cNvPr id="8" name="제목 1"/>
+          <p:cNvSpPr txBox="1">
+            <a:spLocks/>
+          </p:cNvSpPr>
+          <p:nvPr/>
+        </p:nvSpPr>
+        <p:spPr>
+          <a:xfrm>
+            <a:off x="696077" y="188640"/>
+            <a:ext cx="6201139" cy="854968"/>
+          </a:xfrm>
+          <a:prstGeom prst="rect">
+            <a:avLst/>
+          </a:prstGeom>
+        </p:spPr>
+        <p:txBody>
+          <a:bodyPr vert="horz" lIns="91440" tIns="45720" rIns="91440" bIns="45720" rtlCol="0" anchor="ctr">
+            <a:normAutofit/>
+          </a:bodyPr>
+          <a:lstStyle>
+            <a:lvl1pPr algn="l" defTabSz="914400" rtl="0" eaLnBrk="1" latinLnBrk="1" hangingPunct="1">
+              <a:spcBef>
+                <a:spcPct val="0"/>
+              </a:spcBef>
+              <a:buNone/>
+              <a:defRPr sz="3200" kern="1200">
+                <a:solidFill>
+                  <a:sysClr val="windowText" lastClr="000000"/>
+                </a:solidFill>
+                <a:latin typeface="휴먼엑스포" panose="02030504000101010101" pitchFamily="18" charset="-127"/>
+                <a:ea typeface="휴먼엑스포" panose="02030504000101010101" pitchFamily="18" charset="-127"/>
+                <a:cs typeface="+mj-cs"/>
+              </a:defRPr>
+            </a:lvl1pPr>
+          </a:lstStyle>
+          <a:p>
+            <a:r>
+              <a:rPr lang="en-US" altLang="ko-KR" dirty="0" smtClean="0"/>
+              <a:t> </a:t>
+            </a:r>
+            <a:r>
+              <a:rPr lang="en-US" altLang="ko-KR" dirty="0" err="1" smtClean="0"/>
+              <a:t>Numpy</a:t>
+            </a:r>
+            <a:r>
+              <a:rPr lang="en-US" altLang="ko-KR" dirty="0" smtClean="0"/>
+              <a:t> </a:t>
+            </a:r>
+            <a:r>
+              <a:rPr lang="ko-KR" altLang="en-US" dirty="0" smtClean="0"/>
+              <a:t>모듈</a:t>
+            </a:r>
+            <a:r>
+              <a:rPr lang="en-US" altLang="ko-KR" dirty="0" smtClean="0"/>
+              <a:t> </a:t>
+            </a:r>
+            <a:r>
+              <a:rPr lang="ko-KR" altLang="en-US" dirty="0" smtClean="0"/>
+              <a:t> </a:t>
+            </a:r>
+            <a:endParaRPr lang="ko-KR" altLang="en-US" dirty="0"/>
+          </a:p>
+        </p:txBody>
+      </p:sp>
+      <p:sp>
+        <p:nvSpPr>
+          <p:cNvPr id="9" name="TextBox 8"/>
+          <p:cNvSpPr txBox="1"/>
+          <p:nvPr/>
+        </p:nvSpPr>
+        <p:spPr>
+          <a:xfrm>
+            <a:off x="986559" y="1196752"/>
+            <a:ext cx="3534393" cy="443198"/>
+          </a:xfrm>
+          <a:prstGeom prst="rect">
+            <a:avLst/>
+          </a:prstGeom>
+          <a:noFill/>
+          <a:ln>
+            <a:noFill/>
+          </a:ln>
+        </p:spPr>
+        <p:style>
+          <a:lnRef idx="1">
+            <a:schemeClr val="accent3"/>
+          </a:lnRef>
+          <a:fillRef idx="2">
+            <a:schemeClr val="accent3"/>
+          </a:fillRef>
+          <a:effectRef idx="1">
+            <a:schemeClr val="accent3"/>
+          </a:effectRef>
+          <a:fontRef idx="minor">
+            <a:schemeClr val="dk1"/>
+          </a:fontRef>
+        </p:style>
+        <p:txBody>
+          <a:bodyPr wrap="square" rtlCol="0">
+            <a:spAutoFit/>
+          </a:bodyPr>
+          <a:lstStyle/>
+          <a:p>
+            <a:pPr marL="342900" indent="-342900">
+              <a:lnSpc>
+                <a:spcPct val="150000"/>
+              </a:lnSpc>
+              <a:buFont typeface="Wingdings" panose="05000000000000000000" pitchFamily="2" charset="2"/>
+              <a:buChar char="l"/>
+            </a:pPr>
+            <a:r>
+              <a:rPr lang="ko-KR" altLang="en-US" dirty="0" err="1" smtClean="0">
+                <a:latin typeface="돋움" panose="020B0600000101010101" pitchFamily="50" charset="-127"/>
+                <a:ea typeface="돋움" panose="020B0600000101010101" pitchFamily="50" charset="-127"/>
+              </a:rPr>
+              <a:t>넘파이의</a:t>
+            </a:r>
+            <a:r>
+              <a:rPr lang="ko-KR" altLang="en-US" dirty="0" smtClean="0">
+                <a:latin typeface="돋움" panose="020B0600000101010101" pitchFamily="50" charset="-127"/>
+                <a:ea typeface="돋움" panose="020B0600000101010101" pitchFamily="50" charset="-127"/>
+              </a:rPr>
+              <a:t> 산술연산</a:t>
+            </a:r>
+            <a:endParaRPr lang="en-US" altLang="ko-KR" dirty="0" smtClean="0">
+              <a:latin typeface="돋움" panose="020B0600000101010101" pitchFamily="50" charset="-127"/>
+              <a:ea typeface="돋움" panose="020B0600000101010101" pitchFamily="50" charset="-127"/>
+            </a:endParaRPr>
+          </a:p>
+        </p:txBody>
+      </p:sp>
       <p:pic>
         <p:nvPicPr>
-          <p:cNvPr id="6" name="그림 5"/>
+          <p:cNvPr id="5" name="그림 4"/>
           <p:cNvPicPr>
             <a:picLocks noChangeAspect="1"/>
           </p:cNvPicPr>
@@ -13201,13 +11007,13 @@
               </a:ext>
             </a:extLst>
           </a:blip>
-          <a:srcRect r="10269" b="45313"/>
+          <a:srcRect b="31278"/>
           <a:stretch/>
         </p:blipFill>
         <p:spPr>
           <a:xfrm>
-            <a:off x="1280592" y="1556792"/>
-            <a:ext cx="3775052" cy="2520280"/>
+            <a:off x="1757363" y="1772816"/>
+            <a:ext cx="3695467" cy="2226844"/>
           </a:xfrm>
           <a:prstGeom prst="rect">
             <a:avLst/>
@@ -13215,61 +11021,241 @@
           <a:ln>
             <a:solidFill>
               <a:schemeClr val="bg1">
-                <a:lumMod val="65000"/>
+                <a:lumMod val="85000"/>
               </a:schemeClr>
             </a:solidFill>
           </a:ln>
         </p:spPr>
       </p:pic>
-      <p:sp>
-        <p:nvSpPr>
-          <p:cNvPr id="8" name="모서리가 둥근 직사각형 7"/>
-          <p:cNvSpPr/>
+      <p:pic>
+        <p:nvPicPr>
+          <p:cNvPr id="16" name="그림 15"/>
+          <p:cNvPicPr>
+            <a:picLocks noChangeAspect="1"/>
+          </p:cNvPicPr>
           <p:nvPr/>
-        </p:nvSpPr>
-        <p:spPr>
-          <a:xfrm>
-            <a:off x="1420225" y="1988840"/>
-            <a:ext cx="2524663" cy="504056"/>
-          </a:xfrm>
-          <a:prstGeom prst="roundRect">
+        </p:nvPicPr>
+        <p:blipFill rotWithShape="1">
+          <a:blip r:embed="rId2">
+            <a:extLst>
+              <a:ext uri="{28A0092B-C50C-407E-A947-70E740481C1C}">
+                <a14:useLocalDpi xmlns:a14="http://schemas.microsoft.com/office/drawing/2010/main" val="0"/>
+              </a:ext>
+            </a:extLst>
+          </a:blip>
+          <a:srcRect t="76027" r="55615"/>
+          <a:stretch/>
+        </p:blipFill>
+        <p:spPr>
+          <a:xfrm>
+            <a:off x="3814664" y="2924944"/>
+            <a:ext cx="1640246" cy="936104"/>
+          </a:xfrm>
+          <a:prstGeom prst="rect">
             <a:avLst/>
           </a:prstGeom>
-          <a:noFill/>
-          <a:ln w="19050">
+          <a:ln>
+            <a:solidFill>
+              <a:schemeClr val="bg1">
+                <a:lumMod val="85000"/>
+              </a:schemeClr>
+            </a:solidFill>
+          </a:ln>
+        </p:spPr>
+      </p:pic>
+      <p:cxnSp>
+        <p:nvCxnSpPr>
+          <p:cNvPr id="10" name="직선 화살표 연결선 9"/>
+          <p:cNvCxnSpPr/>
+          <p:nvPr/>
+        </p:nvCxnSpPr>
+        <p:spPr>
+          <a:xfrm flipV="1">
+            <a:off x="5032363" y="3014750"/>
+            <a:ext cx="792089" cy="18206"/>
+          </a:xfrm>
+          <a:prstGeom prst="straightConnector1">
+            <a:avLst/>
+          </a:prstGeom>
+          <a:ln w="12700">
             <a:solidFill>
               <a:srgbClr val="C00000"/>
             </a:solidFill>
+            <a:prstDash val="sysDash"/>
+            <a:tailEnd type="triangle"/>
           </a:ln>
         </p:spPr>
         <p:style>
-          <a:lnRef idx="2">
-            <a:schemeClr val="accent1">
-              <a:shade val="50000"/>
-            </a:schemeClr>
+          <a:lnRef idx="1">
+            <a:schemeClr val="accent1"/>
           </a:lnRef>
-          <a:fillRef idx="1">
+          <a:fillRef idx="0">
             <a:schemeClr val="accent1"/>
           </a:fillRef>
           <a:effectRef idx="0">
             <a:schemeClr val="accent1"/>
           </a:effectRef>
           <a:fontRef idx="minor">
-            <a:schemeClr val="lt1"/>
+            <a:schemeClr val="tx1"/>
           </a:fontRef>
         </p:style>
+      </p:cxnSp>
+      <p:sp>
+        <p:nvSpPr>
+          <p:cNvPr id="11" name="모서리가 둥근 직사각형 10"/>
+          <p:cNvSpPr/>
+          <p:nvPr/>
+        </p:nvSpPr>
+        <p:spPr>
+          <a:xfrm>
+            <a:off x="5892113" y="2852936"/>
+            <a:ext cx="1409867" cy="360040"/>
+          </a:xfrm>
+          <a:prstGeom prst="roundRect">
+            <a:avLst/>
+          </a:prstGeom>
+          <a:ln/>
+        </p:spPr>
+        <p:style>
+          <a:lnRef idx="2">
+            <a:schemeClr val="accent3"/>
+          </a:lnRef>
+          <a:fillRef idx="1">
+            <a:schemeClr val="lt1"/>
+          </a:fillRef>
+          <a:effectRef idx="0">
+            <a:schemeClr val="accent3"/>
+          </a:effectRef>
+          <a:fontRef idx="minor">
+            <a:schemeClr val="dk1"/>
+          </a:fontRef>
+        </p:style>
         <p:txBody>
           <a:bodyPr rtlCol="0" anchor="ctr"/>
           <a:lstStyle/>
           <a:p>
-            <a:pPr algn="ctr"/>
-            <a:endParaRPr lang="ko-KR" altLang="en-US"/>
+            <a:r>
+              <a:rPr lang="ko-KR" altLang="en-US" sz="1600" err="1" smtClean="0">
+                <a:solidFill>
+                  <a:sysClr val="windowText" lastClr="000000"/>
+                </a:solidFill>
+              </a:rPr>
+              <a:t>원소별</a:t>
+            </a:r>
+            <a:r>
+              <a:rPr lang="ko-KR" altLang="en-US" sz="1600" dirty="0" smtClean="0">
+                <a:solidFill>
+                  <a:sysClr val="windowText" lastClr="000000"/>
+                </a:solidFill>
+              </a:rPr>
+              <a:t> 덧셈</a:t>
+            </a:r>
+            <a:endParaRPr lang="ko-KR" altLang="en-US" sz="1600" dirty="0">
+              <a:solidFill>
+                <a:sysClr val="windowText" lastClr="000000"/>
+              </a:solidFill>
+            </a:endParaRPr>
+          </a:p>
+        </p:txBody>
+      </p:sp>
+      <p:cxnSp>
+        <p:nvCxnSpPr>
+          <p:cNvPr id="13" name="직선 화살표 연결선 12"/>
+          <p:cNvCxnSpPr/>
+          <p:nvPr/>
+        </p:nvCxnSpPr>
+        <p:spPr>
+          <a:xfrm flipV="1">
+            <a:off x="5058865" y="3492632"/>
+            <a:ext cx="792089" cy="18206"/>
+          </a:xfrm>
+          <a:prstGeom prst="straightConnector1">
+            <a:avLst/>
+          </a:prstGeom>
+          <a:ln w="12700">
+            <a:solidFill>
+              <a:srgbClr val="C00000"/>
+            </a:solidFill>
+            <a:prstDash val="sysDash"/>
+            <a:tailEnd type="triangle"/>
+          </a:ln>
+        </p:spPr>
+        <p:style>
+          <a:lnRef idx="1">
+            <a:schemeClr val="accent1"/>
+          </a:lnRef>
+          <a:fillRef idx="0">
+            <a:schemeClr val="accent1"/>
+          </a:fillRef>
+          <a:effectRef idx="0">
+            <a:schemeClr val="accent1"/>
+          </a:effectRef>
+          <a:fontRef idx="minor">
+            <a:schemeClr val="tx1"/>
+          </a:fontRef>
+        </p:style>
+      </p:cxnSp>
+      <p:sp>
+        <p:nvSpPr>
+          <p:cNvPr id="15" name="모서리가 둥근 직사각형 14"/>
+          <p:cNvSpPr/>
+          <p:nvPr/>
+        </p:nvSpPr>
+        <p:spPr>
+          <a:xfrm>
+            <a:off x="5918615" y="3330818"/>
+            <a:ext cx="1383365" cy="360040"/>
+          </a:xfrm>
+          <a:prstGeom prst="roundRect">
+            <a:avLst/>
+          </a:prstGeom>
+          <a:ln/>
+        </p:spPr>
+        <p:style>
+          <a:lnRef idx="2">
+            <a:schemeClr val="accent3"/>
+          </a:lnRef>
+          <a:fillRef idx="1">
+            <a:schemeClr val="lt1"/>
+          </a:fillRef>
+          <a:effectRef idx="0">
+            <a:schemeClr val="accent3"/>
+          </a:effectRef>
+          <a:fontRef idx="minor">
+            <a:schemeClr val="dk1"/>
+          </a:fontRef>
+        </p:style>
+        <p:txBody>
+          <a:bodyPr rtlCol="0" anchor="ctr"/>
+          <a:lstStyle/>
+          <a:p>
+            <a:r>
+              <a:rPr lang="ko-KR" altLang="en-US" sz="1600" dirty="0" err="1" smtClean="0">
+                <a:solidFill>
+                  <a:sysClr val="windowText" lastClr="000000"/>
+                </a:solidFill>
+              </a:rPr>
+              <a:t>원소별</a:t>
+            </a:r>
+            <a:r>
+              <a:rPr lang="ko-KR" altLang="en-US" sz="1600" dirty="0" smtClean="0">
+                <a:solidFill>
+                  <a:sysClr val="windowText" lastClr="000000"/>
+                </a:solidFill>
+              </a:rPr>
+              <a:t> 곱셈</a:t>
+            </a:r>
+            <a:endParaRPr lang="ko-KR" altLang="en-US" sz="1600" dirty="0">
+              <a:solidFill>
+                <a:sysClr val="windowText" lastClr="000000"/>
+              </a:solidFill>
+            </a:endParaRPr>
           </a:p>
         </p:txBody>
       </p:sp>
       <p:pic>
         <p:nvPicPr>
-          <p:cNvPr id="15" name="그림 14"/>
+          <p:cNvPr id="7" name="그림 6"/>
           <p:cNvPicPr>
             <a:picLocks noChangeAspect="1"/>
           </p:cNvPicPr>
@@ -13283,13 +11269,13 @@
               </a:ext>
             </a:extLst>
           </a:blip>
-          <a:srcRect l="11042"/>
+          <a:srcRect b="43074"/>
           <a:stretch/>
         </p:blipFill>
         <p:spPr>
           <a:xfrm>
-            <a:off x="3656856" y="4172122"/>
-            <a:ext cx="4970018" cy="2066287"/>
+            <a:off x="1757363" y="4254390"/>
+            <a:ext cx="3697547" cy="1100043"/>
           </a:xfrm>
           <a:prstGeom prst="rect">
             <a:avLst/>
@@ -13297,27 +11283,334 @@
           <a:ln>
             <a:solidFill>
               <a:schemeClr val="bg1">
-                <a:lumMod val="65000"/>
+                <a:lumMod val="85000"/>
               </a:schemeClr>
             </a:solidFill>
           </a:ln>
         </p:spPr>
       </p:pic>
+      <p:pic>
+        <p:nvPicPr>
+          <p:cNvPr id="23" name="그림 22"/>
+          <p:cNvPicPr>
+            <a:picLocks noChangeAspect="1"/>
+          </p:cNvPicPr>
+          <p:nvPr/>
+        </p:nvPicPr>
+        <p:blipFill rotWithShape="1">
+          <a:blip r:embed="rId3">
+            <a:extLst>
+              <a:ext uri="{28A0092B-C50C-407E-A947-70E740481C1C}">
+                <a14:useLocalDpi xmlns:a14="http://schemas.microsoft.com/office/drawing/2010/main" val="0"/>
+              </a:ext>
+            </a:extLst>
+          </a:blip>
+          <a:srcRect t="72459" r="60513"/>
+          <a:stretch/>
+        </p:blipFill>
+        <p:spPr>
+          <a:xfrm>
+            <a:off x="3840412" y="4570369"/>
+            <a:ext cx="1889552" cy="711924"/>
+          </a:xfrm>
+          <a:prstGeom prst="rect">
+            <a:avLst/>
+          </a:prstGeom>
+        </p:spPr>
+      </p:pic>
       <p:cxnSp>
         <p:nvCxnSpPr>
-          <p:cNvPr id="17" name="직선 연결선 16"/>
+          <p:cNvPr id="19" name="직선 화살표 연결선 18"/>
           <p:cNvCxnSpPr/>
           <p:nvPr/>
         </p:nvCxnSpPr>
         <p:spPr>
           <a:xfrm>
-            <a:off x="3768999" y="5013176"/>
-            <a:ext cx="4745732" cy="0"/>
-          </a:xfrm>
-          <a:prstGeom prst="line">
+            <a:off x="4881623" y="4645904"/>
+            <a:ext cx="1036992" cy="0"/>
+          </a:xfrm>
+          <a:prstGeom prst="straightConnector1">
             <a:avLst/>
           </a:prstGeom>
-          <a:ln w="28575"/>
+          <a:ln>
+            <a:tailEnd type="triangle"/>
+          </a:ln>
+        </p:spPr>
+        <p:style>
+          <a:lnRef idx="2">
+            <a:schemeClr val="accent4"/>
+          </a:lnRef>
+          <a:fillRef idx="1">
+            <a:schemeClr val="lt1"/>
+          </a:fillRef>
+          <a:effectRef idx="0">
+            <a:schemeClr val="accent4"/>
+          </a:effectRef>
+          <a:fontRef idx="minor">
+            <a:schemeClr val="dk1"/>
+          </a:fontRef>
+        </p:style>
+      </p:cxnSp>
+      <p:sp>
+        <p:nvSpPr>
+          <p:cNvPr id="20" name="모서리가 둥근 직사각형 19"/>
+          <p:cNvSpPr/>
+          <p:nvPr/>
+        </p:nvSpPr>
+        <p:spPr>
+          <a:xfrm>
+            <a:off x="6103763" y="4444371"/>
+            <a:ext cx="2089597" cy="360040"/>
+          </a:xfrm>
+          <a:prstGeom prst="roundRect">
+            <a:avLst/>
+          </a:prstGeom>
+          <a:ln/>
+        </p:spPr>
+        <p:style>
+          <a:lnRef idx="2">
+            <a:schemeClr val="accent4"/>
+          </a:lnRef>
+          <a:fillRef idx="1">
+            <a:schemeClr val="lt1"/>
+          </a:fillRef>
+          <a:effectRef idx="0">
+            <a:schemeClr val="accent4"/>
+          </a:effectRef>
+          <a:fontRef idx="minor">
+            <a:schemeClr val="dk1"/>
+          </a:fontRef>
+        </p:style>
+        <p:txBody>
+          <a:bodyPr rtlCol="0" anchor="ctr"/>
+          <a:lstStyle/>
+          <a:p>
+            <a:r>
+              <a:rPr lang="en-US" altLang="ko-KR" sz="1600" dirty="0" smtClean="0">
+                <a:solidFill>
+                  <a:sysClr val="windowText" lastClr="000000"/>
+                </a:solidFill>
+              </a:rPr>
+              <a:t>1</a:t>
+            </a:r>
+            <a:r>
+              <a:rPr lang="ko-KR" altLang="en-US" sz="1600" dirty="0" smtClean="0">
+                <a:solidFill>
+                  <a:sysClr val="windowText" lastClr="000000"/>
+                </a:solidFill>
+              </a:rPr>
+              <a:t>차원 배열의 형상</a:t>
+            </a:r>
+            <a:endParaRPr lang="ko-KR" altLang="en-US" sz="1600" dirty="0">
+              <a:solidFill>
+                <a:sysClr val="windowText" lastClr="000000"/>
+              </a:solidFill>
+            </a:endParaRPr>
+          </a:p>
+        </p:txBody>
+      </p:sp>
+      <p:cxnSp>
+        <p:nvCxnSpPr>
+          <p:cNvPr id="21" name="직선 화살표 연결선 20"/>
+          <p:cNvCxnSpPr/>
+          <p:nvPr/>
+        </p:nvCxnSpPr>
+        <p:spPr>
+          <a:xfrm>
+            <a:off x="4954893" y="4959453"/>
+            <a:ext cx="937220" cy="87025"/>
+          </a:xfrm>
+          <a:prstGeom prst="straightConnector1">
+            <a:avLst/>
+          </a:prstGeom>
+          <a:ln>
+            <a:tailEnd type="triangle"/>
+          </a:ln>
+        </p:spPr>
+        <p:style>
+          <a:lnRef idx="2">
+            <a:schemeClr val="accent4"/>
+          </a:lnRef>
+          <a:fillRef idx="1">
+            <a:schemeClr val="lt1"/>
+          </a:fillRef>
+          <a:effectRef idx="0">
+            <a:schemeClr val="accent4"/>
+          </a:effectRef>
+          <a:fontRef idx="minor">
+            <a:schemeClr val="dk1"/>
+          </a:fontRef>
+        </p:style>
+      </p:cxnSp>
+      <p:sp>
+        <p:nvSpPr>
+          <p:cNvPr id="22" name="모서리가 둥근 직사각형 21"/>
+          <p:cNvSpPr/>
+          <p:nvPr/>
+        </p:nvSpPr>
+        <p:spPr>
+          <a:xfrm>
+            <a:off x="6103763" y="4922253"/>
+            <a:ext cx="2953693" cy="360040"/>
+          </a:xfrm>
+          <a:prstGeom prst="roundRect">
+            <a:avLst/>
+          </a:prstGeom>
+          <a:ln/>
+        </p:spPr>
+        <p:style>
+          <a:lnRef idx="2">
+            <a:schemeClr val="accent4"/>
+          </a:lnRef>
+          <a:fillRef idx="1">
+            <a:schemeClr val="lt1"/>
+          </a:fillRef>
+          <a:effectRef idx="0">
+            <a:schemeClr val="accent4"/>
+          </a:effectRef>
+          <a:fontRef idx="minor">
+            <a:schemeClr val="dk1"/>
+          </a:fontRef>
+        </p:style>
+        <p:txBody>
+          <a:bodyPr rtlCol="0" anchor="ctr"/>
+          <a:lstStyle/>
+          <a:p>
+            <a:r>
+              <a:rPr lang="ko-KR" altLang="en-US" sz="1600" dirty="0" smtClean="0">
+                <a:solidFill>
+                  <a:sysClr val="windowText" lastClr="000000"/>
+                </a:solidFill>
+              </a:rPr>
+              <a:t>배열에 담긴 자료의 타입</a:t>
+            </a:r>
+            <a:r>
+              <a:rPr lang="en-US" altLang="ko-KR" sz="1600" dirty="0" smtClean="0">
+                <a:solidFill>
+                  <a:sysClr val="windowText" lastClr="000000"/>
+                </a:solidFill>
+              </a:rPr>
+              <a:t>(type)</a:t>
+            </a:r>
+            <a:endParaRPr lang="ko-KR" altLang="en-US" sz="1600" dirty="0">
+              <a:solidFill>
+                <a:sysClr val="windowText" lastClr="000000"/>
+              </a:solidFill>
+            </a:endParaRPr>
+          </a:p>
+        </p:txBody>
+      </p:sp>
+      <p:sp>
+        <p:nvSpPr>
+          <p:cNvPr id="26" name="모서리가 둥근 직사각형 25"/>
+          <p:cNvSpPr/>
+          <p:nvPr/>
+        </p:nvSpPr>
+        <p:spPr>
+          <a:xfrm>
+            <a:off x="2077041" y="5661248"/>
+            <a:ext cx="5963648" cy="504056"/>
+          </a:xfrm>
+          <a:prstGeom prst="roundRect">
+            <a:avLst/>
+          </a:prstGeom>
+          <a:ln/>
+        </p:spPr>
+        <p:style>
+          <a:lnRef idx="2">
+            <a:schemeClr val="accent4"/>
+          </a:lnRef>
+          <a:fillRef idx="1">
+            <a:schemeClr val="lt1"/>
+          </a:fillRef>
+          <a:effectRef idx="0">
+            <a:schemeClr val="accent4"/>
+          </a:effectRef>
+          <a:fontRef idx="minor">
+            <a:schemeClr val="dk1"/>
+          </a:fontRef>
+        </p:style>
+        <p:txBody>
+          <a:bodyPr rtlCol="0" anchor="ctr"/>
+          <a:lstStyle/>
+          <a:p>
+            <a:r>
+              <a:rPr lang="en-US" altLang="ko-KR" sz="1600" dirty="0" smtClean="0">
+                <a:solidFill>
+                  <a:sysClr val="windowText" lastClr="000000"/>
+                </a:solidFill>
+              </a:rPr>
+              <a:t>1</a:t>
+            </a:r>
+            <a:r>
+              <a:rPr lang="ko-KR" altLang="en-US" sz="1600" dirty="0" smtClean="0">
+                <a:solidFill>
+                  <a:sysClr val="windowText" lastClr="000000"/>
+                </a:solidFill>
+              </a:rPr>
+              <a:t>차원 배열과 수치 하나</a:t>
+            </a:r>
+            <a:r>
+              <a:rPr lang="en-US" altLang="ko-KR" sz="1600" dirty="0" smtClean="0">
+                <a:solidFill>
+                  <a:sysClr val="windowText" lastClr="000000"/>
+                </a:solidFill>
+              </a:rPr>
+              <a:t>(</a:t>
+            </a:r>
+            <a:r>
+              <a:rPr lang="ko-KR" altLang="en-US" sz="1600" dirty="0" err="1" smtClean="0">
+                <a:solidFill>
+                  <a:sysClr val="windowText" lastClr="000000"/>
+                </a:solidFill>
+              </a:rPr>
+              <a:t>스칼라값</a:t>
+            </a:r>
+            <a:r>
+              <a:rPr lang="en-US" altLang="ko-KR" sz="1600" dirty="0" smtClean="0">
+                <a:solidFill>
+                  <a:sysClr val="windowText" lastClr="000000"/>
+                </a:solidFill>
+              </a:rPr>
+              <a:t>)</a:t>
+            </a:r>
+            <a:r>
+              <a:rPr lang="ko-KR" altLang="en-US" sz="1600" dirty="0" smtClean="0">
+                <a:solidFill>
+                  <a:sysClr val="windowText" lastClr="000000"/>
+                </a:solidFill>
+              </a:rPr>
+              <a:t>의 조합으로 산술연산 수행</a:t>
+            </a:r>
+            <a:endParaRPr lang="ko-KR" altLang="en-US" sz="1600" dirty="0">
+              <a:solidFill>
+                <a:sysClr val="windowText" lastClr="000000"/>
+              </a:solidFill>
+            </a:endParaRPr>
+          </a:p>
+        </p:txBody>
+      </p:sp>
+      <p:cxnSp>
+        <p:nvCxnSpPr>
+          <p:cNvPr id="27" name="직선 화살표 연결선 26"/>
+          <p:cNvCxnSpPr/>
+          <p:nvPr/>
+        </p:nvCxnSpPr>
+        <p:spPr>
+          <a:xfrm>
+            <a:off x="3248209" y="5360702"/>
+            <a:ext cx="357927" cy="300546"/>
+          </a:xfrm>
+          <a:prstGeom prst="straightConnector1">
+            <a:avLst/>
+          </a:prstGeom>
+          <a:ln w="12700">
+            <a:solidFill>
+              <a:srgbClr val="C00000"/>
+            </a:solidFill>
+            <a:prstDash val="sysDash"/>
+            <a:tailEnd type="triangle"/>
+          </a:ln>
         </p:spPr>
         <p:style>
           <a:lnRef idx="1">
@@ -13337,7 +11630,7 @@
     </p:spTree>
     <p:extLst>
       <p:ext uri="{BB962C8B-B14F-4D97-AF65-F5344CB8AC3E}">
-        <p14:creationId xmlns:p14="http://schemas.microsoft.com/office/powerpoint/2010/main" val="4128371879"/>
+        <p14:creationId xmlns:p14="http://schemas.microsoft.com/office/powerpoint/2010/main" val="17325962"/>
       </p:ext>
     </p:extLst>
   </p:cSld>
@@ -13347,141 +11640,9 @@
   <p:timing>
     <p:tnLst>
       <p:par>
-        <p:cTn id="1" dur="indefinite" restart="never" nodeType="tmRoot">
-          <p:childTnLst>
-            <p:seq concurrent="1" nextAc="seek">
-              <p:cTn id="2" dur="indefinite" nodeType="mainSeq">
-                <p:childTnLst>
-                  <p:par>
-                    <p:cTn id="3" fill="hold">
-                      <p:stCondLst>
-                        <p:cond delay="indefinite"/>
-                      </p:stCondLst>
-                      <p:childTnLst>
-                        <p:par>
-                          <p:cTn id="4" fill="hold">
-                            <p:stCondLst>
-                              <p:cond delay="0"/>
-                            </p:stCondLst>
-                            <p:childTnLst>
-                              <p:par>
-                                <p:cTn id="5" presetID="10" presetClass="entr" presetSubtype="0" fill="hold" grpId="0" nodeType="clickEffect">
-                                  <p:stCondLst>
-                                    <p:cond delay="0"/>
-                                  </p:stCondLst>
-                                  <p:childTnLst>
-                                    <p:set>
-                                      <p:cBhvr>
-                                        <p:cTn id="6" dur="1" fill="hold">
-                                          <p:stCondLst>
-                                            <p:cond delay="0"/>
-                                          </p:stCondLst>
-                                        </p:cTn>
-                                        <p:tgtEl>
-                                          <p:spTgt spid="8"/>
-                                        </p:tgtEl>
-                                        <p:attrNameLst>
-                                          <p:attrName>style.visibility</p:attrName>
-                                        </p:attrNameLst>
-                                      </p:cBhvr>
-                                      <p:to>
-                                        <p:strVal val="visible"/>
-                                      </p:to>
-                                    </p:set>
-                                    <p:animEffect transition="in" filter="fade">
-                                      <p:cBhvr>
-                                        <p:cTn id="7" dur="500"/>
-                                        <p:tgtEl>
-                                          <p:spTgt spid="8"/>
-                                        </p:tgtEl>
-                                      </p:cBhvr>
-                                    </p:animEffect>
-                                  </p:childTnLst>
-                                </p:cTn>
-                              </p:par>
-                            </p:childTnLst>
-                          </p:cTn>
-                        </p:par>
-                      </p:childTnLst>
-                    </p:cTn>
-                  </p:par>
-                  <p:par>
-                    <p:cTn id="8" fill="hold">
-                      <p:stCondLst>
-                        <p:cond delay="indefinite"/>
-                      </p:stCondLst>
-                      <p:childTnLst>
-                        <p:par>
-                          <p:cTn id="9" fill="hold">
-                            <p:stCondLst>
-                              <p:cond delay="0"/>
-                            </p:stCondLst>
-                            <p:childTnLst>
-                              <p:par>
-                                <p:cTn id="10" presetID="22" presetClass="entr" presetSubtype="8" fill="hold" nodeType="clickEffect">
-                                  <p:stCondLst>
-                                    <p:cond delay="0"/>
-                                  </p:stCondLst>
-                                  <p:childTnLst>
-                                    <p:set>
-                                      <p:cBhvr>
-                                        <p:cTn id="11" dur="1" fill="hold">
-                                          <p:stCondLst>
-                                            <p:cond delay="0"/>
-                                          </p:stCondLst>
-                                        </p:cTn>
-                                        <p:tgtEl>
-                                          <p:spTgt spid="17"/>
-                                        </p:tgtEl>
-                                        <p:attrNameLst>
-                                          <p:attrName>style.visibility</p:attrName>
-                                        </p:attrNameLst>
-                                      </p:cBhvr>
-                                      <p:to>
-                                        <p:strVal val="visible"/>
-                                      </p:to>
-                                    </p:set>
-                                    <p:animEffect transition="in" filter="wipe(left)">
-                                      <p:cBhvr>
-                                        <p:cTn id="12" dur="500"/>
-                                        <p:tgtEl>
-                                          <p:spTgt spid="17"/>
-                                        </p:tgtEl>
-                                      </p:cBhvr>
-                                    </p:animEffect>
-                                  </p:childTnLst>
-                                </p:cTn>
-                              </p:par>
-                            </p:childTnLst>
-                          </p:cTn>
-                        </p:par>
-                      </p:childTnLst>
-                    </p:cTn>
-                  </p:par>
-                </p:childTnLst>
-              </p:cTn>
-              <p:prevCondLst>
-                <p:cond evt="onPrev" delay="0">
-                  <p:tgtEl>
-                    <p:sldTgt/>
-                  </p:tgtEl>
-                </p:cond>
-              </p:prevCondLst>
-              <p:nextCondLst>
-                <p:cond evt="onNext" delay="0">
-                  <p:tgtEl>
-                    <p:sldTgt/>
-                  </p:tgtEl>
-                </p:cond>
-              </p:nextCondLst>
-            </p:seq>
-          </p:childTnLst>
-        </p:cTn>
+        <p:cTn id="1" dur="indefinite" restart="never" nodeType="tmRoot"/>
       </p:par>
     </p:tnLst>
-    <p:bldLst>
-      <p:bldP spid="8" grpId="0" animBg="1"/>
-    </p:bldLst>
   </p:timing>
 </p:sld>
 </file>
@@ -13853,12 +12014,16 @@
               <a:t> </a:t>
             </a:r>
             <a:r>
-              <a:rPr lang="ko-KR" altLang="en-US" sz="2800" dirty="0"/>
-              <a:t>서울시 </a:t>
+              <a:rPr lang="en-US" altLang="ko-KR" sz="2800" dirty="0" err="1" smtClean="0"/>
+              <a:t>numpy</a:t>
+            </a:r>
+            <a:r>
+              <a:rPr lang="en-US" altLang="ko-KR" sz="2800" dirty="0" smtClean="0"/>
+              <a:t> </a:t>
             </a:r>
             <a:r>
               <a:rPr lang="ko-KR" altLang="en-US" sz="2800" dirty="0" smtClean="0"/>
-              <a:t>운동을 하지 않는 이유 통계</a:t>
+              <a:t>모듈 응용 예제</a:t>
             </a:r>
             <a:endParaRPr lang="ko-KR" altLang="en-US" sz="2800" dirty="0"/>
           </a:p>
@@ -13887,9 +12052,83 @@
           </a:p>
         </p:txBody>
       </p:sp>
+      <p:sp>
+        <p:nvSpPr>
+          <p:cNvPr id="7" name="TextBox 6"/>
+          <p:cNvSpPr txBox="1"/>
+          <p:nvPr/>
+        </p:nvSpPr>
+        <p:spPr>
+          <a:xfrm>
+            <a:off x="986559" y="1196752"/>
+            <a:ext cx="3894433" cy="507831"/>
+          </a:xfrm>
+          <a:prstGeom prst="rect">
+            <a:avLst/>
+          </a:prstGeom>
+          <a:noFill/>
+          <a:ln>
+            <a:noFill/>
+          </a:ln>
+        </p:spPr>
+        <p:style>
+          <a:lnRef idx="1">
+            <a:schemeClr val="accent3"/>
+          </a:lnRef>
+          <a:fillRef idx="2">
+            <a:schemeClr val="accent3"/>
+          </a:fillRef>
+          <a:effectRef idx="1">
+            <a:schemeClr val="accent3"/>
+          </a:effectRef>
+          <a:fontRef idx="minor">
+            <a:schemeClr val="dk1"/>
+          </a:fontRef>
+        </p:style>
+        <p:txBody>
+          <a:bodyPr wrap="square" rtlCol="0">
+            <a:spAutoFit/>
+          </a:bodyPr>
+          <a:lstStyle/>
+          <a:p>
+            <a:pPr marL="342900" indent="-342900">
+              <a:lnSpc>
+                <a:spcPct val="150000"/>
+              </a:lnSpc>
+              <a:buFont typeface="Wingdings" panose="05000000000000000000" pitchFamily="2" charset="2"/>
+              <a:buChar char="l"/>
+            </a:pPr>
+            <a:r>
+              <a:rPr lang="en-US" altLang="ko-KR" dirty="0" smtClean="0">
+                <a:latin typeface="돋움" panose="020B0600000101010101" pitchFamily="50" charset="-127"/>
+                <a:ea typeface="돋움" panose="020B0600000101010101" pitchFamily="50" charset="-127"/>
+              </a:rPr>
+              <a:t>2022</a:t>
+            </a:r>
+            <a:r>
+              <a:rPr lang="ko-KR" altLang="en-US" dirty="0" smtClean="0">
+                <a:latin typeface="돋움" panose="020B0600000101010101" pitchFamily="50" charset="-127"/>
+                <a:ea typeface="돋움" panose="020B0600000101010101" pitchFamily="50" charset="-127"/>
+              </a:rPr>
+              <a:t>년 한국 프로야구 </a:t>
+            </a:r>
+            <a:r>
+              <a:rPr lang="ko-KR" altLang="en-US" dirty="0" smtClean="0">
+                <a:latin typeface="돋움" panose="020B0600000101010101" pitchFamily="50" charset="-127"/>
+                <a:ea typeface="돋움" panose="020B0600000101010101" pitchFamily="50" charset="-127"/>
+              </a:rPr>
+              <a:t>성적표</a:t>
+            </a:r>
+            <a:endParaRPr lang="en-US" altLang="ko-KR" dirty="0" smtClean="0">
+              <a:latin typeface="돋움" panose="020B0600000101010101" pitchFamily="50" charset="-127"/>
+              <a:ea typeface="돋움" panose="020B0600000101010101" pitchFamily="50" charset="-127"/>
+            </a:endParaRPr>
+          </a:p>
+        </p:txBody>
+      </p:sp>
       <p:pic>
         <p:nvPicPr>
-          <p:cNvPr id="6" name="그림 5"/>
+          <p:cNvPr id="3" name="그림 2"/>
           <p:cNvPicPr>
             <a:picLocks noChangeAspect="1"/>
           </p:cNvPicPr>
@@ -13909,8 +12148,8 @@
         </p:blipFill>
         <p:spPr>
           <a:xfrm>
-            <a:off x="1208584" y="1484784"/>
-            <a:ext cx="7493881" cy="4536504"/>
+            <a:off x="1568624" y="1844824"/>
+            <a:ext cx="6120680" cy="4297814"/>
           </a:xfrm>
           <a:prstGeom prst="rect">
             <a:avLst/>
@@ -13927,7 +12166,7 @@
     </p:spTree>
     <p:extLst>
       <p:ext uri="{BB962C8B-B14F-4D97-AF65-F5344CB8AC3E}">
-        <p14:creationId xmlns:p14="http://schemas.microsoft.com/office/powerpoint/2010/main" val="2864161784"/>
+        <p14:creationId xmlns:p14="http://schemas.microsoft.com/office/powerpoint/2010/main" val="785353192"/>
       </p:ext>
     </p:extLst>
   </p:cSld>
@@ -13983,12 +12222,16 @@
               <a:t> </a:t>
             </a:r>
             <a:r>
-              <a:rPr lang="ko-KR" altLang="en-US" sz="2800" dirty="0"/>
-              <a:t>서울시 </a:t>
+              <a:rPr lang="en-US" altLang="ko-KR" sz="2800" dirty="0" err="1" smtClean="0"/>
+              <a:t>numpy</a:t>
+            </a:r>
+            <a:r>
+              <a:rPr lang="en-US" altLang="ko-KR" sz="2800" dirty="0" smtClean="0"/>
+              <a:t> </a:t>
             </a:r>
             <a:r>
               <a:rPr lang="ko-KR" altLang="en-US" sz="2800" dirty="0" smtClean="0"/>
-              <a:t>운동을 하지 않는 이유 통계</a:t>
+              <a:t>모듈 응용 예제</a:t>
             </a:r>
             <a:endParaRPr lang="ko-KR" altLang="en-US" sz="2800" dirty="0"/>
           </a:p>
@@ -14014,6 +12257,80 @@
               <a:t>41</a:t>
             </a:fld>
             <a:endParaRPr lang="ko-KR" altLang="en-US"/>
+          </a:p>
+        </p:txBody>
+      </p:sp>
+      <p:sp>
+        <p:nvSpPr>
+          <p:cNvPr id="7" name="TextBox 6"/>
+          <p:cNvSpPr txBox="1"/>
+          <p:nvPr/>
+        </p:nvSpPr>
+        <p:spPr>
+          <a:xfrm>
+            <a:off x="986559" y="1196752"/>
+            <a:ext cx="3966441" cy="507831"/>
+          </a:xfrm>
+          <a:prstGeom prst="rect">
+            <a:avLst/>
+          </a:prstGeom>
+          <a:noFill/>
+          <a:ln>
+            <a:noFill/>
+          </a:ln>
+        </p:spPr>
+        <p:style>
+          <a:lnRef idx="1">
+            <a:schemeClr val="accent3"/>
+          </a:lnRef>
+          <a:fillRef idx="2">
+            <a:schemeClr val="accent3"/>
+          </a:fillRef>
+          <a:effectRef idx="1">
+            <a:schemeClr val="accent3"/>
+          </a:effectRef>
+          <a:fontRef idx="minor">
+            <a:schemeClr val="dk1"/>
+          </a:fontRef>
+        </p:style>
+        <p:txBody>
+          <a:bodyPr wrap="square" rtlCol="0">
+            <a:spAutoFit/>
+          </a:bodyPr>
+          <a:lstStyle/>
+          <a:p>
+            <a:pPr marL="342900" indent="-342900">
+              <a:lnSpc>
+                <a:spcPct val="150000"/>
+              </a:lnSpc>
+              <a:buFont typeface="Wingdings" panose="05000000000000000000" pitchFamily="2" charset="2"/>
+              <a:buChar char="l"/>
+            </a:pPr>
+            <a:r>
+              <a:rPr lang="en-US" altLang="ko-KR" dirty="0" smtClean="0">
+                <a:latin typeface="돋움" panose="020B0600000101010101" pitchFamily="50" charset="-127"/>
+                <a:ea typeface="돋움" panose="020B0600000101010101" pitchFamily="50" charset="-127"/>
+              </a:rPr>
+              <a:t>2022</a:t>
+            </a:r>
+            <a:r>
+              <a:rPr lang="ko-KR" altLang="en-US" dirty="0" smtClean="0">
+                <a:latin typeface="돋움" panose="020B0600000101010101" pitchFamily="50" charset="-127"/>
+                <a:ea typeface="돋움" panose="020B0600000101010101" pitchFamily="50" charset="-127"/>
+              </a:rPr>
+              <a:t>년 한국 프로야구 </a:t>
+            </a:r>
+            <a:r>
+              <a:rPr lang="ko-KR" altLang="en-US" dirty="0" smtClean="0">
+                <a:latin typeface="돋움" panose="020B0600000101010101" pitchFamily="50" charset="-127"/>
+                <a:ea typeface="돋움" panose="020B0600000101010101" pitchFamily="50" charset="-127"/>
+              </a:rPr>
+              <a:t>성적표</a:t>
+            </a:r>
+            <a:endParaRPr lang="en-US" altLang="ko-KR" dirty="0" smtClean="0">
+              <a:latin typeface="돋움" panose="020B0600000101010101" pitchFamily="50" charset="-127"/>
+              <a:ea typeface="돋움" panose="020B0600000101010101" pitchFamily="50" charset="-127"/>
+            </a:endParaRPr>
           </a:p>
         </p:txBody>
       </p:sp>
@@ -14025,7 +12342,7 @@
           </p:cNvPicPr>
           <p:nvPr/>
         </p:nvPicPr>
-        <p:blipFill>
+        <p:blipFill rotWithShape="1">
           <a:blip r:embed="rId2">
             <a:extLst>
               <a:ext uri="{28A0092B-C50C-407E-A947-70E740481C1C}">
@@ -14033,14 +12350,13 @@
               </a:ext>
             </a:extLst>
           </a:blip>
-          <a:stretch>
-            <a:fillRect/>
-          </a:stretch>
+          <a:srcRect t="12004"/>
+          <a:stretch/>
         </p:blipFill>
         <p:spPr>
           <a:xfrm>
-            <a:off x="1424608" y="1484784"/>
-            <a:ext cx="6394594" cy="4680520"/>
+            <a:off x="1208584" y="1867783"/>
+            <a:ext cx="8093141" cy="3694928"/>
           </a:xfrm>
           <a:prstGeom prst="rect">
             <a:avLst/>
@@ -14050,7 +12366,7 @@
     </p:spTree>
     <p:extLst>
       <p:ext uri="{BB962C8B-B14F-4D97-AF65-F5344CB8AC3E}">
-        <p14:creationId xmlns:p14="http://schemas.microsoft.com/office/powerpoint/2010/main" val="3031770994"/>
+        <p14:creationId xmlns:p14="http://schemas.microsoft.com/office/powerpoint/2010/main" val="3060824752"/>
       </p:ext>
     </p:extLst>
   </p:cSld>
@@ -14106,12 +12422,16 @@
               <a:t> </a:t>
             </a:r>
             <a:r>
-              <a:rPr lang="ko-KR" altLang="en-US" sz="2800" dirty="0"/>
-              <a:t>서울시 </a:t>
+              <a:rPr lang="en-US" altLang="ko-KR" sz="2800" dirty="0" err="1" smtClean="0"/>
+              <a:t>numpy</a:t>
+            </a:r>
+            <a:r>
+              <a:rPr lang="en-US" altLang="ko-KR" sz="2800" dirty="0" smtClean="0"/>
+              <a:t> </a:t>
             </a:r>
             <a:r>
               <a:rPr lang="ko-KR" altLang="en-US" sz="2800" dirty="0" smtClean="0"/>
-              <a:t>운동을 하지 않는 이유 통계</a:t>
+              <a:t>모듈 응용 예제</a:t>
             </a:r>
             <a:endParaRPr lang="ko-KR" altLang="en-US" sz="2800" dirty="0"/>
           </a:p>
@@ -14137,6 +12457,80 @@
               <a:t>42</a:t>
             </a:fld>
             <a:endParaRPr lang="ko-KR" altLang="en-US"/>
+          </a:p>
+        </p:txBody>
+      </p:sp>
+      <p:sp>
+        <p:nvSpPr>
+          <p:cNvPr id="7" name="TextBox 6"/>
+          <p:cNvSpPr txBox="1"/>
+          <p:nvPr/>
+        </p:nvSpPr>
+        <p:spPr>
+          <a:xfrm>
+            <a:off x="986559" y="1196752"/>
+            <a:ext cx="3894433" cy="507831"/>
+          </a:xfrm>
+          <a:prstGeom prst="rect">
+            <a:avLst/>
+          </a:prstGeom>
+          <a:noFill/>
+          <a:ln>
+            <a:noFill/>
+          </a:ln>
+        </p:spPr>
+        <p:style>
+          <a:lnRef idx="1">
+            <a:schemeClr val="accent3"/>
+          </a:lnRef>
+          <a:fillRef idx="2">
+            <a:schemeClr val="accent3"/>
+          </a:fillRef>
+          <a:effectRef idx="1">
+            <a:schemeClr val="accent3"/>
+          </a:effectRef>
+          <a:fontRef idx="minor">
+            <a:schemeClr val="dk1"/>
+          </a:fontRef>
+        </p:style>
+        <p:txBody>
+          <a:bodyPr wrap="square" rtlCol="0">
+            <a:spAutoFit/>
+          </a:bodyPr>
+          <a:lstStyle/>
+          <a:p>
+            <a:pPr marL="342900" indent="-342900">
+              <a:lnSpc>
+                <a:spcPct val="150000"/>
+              </a:lnSpc>
+              <a:buFont typeface="Wingdings" panose="05000000000000000000" pitchFamily="2" charset="2"/>
+              <a:buChar char="l"/>
+            </a:pPr>
+            <a:r>
+              <a:rPr lang="en-US" altLang="ko-KR" dirty="0" smtClean="0">
+                <a:latin typeface="돋움" panose="020B0600000101010101" pitchFamily="50" charset="-127"/>
+                <a:ea typeface="돋움" panose="020B0600000101010101" pitchFamily="50" charset="-127"/>
+              </a:rPr>
+              <a:t>2022</a:t>
+            </a:r>
+            <a:r>
+              <a:rPr lang="ko-KR" altLang="en-US" dirty="0" smtClean="0">
+                <a:latin typeface="돋움" panose="020B0600000101010101" pitchFamily="50" charset="-127"/>
+                <a:ea typeface="돋움" panose="020B0600000101010101" pitchFamily="50" charset="-127"/>
+              </a:rPr>
+              <a:t>년 한국 프로야구 </a:t>
+            </a:r>
+            <a:r>
+              <a:rPr lang="ko-KR" altLang="en-US" dirty="0" smtClean="0">
+                <a:latin typeface="돋움" panose="020B0600000101010101" pitchFamily="50" charset="-127"/>
+                <a:ea typeface="돋움" panose="020B0600000101010101" pitchFamily="50" charset="-127"/>
+              </a:rPr>
+              <a:t>성적표</a:t>
+            </a:r>
+            <a:endParaRPr lang="en-US" altLang="ko-KR" dirty="0" smtClean="0">
+              <a:latin typeface="돋움" panose="020B0600000101010101" pitchFamily="50" charset="-127"/>
+              <a:ea typeface="돋움" panose="020B0600000101010101" pitchFamily="50" charset="-127"/>
+            </a:endParaRPr>
           </a:p>
         </p:txBody>
       </p:sp>
@@ -14162,8 +12556,8 @@
         </p:blipFill>
         <p:spPr>
           <a:xfrm>
-            <a:off x="344488" y="1268760"/>
-            <a:ext cx="9410700" cy="4172669"/>
+            <a:off x="1453939" y="1916832"/>
+            <a:ext cx="5162408" cy="3960440"/>
           </a:xfrm>
           <a:prstGeom prst="rect">
             <a:avLst/>
@@ -14180,7 +12574,7 @@
     </p:spTree>
     <p:extLst>
       <p:ext uri="{BB962C8B-B14F-4D97-AF65-F5344CB8AC3E}">
-        <p14:creationId xmlns:p14="http://schemas.microsoft.com/office/powerpoint/2010/main" val="1963798108"/>
+        <p14:creationId xmlns:p14="http://schemas.microsoft.com/office/powerpoint/2010/main" val="109045441"/>
       </p:ext>
     </p:extLst>
   </p:cSld>
@@ -14216,39 +12610,6 @@
       </p:grpSpPr>
       <p:sp>
         <p:nvSpPr>
-          <p:cNvPr id="2" name="제목 1"/>
-          <p:cNvSpPr>
-            <a:spLocks noGrp="1"/>
-          </p:cNvSpPr>
-          <p:nvPr>
-            <p:ph type="title"/>
-          </p:nvPr>
-        </p:nvSpPr>
-        <p:spPr/>
-        <p:txBody>
-          <a:bodyPr>
-            <a:normAutofit/>
-          </a:bodyPr>
-          <a:lstStyle/>
-          <a:p>
-            <a:r>
-              <a:rPr lang="en-US" altLang="ko-KR" sz="2800" dirty="0"/>
-              <a:t> </a:t>
-            </a:r>
-            <a:r>
-              <a:rPr lang="ko-KR" altLang="en-US" sz="2800" dirty="0"/>
-              <a:t>서울시 </a:t>
-            </a:r>
-            <a:r>
-              <a:rPr lang="ko-KR" altLang="en-US" sz="2800" dirty="0" smtClean="0"/>
-              <a:t>운동을 하지 않는 이유 통계</a:t>
-            </a:r>
-            <a:endParaRPr lang="ko-KR" altLang="en-US" sz="2800" dirty="0"/>
-          </a:p>
-        </p:txBody>
-      </p:sp>
-      <p:sp>
-        <p:nvSpPr>
           <p:cNvPr id="4" name="슬라이드 번호 개체 틀 3"/>
           <p:cNvSpPr>
             <a:spLocks noGrp="1"/>
@@ -14270,15 +12631,353 @@
           </a:p>
         </p:txBody>
       </p:sp>
+      <p:sp>
+        <p:nvSpPr>
+          <p:cNvPr id="8" name="제목 1"/>
+          <p:cNvSpPr txBox="1">
+            <a:spLocks/>
+          </p:cNvSpPr>
+          <p:nvPr/>
+        </p:nvSpPr>
+        <p:spPr>
+          <a:xfrm>
+            <a:off x="696077" y="188640"/>
+            <a:ext cx="6201139" cy="854968"/>
+          </a:xfrm>
+          <a:prstGeom prst="rect">
+            <a:avLst/>
+          </a:prstGeom>
+        </p:spPr>
+        <p:txBody>
+          <a:bodyPr vert="horz" lIns="91440" tIns="45720" rIns="91440" bIns="45720" rtlCol="0" anchor="ctr">
+            <a:normAutofit/>
+          </a:bodyPr>
+          <a:lstStyle>
+            <a:lvl1pPr algn="l" defTabSz="914400" rtl="0" eaLnBrk="1" latinLnBrk="1" hangingPunct="1">
+              <a:spcBef>
+                <a:spcPct val="0"/>
+              </a:spcBef>
+              <a:buNone/>
+              <a:defRPr sz="3200" kern="1200">
+                <a:solidFill>
+                  <a:sysClr val="windowText" lastClr="000000"/>
+                </a:solidFill>
+                <a:latin typeface="휴먼엑스포" panose="02030504000101010101" pitchFamily="18" charset="-127"/>
+                <a:ea typeface="휴먼엑스포" panose="02030504000101010101" pitchFamily="18" charset="-127"/>
+                <a:cs typeface="+mj-cs"/>
+              </a:defRPr>
+            </a:lvl1pPr>
+          </a:lstStyle>
+          <a:p>
+            <a:r>
+              <a:rPr lang="en-US" altLang="ko-KR" dirty="0" smtClean="0"/>
+              <a:t> </a:t>
+            </a:r>
+            <a:r>
+              <a:rPr lang="en-US" altLang="ko-KR" dirty="0" err="1" smtClean="0"/>
+              <a:t>Numpy</a:t>
+            </a:r>
+            <a:r>
+              <a:rPr lang="ko-KR" altLang="en-US" dirty="0" smtClean="0"/>
+              <a:t>의 </a:t>
+            </a:r>
+            <a:r>
+              <a:rPr lang="en-US" altLang="ko-KR" dirty="0" smtClean="0"/>
+              <a:t>N</a:t>
+            </a:r>
+            <a:r>
+              <a:rPr lang="ko-KR" altLang="en-US" dirty="0" smtClean="0"/>
+              <a:t>차원 배열</a:t>
+            </a:r>
+            <a:r>
+              <a:rPr lang="en-US" altLang="ko-KR" dirty="0" smtClean="0"/>
+              <a:t> </a:t>
+            </a:r>
+            <a:r>
+              <a:rPr lang="ko-KR" altLang="en-US" dirty="0" smtClean="0"/>
+              <a:t> </a:t>
+            </a:r>
+            <a:endParaRPr lang="ko-KR" altLang="en-US" dirty="0"/>
+          </a:p>
+        </p:txBody>
+      </p:sp>
+      <p:sp>
+        <p:nvSpPr>
+          <p:cNvPr id="6" name="TextBox 5"/>
+          <p:cNvSpPr txBox="1"/>
+          <p:nvPr/>
+        </p:nvSpPr>
+        <p:spPr>
+          <a:xfrm>
+            <a:off x="848544" y="1324330"/>
+            <a:ext cx="8767290" cy="1754326"/>
+          </a:xfrm>
+          <a:prstGeom prst="rect">
+            <a:avLst/>
+          </a:prstGeom>
+          <a:noFill/>
+          <a:ln>
+            <a:noFill/>
+          </a:ln>
+        </p:spPr>
+        <p:style>
+          <a:lnRef idx="1">
+            <a:schemeClr val="accent3"/>
+          </a:lnRef>
+          <a:fillRef idx="2">
+            <a:schemeClr val="accent3"/>
+          </a:fillRef>
+          <a:effectRef idx="1">
+            <a:schemeClr val="accent3"/>
+          </a:effectRef>
+          <a:fontRef idx="minor">
+            <a:schemeClr val="dk1"/>
+          </a:fontRef>
+        </p:style>
+        <p:txBody>
+          <a:bodyPr wrap="square" rtlCol="0">
+            <a:spAutoFit/>
+          </a:bodyPr>
+          <a:lstStyle/>
+          <a:p>
+            <a:pPr marL="342900" indent="-342900">
+              <a:lnSpc>
+                <a:spcPct val="150000"/>
+              </a:lnSpc>
+              <a:buFont typeface="Wingdings" panose="05000000000000000000" pitchFamily="2" charset="2"/>
+              <a:buChar char="v"/>
+            </a:pPr>
+            <a:r>
+              <a:rPr lang="ko-KR" altLang="en-US" dirty="0" err="1" smtClean="0">
+                <a:latin typeface="돋움" panose="020B0600000101010101" pitchFamily="50" charset="-127"/>
+                <a:ea typeface="돋움" panose="020B0600000101010101" pitchFamily="50" charset="-127"/>
+              </a:rPr>
+              <a:t>넘파이의</a:t>
+            </a:r>
+            <a:r>
+              <a:rPr lang="ko-KR" altLang="en-US" dirty="0" smtClean="0">
+                <a:latin typeface="돋움" panose="020B0600000101010101" pitchFamily="50" charset="-127"/>
+                <a:ea typeface="돋움" panose="020B0600000101010101" pitchFamily="50" charset="-127"/>
+              </a:rPr>
+              <a:t> </a:t>
+            </a:r>
+            <a:r>
+              <a:rPr lang="en-US" altLang="ko-KR" dirty="0" smtClean="0">
+                <a:latin typeface="돋움" panose="020B0600000101010101" pitchFamily="50" charset="-127"/>
+                <a:ea typeface="돋움" panose="020B0600000101010101" pitchFamily="50" charset="-127"/>
+              </a:rPr>
+              <a:t>N</a:t>
+            </a:r>
+            <a:r>
+              <a:rPr lang="ko-KR" altLang="en-US" dirty="0" smtClean="0">
+                <a:latin typeface="돋움" panose="020B0600000101010101" pitchFamily="50" charset="-127"/>
+                <a:ea typeface="돋움" panose="020B0600000101010101" pitchFamily="50" charset="-127"/>
+              </a:rPr>
+              <a:t>차원 배열</a:t>
+            </a:r>
+            <a:endParaRPr lang="en-US" altLang="ko-KR" dirty="0" smtClean="0">
+              <a:latin typeface="돋움" panose="020B0600000101010101" pitchFamily="50" charset="-127"/>
+              <a:ea typeface="돋움" panose="020B0600000101010101" pitchFamily="50" charset="-127"/>
+            </a:endParaRPr>
+          </a:p>
+          <a:p>
+            <a:pPr marL="800100" lvl="1" indent="-342900">
+              <a:lnSpc>
+                <a:spcPct val="150000"/>
+              </a:lnSpc>
+              <a:buFont typeface="Wingdings" panose="05000000000000000000" pitchFamily="2" charset="2"/>
+              <a:buChar char="§"/>
+            </a:pPr>
+            <a:r>
+              <a:rPr lang="en-US" altLang="ko-KR" dirty="0" smtClean="0">
+                <a:solidFill>
+                  <a:schemeClr val="tx1"/>
+                </a:solidFill>
+                <a:latin typeface="돋움" panose="020B0600000101010101" pitchFamily="50" charset="-127"/>
+                <a:ea typeface="돋움" panose="020B0600000101010101" pitchFamily="50" charset="-127"/>
+              </a:rPr>
+              <a:t>1</a:t>
+            </a:r>
+            <a:r>
+              <a:rPr lang="ko-KR" altLang="en-US" dirty="0" smtClean="0">
+                <a:solidFill>
+                  <a:schemeClr val="tx1"/>
+                </a:solidFill>
+                <a:latin typeface="돋움" panose="020B0600000101010101" pitchFamily="50" charset="-127"/>
+                <a:ea typeface="돋움" panose="020B0600000101010101" pitchFamily="50" charset="-127"/>
+              </a:rPr>
+              <a:t>차원 배열은 벡터</a:t>
+            </a:r>
+            <a:r>
+              <a:rPr lang="en-US" altLang="ko-KR" dirty="0" smtClean="0">
+                <a:solidFill>
+                  <a:schemeClr val="tx1"/>
+                </a:solidFill>
+                <a:latin typeface="돋움" panose="020B0600000101010101" pitchFamily="50" charset="-127"/>
+                <a:ea typeface="돋움" panose="020B0600000101010101" pitchFamily="50" charset="-127"/>
+              </a:rPr>
+              <a:t>(vector)</a:t>
+            </a:r>
+            <a:r>
+              <a:rPr lang="ko-KR" altLang="en-US" dirty="0" smtClean="0">
+                <a:solidFill>
+                  <a:schemeClr val="tx1"/>
+                </a:solidFill>
+                <a:latin typeface="돋움" panose="020B0600000101010101" pitchFamily="50" charset="-127"/>
+                <a:ea typeface="돋움" panose="020B0600000101010101" pitchFamily="50" charset="-127"/>
+              </a:rPr>
+              <a:t>라 함</a:t>
+            </a:r>
+            <a:endParaRPr lang="en-US" altLang="ko-KR" dirty="0">
+              <a:solidFill>
+                <a:schemeClr val="tx1"/>
+              </a:solidFill>
+              <a:latin typeface="돋움" panose="020B0600000101010101" pitchFamily="50" charset="-127"/>
+              <a:ea typeface="돋움" panose="020B0600000101010101" pitchFamily="50" charset="-127"/>
+            </a:endParaRPr>
+          </a:p>
+          <a:p>
+            <a:pPr marL="800100" lvl="1" indent="-342900">
+              <a:lnSpc>
+                <a:spcPct val="150000"/>
+              </a:lnSpc>
+              <a:buFont typeface="Wingdings" panose="05000000000000000000" pitchFamily="2" charset="2"/>
+              <a:buChar char="§"/>
+            </a:pPr>
+            <a:r>
+              <a:rPr lang="en-US" altLang="ko-KR" b="1" dirty="0" smtClean="0">
+                <a:latin typeface="돋움" panose="020B0600000101010101" pitchFamily="50" charset="-127"/>
+                <a:ea typeface="돋움" panose="020B0600000101010101" pitchFamily="50" charset="-127"/>
+              </a:rPr>
+              <a:t>2</a:t>
+            </a:r>
+            <a:r>
+              <a:rPr lang="ko-KR" altLang="en-US" b="1" dirty="0" smtClean="0">
+                <a:latin typeface="돋움" panose="020B0600000101010101" pitchFamily="50" charset="-127"/>
+                <a:ea typeface="돋움" panose="020B0600000101010101" pitchFamily="50" charset="-127"/>
+              </a:rPr>
+              <a:t>차원 배열은 행렬</a:t>
+            </a:r>
+            <a:r>
+              <a:rPr lang="en-US" altLang="ko-KR" b="1" dirty="0" smtClean="0">
+                <a:latin typeface="돋움" panose="020B0600000101010101" pitchFamily="50" charset="-127"/>
+                <a:ea typeface="돋움" panose="020B0600000101010101" pitchFamily="50" charset="-127"/>
+              </a:rPr>
+              <a:t>(matrix)</a:t>
+            </a:r>
+            <a:r>
+              <a:rPr lang="ko-KR" altLang="en-US" b="1" dirty="0" smtClean="0">
+                <a:latin typeface="돋움" panose="020B0600000101010101" pitchFamily="50" charset="-127"/>
+                <a:ea typeface="돋움" panose="020B0600000101010101" pitchFamily="50" charset="-127"/>
+              </a:rPr>
+              <a:t> </a:t>
+            </a:r>
+            <a:r>
+              <a:rPr lang="en-US" altLang="ko-KR" b="1" dirty="0" smtClean="0">
+                <a:latin typeface="돋움" panose="020B0600000101010101" pitchFamily="50" charset="-127"/>
+                <a:ea typeface="돋움" panose="020B0600000101010101" pitchFamily="50" charset="-127"/>
+              </a:rPr>
+              <a:t>– </a:t>
+            </a:r>
+            <a:r>
+              <a:rPr lang="ko-KR" altLang="en-US" b="1" dirty="0" smtClean="0">
+                <a:latin typeface="돋움" panose="020B0600000101010101" pitchFamily="50" charset="-127"/>
+                <a:ea typeface="돋움" panose="020B0600000101010101" pitchFamily="50" charset="-127"/>
+              </a:rPr>
+              <a:t>수</a:t>
+            </a:r>
+            <a:r>
+              <a:rPr lang="en-US" altLang="ko-KR" b="1" dirty="0" smtClean="0">
+                <a:latin typeface="돋움" panose="020B0600000101010101" pitchFamily="50" charset="-127"/>
+                <a:ea typeface="돋움" panose="020B0600000101010101" pitchFamily="50" charset="-127"/>
+              </a:rPr>
+              <a:t>, </a:t>
+            </a:r>
+            <a:r>
+              <a:rPr lang="ko-KR" altLang="en-US" b="1" dirty="0" smtClean="0">
+                <a:latin typeface="돋움" panose="020B0600000101010101" pitchFamily="50" charset="-127"/>
+                <a:ea typeface="돋움" panose="020B0600000101010101" pitchFamily="50" charset="-127"/>
+              </a:rPr>
+              <a:t>또는 문자를 </a:t>
+            </a:r>
+            <a:r>
+              <a:rPr lang="ko-KR" altLang="en-US" b="1" dirty="0" err="1" smtClean="0">
+                <a:latin typeface="돋움" panose="020B0600000101010101" pitchFamily="50" charset="-127"/>
+                <a:ea typeface="돋움" panose="020B0600000101010101" pitchFamily="50" charset="-127"/>
+              </a:rPr>
+              <a:t>괄호안에</a:t>
+            </a:r>
+            <a:r>
+              <a:rPr lang="ko-KR" altLang="en-US" b="1" dirty="0" smtClean="0">
+                <a:latin typeface="돋움" panose="020B0600000101010101" pitchFamily="50" charset="-127"/>
+                <a:ea typeface="돋움" panose="020B0600000101010101" pitchFamily="50" charset="-127"/>
+              </a:rPr>
+              <a:t> 직사각형 형태로 배열 </a:t>
+            </a:r>
+            <a:endParaRPr lang="en-US" altLang="ko-KR" b="1" dirty="0" smtClean="0">
+              <a:latin typeface="돋움" panose="020B0600000101010101" pitchFamily="50" charset="-127"/>
+              <a:ea typeface="돋움" panose="020B0600000101010101" pitchFamily="50" charset="-127"/>
+            </a:endParaRPr>
+          </a:p>
+          <a:p>
+            <a:pPr marL="800100" lvl="1" indent="-342900">
+              <a:lnSpc>
+                <a:spcPct val="150000"/>
+              </a:lnSpc>
+              <a:buFont typeface="Wingdings" panose="05000000000000000000" pitchFamily="2" charset="2"/>
+              <a:buChar char="§"/>
+            </a:pPr>
+            <a:r>
+              <a:rPr lang="en-US" altLang="ko-KR" dirty="0" smtClean="0">
+                <a:latin typeface="돋움" panose="020B0600000101010101" pitchFamily="50" charset="-127"/>
+                <a:ea typeface="돋움" panose="020B0600000101010101" pitchFamily="50" charset="-127"/>
+              </a:rPr>
+              <a:t>3</a:t>
+            </a:r>
+            <a:r>
+              <a:rPr lang="ko-KR" altLang="en-US" dirty="0" smtClean="0">
+                <a:latin typeface="돋움" panose="020B0600000101010101" pitchFamily="50" charset="-127"/>
+                <a:ea typeface="돋움" panose="020B0600000101010101" pitchFamily="50" charset="-127"/>
+              </a:rPr>
+              <a:t>차원 배열은 </a:t>
+            </a:r>
+            <a:r>
+              <a:rPr lang="ko-KR" altLang="en-US" dirty="0" err="1" smtClean="0">
+                <a:latin typeface="돋움" panose="020B0600000101010101" pitchFamily="50" charset="-127"/>
+                <a:ea typeface="돋움" panose="020B0600000101010101" pitchFamily="50" charset="-127"/>
+              </a:rPr>
+              <a:t>텐서</a:t>
+            </a:r>
+            <a:r>
+              <a:rPr lang="en-US" altLang="ko-KR" dirty="0" smtClean="0">
+                <a:latin typeface="돋움" panose="020B0600000101010101" pitchFamily="50" charset="-127"/>
+                <a:ea typeface="돋움" panose="020B0600000101010101" pitchFamily="50" charset="-127"/>
+              </a:rPr>
+              <a:t>(tensor)</a:t>
+            </a:r>
+            <a:r>
+              <a:rPr lang="ko-KR" altLang="en-US" dirty="0" smtClean="0">
+                <a:latin typeface="돋움" panose="020B0600000101010101" pitchFamily="50" charset="-127"/>
+                <a:ea typeface="돋움" panose="020B0600000101010101" pitchFamily="50" charset="-127"/>
+              </a:rPr>
+              <a:t>라고 함</a:t>
+            </a:r>
+            <a:endParaRPr lang="en-US" altLang="ko-KR" dirty="0" smtClean="0">
+              <a:latin typeface="돋움" panose="020B0600000101010101" pitchFamily="50" charset="-127"/>
+              <a:ea typeface="돋움" panose="020B0600000101010101" pitchFamily="50" charset="-127"/>
+            </a:endParaRPr>
+          </a:p>
+        </p:txBody>
+      </p:sp>
       <p:pic>
         <p:nvPicPr>
-          <p:cNvPr id="3" name="그림 2"/>
+          <p:cNvPr id="2" name="그림 1"/>
           <p:cNvPicPr>
             <a:picLocks noChangeAspect="1"/>
           </p:cNvPicPr>
           <p:nvPr/>
         </p:nvPicPr>
-        <p:blipFill>
+        <p:blipFill rotWithShape="1">
           <a:blip r:embed="rId2">
             <a:extLst>
               <a:ext uri="{28A0092B-C50C-407E-A947-70E740481C1C}">
@@ -14286,14 +12985,13 @@
               </a:ext>
             </a:extLst>
           </a:blip>
-          <a:stretch>
-            <a:fillRect/>
-          </a:stretch>
+          <a:srcRect b="41347"/>
+          <a:stretch/>
         </p:blipFill>
         <p:spPr>
           <a:xfrm>
-            <a:off x="425252" y="1412776"/>
-            <a:ext cx="8985448" cy="3899100"/>
+            <a:off x="1712640" y="3359378"/>
+            <a:ext cx="3960440" cy="2600794"/>
           </a:xfrm>
           <a:prstGeom prst="rect">
             <a:avLst/>
@@ -14307,10 +13005,74 @@
           </a:ln>
         </p:spPr>
       </p:pic>
+      <p:pic>
+        <p:nvPicPr>
+          <p:cNvPr id="10" name="그림 9"/>
+          <p:cNvPicPr>
+            <a:picLocks noChangeAspect="1"/>
+          </p:cNvPicPr>
+          <p:nvPr/>
+        </p:nvPicPr>
+        <p:blipFill rotWithShape="1">
+          <a:blip r:embed="rId2">
+            <a:extLst>
+              <a:ext uri="{28A0092B-C50C-407E-A947-70E740481C1C}">
+                <a14:useLocalDpi xmlns:a14="http://schemas.microsoft.com/office/drawing/2010/main" val="0"/>
+              </a:ext>
+            </a:extLst>
+          </a:blip>
+          <a:srcRect l="-1" t="64160" r="70454" b="17920"/>
+          <a:stretch/>
+        </p:blipFill>
+        <p:spPr>
+          <a:xfrm>
+            <a:off x="6249145" y="4446805"/>
+            <a:ext cx="1507040" cy="1070427"/>
+          </a:xfrm>
+          <a:prstGeom prst="rect">
+            <a:avLst/>
+          </a:prstGeom>
+          <a:ln>
+            <a:noFill/>
+          </a:ln>
+        </p:spPr>
+      </p:pic>
+      <p:pic>
+        <p:nvPicPr>
+          <p:cNvPr id="11" name="그림 10"/>
+          <p:cNvPicPr>
+            <a:picLocks noChangeAspect="1"/>
+          </p:cNvPicPr>
+          <p:nvPr/>
+        </p:nvPicPr>
+        <p:blipFill rotWithShape="1">
+          <a:blip r:embed="rId2">
+            <a:extLst>
+              <a:ext uri="{28A0092B-C50C-407E-A947-70E740481C1C}">
+                <a14:useLocalDpi xmlns:a14="http://schemas.microsoft.com/office/drawing/2010/main" val="0"/>
+              </a:ext>
+            </a:extLst>
+          </a:blip>
+          <a:srcRect t="82080" r="73018"/>
+          <a:stretch/>
+        </p:blipFill>
+        <p:spPr>
+          <a:xfrm>
+            <a:off x="7833320" y="4534775"/>
+            <a:ext cx="1224136" cy="1009019"/>
+          </a:xfrm>
+          <a:prstGeom prst="rect">
+            <a:avLst/>
+          </a:prstGeom>
+          <a:ln>
+            <a:noFill/>
+          </a:ln>
+        </p:spPr>
+      </p:pic>
     </p:spTree>
     <p:extLst>
       <p:ext uri="{BB962C8B-B14F-4D97-AF65-F5344CB8AC3E}">
-        <p14:creationId xmlns:p14="http://schemas.microsoft.com/office/powerpoint/2010/main" val="1952600418"/>
+        <p14:creationId xmlns:p14="http://schemas.microsoft.com/office/powerpoint/2010/main" val="1638938885"/>
       </p:ext>
     </p:extLst>
   </p:cSld>
@@ -14346,39 +13108,6 @@
       </p:grpSpPr>
       <p:sp>
         <p:nvSpPr>
-          <p:cNvPr id="2" name="제목 1"/>
-          <p:cNvSpPr>
-            <a:spLocks noGrp="1"/>
-          </p:cNvSpPr>
-          <p:nvPr>
-            <p:ph type="title"/>
-          </p:nvPr>
-        </p:nvSpPr>
-        <p:spPr/>
-        <p:txBody>
-          <a:bodyPr>
-            <a:normAutofit/>
-          </a:bodyPr>
-          <a:lstStyle/>
-          <a:p>
-            <a:r>
-              <a:rPr lang="en-US" altLang="ko-KR" sz="2800" dirty="0"/>
-              <a:t> </a:t>
-            </a:r>
-            <a:r>
-              <a:rPr lang="ko-KR" altLang="en-US" sz="2800" dirty="0"/>
-              <a:t>서울시 </a:t>
-            </a:r>
-            <a:r>
-              <a:rPr lang="ko-KR" altLang="en-US" sz="2800" dirty="0" smtClean="0"/>
-              <a:t>운동을 하지 않는 이유 통계</a:t>
-            </a:r>
-            <a:endParaRPr lang="ko-KR" altLang="en-US" sz="2800" dirty="0"/>
-          </a:p>
-        </p:txBody>
-      </p:sp>
-      <p:sp>
-        <p:nvSpPr>
           <p:cNvPr id="4" name="슬라이드 번호 개체 틀 3"/>
           <p:cNvSpPr>
             <a:spLocks noGrp="1"/>
@@ -14400,9 +13129,79 @@
           </a:p>
         </p:txBody>
       </p:sp>
+      <p:sp>
+        <p:nvSpPr>
+          <p:cNvPr id="8" name="제목 1"/>
+          <p:cNvSpPr txBox="1">
+            <a:spLocks/>
+          </p:cNvSpPr>
+          <p:nvPr/>
+        </p:nvSpPr>
+        <p:spPr>
+          <a:xfrm>
+            <a:off x="696077" y="188640"/>
+            <a:ext cx="6201139" cy="854968"/>
+          </a:xfrm>
+          <a:prstGeom prst="rect">
+            <a:avLst/>
+          </a:prstGeom>
+        </p:spPr>
+        <p:txBody>
+          <a:bodyPr vert="horz" lIns="91440" tIns="45720" rIns="91440" bIns="45720" rtlCol="0" anchor="ctr">
+            <a:normAutofit/>
+          </a:bodyPr>
+          <a:lstStyle>
+            <a:lvl1pPr algn="l" defTabSz="914400" rtl="0" eaLnBrk="1" latinLnBrk="1" hangingPunct="1">
+              <a:spcBef>
+                <a:spcPct val="0"/>
+              </a:spcBef>
+              <a:buNone/>
+              <a:defRPr sz="3200" kern="1200">
+                <a:solidFill>
+                  <a:sysClr val="windowText" lastClr="000000"/>
+                </a:solidFill>
+                <a:latin typeface="휴먼엑스포" panose="02030504000101010101" pitchFamily="18" charset="-127"/>
+                <a:ea typeface="휴먼엑스포" panose="02030504000101010101" pitchFamily="18" charset="-127"/>
+                <a:cs typeface="+mj-cs"/>
+              </a:defRPr>
+            </a:lvl1pPr>
+          </a:lstStyle>
+          <a:p>
+            <a:r>
+              <a:rPr lang="en-US" altLang="ko-KR" dirty="0" smtClean="0"/>
+              <a:t> </a:t>
+            </a:r>
+            <a:r>
+              <a:rPr lang="en-US" altLang="ko-KR" dirty="0" err="1" smtClean="0"/>
+              <a:t>Numpy</a:t>
+            </a:r>
+            <a:r>
+              <a:rPr lang="ko-KR" altLang="en-US" dirty="0" smtClean="0"/>
+              <a:t>의 </a:t>
+            </a:r>
+            <a:r>
+              <a:rPr lang="en-US" altLang="ko-KR" dirty="0" smtClean="0"/>
+              <a:t>N</a:t>
+            </a:r>
+            <a:r>
+              <a:rPr lang="ko-KR" altLang="en-US" dirty="0" smtClean="0"/>
+              <a:t>차원 배열</a:t>
+            </a:r>
+            <a:r>
+              <a:rPr lang="en-US" altLang="ko-KR" dirty="0" smtClean="0"/>
+              <a:t> </a:t>
+            </a:r>
+            <a:r>
+              <a:rPr lang="ko-KR" altLang="en-US" dirty="0" smtClean="0"/>
+              <a:t> </a:t>
+            </a:r>
+            <a:endParaRPr lang="ko-KR" altLang="en-US" dirty="0"/>
+          </a:p>
+        </p:txBody>
+      </p:sp>
       <p:pic>
         <p:nvPicPr>
-          <p:cNvPr id="5" name="그림 4"/>
+          <p:cNvPr id="3" name="그림 2"/>
           <p:cNvPicPr>
             <a:picLocks noChangeAspect="1"/>
           </p:cNvPicPr>
@@ -14422,8 +13221,8 @@
         </p:blipFill>
         <p:spPr>
           <a:xfrm>
-            <a:off x="641276" y="1484784"/>
-            <a:ext cx="8769424" cy="3133302"/>
+            <a:off x="2216696" y="1628800"/>
+            <a:ext cx="4221562" cy="3816424"/>
           </a:xfrm>
           <a:prstGeom prst="rect">
             <a:avLst/>
@@ -14440,7 +13239,7 @@
     </p:spTree>
     <p:extLst>
       <p:ext uri="{BB962C8B-B14F-4D97-AF65-F5344CB8AC3E}">
-        <p14:creationId xmlns:p14="http://schemas.microsoft.com/office/powerpoint/2010/main" val="3440157505"/>
+        <p14:creationId xmlns:p14="http://schemas.microsoft.com/office/powerpoint/2010/main" val="2262693124"/>
       </p:ext>
     </p:extLst>
   </p:cSld>
@@ -14476,39 +13275,6 @@
       </p:grpSpPr>
       <p:sp>
         <p:nvSpPr>
-          <p:cNvPr id="2" name="제목 1"/>
-          <p:cNvSpPr>
-            <a:spLocks noGrp="1"/>
-          </p:cNvSpPr>
-          <p:nvPr>
-            <p:ph type="title"/>
-          </p:nvPr>
-        </p:nvSpPr>
-        <p:spPr/>
-        <p:txBody>
-          <a:bodyPr>
-            <a:normAutofit/>
-          </a:bodyPr>
-          <a:lstStyle/>
-          <a:p>
-            <a:r>
-              <a:rPr lang="en-US" altLang="ko-KR" sz="2800" dirty="0"/>
-              <a:t> </a:t>
-            </a:r>
-            <a:r>
-              <a:rPr lang="ko-KR" altLang="en-US" sz="2800" dirty="0"/>
-              <a:t>서울시 </a:t>
-            </a:r>
-            <a:r>
-              <a:rPr lang="ko-KR" altLang="en-US" sz="2800" dirty="0" smtClean="0"/>
-              <a:t>운동을 하지 않는 이유 통계</a:t>
-            </a:r>
-            <a:endParaRPr lang="ko-KR" altLang="en-US" sz="2800" dirty="0"/>
-          </a:p>
-        </p:txBody>
-      </p:sp>
-      <p:sp>
-        <p:nvSpPr>
           <p:cNvPr id="4" name="슬라이드 번호 개체 틀 3"/>
           <p:cNvSpPr>
             <a:spLocks noGrp="1"/>
@@ -14530,15 +13296,145 @@
           </a:p>
         </p:txBody>
       </p:sp>
+      <p:sp>
+        <p:nvSpPr>
+          <p:cNvPr id="8" name="제목 1"/>
+          <p:cNvSpPr txBox="1">
+            <a:spLocks/>
+          </p:cNvSpPr>
+          <p:nvPr/>
+        </p:nvSpPr>
+        <p:spPr>
+          <a:xfrm>
+            <a:off x="696077" y="188640"/>
+            <a:ext cx="6201139" cy="854968"/>
+          </a:xfrm>
+          <a:prstGeom prst="rect">
+            <a:avLst/>
+          </a:prstGeom>
+        </p:spPr>
+        <p:txBody>
+          <a:bodyPr vert="horz" lIns="91440" tIns="45720" rIns="91440" bIns="45720" rtlCol="0" anchor="ctr">
+            <a:normAutofit/>
+          </a:bodyPr>
+          <a:lstStyle>
+            <a:lvl1pPr algn="l" defTabSz="914400" rtl="0" eaLnBrk="1" latinLnBrk="1" hangingPunct="1">
+              <a:spcBef>
+                <a:spcPct val="0"/>
+              </a:spcBef>
+              <a:buNone/>
+              <a:defRPr sz="3200" kern="1200">
+                <a:solidFill>
+                  <a:sysClr val="windowText" lastClr="000000"/>
+                </a:solidFill>
+                <a:latin typeface="휴먼엑스포" panose="02030504000101010101" pitchFamily="18" charset="-127"/>
+                <a:ea typeface="휴먼엑스포" panose="02030504000101010101" pitchFamily="18" charset="-127"/>
+                <a:cs typeface="+mj-cs"/>
+              </a:defRPr>
+            </a:lvl1pPr>
+          </a:lstStyle>
+          <a:p>
+            <a:r>
+              <a:rPr lang="en-US" altLang="ko-KR" dirty="0" smtClean="0"/>
+              <a:t> </a:t>
+            </a:r>
+            <a:r>
+              <a:rPr lang="en-US" altLang="ko-KR" dirty="0" err="1" smtClean="0"/>
+              <a:t>Numpy</a:t>
+            </a:r>
+            <a:r>
+              <a:rPr lang="ko-KR" altLang="en-US" dirty="0" smtClean="0"/>
+              <a:t>의 </a:t>
+            </a:r>
+            <a:r>
+              <a:rPr lang="en-US" altLang="ko-KR" dirty="0" smtClean="0"/>
+              <a:t>N</a:t>
+            </a:r>
+            <a:r>
+              <a:rPr lang="ko-KR" altLang="en-US" dirty="0" smtClean="0"/>
+              <a:t>차원 배열</a:t>
+            </a:r>
+            <a:r>
+              <a:rPr lang="en-US" altLang="ko-KR" dirty="0" smtClean="0"/>
+              <a:t> </a:t>
+            </a:r>
+            <a:r>
+              <a:rPr lang="ko-KR" altLang="en-US" dirty="0" smtClean="0"/>
+              <a:t> </a:t>
+            </a:r>
+            <a:endParaRPr lang="ko-KR" altLang="en-US" dirty="0"/>
+          </a:p>
+        </p:txBody>
+      </p:sp>
+      <p:sp>
+        <p:nvSpPr>
+          <p:cNvPr id="6" name="TextBox 5"/>
+          <p:cNvSpPr txBox="1"/>
+          <p:nvPr/>
+        </p:nvSpPr>
+        <p:spPr>
+          <a:xfrm>
+            <a:off x="938238" y="1344441"/>
+            <a:ext cx="2142554" cy="507831"/>
+          </a:xfrm>
+          <a:prstGeom prst="rect">
+            <a:avLst/>
+          </a:prstGeom>
+          <a:noFill/>
+          <a:ln>
+            <a:noFill/>
+          </a:ln>
+        </p:spPr>
+        <p:style>
+          <a:lnRef idx="1">
+            <a:schemeClr val="accent3"/>
+          </a:lnRef>
+          <a:fillRef idx="2">
+            <a:schemeClr val="accent3"/>
+          </a:fillRef>
+          <a:effectRef idx="1">
+            <a:schemeClr val="accent3"/>
+          </a:effectRef>
+          <a:fontRef idx="minor">
+            <a:schemeClr val="dk1"/>
+          </a:fontRef>
+        </p:style>
+        <p:txBody>
+          <a:bodyPr wrap="square" rtlCol="0">
+            <a:spAutoFit/>
+          </a:bodyPr>
+          <a:lstStyle/>
+          <a:p>
+            <a:pPr marL="342900" indent="-342900">
+              <a:lnSpc>
+                <a:spcPct val="150000"/>
+              </a:lnSpc>
+              <a:buFont typeface="Wingdings" panose="05000000000000000000" pitchFamily="2" charset="2"/>
+              <a:buChar char="v"/>
+            </a:pPr>
+            <a:r>
+              <a:rPr lang="ko-KR" altLang="en-US" dirty="0" smtClean="0">
+                <a:latin typeface="돋움" panose="020B0600000101010101" pitchFamily="50" charset="-127"/>
+                <a:ea typeface="돋움" panose="020B0600000101010101" pitchFamily="50" charset="-127"/>
+              </a:rPr>
+              <a:t>원소 접근</a:t>
+            </a:r>
+            <a:endParaRPr lang="en-US" altLang="ko-KR" dirty="0" smtClean="0">
+              <a:latin typeface="돋움" panose="020B0600000101010101" pitchFamily="50" charset="-127"/>
+              <a:ea typeface="돋움" panose="020B0600000101010101" pitchFamily="50" charset="-127"/>
+            </a:endParaRPr>
+          </a:p>
+        </p:txBody>
+      </p:sp>
       <p:pic>
         <p:nvPicPr>
-          <p:cNvPr id="3" name="그림 2"/>
+          <p:cNvPr id="5" name="그림 4"/>
           <p:cNvPicPr>
             <a:picLocks noChangeAspect="1"/>
           </p:cNvPicPr>
           <p:nvPr/>
         </p:nvPicPr>
-        <p:blipFill>
+        <p:blipFill rotWithShape="1">
           <a:blip r:embed="rId2">
             <a:extLst>
               <a:ext uri="{28A0092B-C50C-407E-A947-70E740481C1C}">
@@ -14546,14 +13442,13 @@
               </a:ext>
             </a:extLst>
           </a:blip>
-          <a:stretch>
-            <a:fillRect/>
-          </a:stretch>
+          <a:srcRect b="37035"/>
+          <a:stretch/>
         </p:blipFill>
         <p:spPr>
           <a:xfrm>
-            <a:off x="344488" y="1255470"/>
-            <a:ext cx="9289032" cy="1981660"/>
+            <a:off x="1424608" y="1852272"/>
+            <a:ext cx="3014671" cy="2926379"/>
           </a:xfrm>
           <a:prstGeom prst="rect">
             <a:avLst/>
@@ -14569,7 +13464,176 @@
       </p:pic>
       <p:pic>
         <p:nvPicPr>
-          <p:cNvPr id="5" name="그림 4"/>
+          <p:cNvPr id="12" name="그림 11"/>
+          <p:cNvPicPr>
+            <a:picLocks noChangeAspect="1"/>
+          </p:cNvPicPr>
+          <p:nvPr/>
+        </p:nvPicPr>
+        <p:blipFill rotWithShape="1">
+          <a:blip r:embed="rId2">
+            <a:extLst>
+              <a:ext uri="{28A0092B-C50C-407E-A947-70E740481C1C}">
+                <a14:useLocalDpi xmlns:a14="http://schemas.microsoft.com/office/drawing/2010/main" val="0"/>
+              </a:ext>
+            </a:extLst>
+          </a:blip>
+          <a:srcRect t="68864" r="69434" b="13853"/>
+          <a:stretch/>
+        </p:blipFill>
+        <p:spPr>
+          <a:xfrm>
+            <a:off x="3512839" y="2204862"/>
+            <a:ext cx="1408903" cy="1129855"/>
+          </a:xfrm>
+          <a:prstGeom prst="rect">
+            <a:avLst/>
+          </a:prstGeom>
+        </p:spPr>
+      </p:pic>
+      <p:pic>
+        <p:nvPicPr>
+          <p:cNvPr id="13" name="그림 12"/>
+          <p:cNvPicPr>
+            <a:picLocks noChangeAspect="1"/>
+          </p:cNvPicPr>
+          <p:nvPr/>
+        </p:nvPicPr>
+        <p:blipFill rotWithShape="1">
+          <a:blip r:embed="rId2">
+            <a:extLst>
+              <a:ext uri="{28A0092B-C50C-407E-A947-70E740481C1C}">
+                <a14:useLocalDpi xmlns:a14="http://schemas.microsoft.com/office/drawing/2010/main" val="0"/>
+              </a:ext>
+            </a:extLst>
+          </a:blip>
+          <a:srcRect t="92731" r="82146"/>
+          <a:stretch/>
+        </p:blipFill>
+        <p:spPr>
+          <a:xfrm>
+            <a:off x="3682172" y="4286440"/>
+            <a:ext cx="694763" cy="436070"/>
+          </a:xfrm>
+          <a:prstGeom prst="rect">
+            <a:avLst/>
+          </a:prstGeom>
+        </p:spPr>
+      </p:pic>
+      <p:cxnSp>
+        <p:nvCxnSpPr>
+          <p:cNvPr id="14" name="직선 화살표 연결선 13"/>
+          <p:cNvCxnSpPr/>
+          <p:nvPr/>
+        </p:nvCxnSpPr>
+        <p:spPr>
+          <a:xfrm>
+            <a:off x="2931943" y="3042059"/>
+            <a:ext cx="580897" cy="216820"/>
+          </a:xfrm>
+          <a:prstGeom prst="straightConnector1">
+            <a:avLst/>
+          </a:prstGeom>
+          <a:ln w="12700">
+            <a:solidFill>
+              <a:srgbClr val="C00000"/>
+            </a:solidFill>
+            <a:prstDash val="sysDash"/>
+            <a:tailEnd type="triangle"/>
+          </a:ln>
+        </p:spPr>
+        <p:style>
+          <a:lnRef idx="1">
+            <a:schemeClr val="accent1"/>
+          </a:lnRef>
+          <a:fillRef idx="0">
+            <a:schemeClr val="accent1"/>
+          </a:fillRef>
+          <a:effectRef idx="0">
+            <a:schemeClr val="accent1"/>
+          </a:effectRef>
+          <a:fontRef idx="minor">
+            <a:schemeClr val="tx1"/>
+          </a:fontRef>
+        </p:style>
+      </p:cxnSp>
+      <p:cxnSp>
+        <p:nvCxnSpPr>
+          <p:cNvPr id="15" name="직선 화살표 연결선 14"/>
+          <p:cNvCxnSpPr/>
+          <p:nvPr/>
+        </p:nvCxnSpPr>
+        <p:spPr>
+          <a:xfrm>
+            <a:off x="2720752" y="2552969"/>
+            <a:ext cx="699520" cy="216820"/>
+          </a:xfrm>
+          <a:prstGeom prst="straightConnector1">
+            <a:avLst/>
+          </a:prstGeom>
+          <a:ln w="12700">
+            <a:solidFill>
+              <a:srgbClr val="C00000"/>
+            </a:solidFill>
+            <a:prstDash val="sysDash"/>
+            <a:tailEnd type="triangle"/>
+          </a:ln>
+        </p:spPr>
+        <p:style>
+          <a:lnRef idx="1">
+            <a:schemeClr val="accent1"/>
+          </a:lnRef>
+          <a:fillRef idx="0">
+            <a:schemeClr val="accent1"/>
+          </a:fillRef>
+          <a:effectRef idx="0">
+            <a:schemeClr val="accent1"/>
+          </a:effectRef>
+          <a:fontRef idx="minor">
+            <a:schemeClr val="tx1"/>
+          </a:fontRef>
+        </p:style>
+      </p:cxnSp>
+      <p:cxnSp>
+        <p:nvCxnSpPr>
+          <p:cNvPr id="16" name="직선 화살표 연결선 15"/>
+          <p:cNvCxnSpPr/>
+          <p:nvPr/>
+        </p:nvCxnSpPr>
+        <p:spPr>
+          <a:xfrm>
+            <a:off x="2839375" y="4396065"/>
+            <a:ext cx="580897" cy="0"/>
+          </a:xfrm>
+          <a:prstGeom prst="straightConnector1">
+            <a:avLst/>
+          </a:prstGeom>
+          <a:ln w="12700">
+            <a:solidFill>
+              <a:srgbClr val="C00000"/>
+            </a:solidFill>
+            <a:prstDash val="sysDash"/>
+            <a:tailEnd type="triangle"/>
+          </a:ln>
+        </p:spPr>
+        <p:style>
+          <a:lnRef idx="1">
+            <a:schemeClr val="accent1"/>
+          </a:lnRef>
+          <a:fillRef idx="0">
+            <a:schemeClr val="accent1"/>
+          </a:fillRef>
+          <a:effectRef idx="0">
+            <a:schemeClr val="accent1"/>
+          </a:effectRef>
+          <a:fontRef idx="minor">
+            <a:schemeClr val="tx1"/>
+          </a:fontRef>
+        </p:style>
+      </p:cxnSp>
+      <p:pic>
+        <p:nvPicPr>
+          <p:cNvPr id="18" name="그림 17"/>
           <p:cNvPicPr>
             <a:picLocks noChangeAspect="1"/>
           </p:cNvPicPr>
@@ -14589,62 +13653,1240 @@
         </p:blipFill>
         <p:spPr>
           <a:xfrm>
-            <a:off x="1352600" y="3446615"/>
-            <a:ext cx="3358020" cy="3155982"/>
+            <a:off x="5529064" y="4000722"/>
+            <a:ext cx="3067478" cy="790685"/>
           </a:xfrm>
           <a:prstGeom prst="rect">
             <a:avLst/>
           </a:prstGeom>
+        </p:spPr>
+      </p:pic>
+      <p:sp>
+        <p:nvSpPr>
+          <p:cNvPr id="19" name="TextBox 18"/>
+          <p:cNvSpPr txBox="1"/>
+          <p:nvPr/>
+        </p:nvSpPr>
+        <p:spPr>
+          <a:xfrm>
+            <a:off x="5392524" y="2826886"/>
+            <a:ext cx="3456384" cy="923330"/>
+          </a:xfrm>
+          <a:prstGeom prst="rect">
+            <a:avLst/>
+          </a:prstGeom>
+          <a:noFill/>
           <a:ln>
+            <a:noFill/>
+          </a:ln>
+        </p:spPr>
+        <p:style>
+          <a:lnRef idx="1">
+            <a:schemeClr val="accent3"/>
+          </a:lnRef>
+          <a:fillRef idx="2">
+            <a:schemeClr val="accent3"/>
+          </a:fillRef>
+          <a:effectRef idx="1">
+            <a:schemeClr val="accent3"/>
+          </a:effectRef>
+          <a:fontRef idx="minor">
+            <a:schemeClr val="dk1"/>
+          </a:fontRef>
+        </p:style>
+        <p:txBody>
+          <a:bodyPr wrap="square" rtlCol="0">
+            <a:spAutoFit/>
+          </a:bodyPr>
+          <a:lstStyle/>
+          <a:p>
+            <a:pPr marL="342900" indent="-342900">
+              <a:buFont typeface="Wingdings" panose="05000000000000000000" pitchFamily="2" charset="2"/>
+              <a:buChar char="v"/>
+            </a:pPr>
+            <a:r>
+              <a:rPr lang="ko-KR" altLang="en-US" dirty="0" err="1" smtClean="0">
+                <a:latin typeface="돋움" panose="020B0600000101010101" pitchFamily="50" charset="-127"/>
+                <a:ea typeface="돋움" panose="020B0600000101010101" pitchFamily="50" charset="-127"/>
+              </a:rPr>
+              <a:t>브로드캐스트</a:t>
+            </a:r>
+            <a:endParaRPr lang="en-US" altLang="ko-KR" dirty="0" smtClean="0">
+              <a:latin typeface="돋움" panose="020B0600000101010101" pitchFamily="50" charset="-127"/>
+              <a:ea typeface="돋움" panose="020B0600000101010101" pitchFamily="50" charset="-127"/>
+            </a:endParaRPr>
+          </a:p>
+          <a:p>
+            <a:pPr marL="800100" lvl="1" indent="-342900">
+              <a:buFont typeface="Wingdings" panose="05000000000000000000" pitchFamily="2" charset="2"/>
+              <a:buChar char="§"/>
+            </a:pPr>
+            <a:r>
+              <a:rPr lang="ko-KR" altLang="en-US" dirty="0" smtClean="0">
+                <a:latin typeface="돋움" panose="020B0600000101010101" pitchFamily="50" charset="-127"/>
+                <a:ea typeface="돋움" panose="020B0600000101010101" pitchFamily="50" charset="-127"/>
+              </a:rPr>
+              <a:t>형상이 다른 배열끼리 연산 수행</a:t>
+            </a:r>
+            <a:endParaRPr lang="en-US" altLang="ko-KR" dirty="0" smtClean="0">
+              <a:latin typeface="돋움" panose="020B0600000101010101" pitchFamily="50" charset="-127"/>
+              <a:ea typeface="돋움" panose="020B0600000101010101" pitchFamily="50" charset="-127"/>
+            </a:endParaRPr>
+          </a:p>
+        </p:txBody>
+      </p:sp>
+      <p:sp>
+        <p:nvSpPr>
+          <p:cNvPr id="23" name="정육면체 22"/>
+          <p:cNvSpPr/>
+          <p:nvPr/>
+        </p:nvSpPr>
+        <p:spPr>
+          <a:xfrm>
+            <a:off x="3157143" y="5484131"/>
+            <a:ext cx="504056" cy="432048"/>
+          </a:xfrm>
+          <a:prstGeom prst="cube">
+            <a:avLst/>
+          </a:prstGeom>
+          <a:solidFill>
+            <a:schemeClr val="bg1"/>
+          </a:solidFill>
+          <a:ln w="12700"/>
+        </p:spPr>
+        <p:style>
+          <a:lnRef idx="2">
+            <a:schemeClr val="accent1">
+              <a:shade val="50000"/>
+            </a:schemeClr>
+          </a:lnRef>
+          <a:fillRef idx="1">
+            <a:schemeClr val="accent1"/>
+          </a:fillRef>
+          <a:effectRef idx="0">
+            <a:schemeClr val="accent1"/>
+          </a:effectRef>
+          <a:fontRef idx="minor">
+            <a:schemeClr val="lt1"/>
+          </a:fontRef>
+        </p:style>
+        <p:txBody>
+          <a:bodyPr rtlCol="0" anchor="ctr"/>
+          <a:lstStyle/>
+          <a:p>
+            <a:pPr algn="ctr"/>
+            <a:r>
+              <a:rPr lang="en-US" altLang="ko-KR" sz="1400" dirty="0" smtClean="0">
+                <a:solidFill>
+                  <a:sysClr val="windowText" lastClr="000000"/>
+                </a:solidFill>
+              </a:rPr>
+              <a:t>3</a:t>
+            </a:r>
+            <a:endParaRPr lang="ko-KR" altLang="en-US" sz="1400" dirty="0">
+              <a:solidFill>
+                <a:sysClr val="windowText" lastClr="000000"/>
+              </a:solidFill>
+            </a:endParaRPr>
+          </a:p>
+        </p:txBody>
+      </p:sp>
+      <p:sp>
+        <p:nvSpPr>
+          <p:cNvPr id="20" name="정육면체 19"/>
+          <p:cNvSpPr/>
+          <p:nvPr/>
+        </p:nvSpPr>
+        <p:spPr>
+          <a:xfrm>
+            <a:off x="3158159" y="5157192"/>
+            <a:ext cx="504056" cy="432048"/>
+          </a:xfrm>
+          <a:prstGeom prst="cube">
+            <a:avLst/>
+          </a:prstGeom>
+          <a:solidFill>
+            <a:schemeClr val="bg1"/>
+          </a:solidFill>
+          <a:ln w="12700"/>
+        </p:spPr>
+        <p:style>
+          <a:lnRef idx="2">
+            <a:schemeClr val="accent1">
+              <a:shade val="50000"/>
+            </a:schemeClr>
+          </a:lnRef>
+          <a:fillRef idx="1">
+            <a:schemeClr val="accent1"/>
+          </a:fillRef>
+          <a:effectRef idx="0">
+            <a:schemeClr val="accent1"/>
+          </a:effectRef>
+          <a:fontRef idx="minor">
+            <a:schemeClr val="lt1"/>
+          </a:fontRef>
+        </p:style>
+        <p:txBody>
+          <a:bodyPr rtlCol="0" anchor="ctr"/>
+          <a:lstStyle/>
+          <a:p>
+            <a:pPr algn="ctr"/>
+            <a:r>
+              <a:rPr lang="en-US" altLang="ko-KR" sz="1400" dirty="0" smtClean="0">
+                <a:solidFill>
+                  <a:sysClr val="windowText" lastClr="000000"/>
+                </a:solidFill>
+              </a:rPr>
+              <a:t>1</a:t>
+            </a:r>
+            <a:endParaRPr lang="ko-KR" altLang="en-US" sz="1400" dirty="0">
+              <a:solidFill>
+                <a:sysClr val="windowText" lastClr="000000"/>
+              </a:solidFill>
+            </a:endParaRPr>
+          </a:p>
+        </p:txBody>
+      </p:sp>
+      <p:sp>
+        <p:nvSpPr>
+          <p:cNvPr id="24" name="정육면체 23"/>
+          <p:cNvSpPr/>
+          <p:nvPr/>
+        </p:nvSpPr>
+        <p:spPr>
+          <a:xfrm>
+            <a:off x="3558950" y="5480821"/>
+            <a:ext cx="504056" cy="432048"/>
+          </a:xfrm>
+          <a:prstGeom prst="cube">
+            <a:avLst/>
+          </a:prstGeom>
+          <a:solidFill>
+            <a:schemeClr val="bg1"/>
+          </a:solidFill>
+          <a:ln w="12700"/>
+        </p:spPr>
+        <p:style>
+          <a:lnRef idx="2">
+            <a:schemeClr val="accent1">
+              <a:shade val="50000"/>
+            </a:schemeClr>
+          </a:lnRef>
+          <a:fillRef idx="1">
+            <a:schemeClr val="accent1"/>
+          </a:fillRef>
+          <a:effectRef idx="0">
+            <a:schemeClr val="accent1"/>
+          </a:effectRef>
+          <a:fontRef idx="minor">
+            <a:schemeClr val="lt1"/>
+          </a:fontRef>
+        </p:style>
+        <p:txBody>
+          <a:bodyPr rtlCol="0" anchor="ctr"/>
+          <a:lstStyle/>
+          <a:p>
+            <a:pPr algn="ctr"/>
+            <a:r>
+              <a:rPr lang="en-US" altLang="ko-KR" sz="1400" dirty="0" smtClean="0">
+                <a:solidFill>
+                  <a:sysClr val="windowText" lastClr="000000"/>
+                </a:solidFill>
+              </a:rPr>
+              <a:t>4</a:t>
+            </a:r>
+            <a:endParaRPr lang="ko-KR" altLang="en-US" sz="1400" dirty="0">
+              <a:solidFill>
+                <a:sysClr val="windowText" lastClr="000000"/>
+              </a:solidFill>
+            </a:endParaRPr>
+          </a:p>
+        </p:txBody>
+      </p:sp>
+      <p:sp>
+        <p:nvSpPr>
+          <p:cNvPr id="21" name="정육면체 20"/>
+          <p:cNvSpPr/>
+          <p:nvPr/>
+        </p:nvSpPr>
+        <p:spPr>
+          <a:xfrm>
+            <a:off x="3558950" y="5157192"/>
+            <a:ext cx="504056" cy="432048"/>
+          </a:xfrm>
+          <a:prstGeom prst="cube">
+            <a:avLst/>
+          </a:prstGeom>
+          <a:solidFill>
+            <a:schemeClr val="bg1"/>
+          </a:solidFill>
+          <a:ln w="12700"/>
+        </p:spPr>
+        <p:style>
+          <a:lnRef idx="2">
+            <a:schemeClr val="accent1">
+              <a:shade val="50000"/>
+            </a:schemeClr>
+          </a:lnRef>
+          <a:fillRef idx="1">
+            <a:schemeClr val="accent1"/>
+          </a:fillRef>
+          <a:effectRef idx="0">
+            <a:schemeClr val="accent1"/>
+          </a:effectRef>
+          <a:fontRef idx="minor">
+            <a:schemeClr val="lt1"/>
+          </a:fontRef>
+        </p:style>
+        <p:txBody>
+          <a:bodyPr rtlCol="0" anchor="ctr"/>
+          <a:lstStyle/>
+          <a:p>
+            <a:pPr algn="ctr"/>
+            <a:r>
+              <a:rPr lang="en-US" altLang="ko-KR" sz="1400" dirty="0" smtClean="0">
+                <a:solidFill>
+                  <a:sysClr val="windowText" lastClr="000000"/>
+                </a:solidFill>
+              </a:rPr>
+              <a:t>2</a:t>
+            </a:r>
+            <a:endParaRPr lang="ko-KR" altLang="en-US" sz="1400" dirty="0">
+              <a:solidFill>
+                <a:sysClr val="windowText" lastClr="000000"/>
+              </a:solidFill>
+            </a:endParaRPr>
+          </a:p>
+        </p:txBody>
+      </p:sp>
+      <p:sp>
+        <p:nvSpPr>
+          <p:cNvPr id="26" name="정육면체 25"/>
+          <p:cNvSpPr/>
+          <p:nvPr/>
+        </p:nvSpPr>
+        <p:spPr>
+          <a:xfrm>
+            <a:off x="4520952" y="5157192"/>
+            <a:ext cx="504056" cy="432048"/>
+          </a:xfrm>
+          <a:prstGeom prst="cube">
+            <a:avLst/>
+          </a:prstGeom>
+          <a:solidFill>
+            <a:schemeClr val="bg1"/>
+          </a:solidFill>
+          <a:ln w="12700"/>
+        </p:spPr>
+        <p:style>
+          <a:lnRef idx="2">
+            <a:schemeClr val="accent1">
+              <a:shade val="50000"/>
+            </a:schemeClr>
+          </a:lnRef>
+          <a:fillRef idx="1">
+            <a:schemeClr val="accent1"/>
+          </a:fillRef>
+          <a:effectRef idx="0">
+            <a:schemeClr val="accent1"/>
+          </a:effectRef>
+          <a:fontRef idx="minor">
+            <a:schemeClr val="lt1"/>
+          </a:fontRef>
+        </p:style>
+        <p:txBody>
+          <a:bodyPr rtlCol="0" anchor="ctr"/>
+          <a:lstStyle/>
+          <a:p>
+            <a:pPr algn="ctr"/>
+            <a:r>
+              <a:rPr lang="en-US" altLang="ko-KR" sz="1400" dirty="0" smtClean="0">
+                <a:solidFill>
+                  <a:sysClr val="windowText" lastClr="000000"/>
+                </a:solidFill>
+              </a:rPr>
+              <a:t>10</a:t>
+            </a:r>
+            <a:endParaRPr lang="ko-KR" altLang="en-US" sz="1400" dirty="0">
+              <a:solidFill>
+                <a:sysClr val="windowText" lastClr="000000"/>
+              </a:solidFill>
+            </a:endParaRPr>
+          </a:p>
+        </p:txBody>
+      </p:sp>
+      <p:sp>
+        <p:nvSpPr>
+          <p:cNvPr id="28" name="정육면체 27"/>
+          <p:cNvSpPr/>
+          <p:nvPr/>
+        </p:nvSpPr>
+        <p:spPr>
+          <a:xfrm>
+            <a:off x="4921743" y="5157192"/>
+            <a:ext cx="504056" cy="432048"/>
+          </a:xfrm>
+          <a:prstGeom prst="cube">
+            <a:avLst/>
+          </a:prstGeom>
+          <a:solidFill>
+            <a:schemeClr val="bg1"/>
+          </a:solidFill>
+          <a:ln w="12700"/>
+        </p:spPr>
+        <p:style>
+          <a:lnRef idx="2">
+            <a:schemeClr val="accent1">
+              <a:shade val="50000"/>
+            </a:schemeClr>
+          </a:lnRef>
+          <a:fillRef idx="1">
+            <a:schemeClr val="accent1"/>
+          </a:fillRef>
+          <a:effectRef idx="0">
+            <a:schemeClr val="accent1"/>
+          </a:effectRef>
+          <a:fontRef idx="minor">
+            <a:schemeClr val="lt1"/>
+          </a:fontRef>
+        </p:style>
+        <p:txBody>
+          <a:bodyPr rtlCol="0" anchor="ctr"/>
+          <a:lstStyle/>
+          <a:p>
+            <a:pPr algn="ctr"/>
+            <a:r>
+              <a:rPr lang="en-US" altLang="ko-KR" sz="1400" dirty="0" smtClean="0">
+                <a:solidFill>
+                  <a:sysClr val="windowText" lastClr="000000"/>
+                </a:solidFill>
+              </a:rPr>
+              <a:t>20</a:t>
+            </a:r>
+            <a:endParaRPr lang="ko-KR" altLang="en-US" sz="1400" dirty="0">
+              <a:solidFill>
+                <a:sysClr val="windowText" lastClr="000000"/>
+              </a:solidFill>
+            </a:endParaRPr>
+          </a:p>
+        </p:txBody>
+      </p:sp>
+      <p:sp>
+        <p:nvSpPr>
+          <p:cNvPr id="29" name="정육면체 28"/>
+          <p:cNvSpPr/>
+          <p:nvPr/>
+        </p:nvSpPr>
+        <p:spPr>
+          <a:xfrm>
+            <a:off x="5888088" y="5484131"/>
+            <a:ext cx="504056" cy="432048"/>
+          </a:xfrm>
+          <a:prstGeom prst="cube">
+            <a:avLst/>
+          </a:prstGeom>
+          <a:solidFill>
+            <a:schemeClr val="bg1"/>
+          </a:solidFill>
+          <a:ln w="12700"/>
+        </p:spPr>
+        <p:style>
+          <a:lnRef idx="2">
+            <a:schemeClr val="accent1">
+              <a:shade val="50000"/>
+            </a:schemeClr>
+          </a:lnRef>
+          <a:fillRef idx="1">
+            <a:schemeClr val="accent1"/>
+          </a:fillRef>
+          <a:effectRef idx="0">
+            <a:schemeClr val="accent1"/>
+          </a:effectRef>
+          <a:fontRef idx="minor">
+            <a:schemeClr val="lt1"/>
+          </a:fontRef>
+        </p:style>
+        <p:txBody>
+          <a:bodyPr rtlCol="0" anchor="ctr"/>
+          <a:lstStyle/>
+          <a:p>
+            <a:pPr algn="ctr"/>
+            <a:r>
+              <a:rPr lang="en-US" altLang="ko-KR" sz="1400" dirty="0" smtClean="0">
+                <a:solidFill>
+                  <a:sysClr val="windowText" lastClr="000000"/>
+                </a:solidFill>
+              </a:rPr>
+              <a:t>3</a:t>
+            </a:r>
+            <a:endParaRPr lang="ko-KR" altLang="en-US" sz="1400" dirty="0">
+              <a:solidFill>
+                <a:sysClr val="windowText" lastClr="000000"/>
+              </a:solidFill>
+            </a:endParaRPr>
+          </a:p>
+        </p:txBody>
+      </p:sp>
+      <p:sp>
+        <p:nvSpPr>
+          <p:cNvPr id="30" name="정육면체 29"/>
+          <p:cNvSpPr/>
+          <p:nvPr/>
+        </p:nvSpPr>
+        <p:spPr>
+          <a:xfrm>
+            <a:off x="5889104" y="5157192"/>
+            <a:ext cx="504056" cy="432048"/>
+          </a:xfrm>
+          <a:prstGeom prst="cube">
+            <a:avLst/>
+          </a:prstGeom>
+          <a:solidFill>
+            <a:schemeClr val="bg1"/>
+          </a:solidFill>
+          <a:ln w="12700"/>
+        </p:spPr>
+        <p:style>
+          <a:lnRef idx="2">
+            <a:schemeClr val="accent1">
+              <a:shade val="50000"/>
+            </a:schemeClr>
+          </a:lnRef>
+          <a:fillRef idx="1">
+            <a:schemeClr val="accent1"/>
+          </a:fillRef>
+          <a:effectRef idx="0">
+            <a:schemeClr val="accent1"/>
+          </a:effectRef>
+          <a:fontRef idx="minor">
+            <a:schemeClr val="lt1"/>
+          </a:fontRef>
+        </p:style>
+        <p:txBody>
+          <a:bodyPr rtlCol="0" anchor="ctr"/>
+          <a:lstStyle/>
+          <a:p>
+            <a:pPr algn="ctr"/>
+            <a:r>
+              <a:rPr lang="en-US" altLang="ko-KR" sz="1400" dirty="0" smtClean="0">
+                <a:solidFill>
+                  <a:sysClr val="windowText" lastClr="000000"/>
+                </a:solidFill>
+              </a:rPr>
+              <a:t>1</a:t>
+            </a:r>
+            <a:endParaRPr lang="ko-KR" altLang="en-US" sz="1400" dirty="0">
+              <a:solidFill>
+                <a:sysClr val="windowText" lastClr="000000"/>
+              </a:solidFill>
+            </a:endParaRPr>
+          </a:p>
+        </p:txBody>
+      </p:sp>
+      <p:sp>
+        <p:nvSpPr>
+          <p:cNvPr id="31" name="정육면체 30"/>
+          <p:cNvSpPr/>
+          <p:nvPr/>
+        </p:nvSpPr>
+        <p:spPr>
+          <a:xfrm>
+            <a:off x="6289895" y="5480821"/>
+            <a:ext cx="504056" cy="432048"/>
+          </a:xfrm>
+          <a:prstGeom prst="cube">
+            <a:avLst/>
+          </a:prstGeom>
+          <a:solidFill>
+            <a:schemeClr val="bg1"/>
+          </a:solidFill>
+          <a:ln w="12700"/>
+        </p:spPr>
+        <p:style>
+          <a:lnRef idx="2">
+            <a:schemeClr val="accent1">
+              <a:shade val="50000"/>
+            </a:schemeClr>
+          </a:lnRef>
+          <a:fillRef idx="1">
+            <a:schemeClr val="accent1"/>
+          </a:fillRef>
+          <a:effectRef idx="0">
+            <a:schemeClr val="accent1"/>
+          </a:effectRef>
+          <a:fontRef idx="minor">
+            <a:schemeClr val="lt1"/>
+          </a:fontRef>
+        </p:style>
+        <p:txBody>
+          <a:bodyPr rtlCol="0" anchor="ctr"/>
+          <a:lstStyle/>
+          <a:p>
+            <a:pPr algn="ctr"/>
+            <a:r>
+              <a:rPr lang="en-US" altLang="ko-KR" sz="1400" dirty="0" smtClean="0">
+                <a:solidFill>
+                  <a:sysClr val="windowText" lastClr="000000"/>
+                </a:solidFill>
+              </a:rPr>
+              <a:t>4</a:t>
+            </a:r>
+            <a:endParaRPr lang="ko-KR" altLang="en-US" sz="1400" dirty="0">
+              <a:solidFill>
+                <a:sysClr val="windowText" lastClr="000000"/>
+              </a:solidFill>
+            </a:endParaRPr>
+          </a:p>
+        </p:txBody>
+      </p:sp>
+      <p:sp>
+        <p:nvSpPr>
+          <p:cNvPr id="32" name="정육면체 31"/>
+          <p:cNvSpPr/>
+          <p:nvPr/>
+        </p:nvSpPr>
+        <p:spPr>
+          <a:xfrm>
+            <a:off x="6289895" y="5157192"/>
+            <a:ext cx="504056" cy="432048"/>
+          </a:xfrm>
+          <a:prstGeom prst="cube">
+            <a:avLst/>
+          </a:prstGeom>
+          <a:solidFill>
+            <a:schemeClr val="bg1"/>
+          </a:solidFill>
+          <a:ln w="12700"/>
+        </p:spPr>
+        <p:style>
+          <a:lnRef idx="2">
+            <a:schemeClr val="accent1">
+              <a:shade val="50000"/>
+            </a:schemeClr>
+          </a:lnRef>
+          <a:fillRef idx="1">
+            <a:schemeClr val="accent1"/>
+          </a:fillRef>
+          <a:effectRef idx="0">
+            <a:schemeClr val="accent1"/>
+          </a:effectRef>
+          <a:fontRef idx="minor">
+            <a:schemeClr val="lt1"/>
+          </a:fontRef>
+        </p:style>
+        <p:txBody>
+          <a:bodyPr rtlCol="0" anchor="ctr"/>
+          <a:lstStyle/>
+          <a:p>
+            <a:pPr algn="ctr"/>
+            <a:r>
+              <a:rPr lang="en-US" altLang="ko-KR" sz="1400" dirty="0" smtClean="0">
+                <a:solidFill>
+                  <a:sysClr val="windowText" lastClr="000000"/>
+                </a:solidFill>
+              </a:rPr>
+              <a:t>2</a:t>
+            </a:r>
+            <a:endParaRPr lang="ko-KR" altLang="en-US" sz="1400" dirty="0">
+              <a:solidFill>
+                <a:sysClr val="windowText" lastClr="000000"/>
+              </a:solidFill>
+            </a:endParaRPr>
+          </a:p>
+        </p:txBody>
+      </p:sp>
+      <p:sp>
+        <p:nvSpPr>
+          <p:cNvPr id="33" name="정육면체 32"/>
+          <p:cNvSpPr/>
+          <p:nvPr/>
+        </p:nvSpPr>
+        <p:spPr>
+          <a:xfrm>
+            <a:off x="7184232" y="5484131"/>
+            <a:ext cx="504056" cy="432048"/>
+          </a:xfrm>
+          <a:prstGeom prst="cube">
+            <a:avLst/>
+          </a:prstGeom>
+          <a:solidFill>
+            <a:schemeClr val="bg1"/>
+          </a:solidFill>
+          <a:ln w="12700">
             <a:solidFill>
               <a:schemeClr val="bg1">
-                <a:lumMod val="85000"/>
+                <a:lumMod val="65000"/>
               </a:schemeClr>
             </a:solidFill>
           </a:ln>
         </p:spPr>
-      </p:pic>
-      <p:pic>
-        <p:nvPicPr>
-          <p:cNvPr id="7" name="그림 6"/>
-          <p:cNvPicPr>
-            <a:picLocks noChangeAspect="1"/>
-          </p:cNvPicPr>
+        <p:style>
+          <a:lnRef idx="2">
+            <a:schemeClr val="accent1">
+              <a:shade val="50000"/>
+            </a:schemeClr>
+          </a:lnRef>
+          <a:fillRef idx="1">
+            <a:schemeClr val="accent1"/>
+          </a:fillRef>
+          <a:effectRef idx="0">
+            <a:schemeClr val="accent1"/>
+          </a:effectRef>
+          <a:fontRef idx="minor">
+            <a:schemeClr val="lt1"/>
+          </a:fontRef>
+        </p:style>
+        <p:txBody>
+          <a:bodyPr rtlCol="0" anchor="ctr"/>
+          <a:lstStyle/>
+          <a:p>
+            <a:pPr algn="ctr"/>
+            <a:r>
+              <a:rPr lang="en-US" altLang="ko-KR" sz="1400" dirty="0" smtClean="0">
+                <a:solidFill>
+                  <a:schemeClr val="bg1">
+                    <a:lumMod val="65000"/>
+                  </a:schemeClr>
+                </a:solidFill>
+              </a:rPr>
+              <a:t>10</a:t>
+            </a:r>
+            <a:endParaRPr lang="ko-KR" altLang="en-US" sz="1400" dirty="0">
+              <a:solidFill>
+                <a:schemeClr val="bg1">
+                  <a:lumMod val="65000"/>
+                </a:schemeClr>
+              </a:solidFill>
+            </a:endParaRPr>
+          </a:p>
+        </p:txBody>
+      </p:sp>
+      <p:sp>
+        <p:nvSpPr>
+          <p:cNvPr id="34" name="정육면체 33"/>
+          <p:cNvSpPr/>
           <p:nvPr/>
-        </p:nvPicPr>
-        <p:blipFill>
-          <a:blip r:embed="rId4">
-            <a:extLst>
-              <a:ext uri="{28A0092B-C50C-407E-A947-70E740481C1C}">
-                <a14:useLocalDpi xmlns:a14="http://schemas.microsoft.com/office/drawing/2010/main" val="0"/>
-              </a:ext>
-            </a:extLst>
-          </a:blip>
-          <a:stretch>
-            <a:fillRect/>
-          </a:stretch>
-        </p:blipFill>
-        <p:spPr>
-          <a:xfrm>
-            <a:off x="5103267" y="3438977"/>
-            <a:ext cx="3378125" cy="3145151"/>
+        </p:nvSpPr>
+        <p:spPr>
+          <a:xfrm>
+            <a:off x="7185248" y="5157192"/>
+            <a:ext cx="504056" cy="432048"/>
+          </a:xfrm>
+          <a:prstGeom prst="cube">
+            <a:avLst/>
+          </a:prstGeom>
+          <a:solidFill>
+            <a:schemeClr val="bg1"/>
+          </a:solidFill>
+          <a:ln w="12700"/>
+        </p:spPr>
+        <p:style>
+          <a:lnRef idx="2">
+            <a:schemeClr val="accent1">
+              <a:shade val="50000"/>
+            </a:schemeClr>
+          </a:lnRef>
+          <a:fillRef idx="1">
+            <a:schemeClr val="accent1"/>
+          </a:fillRef>
+          <a:effectRef idx="0">
+            <a:schemeClr val="accent1"/>
+          </a:effectRef>
+          <a:fontRef idx="minor">
+            <a:schemeClr val="lt1"/>
+          </a:fontRef>
+        </p:style>
+        <p:txBody>
+          <a:bodyPr rtlCol="0" anchor="ctr"/>
+          <a:lstStyle/>
+          <a:p>
+            <a:pPr algn="ctr"/>
+            <a:r>
+              <a:rPr lang="en-US" altLang="ko-KR" sz="1400" dirty="0" smtClean="0">
+                <a:solidFill>
+                  <a:sysClr val="windowText" lastClr="000000"/>
+                </a:solidFill>
+              </a:rPr>
+              <a:t>10</a:t>
+            </a:r>
+            <a:endParaRPr lang="ko-KR" altLang="en-US" sz="1400" dirty="0">
+              <a:solidFill>
+                <a:sysClr val="windowText" lastClr="000000"/>
+              </a:solidFill>
+            </a:endParaRPr>
+          </a:p>
+        </p:txBody>
+      </p:sp>
+      <p:sp>
+        <p:nvSpPr>
+          <p:cNvPr id="35" name="정육면체 34"/>
+          <p:cNvSpPr/>
+          <p:nvPr/>
+        </p:nvSpPr>
+        <p:spPr>
+          <a:xfrm>
+            <a:off x="7586039" y="5480821"/>
+            <a:ext cx="504056" cy="432048"/>
+          </a:xfrm>
+          <a:prstGeom prst="cube">
+            <a:avLst/>
+          </a:prstGeom>
+          <a:solidFill>
+            <a:schemeClr val="bg1"/>
+          </a:solidFill>
+          <a:ln w="12700">
+            <a:solidFill>
+              <a:schemeClr val="bg1">
+                <a:lumMod val="65000"/>
+              </a:schemeClr>
+            </a:solidFill>
+          </a:ln>
+        </p:spPr>
+        <p:style>
+          <a:lnRef idx="2">
+            <a:schemeClr val="accent1">
+              <a:shade val="50000"/>
+            </a:schemeClr>
+          </a:lnRef>
+          <a:fillRef idx="1">
+            <a:schemeClr val="accent1"/>
+          </a:fillRef>
+          <a:effectRef idx="0">
+            <a:schemeClr val="accent1"/>
+          </a:effectRef>
+          <a:fontRef idx="minor">
+            <a:schemeClr val="lt1"/>
+          </a:fontRef>
+        </p:style>
+        <p:txBody>
+          <a:bodyPr rtlCol="0" anchor="ctr"/>
+          <a:lstStyle/>
+          <a:p>
+            <a:pPr algn="ctr"/>
+            <a:r>
+              <a:rPr lang="en-US" altLang="ko-KR" sz="1400" dirty="0" smtClean="0">
+                <a:solidFill>
+                  <a:schemeClr val="bg1">
+                    <a:lumMod val="65000"/>
+                  </a:schemeClr>
+                </a:solidFill>
+              </a:rPr>
+              <a:t>20</a:t>
+            </a:r>
+            <a:endParaRPr lang="ko-KR" altLang="en-US" sz="1400" dirty="0">
+              <a:solidFill>
+                <a:schemeClr val="bg1">
+                  <a:lumMod val="65000"/>
+                </a:schemeClr>
+              </a:solidFill>
+            </a:endParaRPr>
+          </a:p>
+        </p:txBody>
+      </p:sp>
+      <p:sp>
+        <p:nvSpPr>
+          <p:cNvPr id="36" name="정육면체 35"/>
+          <p:cNvSpPr/>
+          <p:nvPr/>
+        </p:nvSpPr>
+        <p:spPr>
+          <a:xfrm>
+            <a:off x="7586039" y="5157192"/>
+            <a:ext cx="504056" cy="432048"/>
+          </a:xfrm>
+          <a:prstGeom prst="cube">
+            <a:avLst/>
+          </a:prstGeom>
+          <a:solidFill>
+            <a:schemeClr val="bg1"/>
+          </a:solidFill>
+          <a:ln w="12700"/>
+        </p:spPr>
+        <p:style>
+          <a:lnRef idx="2">
+            <a:schemeClr val="accent1">
+              <a:shade val="50000"/>
+            </a:schemeClr>
+          </a:lnRef>
+          <a:fillRef idx="1">
+            <a:schemeClr val="accent1"/>
+          </a:fillRef>
+          <a:effectRef idx="0">
+            <a:schemeClr val="accent1"/>
+          </a:effectRef>
+          <a:fontRef idx="minor">
+            <a:schemeClr val="lt1"/>
+          </a:fontRef>
+        </p:style>
+        <p:txBody>
+          <a:bodyPr rtlCol="0" anchor="ctr"/>
+          <a:lstStyle/>
+          <a:p>
+            <a:pPr algn="ctr"/>
+            <a:r>
+              <a:rPr lang="en-US" altLang="ko-KR" sz="1400" dirty="0" smtClean="0">
+                <a:solidFill>
+                  <a:sysClr val="windowText" lastClr="000000"/>
+                </a:solidFill>
+              </a:rPr>
+              <a:t>20</a:t>
+            </a:r>
+            <a:endParaRPr lang="ko-KR" altLang="en-US" sz="1400" dirty="0">
+              <a:solidFill>
+                <a:sysClr val="windowText" lastClr="000000"/>
+              </a:solidFill>
+            </a:endParaRPr>
+          </a:p>
+        </p:txBody>
+      </p:sp>
+      <p:sp>
+        <p:nvSpPr>
+          <p:cNvPr id="37" name="정육면체 36"/>
+          <p:cNvSpPr/>
+          <p:nvPr/>
+        </p:nvSpPr>
+        <p:spPr>
+          <a:xfrm>
+            <a:off x="8480376" y="5484131"/>
+            <a:ext cx="504056" cy="432048"/>
+          </a:xfrm>
+          <a:prstGeom prst="cube">
+            <a:avLst/>
+          </a:prstGeom>
+          <a:solidFill>
+            <a:schemeClr val="bg1"/>
+          </a:solidFill>
+          <a:ln w="12700"/>
+        </p:spPr>
+        <p:style>
+          <a:lnRef idx="2">
+            <a:schemeClr val="accent1">
+              <a:shade val="50000"/>
+            </a:schemeClr>
+          </a:lnRef>
+          <a:fillRef idx="1">
+            <a:schemeClr val="accent1"/>
+          </a:fillRef>
+          <a:effectRef idx="0">
+            <a:schemeClr val="accent1"/>
+          </a:effectRef>
+          <a:fontRef idx="minor">
+            <a:schemeClr val="lt1"/>
+          </a:fontRef>
+        </p:style>
+        <p:txBody>
+          <a:bodyPr rtlCol="0" anchor="ctr"/>
+          <a:lstStyle/>
+          <a:p>
+            <a:pPr algn="ctr"/>
+            <a:r>
+              <a:rPr lang="en-US" altLang="ko-KR" sz="1400" dirty="0" smtClean="0">
+                <a:solidFill>
+                  <a:sysClr val="windowText" lastClr="000000"/>
+                </a:solidFill>
+              </a:rPr>
+              <a:t>30</a:t>
+            </a:r>
+            <a:endParaRPr lang="ko-KR" altLang="en-US" sz="1400" dirty="0">
+              <a:solidFill>
+                <a:sysClr val="windowText" lastClr="000000"/>
+              </a:solidFill>
+            </a:endParaRPr>
+          </a:p>
+        </p:txBody>
+      </p:sp>
+      <p:sp>
+        <p:nvSpPr>
+          <p:cNvPr id="38" name="정육면체 37"/>
+          <p:cNvSpPr/>
+          <p:nvPr/>
+        </p:nvSpPr>
+        <p:spPr>
+          <a:xfrm>
+            <a:off x="8481392" y="5157192"/>
+            <a:ext cx="504056" cy="432048"/>
+          </a:xfrm>
+          <a:prstGeom prst="cube">
+            <a:avLst/>
+          </a:prstGeom>
+          <a:solidFill>
+            <a:schemeClr val="bg1"/>
+          </a:solidFill>
+          <a:ln w="12700"/>
+        </p:spPr>
+        <p:style>
+          <a:lnRef idx="2">
+            <a:schemeClr val="accent1">
+              <a:shade val="50000"/>
+            </a:schemeClr>
+          </a:lnRef>
+          <a:fillRef idx="1">
+            <a:schemeClr val="accent1"/>
+          </a:fillRef>
+          <a:effectRef idx="0">
+            <a:schemeClr val="accent1"/>
+          </a:effectRef>
+          <a:fontRef idx="minor">
+            <a:schemeClr val="lt1"/>
+          </a:fontRef>
+        </p:style>
+        <p:txBody>
+          <a:bodyPr rtlCol="0" anchor="ctr"/>
+          <a:lstStyle/>
+          <a:p>
+            <a:pPr algn="ctr"/>
+            <a:r>
+              <a:rPr lang="en-US" altLang="ko-KR" sz="1400" dirty="0" smtClean="0">
+                <a:solidFill>
+                  <a:sysClr val="windowText" lastClr="000000"/>
+                </a:solidFill>
+              </a:rPr>
+              <a:t>10</a:t>
+            </a:r>
+            <a:endParaRPr lang="ko-KR" altLang="en-US" sz="1400" dirty="0">
+              <a:solidFill>
+                <a:sysClr val="windowText" lastClr="000000"/>
+              </a:solidFill>
+            </a:endParaRPr>
+          </a:p>
+        </p:txBody>
+      </p:sp>
+      <p:sp>
+        <p:nvSpPr>
+          <p:cNvPr id="39" name="정육면체 38"/>
+          <p:cNvSpPr/>
+          <p:nvPr/>
+        </p:nvSpPr>
+        <p:spPr>
+          <a:xfrm>
+            <a:off x="8882183" y="5480821"/>
+            <a:ext cx="504056" cy="432048"/>
+          </a:xfrm>
+          <a:prstGeom prst="cube">
+            <a:avLst/>
+          </a:prstGeom>
+          <a:solidFill>
+            <a:schemeClr val="bg1"/>
+          </a:solidFill>
+          <a:ln w="12700"/>
+        </p:spPr>
+        <p:style>
+          <a:lnRef idx="2">
+            <a:schemeClr val="accent1">
+              <a:shade val="50000"/>
+            </a:schemeClr>
+          </a:lnRef>
+          <a:fillRef idx="1">
+            <a:schemeClr val="accent1"/>
+          </a:fillRef>
+          <a:effectRef idx="0">
+            <a:schemeClr val="accent1"/>
+          </a:effectRef>
+          <a:fontRef idx="minor">
+            <a:schemeClr val="lt1"/>
+          </a:fontRef>
+        </p:style>
+        <p:txBody>
+          <a:bodyPr rtlCol="0" anchor="ctr"/>
+          <a:lstStyle/>
+          <a:p>
+            <a:pPr algn="ctr"/>
+            <a:r>
+              <a:rPr lang="en-US" altLang="ko-KR" sz="1400" dirty="0" smtClean="0">
+                <a:solidFill>
+                  <a:sysClr val="windowText" lastClr="000000"/>
+                </a:solidFill>
+              </a:rPr>
+              <a:t>80</a:t>
+            </a:r>
+            <a:endParaRPr lang="ko-KR" altLang="en-US" sz="1400" dirty="0">
+              <a:solidFill>
+                <a:sysClr val="windowText" lastClr="000000"/>
+              </a:solidFill>
+            </a:endParaRPr>
+          </a:p>
+        </p:txBody>
+      </p:sp>
+      <p:sp>
+        <p:nvSpPr>
+          <p:cNvPr id="40" name="정육면체 39"/>
+          <p:cNvSpPr/>
+          <p:nvPr/>
+        </p:nvSpPr>
+        <p:spPr>
+          <a:xfrm>
+            <a:off x="8882183" y="5157192"/>
+            <a:ext cx="504056" cy="432048"/>
+          </a:xfrm>
+          <a:prstGeom prst="cube">
+            <a:avLst/>
+          </a:prstGeom>
+          <a:solidFill>
+            <a:schemeClr val="bg1"/>
+          </a:solidFill>
+          <a:ln w="12700"/>
+        </p:spPr>
+        <p:style>
+          <a:lnRef idx="2">
+            <a:schemeClr val="accent1">
+              <a:shade val="50000"/>
+            </a:schemeClr>
+          </a:lnRef>
+          <a:fillRef idx="1">
+            <a:schemeClr val="accent1"/>
+          </a:fillRef>
+          <a:effectRef idx="0">
+            <a:schemeClr val="accent1"/>
+          </a:effectRef>
+          <a:fontRef idx="minor">
+            <a:schemeClr val="lt1"/>
+          </a:fontRef>
+        </p:style>
+        <p:txBody>
+          <a:bodyPr rtlCol="0" anchor="ctr"/>
+          <a:lstStyle/>
+          <a:p>
+            <a:pPr algn="ctr"/>
+            <a:r>
+              <a:rPr lang="en-US" altLang="ko-KR" sz="1400" dirty="0" smtClean="0">
+                <a:solidFill>
+                  <a:sysClr val="windowText" lastClr="000000"/>
+                </a:solidFill>
+              </a:rPr>
+              <a:t>40</a:t>
+            </a:r>
+            <a:endParaRPr lang="ko-KR" altLang="en-US" sz="1400" dirty="0">
+              <a:solidFill>
+                <a:sysClr val="windowText" lastClr="000000"/>
+              </a:solidFill>
+            </a:endParaRPr>
+          </a:p>
+        </p:txBody>
+      </p:sp>
+      <p:sp>
+        <p:nvSpPr>
+          <p:cNvPr id="41" name="TextBox 40"/>
+          <p:cNvSpPr txBox="1"/>
+          <p:nvPr/>
+        </p:nvSpPr>
+        <p:spPr>
+          <a:xfrm>
+            <a:off x="4172881" y="5333870"/>
+            <a:ext cx="278367" cy="369332"/>
           </a:xfrm>
           <a:prstGeom prst="rect">
             <a:avLst/>
           </a:prstGeom>
-          <a:ln>
-            <a:solidFill>
-              <a:schemeClr val="bg1">
-                <a:lumMod val="85000"/>
-              </a:schemeClr>
-            </a:solidFill>
-          </a:ln>
-        </p:spPr>
-      </p:pic>
+          <a:noFill/>
+        </p:spPr>
+        <p:txBody>
+          <a:bodyPr wrap="square" rtlCol="0">
+            <a:spAutoFit/>
+          </a:bodyPr>
+          <a:lstStyle/>
+          <a:p>
+            <a:r>
+              <a:rPr lang="en-US" altLang="ko-KR" dirty="0" smtClean="0"/>
+              <a:t>*</a:t>
+            </a:r>
+            <a:endParaRPr lang="ko-KR" altLang="en-US" dirty="0"/>
+          </a:p>
+        </p:txBody>
+      </p:sp>
+      <p:sp>
+        <p:nvSpPr>
+          <p:cNvPr id="42" name="TextBox 41"/>
+          <p:cNvSpPr txBox="1"/>
+          <p:nvPr/>
+        </p:nvSpPr>
+        <p:spPr>
+          <a:xfrm>
+            <a:off x="5512755" y="5407955"/>
+            <a:ext cx="278367" cy="369332"/>
+          </a:xfrm>
+          <a:prstGeom prst="rect">
+            <a:avLst/>
+          </a:prstGeom>
+          <a:noFill/>
+        </p:spPr>
+        <p:txBody>
+          <a:bodyPr wrap="square" rtlCol="0">
+            <a:spAutoFit/>
+          </a:bodyPr>
+          <a:lstStyle/>
+          <a:p>
+            <a:r>
+              <a:rPr lang="en-US" altLang="ko-KR" dirty="0" smtClean="0"/>
+              <a:t>=</a:t>
+            </a:r>
+            <a:endParaRPr lang="ko-KR" altLang="en-US" dirty="0"/>
+          </a:p>
+        </p:txBody>
+      </p:sp>
+      <p:sp>
+        <p:nvSpPr>
+          <p:cNvPr id="43" name="TextBox 42"/>
+          <p:cNvSpPr txBox="1"/>
+          <p:nvPr/>
+        </p:nvSpPr>
+        <p:spPr>
+          <a:xfrm>
+            <a:off x="8131017" y="5373216"/>
+            <a:ext cx="278367" cy="369332"/>
+          </a:xfrm>
+          <a:prstGeom prst="rect">
+            <a:avLst/>
+          </a:prstGeom>
+          <a:noFill/>
+        </p:spPr>
+        <p:txBody>
+          <a:bodyPr wrap="square" rtlCol="0">
+            <a:spAutoFit/>
+          </a:bodyPr>
+          <a:lstStyle/>
+          <a:p>
+            <a:r>
+              <a:rPr lang="en-US" altLang="ko-KR" dirty="0" smtClean="0"/>
+              <a:t>=</a:t>
+            </a:r>
+            <a:endParaRPr lang="ko-KR" altLang="en-US" dirty="0"/>
+          </a:p>
+        </p:txBody>
+      </p:sp>
+      <p:sp>
+        <p:nvSpPr>
+          <p:cNvPr id="44" name="TextBox 43"/>
+          <p:cNvSpPr txBox="1"/>
+          <p:nvPr/>
+        </p:nvSpPr>
+        <p:spPr>
+          <a:xfrm>
+            <a:off x="6869414" y="5404574"/>
+            <a:ext cx="278367" cy="369332"/>
+          </a:xfrm>
+          <a:prstGeom prst="rect">
+            <a:avLst/>
+          </a:prstGeom>
+          <a:noFill/>
+        </p:spPr>
+        <p:txBody>
+          <a:bodyPr wrap="square" rtlCol="0">
+            <a:spAutoFit/>
+          </a:bodyPr>
+          <a:lstStyle/>
+          <a:p>
+            <a:r>
+              <a:rPr lang="en-US" altLang="ko-KR" dirty="0" smtClean="0"/>
+              <a:t>*</a:t>
+            </a:r>
+            <a:endParaRPr lang="ko-KR" altLang="en-US" dirty="0"/>
+          </a:p>
+        </p:txBody>
+      </p:sp>
     </p:spTree>
     <p:extLst>
       <p:ext uri="{BB962C8B-B14F-4D97-AF65-F5344CB8AC3E}">
-        <p14:creationId xmlns:p14="http://schemas.microsoft.com/office/powerpoint/2010/main" val="3972902245"/>
+        <p14:creationId xmlns:p14="http://schemas.microsoft.com/office/powerpoint/2010/main" val="1410278228"/>
       </p:ext>
     </p:extLst>
   </p:cSld>
@@ -14756,18 +14998,25 @@
         </p:blipFill>
         <p:spPr>
           <a:xfrm>
-            <a:off x="686686" y="1484784"/>
-            <a:ext cx="8712968" cy="3127566"/>
+            <a:off x="1208584" y="1484784"/>
+            <a:ext cx="7493881" cy="4536504"/>
           </a:xfrm>
           <a:prstGeom prst="rect">
             <a:avLst/>
           </a:prstGeom>
+          <a:ln>
+            <a:solidFill>
+              <a:schemeClr val="bg1">
+                <a:lumMod val="85000"/>
+              </a:schemeClr>
+            </a:solidFill>
+          </a:ln>
         </p:spPr>
       </p:pic>
     </p:spTree>
     <p:extLst>
       <p:ext uri="{BB962C8B-B14F-4D97-AF65-F5344CB8AC3E}">
-        <p14:creationId xmlns:p14="http://schemas.microsoft.com/office/powerpoint/2010/main" val="3325191986"/>
+        <p14:creationId xmlns:p14="http://schemas.microsoft.com/office/powerpoint/2010/main" val="2864161784"/>
       </p:ext>
     </p:extLst>
   </p:cSld>
@@ -14859,7 +15108,7 @@
       </p:sp>
       <p:pic>
         <p:nvPicPr>
-          <p:cNvPr id="5" name="그림 4"/>
+          <p:cNvPr id="3" name="그림 2"/>
           <p:cNvPicPr>
             <a:picLocks noChangeAspect="1"/>
           </p:cNvPicPr>
@@ -14879,25 +15128,18 @@
         </p:blipFill>
         <p:spPr>
           <a:xfrm>
-            <a:off x="628137" y="1268760"/>
-            <a:ext cx="8702794" cy="4724809"/>
+            <a:off x="1424608" y="1484784"/>
+            <a:ext cx="6394594" cy="4680520"/>
           </a:xfrm>
           <a:prstGeom prst="rect">
             <a:avLst/>
           </a:prstGeom>
-          <a:ln>
-            <a:solidFill>
-              <a:schemeClr val="bg1">
-                <a:lumMod val="85000"/>
-              </a:schemeClr>
-            </a:solidFill>
-          </a:ln>
         </p:spPr>
       </p:pic>
     </p:spTree>
     <p:extLst>
       <p:ext uri="{BB962C8B-B14F-4D97-AF65-F5344CB8AC3E}">
-        <p14:creationId xmlns:p14="http://schemas.microsoft.com/office/powerpoint/2010/main" val="1343701330"/>
+        <p14:creationId xmlns:p14="http://schemas.microsoft.com/office/powerpoint/2010/main" val="3031770994"/>
       </p:ext>
     </p:extLst>
   </p:cSld>
@@ -15009,8 +15251,8 @@
         </p:blipFill>
         <p:spPr>
           <a:xfrm>
-            <a:off x="1280592" y="1844824"/>
-            <a:ext cx="7100478" cy="3217404"/>
+            <a:off x="344488" y="1268760"/>
+            <a:ext cx="9410700" cy="4172669"/>
           </a:xfrm>
           <a:prstGeom prst="rect">
             <a:avLst/>
@@ -15027,7 +15269,7 @@
     </p:spTree>
     <p:extLst>
       <p:ext uri="{BB962C8B-B14F-4D97-AF65-F5344CB8AC3E}">
-        <p14:creationId xmlns:p14="http://schemas.microsoft.com/office/powerpoint/2010/main" val="1453338271"/>
+        <p14:creationId xmlns:p14="http://schemas.microsoft.com/office/powerpoint/2010/main" val="1963798108"/>
       </p:ext>
     </p:extLst>
   </p:cSld>
@@ -15119,13 +15361,13 @@
       </p:sp>
       <p:pic>
         <p:nvPicPr>
-          <p:cNvPr id="5" name="그림 4"/>
+          <p:cNvPr id="3" name="그림 2"/>
           <p:cNvPicPr>
             <a:picLocks noChangeAspect="1"/>
           </p:cNvPicPr>
           <p:nvPr/>
         </p:nvPicPr>
-        <p:blipFill rotWithShape="1">
+        <p:blipFill>
           <a:blip r:embed="rId2">
             <a:extLst>
               <a:ext uri="{28A0092B-C50C-407E-A947-70E740481C1C}">
@@ -15133,13 +15375,14 @@
               </a:ext>
             </a:extLst>
           </a:blip>
-          <a:srcRect b="18233"/>
-          <a:stretch/>
+          <a:stretch>
+            <a:fillRect/>
+          </a:stretch>
         </p:blipFill>
         <p:spPr>
           <a:xfrm>
-            <a:off x="628137" y="1412776"/>
-            <a:ext cx="8788128" cy="4032448"/>
+            <a:off x="425252" y="1412776"/>
+            <a:ext cx="8985448" cy="3899100"/>
           </a:xfrm>
           <a:prstGeom prst="rect">
             <a:avLst/>
@@ -15156,7 +15399,7 @@
     </p:spTree>
     <p:extLst>
       <p:ext uri="{BB962C8B-B14F-4D97-AF65-F5344CB8AC3E}">
-        <p14:creationId xmlns:p14="http://schemas.microsoft.com/office/powerpoint/2010/main" val="1685391774"/>
+        <p14:creationId xmlns:p14="http://schemas.microsoft.com/office/powerpoint/2010/main" val="1952600418"/>
       </p:ext>
     </p:extLst>
   </p:cSld>
@@ -15704,7 +15947,7 @@
       </p:sp>
       <p:pic>
         <p:nvPicPr>
-          <p:cNvPr id="3" name="그림 2"/>
+          <p:cNvPr id="5" name="그림 4"/>
           <p:cNvPicPr>
             <a:picLocks noChangeAspect="1"/>
           </p:cNvPicPr>
@@ -15724,8 +15967,8 @@
         </p:blipFill>
         <p:spPr>
           <a:xfrm>
-            <a:off x="315828" y="1645765"/>
-            <a:ext cx="9274344" cy="3566469"/>
+            <a:off x="641276" y="1484784"/>
+            <a:ext cx="8769424" cy="3133302"/>
           </a:xfrm>
           <a:prstGeom prst="rect">
             <a:avLst/>
@@ -15742,7 +15985,7 @@
     </p:spTree>
     <p:extLst>
       <p:ext uri="{BB962C8B-B14F-4D97-AF65-F5344CB8AC3E}">
-        <p14:creationId xmlns:p14="http://schemas.microsoft.com/office/powerpoint/2010/main" val="3775029898"/>
+        <p14:creationId xmlns:p14="http://schemas.microsoft.com/office/powerpoint/2010/main" val="3440157505"/>
       </p:ext>
     </p:extLst>
   </p:cSld>
@@ -15834,13 +16077,13 @@
       </p:sp>
       <p:pic>
         <p:nvPicPr>
-          <p:cNvPr id="5" name="그림 4"/>
+          <p:cNvPr id="3" name="그림 2"/>
           <p:cNvPicPr>
             <a:picLocks noChangeAspect="1"/>
           </p:cNvPicPr>
           <p:nvPr/>
         </p:nvPicPr>
-        <p:blipFill rotWithShape="1">
+        <p:blipFill>
           <a:blip r:embed="rId2">
             <a:extLst>
               <a:ext uri="{28A0092B-C50C-407E-A947-70E740481C1C}">
@@ -15848,13 +16091,14 @@
               </a:ext>
             </a:extLst>
           </a:blip>
-          <a:srcRect r="15021" b="50000"/>
-          <a:stretch/>
+          <a:stretch>
+            <a:fillRect/>
+          </a:stretch>
         </p:blipFill>
         <p:spPr>
           <a:xfrm>
-            <a:off x="776536" y="1628800"/>
-            <a:ext cx="8410395" cy="3168352"/>
+            <a:off x="344488" y="1255470"/>
+            <a:ext cx="9289032" cy="1981660"/>
           </a:xfrm>
           <a:prstGeom prst="rect">
             <a:avLst/>
@@ -15868,10 +16112,84 @@
           </a:ln>
         </p:spPr>
       </p:pic>
+      <p:pic>
+        <p:nvPicPr>
+          <p:cNvPr id="5" name="그림 4"/>
+          <p:cNvPicPr>
+            <a:picLocks noChangeAspect="1"/>
+          </p:cNvPicPr>
+          <p:nvPr/>
+        </p:nvPicPr>
+        <p:blipFill>
+          <a:blip r:embed="rId3">
+            <a:extLst>
+              <a:ext uri="{28A0092B-C50C-407E-A947-70E740481C1C}">
+                <a14:useLocalDpi xmlns:a14="http://schemas.microsoft.com/office/drawing/2010/main" val="0"/>
+              </a:ext>
+            </a:extLst>
+          </a:blip>
+          <a:stretch>
+            <a:fillRect/>
+          </a:stretch>
+        </p:blipFill>
+        <p:spPr>
+          <a:xfrm>
+            <a:off x="1352600" y="3446615"/>
+            <a:ext cx="3358020" cy="3155982"/>
+          </a:xfrm>
+          <a:prstGeom prst="rect">
+            <a:avLst/>
+          </a:prstGeom>
+          <a:ln>
+            <a:solidFill>
+              <a:schemeClr val="bg1">
+                <a:lumMod val="85000"/>
+              </a:schemeClr>
+            </a:solidFill>
+          </a:ln>
+        </p:spPr>
+      </p:pic>
+      <p:pic>
+        <p:nvPicPr>
+          <p:cNvPr id="7" name="그림 6"/>
+          <p:cNvPicPr>
+            <a:picLocks noChangeAspect="1"/>
+          </p:cNvPicPr>
+          <p:nvPr/>
+        </p:nvPicPr>
+        <p:blipFill>
+          <a:blip r:embed="rId4">
+            <a:extLst>
+              <a:ext uri="{28A0092B-C50C-407E-A947-70E740481C1C}">
+                <a14:useLocalDpi xmlns:a14="http://schemas.microsoft.com/office/drawing/2010/main" val="0"/>
+              </a:ext>
+            </a:extLst>
+          </a:blip>
+          <a:stretch>
+            <a:fillRect/>
+          </a:stretch>
+        </p:blipFill>
+        <p:spPr>
+          <a:xfrm>
+            <a:off x="5103267" y="3438977"/>
+            <a:ext cx="3378125" cy="3145151"/>
+          </a:xfrm>
+          <a:prstGeom prst="rect">
+            <a:avLst/>
+          </a:prstGeom>
+          <a:ln>
+            <a:solidFill>
+              <a:schemeClr val="bg1">
+                <a:lumMod val="85000"/>
+              </a:schemeClr>
+            </a:solidFill>
+          </a:ln>
+        </p:spPr>
+      </p:pic>
     </p:spTree>
     <p:extLst>
       <p:ext uri="{BB962C8B-B14F-4D97-AF65-F5344CB8AC3E}">
-        <p14:creationId xmlns:p14="http://schemas.microsoft.com/office/powerpoint/2010/main" val="1003299309"/>
+        <p14:creationId xmlns:p14="http://schemas.microsoft.com/office/powerpoint/2010/main" val="3972902245"/>
       </p:ext>
     </p:extLst>
   </p:cSld>
@@ -15956,6 +16274,777 @@
             <a:fld id="{1BDE3FE7-3AEA-4B05-AC5A-802D1816ACF0}" type="slidenum">
               <a:rPr lang="ko-KR" altLang="en-US" smtClean="0"/>
               <a:t>52</a:t>
+            </a:fld>
+            <a:endParaRPr lang="ko-KR" altLang="en-US"/>
+          </a:p>
+        </p:txBody>
+      </p:sp>
+      <p:pic>
+        <p:nvPicPr>
+          <p:cNvPr id="6" name="그림 5"/>
+          <p:cNvPicPr>
+            <a:picLocks noChangeAspect="1"/>
+          </p:cNvPicPr>
+          <p:nvPr/>
+        </p:nvPicPr>
+        <p:blipFill>
+          <a:blip r:embed="rId2">
+            <a:extLst>
+              <a:ext uri="{28A0092B-C50C-407E-A947-70E740481C1C}">
+                <a14:useLocalDpi xmlns:a14="http://schemas.microsoft.com/office/drawing/2010/main" val="0"/>
+              </a:ext>
+            </a:extLst>
+          </a:blip>
+          <a:stretch>
+            <a:fillRect/>
+          </a:stretch>
+        </p:blipFill>
+        <p:spPr>
+          <a:xfrm>
+            <a:off x="686686" y="1484784"/>
+            <a:ext cx="8712968" cy="3127566"/>
+          </a:xfrm>
+          <a:prstGeom prst="rect">
+            <a:avLst/>
+          </a:prstGeom>
+        </p:spPr>
+      </p:pic>
+    </p:spTree>
+    <p:extLst>
+      <p:ext uri="{BB962C8B-B14F-4D97-AF65-F5344CB8AC3E}">
+        <p14:creationId xmlns:p14="http://schemas.microsoft.com/office/powerpoint/2010/main" val="3325191986"/>
+      </p:ext>
+    </p:extLst>
+  </p:cSld>
+  <p:clrMapOvr>
+    <a:masterClrMapping/>
+  </p:clrMapOvr>
+  <p:timing>
+    <p:tnLst>
+      <p:par>
+        <p:cTn id="1" dur="indefinite" restart="never" nodeType="tmRoot"/>
+      </p:par>
+    </p:tnLst>
+  </p:timing>
+</p:sld>
+</file>
+
+<file path=ppt/slides/slide53.xml><?xml version="1.0" encoding="utf-8"?>
+<p:sld xmlns:a="http://schemas.openxmlformats.org/drawingml/2006/main" xmlns:r="http://schemas.openxmlformats.org/officeDocument/2006/relationships" xmlns:p="http://schemas.openxmlformats.org/presentationml/2006/main">
+  <p:cSld>
+    <p:spTree>
+      <p:nvGrpSpPr>
+        <p:cNvPr id="1" name=""/>
+        <p:cNvGrpSpPr/>
+        <p:nvPr/>
+      </p:nvGrpSpPr>
+      <p:grpSpPr>
+        <a:xfrm>
+          <a:off x="0" y="0"/>
+          <a:ext cx="0" cy="0"/>
+          <a:chOff x="0" y="0"/>
+          <a:chExt cx="0" cy="0"/>
+        </a:xfrm>
+      </p:grpSpPr>
+      <p:sp>
+        <p:nvSpPr>
+          <p:cNvPr id="2" name="제목 1"/>
+          <p:cNvSpPr>
+            <a:spLocks noGrp="1"/>
+          </p:cNvSpPr>
+          <p:nvPr>
+            <p:ph type="title"/>
+          </p:nvPr>
+        </p:nvSpPr>
+        <p:spPr/>
+        <p:txBody>
+          <a:bodyPr>
+            <a:normAutofit/>
+          </a:bodyPr>
+          <a:lstStyle/>
+          <a:p>
+            <a:r>
+              <a:rPr lang="en-US" altLang="ko-KR" sz="2800" dirty="0"/>
+              <a:t> </a:t>
+            </a:r>
+            <a:r>
+              <a:rPr lang="ko-KR" altLang="en-US" sz="2800" dirty="0"/>
+              <a:t>서울시 </a:t>
+            </a:r>
+            <a:r>
+              <a:rPr lang="ko-KR" altLang="en-US" sz="2800" dirty="0" smtClean="0"/>
+              <a:t>운동을 하지 않는 이유 통계</a:t>
+            </a:r>
+            <a:endParaRPr lang="ko-KR" altLang="en-US" sz="2800" dirty="0"/>
+          </a:p>
+        </p:txBody>
+      </p:sp>
+      <p:sp>
+        <p:nvSpPr>
+          <p:cNvPr id="4" name="슬라이드 번호 개체 틀 3"/>
+          <p:cNvSpPr>
+            <a:spLocks noGrp="1"/>
+          </p:cNvSpPr>
+          <p:nvPr>
+            <p:ph type="sldNum" sz="quarter" idx="12"/>
+          </p:nvPr>
+        </p:nvSpPr>
+        <p:spPr/>
+        <p:txBody>
+          <a:bodyPr/>
+          <a:lstStyle/>
+          <a:p>
+            <a:fld id="{1BDE3FE7-3AEA-4B05-AC5A-802D1816ACF0}" type="slidenum">
+              <a:rPr lang="ko-KR" altLang="en-US" smtClean="0"/>
+              <a:t>53</a:t>
+            </a:fld>
+            <a:endParaRPr lang="ko-KR" altLang="en-US"/>
+          </a:p>
+        </p:txBody>
+      </p:sp>
+      <p:pic>
+        <p:nvPicPr>
+          <p:cNvPr id="5" name="그림 4"/>
+          <p:cNvPicPr>
+            <a:picLocks noChangeAspect="1"/>
+          </p:cNvPicPr>
+          <p:nvPr/>
+        </p:nvPicPr>
+        <p:blipFill>
+          <a:blip r:embed="rId2">
+            <a:extLst>
+              <a:ext uri="{28A0092B-C50C-407E-A947-70E740481C1C}">
+                <a14:useLocalDpi xmlns:a14="http://schemas.microsoft.com/office/drawing/2010/main" val="0"/>
+              </a:ext>
+            </a:extLst>
+          </a:blip>
+          <a:stretch>
+            <a:fillRect/>
+          </a:stretch>
+        </p:blipFill>
+        <p:spPr>
+          <a:xfrm>
+            <a:off x="628137" y="1268760"/>
+            <a:ext cx="8702794" cy="4724809"/>
+          </a:xfrm>
+          <a:prstGeom prst="rect">
+            <a:avLst/>
+          </a:prstGeom>
+          <a:ln>
+            <a:solidFill>
+              <a:schemeClr val="bg1">
+                <a:lumMod val="85000"/>
+              </a:schemeClr>
+            </a:solidFill>
+          </a:ln>
+        </p:spPr>
+      </p:pic>
+    </p:spTree>
+    <p:extLst>
+      <p:ext uri="{BB962C8B-B14F-4D97-AF65-F5344CB8AC3E}">
+        <p14:creationId xmlns:p14="http://schemas.microsoft.com/office/powerpoint/2010/main" val="1343701330"/>
+      </p:ext>
+    </p:extLst>
+  </p:cSld>
+  <p:clrMapOvr>
+    <a:masterClrMapping/>
+  </p:clrMapOvr>
+  <p:timing>
+    <p:tnLst>
+      <p:par>
+        <p:cTn id="1" dur="indefinite" restart="never" nodeType="tmRoot"/>
+      </p:par>
+    </p:tnLst>
+  </p:timing>
+</p:sld>
+</file>
+
+<file path=ppt/slides/slide54.xml><?xml version="1.0" encoding="utf-8"?>
+<p:sld xmlns:a="http://schemas.openxmlformats.org/drawingml/2006/main" xmlns:r="http://schemas.openxmlformats.org/officeDocument/2006/relationships" xmlns:p="http://schemas.openxmlformats.org/presentationml/2006/main">
+  <p:cSld>
+    <p:spTree>
+      <p:nvGrpSpPr>
+        <p:cNvPr id="1" name=""/>
+        <p:cNvGrpSpPr/>
+        <p:nvPr/>
+      </p:nvGrpSpPr>
+      <p:grpSpPr>
+        <a:xfrm>
+          <a:off x="0" y="0"/>
+          <a:ext cx="0" cy="0"/>
+          <a:chOff x="0" y="0"/>
+          <a:chExt cx="0" cy="0"/>
+        </a:xfrm>
+      </p:grpSpPr>
+      <p:sp>
+        <p:nvSpPr>
+          <p:cNvPr id="2" name="제목 1"/>
+          <p:cNvSpPr>
+            <a:spLocks noGrp="1"/>
+          </p:cNvSpPr>
+          <p:nvPr>
+            <p:ph type="title"/>
+          </p:nvPr>
+        </p:nvSpPr>
+        <p:spPr/>
+        <p:txBody>
+          <a:bodyPr>
+            <a:normAutofit/>
+          </a:bodyPr>
+          <a:lstStyle/>
+          <a:p>
+            <a:r>
+              <a:rPr lang="en-US" altLang="ko-KR" sz="2800" dirty="0"/>
+              <a:t> </a:t>
+            </a:r>
+            <a:r>
+              <a:rPr lang="ko-KR" altLang="en-US" sz="2800" dirty="0"/>
+              <a:t>서울시 </a:t>
+            </a:r>
+            <a:r>
+              <a:rPr lang="ko-KR" altLang="en-US" sz="2800" dirty="0" smtClean="0"/>
+              <a:t>운동을 하지 않는 이유 통계</a:t>
+            </a:r>
+            <a:endParaRPr lang="ko-KR" altLang="en-US" sz="2800" dirty="0"/>
+          </a:p>
+        </p:txBody>
+      </p:sp>
+      <p:sp>
+        <p:nvSpPr>
+          <p:cNvPr id="4" name="슬라이드 번호 개체 틀 3"/>
+          <p:cNvSpPr>
+            <a:spLocks noGrp="1"/>
+          </p:cNvSpPr>
+          <p:nvPr>
+            <p:ph type="sldNum" sz="quarter" idx="12"/>
+          </p:nvPr>
+        </p:nvSpPr>
+        <p:spPr/>
+        <p:txBody>
+          <a:bodyPr/>
+          <a:lstStyle/>
+          <a:p>
+            <a:fld id="{1BDE3FE7-3AEA-4B05-AC5A-802D1816ACF0}" type="slidenum">
+              <a:rPr lang="ko-KR" altLang="en-US" smtClean="0"/>
+              <a:t>54</a:t>
+            </a:fld>
+            <a:endParaRPr lang="ko-KR" altLang="en-US"/>
+          </a:p>
+        </p:txBody>
+      </p:sp>
+      <p:pic>
+        <p:nvPicPr>
+          <p:cNvPr id="3" name="그림 2"/>
+          <p:cNvPicPr>
+            <a:picLocks noChangeAspect="1"/>
+          </p:cNvPicPr>
+          <p:nvPr/>
+        </p:nvPicPr>
+        <p:blipFill>
+          <a:blip r:embed="rId2">
+            <a:extLst>
+              <a:ext uri="{28A0092B-C50C-407E-A947-70E740481C1C}">
+                <a14:useLocalDpi xmlns:a14="http://schemas.microsoft.com/office/drawing/2010/main" val="0"/>
+              </a:ext>
+            </a:extLst>
+          </a:blip>
+          <a:stretch>
+            <a:fillRect/>
+          </a:stretch>
+        </p:blipFill>
+        <p:spPr>
+          <a:xfrm>
+            <a:off x="1280592" y="1844824"/>
+            <a:ext cx="7100478" cy="3217404"/>
+          </a:xfrm>
+          <a:prstGeom prst="rect">
+            <a:avLst/>
+          </a:prstGeom>
+          <a:ln>
+            <a:solidFill>
+              <a:schemeClr val="bg1">
+                <a:lumMod val="85000"/>
+              </a:schemeClr>
+            </a:solidFill>
+          </a:ln>
+        </p:spPr>
+      </p:pic>
+    </p:spTree>
+    <p:extLst>
+      <p:ext uri="{BB962C8B-B14F-4D97-AF65-F5344CB8AC3E}">
+        <p14:creationId xmlns:p14="http://schemas.microsoft.com/office/powerpoint/2010/main" val="1453338271"/>
+      </p:ext>
+    </p:extLst>
+  </p:cSld>
+  <p:clrMapOvr>
+    <a:masterClrMapping/>
+  </p:clrMapOvr>
+  <p:timing>
+    <p:tnLst>
+      <p:par>
+        <p:cTn id="1" dur="indefinite" restart="never" nodeType="tmRoot"/>
+      </p:par>
+    </p:tnLst>
+  </p:timing>
+</p:sld>
+</file>
+
+<file path=ppt/slides/slide55.xml><?xml version="1.0" encoding="utf-8"?>
+<p:sld xmlns:a="http://schemas.openxmlformats.org/drawingml/2006/main" xmlns:r="http://schemas.openxmlformats.org/officeDocument/2006/relationships" xmlns:p="http://schemas.openxmlformats.org/presentationml/2006/main">
+  <p:cSld>
+    <p:spTree>
+      <p:nvGrpSpPr>
+        <p:cNvPr id="1" name=""/>
+        <p:cNvGrpSpPr/>
+        <p:nvPr/>
+      </p:nvGrpSpPr>
+      <p:grpSpPr>
+        <a:xfrm>
+          <a:off x="0" y="0"/>
+          <a:ext cx="0" cy="0"/>
+          <a:chOff x="0" y="0"/>
+          <a:chExt cx="0" cy="0"/>
+        </a:xfrm>
+      </p:grpSpPr>
+      <p:sp>
+        <p:nvSpPr>
+          <p:cNvPr id="2" name="제목 1"/>
+          <p:cNvSpPr>
+            <a:spLocks noGrp="1"/>
+          </p:cNvSpPr>
+          <p:nvPr>
+            <p:ph type="title"/>
+          </p:nvPr>
+        </p:nvSpPr>
+        <p:spPr/>
+        <p:txBody>
+          <a:bodyPr>
+            <a:normAutofit/>
+          </a:bodyPr>
+          <a:lstStyle/>
+          <a:p>
+            <a:r>
+              <a:rPr lang="en-US" altLang="ko-KR" sz="2800" dirty="0"/>
+              <a:t> </a:t>
+            </a:r>
+            <a:r>
+              <a:rPr lang="ko-KR" altLang="en-US" sz="2800" dirty="0"/>
+              <a:t>서울시 </a:t>
+            </a:r>
+            <a:r>
+              <a:rPr lang="ko-KR" altLang="en-US" sz="2800" dirty="0" smtClean="0"/>
+              <a:t>운동을 하지 않는 이유 통계</a:t>
+            </a:r>
+            <a:endParaRPr lang="ko-KR" altLang="en-US" sz="2800" dirty="0"/>
+          </a:p>
+        </p:txBody>
+      </p:sp>
+      <p:sp>
+        <p:nvSpPr>
+          <p:cNvPr id="4" name="슬라이드 번호 개체 틀 3"/>
+          <p:cNvSpPr>
+            <a:spLocks noGrp="1"/>
+          </p:cNvSpPr>
+          <p:nvPr>
+            <p:ph type="sldNum" sz="quarter" idx="12"/>
+          </p:nvPr>
+        </p:nvSpPr>
+        <p:spPr/>
+        <p:txBody>
+          <a:bodyPr/>
+          <a:lstStyle/>
+          <a:p>
+            <a:fld id="{1BDE3FE7-3AEA-4B05-AC5A-802D1816ACF0}" type="slidenum">
+              <a:rPr lang="ko-KR" altLang="en-US" smtClean="0"/>
+              <a:t>55</a:t>
+            </a:fld>
+            <a:endParaRPr lang="ko-KR" altLang="en-US"/>
+          </a:p>
+        </p:txBody>
+      </p:sp>
+      <p:pic>
+        <p:nvPicPr>
+          <p:cNvPr id="5" name="그림 4"/>
+          <p:cNvPicPr>
+            <a:picLocks noChangeAspect="1"/>
+          </p:cNvPicPr>
+          <p:nvPr/>
+        </p:nvPicPr>
+        <p:blipFill rotWithShape="1">
+          <a:blip r:embed="rId2">
+            <a:extLst>
+              <a:ext uri="{28A0092B-C50C-407E-A947-70E740481C1C}">
+                <a14:useLocalDpi xmlns:a14="http://schemas.microsoft.com/office/drawing/2010/main" val="0"/>
+              </a:ext>
+            </a:extLst>
+          </a:blip>
+          <a:srcRect b="18233"/>
+          <a:stretch/>
+        </p:blipFill>
+        <p:spPr>
+          <a:xfrm>
+            <a:off x="628137" y="1412776"/>
+            <a:ext cx="8788128" cy="4032448"/>
+          </a:xfrm>
+          <a:prstGeom prst="rect">
+            <a:avLst/>
+          </a:prstGeom>
+          <a:ln>
+            <a:solidFill>
+              <a:schemeClr val="bg1">
+                <a:lumMod val="85000"/>
+              </a:schemeClr>
+            </a:solidFill>
+          </a:ln>
+        </p:spPr>
+      </p:pic>
+    </p:spTree>
+    <p:extLst>
+      <p:ext uri="{BB962C8B-B14F-4D97-AF65-F5344CB8AC3E}">
+        <p14:creationId xmlns:p14="http://schemas.microsoft.com/office/powerpoint/2010/main" val="1685391774"/>
+      </p:ext>
+    </p:extLst>
+  </p:cSld>
+  <p:clrMapOvr>
+    <a:masterClrMapping/>
+  </p:clrMapOvr>
+  <p:timing>
+    <p:tnLst>
+      <p:par>
+        <p:cTn id="1" dur="indefinite" restart="never" nodeType="tmRoot"/>
+      </p:par>
+    </p:tnLst>
+  </p:timing>
+</p:sld>
+</file>
+
+<file path=ppt/slides/slide56.xml><?xml version="1.0" encoding="utf-8"?>
+<p:sld xmlns:a="http://schemas.openxmlformats.org/drawingml/2006/main" xmlns:r="http://schemas.openxmlformats.org/officeDocument/2006/relationships" xmlns:p="http://schemas.openxmlformats.org/presentationml/2006/main">
+  <p:cSld>
+    <p:spTree>
+      <p:nvGrpSpPr>
+        <p:cNvPr id="1" name=""/>
+        <p:cNvGrpSpPr/>
+        <p:nvPr/>
+      </p:nvGrpSpPr>
+      <p:grpSpPr>
+        <a:xfrm>
+          <a:off x="0" y="0"/>
+          <a:ext cx="0" cy="0"/>
+          <a:chOff x="0" y="0"/>
+          <a:chExt cx="0" cy="0"/>
+        </a:xfrm>
+      </p:grpSpPr>
+      <p:sp>
+        <p:nvSpPr>
+          <p:cNvPr id="2" name="제목 1"/>
+          <p:cNvSpPr>
+            <a:spLocks noGrp="1"/>
+          </p:cNvSpPr>
+          <p:nvPr>
+            <p:ph type="title"/>
+          </p:nvPr>
+        </p:nvSpPr>
+        <p:spPr/>
+        <p:txBody>
+          <a:bodyPr>
+            <a:normAutofit/>
+          </a:bodyPr>
+          <a:lstStyle/>
+          <a:p>
+            <a:r>
+              <a:rPr lang="en-US" altLang="ko-KR" sz="2800" dirty="0"/>
+              <a:t> </a:t>
+            </a:r>
+            <a:r>
+              <a:rPr lang="ko-KR" altLang="en-US" sz="2800" dirty="0"/>
+              <a:t>서울시 </a:t>
+            </a:r>
+            <a:r>
+              <a:rPr lang="ko-KR" altLang="en-US" sz="2800" dirty="0" smtClean="0"/>
+              <a:t>운동을 하지 않는 이유 통계</a:t>
+            </a:r>
+            <a:endParaRPr lang="ko-KR" altLang="en-US" sz="2800" dirty="0"/>
+          </a:p>
+        </p:txBody>
+      </p:sp>
+      <p:sp>
+        <p:nvSpPr>
+          <p:cNvPr id="4" name="슬라이드 번호 개체 틀 3"/>
+          <p:cNvSpPr>
+            <a:spLocks noGrp="1"/>
+          </p:cNvSpPr>
+          <p:nvPr>
+            <p:ph type="sldNum" sz="quarter" idx="12"/>
+          </p:nvPr>
+        </p:nvSpPr>
+        <p:spPr/>
+        <p:txBody>
+          <a:bodyPr/>
+          <a:lstStyle/>
+          <a:p>
+            <a:fld id="{1BDE3FE7-3AEA-4B05-AC5A-802D1816ACF0}" type="slidenum">
+              <a:rPr lang="ko-KR" altLang="en-US" smtClean="0"/>
+              <a:t>56</a:t>
+            </a:fld>
+            <a:endParaRPr lang="ko-KR" altLang="en-US"/>
+          </a:p>
+        </p:txBody>
+      </p:sp>
+      <p:pic>
+        <p:nvPicPr>
+          <p:cNvPr id="3" name="그림 2"/>
+          <p:cNvPicPr>
+            <a:picLocks noChangeAspect="1"/>
+          </p:cNvPicPr>
+          <p:nvPr/>
+        </p:nvPicPr>
+        <p:blipFill>
+          <a:blip r:embed="rId2">
+            <a:extLst>
+              <a:ext uri="{28A0092B-C50C-407E-A947-70E740481C1C}">
+                <a14:useLocalDpi xmlns:a14="http://schemas.microsoft.com/office/drawing/2010/main" val="0"/>
+              </a:ext>
+            </a:extLst>
+          </a:blip>
+          <a:stretch>
+            <a:fillRect/>
+          </a:stretch>
+        </p:blipFill>
+        <p:spPr>
+          <a:xfrm>
+            <a:off x="315828" y="1645765"/>
+            <a:ext cx="9274344" cy="3566469"/>
+          </a:xfrm>
+          <a:prstGeom prst="rect">
+            <a:avLst/>
+          </a:prstGeom>
+          <a:ln>
+            <a:solidFill>
+              <a:schemeClr val="bg1">
+                <a:lumMod val="85000"/>
+              </a:schemeClr>
+            </a:solidFill>
+          </a:ln>
+        </p:spPr>
+      </p:pic>
+    </p:spTree>
+    <p:extLst>
+      <p:ext uri="{BB962C8B-B14F-4D97-AF65-F5344CB8AC3E}">
+        <p14:creationId xmlns:p14="http://schemas.microsoft.com/office/powerpoint/2010/main" val="3775029898"/>
+      </p:ext>
+    </p:extLst>
+  </p:cSld>
+  <p:clrMapOvr>
+    <a:masterClrMapping/>
+  </p:clrMapOvr>
+  <p:timing>
+    <p:tnLst>
+      <p:par>
+        <p:cTn id="1" dur="indefinite" restart="never" nodeType="tmRoot"/>
+      </p:par>
+    </p:tnLst>
+  </p:timing>
+</p:sld>
+</file>
+
+<file path=ppt/slides/slide57.xml><?xml version="1.0" encoding="utf-8"?>
+<p:sld xmlns:a="http://schemas.openxmlformats.org/drawingml/2006/main" xmlns:r="http://schemas.openxmlformats.org/officeDocument/2006/relationships" xmlns:p="http://schemas.openxmlformats.org/presentationml/2006/main">
+  <p:cSld>
+    <p:spTree>
+      <p:nvGrpSpPr>
+        <p:cNvPr id="1" name=""/>
+        <p:cNvGrpSpPr/>
+        <p:nvPr/>
+      </p:nvGrpSpPr>
+      <p:grpSpPr>
+        <a:xfrm>
+          <a:off x="0" y="0"/>
+          <a:ext cx="0" cy="0"/>
+          <a:chOff x="0" y="0"/>
+          <a:chExt cx="0" cy="0"/>
+        </a:xfrm>
+      </p:grpSpPr>
+      <p:sp>
+        <p:nvSpPr>
+          <p:cNvPr id="2" name="제목 1"/>
+          <p:cNvSpPr>
+            <a:spLocks noGrp="1"/>
+          </p:cNvSpPr>
+          <p:nvPr>
+            <p:ph type="title"/>
+          </p:nvPr>
+        </p:nvSpPr>
+        <p:spPr/>
+        <p:txBody>
+          <a:bodyPr>
+            <a:normAutofit/>
+          </a:bodyPr>
+          <a:lstStyle/>
+          <a:p>
+            <a:r>
+              <a:rPr lang="en-US" altLang="ko-KR" sz="2800" dirty="0"/>
+              <a:t> </a:t>
+            </a:r>
+            <a:r>
+              <a:rPr lang="ko-KR" altLang="en-US" sz="2800" dirty="0"/>
+              <a:t>서울시 </a:t>
+            </a:r>
+            <a:r>
+              <a:rPr lang="ko-KR" altLang="en-US" sz="2800" dirty="0" smtClean="0"/>
+              <a:t>운동을 하지 않는 이유 통계</a:t>
+            </a:r>
+            <a:endParaRPr lang="ko-KR" altLang="en-US" sz="2800" dirty="0"/>
+          </a:p>
+        </p:txBody>
+      </p:sp>
+      <p:sp>
+        <p:nvSpPr>
+          <p:cNvPr id="4" name="슬라이드 번호 개체 틀 3"/>
+          <p:cNvSpPr>
+            <a:spLocks noGrp="1"/>
+          </p:cNvSpPr>
+          <p:nvPr>
+            <p:ph type="sldNum" sz="quarter" idx="12"/>
+          </p:nvPr>
+        </p:nvSpPr>
+        <p:spPr/>
+        <p:txBody>
+          <a:bodyPr/>
+          <a:lstStyle/>
+          <a:p>
+            <a:fld id="{1BDE3FE7-3AEA-4B05-AC5A-802D1816ACF0}" type="slidenum">
+              <a:rPr lang="ko-KR" altLang="en-US" smtClean="0"/>
+              <a:t>57</a:t>
+            </a:fld>
+            <a:endParaRPr lang="ko-KR" altLang="en-US"/>
+          </a:p>
+        </p:txBody>
+      </p:sp>
+      <p:pic>
+        <p:nvPicPr>
+          <p:cNvPr id="5" name="그림 4"/>
+          <p:cNvPicPr>
+            <a:picLocks noChangeAspect="1"/>
+          </p:cNvPicPr>
+          <p:nvPr/>
+        </p:nvPicPr>
+        <p:blipFill rotWithShape="1">
+          <a:blip r:embed="rId2">
+            <a:extLst>
+              <a:ext uri="{28A0092B-C50C-407E-A947-70E740481C1C}">
+                <a14:useLocalDpi xmlns:a14="http://schemas.microsoft.com/office/drawing/2010/main" val="0"/>
+              </a:ext>
+            </a:extLst>
+          </a:blip>
+          <a:srcRect r="15021" b="50000"/>
+          <a:stretch/>
+        </p:blipFill>
+        <p:spPr>
+          <a:xfrm>
+            <a:off x="776536" y="1628800"/>
+            <a:ext cx="8410395" cy="3168352"/>
+          </a:xfrm>
+          <a:prstGeom prst="rect">
+            <a:avLst/>
+          </a:prstGeom>
+          <a:ln>
+            <a:solidFill>
+              <a:schemeClr val="bg1">
+                <a:lumMod val="85000"/>
+              </a:schemeClr>
+            </a:solidFill>
+          </a:ln>
+        </p:spPr>
+      </p:pic>
+    </p:spTree>
+    <p:extLst>
+      <p:ext uri="{BB962C8B-B14F-4D97-AF65-F5344CB8AC3E}">
+        <p14:creationId xmlns:p14="http://schemas.microsoft.com/office/powerpoint/2010/main" val="1003299309"/>
+      </p:ext>
+    </p:extLst>
+  </p:cSld>
+  <p:clrMapOvr>
+    <a:masterClrMapping/>
+  </p:clrMapOvr>
+  <p:timing>
+    <p:tnLst>
+      <p:par>
+        <p:cTn id="1" dur="indefinite" restart="never" nodeType="tmRoot"/>
+      </p:par>
+    </p:tnLst>
+  </p:timing>
+</p:sld>
+</file>
+
+<file path=ppt/slides/slide58.xml><?xml version="1.0" encoding="utf-8"?>
+<p:sld xmlns:a="http://schemas.openxmlformats.org/drawingml/2006/main" xmlns:r="http://schemas.openxmlformats.org/officeDocument/2006/relationships" xmlns:p="http://schemas.openxmlformats.org/presentationml/2006/main">
+  <p:cSld>
+    <p:spTree>
+      <p:nvGrpSpPr>
+        <p:cNvPr id="1" name=""/>
+        <p:cNvGrpSpPr/>
+        <p:nvPr/>
+      </p:nvGrpSpPr>
+      <p:grpSpPr>
+        <a:xfrm>
+          <a:off x="0" y="0"/>
+          <a:ext cx="0" cy="0"/>
+          <a:chOff x="0" y="0"/>
+          <a:chExt cx="0" cy="0"/>
+        </a:xfrm>
+      </p:grpSpPr>
+      <p:sp>
+        <p:nvSpPr>
+          <p:cNvPr id="2" name="제목 1"/>
+          <p:cNvSpPr>
+            <a:spLocks noGrp="1"/>
+          </p:cNvSpPr>
+          <p:nvPr>
+            <p:ph type="title"/>
+          </p:nvPr>
+        </p:nvSpPr>
+        <p:spPr/>
+        <p:txBody>
+          <a:bodyPr>
+            <a:normAutofit/>
+          </a:bodyPr>
+          <a:lstStyle/>
+          <a:p>
+            <a:r>
+              <a:rPr lang="en-US" altLang="ko-KR" sz="2800" dirty="0"/>
+              <a:t> </a:t>
+            </a:r>
+            <a:r>
+              <a:rPr lang="ko-KR" altLang="en-US" sz="2800" dirty="0"/>
+              <a:t>서울시 </a:t>
+            </a:r>
+            <a:r>
+              <a:rPr lang="ko-KR" altLang="en-US" sz="2800" dirty="0" smtClean="0"/>
+              <a:t>운동을 하지 않는 이유 통계</a:t>
+            </a:r>
+            <a:endParaRPr lang="ko-KR" altLang="en-US" sz="2800" dirty="0"/>
+          </a:p>
+        </p:txBody>
+      </p:sp>
+      <p:sp>
+        <p:nvSpPr>
+          <p:cNvPr id="4" name="슬라이드 번호 개체 틀 3"/>
+          <p:cNvSpPr>
+            <a:spLocks noGrp="1"/>
+          </p:cNvSpPr>
+          <p:nvPr>
+            <p:ph type="sldNum" sz="quarter" idx="12"/>
+          </p:nvPr>
+        </p:nvSpPr>
+        <p:spPr/>
+        <p:txBody>
+          <a:bodyPr/>
+          <a:lstStyle/>
+          <a:p>
+            <a:fld id="{1BDE3FE7-3AEA-4B05-AC5A-802D1816ACF0}" type="slidenum">
+              <a:rPr lang="ko-KR" altLang="en-US" smtClean="0"/>
+              <a:t>58</a:t>
             </a:fld>
             <a:endParaRPr lang="ko-KR" altLang="en-US"/>
           </a:p>
